--- a/Coin Pilot Presentation.pptx
+++ b/Coin Pilot Presentation.pptx
@@ -2,11 +2,20 @@
 <file path=ppt/presentation.xml><?xml version="1.0" encoding="utf-8"?>
 <p:presentation xmlns:a="http://schemas.openxmlformats.org/drawingml/2006/main" xmlns:r="http://schemas.openxmlformats.org/officeDocument/2006/relationships" xmlns:p="http://schemas.openxmlformats.org/presentationml/2006/main" saveSubsetFonts="1" autoCompressPictures="0">
   <p:sldMasterIdLst>
-    <p:sldMasterId id="2147483648" r:id="rId1"/>
+    <p:sldMasterId id="2147483660" r:id="rId1"/>
   </p:sldMasterIdLst>
+  <p:notesMasterIdLst>
+    <p:notesMasterId r:id="rId10"/>
+  </p:notesMasterIdLst>
   <p:sldIdLst>
     <p:sldId id="256" r:id="rId2"/>
     <p:sldId id="257" r:id="rId3"/>
+    <p:sldId id="258" r:id="rId4"/>
+    <p:sldId id="259" r:id="rId5"/>
+    <p:sldId id="260" r:id="rId6"/>
+    <p:sldId id="261" r:id="rId7"/>
+    <p:sldId id="262" r:id="rId8"/>
+    <p:sldId id="263" r:id="rId9"/>
   </p:sldIdLst>
   <p:sldSz cx="12192000" cy="6858000"/>
   <p:notesSz cx="6858000" cy="9144000"/>
@@ -14,7 +23,7 @@
     <a:defPPr>
       <a:defRPr lang="en-US"/>
     </a:defPPr>
-    <a:lvl1pPr marL="0" algn="l" defTabSz="914400" rtl="0" eaLnBrk="1" latinLnBrk="0" hangingPunct="1">
+    <a:lvl1pPr marL="0" algn="l" defTabSz="457200" rtl="0" eaLnBrk="1" latinLnBrk="0" hangingPunct="1">
       <a:defRPr sz="1800" kern="1200">
         <a:solidFill>
           <a:schemeClr val="tx1"/>
@@ -24,7 +33,7 @@
         <a:cs typeface="+mn-cs"/>
       </a:defRPr>
     </a:lvl1pPr>
-    <a:lvl2pPr marL="457200" algn="l" defTabSz="914400" rtl="0" eaLnBrk="1" latinLnBrk="0" hangingPunct="1">
+    <a:lvl2pPr marL="457200" algn="l" defTabSz="457200" rtl="0" eaLnBrk="1" latinLnBrk="0" hangingPunct="1">
       <a:defRPr sz="1800" kern="1200">
         <a:solidFill>
           <a:schemeClr val="tx1"/>
@@ -34,7 +43,7 @@
         <a:cs typeface="+mn-cs"/>
       </a:defRPr>
     </a:lvl2pPr>
-    <a:lvl3pPr marL="914400" algn="l" defTabSz="914400" rtl="0" eaLnBrk="1" latinLnBrk="0" hangingPunct="1">
+    <a:lvl3pPr marL="914400" algn="l" defTabSz="457200" rtl="0" eaLnBrk="1" latinLnBrk="0" hangingPunct="1">
       <a:defRPr sz="1800" kern="1200">
         <a:solidFill>
           <a:schemeClr val="tx1"/>
@@ -44,7 +53,7 @@
         <a:cs typeface="+mn-cs"/>
       </a:defRPr>
     </a:lvl3pPr>
-    <a:lvl4pPr marL="1371600" algn="l" defTabSz="914400" rtl="0" eaLnBrk="1" latinLnBrk="0" hangingPunct="1">
+    <a:lvl4pPr marL="1371600" algn="l" defTabSz="457200" rtl="0" eaLnBrk="1" latinLnBrk="0" hangingPunct="1">
       <a:defRPr sz="1800" kern="1200">
         <a:solidFill>
           <a:schemeClr val="tx1"/>
@@ -54,7 +63,7 @@
         <a:cs typeface="+mn-cs"/>
       </a:defRPr>
     </a:lvl4pPr>
-    <a:lvl5pPr marL="1828800" algn="l" defTabSz="914400" rtl="0" eaLnBrk="1" latinLnBrk="0" hangingPunct="1">
+    <a:lvl5pPr marL="1828800" algn="l" defTabSz="457200" rtl="0" eaLnBrk="1" latinLnBrk="0" hangingPunct="1">
       <a:defRPr sz="1800" kern="1200">
         <a:solidFill>
           <a:schemeClr val="tx1"/>
@@ -64,7 +73,7 @@
         <a:cs typeface="+mn-cs"/>
       </a:defRPr>
     </a:lvl5pPr>
-    <a:lvl6pPr marL="2286000" algn="l" defTabSz="914400" rtl="0" eaLnBrk="1" latinLnBrk="0" hangingPunct="1">
+    <a:lvl6pPr marL="2286000" algn="l" defTabSz="457200" rtl="0" eaLnBrk="1" latinLnBrk="0" hangingPunct="1">
       <a:defRPr sz="1800" kern="1200">
         <a:solidFill>
           <a:schemeClr val="tx1"/>
@@ -74,7 +83,7 @@
         <a:cs typeface="+mn-cs"/>
       </a:defRPr>
     </a:lvl6pPr>
-    <a:lvl7pPr marL="2743200" algn="l" defTabSz="914400" rtl="0" eaLnBrk="1" latinLnBrk="0" hangingPunct="1">
+    <a:lvl7pPr marL="2743200" algn="l" defTabSz="457200" rtl="0" eaLnBrk="1" latinLnBrk="0" hangingPunct="1">
       <a:defRPr sz="1800" kern="1200">
         <a:solidFill>
           <a:schemeClr val="tx1"/>
@@ -84,7 +93,7 @@
         <a:cs typeface="+mn-cs"/>
       </a:defRPr>
     </a:lvl7pPr>
-    <a:lvl8pPr marL="3200400" algn="l" defTabSz="914400" rtl="0" eaLnBrk="1" latinLnBrk="0" hangingPunct="1">
+    <a:lvl8pPr marL="3200400" algn="l" defTabSz="457200" rtl="0" eaLnBrk="1" latinLnBrk="0" hangingPunct="1">
       <a:defRPr sz="1800" kern="1200">
         <a:solidFill>
           <a:schemeClr val="tx1"/>
@@ -94,7 +103,7 @@
         <a:cs typeface="+mn-cs"/>
       </a:defRPr>
     </a:lvl8pPr>
-    <a:lvl9pPr marL="3657600" algn="l" defTabSz="914400" rtl="0" eaLnBrk="1" latinLnBrk="0" hangingPunct="1">
+    <a:lvl9pPr marL="3657600" algn="l" defTabSz="457200" rtl="0" eaLnBrk="1" latinLnBrk="0" hangingPunct="1">
       <a:defRPr sz="1800" kern="1200">
         <a:solidFill>
           <a:schemeClr val="tx1"/>
@@ -105,7 +114,3241 @@
       </a:defRPr>
     </a:lvl9pPr>
   </p:defaultTextStyle>
+  <p:extLst>
+    <p:ext uri="{EFAFB233-063F-42B5-8137-9DF3F51BA10A}">
+      <p15:sldGuideLst xmlns:p15="http://schemas.microsoft.com/office/powerpoint/2012/main"/>
+    </p:ext>
+  </p:extLst>
 </p:presentation>
+</file>
+
+<file path=ppt/diagrams/colors1.xml><?xml version="1.0" encoding="utf-8"?>
+<dgm:colorsDef xmlns:dgm="http://schemas.openxmlformats.org/drawingml/2006/diagram" xmlns:a="http://schemas.openxmlformats.org/drawingml/2006/main" uniqueId="urn:microsoft.com/office/officeart/2005/8/colors/accent0_3">
+  <dgm:title val=""/>
+  <dgm:desc val=""/>
+  <dgm:catLst>
+    <dgm:cat type="mainScheme" pri="10300"/>
+  </dgm:catLst>
+  <dgm:styleLbl name="node0">
+    <dgm:fillClrLst meth="repeat">
+      <a:schemeClr val="dk2"/>
+    </dgm:fillClrLst>
+    <dgm:linClrLst meth="repeat">
+      <a:schemeClr val="lt2"/>
+    </dgm:linClrLst>
+    <dgm:effectClrLst/>
+    <dgm:txLinClrLst/>
+    <dgm:txFillClrLst/>
+    <dgm:txEffectClrLst/>
+  </dgm:styleLbl>
+  <dgm:styleLbl name="alignNode1">
+    <dgm:fillClrLst meth="repeat">
+      <a:schemeClr val="dk2"/>
+    </dgm:fillClrLst>
+    <dgm:linClrLst meth="repeat">
+      <a:schemeClr val="dk2"/>
+    </dgm:linClrLst>
+    <dgm:effectClrLst/>
+    <dgm:txLinClrLst/>
+    <dgm:txFillClrLst/>
+    <dgm:txEffectClrLst/>
+  </dgm:styleLbl>
+  <dgm:styleLbl name="node1">
+    <dgm:fillClrLst meth="repeat">
+      <a:schemeClr val="dk2"/>
+    </dgm:fillClrLst>
+    <dgm:linClrLst meth="repeat">
+      <a:schemeClr val="lt2"/>
+    </dgm:linClrLst>
+    <dgm:effectClrLst/>
+    <dgm:txLinClrLst/>
+    <dgm:txFillClrLst/>
+    <dgm:txEffectClrLst/>
+  </dgm:styleLbl>
+  <dgm:styleLbl name="lnNode1">
+    <dgm:fillClrLst meth="repeat">
+      <a:schemeClr val="dk2"/>
+    </dgm:fillClrLst>
+    <dgm:linClrLst meth="repeat">
+      <a:schemeClr val="lt2"/>
+    </dgm:linClrLst>
+    <dgm:effectClrLst/>
+    <dgm:txLinClrLst/>
+    <dgm:txFillClrLst/>
+    <dgm:txEffectClrLst/>
+  </dgm:styleLbl>
+  <dgm:styleLbl name="vennNode1">
+    <dgm:fillClrLst meth="repeat">
+      <a:schemeClr val="dk2">
+        <a:alpha val="50000"/>
+      </a:schemeClr>
+    </dgm:fillClrLst>
+    <dgm:linClrLst meth="repeat">
+      <a:schemeClr val="lt2"/>
+    </dgm:linClrLst>
+    <dgm:effectClrLst/>
+    <dgm:txLinClrLst/>
+    <dgm:txFillClrLst/>
+    <dgm:txEffectClrLst/>
+  </dgm:styleLbl>
+  <dgm:styleLbl name="node2">
+    <dgm:fillClrLst meth="repeat">
+      <a:schemeClr val="dk2"/>
+    </dgm:fillClrLst>
+    <dgm:linClrLst meth="repeat">
+      <a:schemeClr val="lt2"/>
+    </dgm:linClrLst>
+    <dgm:effectClrLst/>
+    <dgm:txLinClrLst/>
+    <dgm:txFillClrLst/>
+    <dgm:txEffectClrLst/>
+  </dgm:styleLbl>
+  <dgm:styleLbl name="node3">
+    <dgm:fillClrLst meth="repeat">
+      <a:schemeClr val="dk2"/>
+    </dgm:fillClrLst>
+    <dgm:linClrLst meth="repeat">
+      <a:schemeClr val="lt2"/>
+    </dgm:linClrLst>
+    <dgm:effectClrLst/>
+    <dgm:txLinClrLst/>
+    <dgm:txFillClrLst/>
+    <dgm:txEffectClrLst/>
+  </dgm:styleLbl>
+  <dgm:styleLbl name="node4">
+    <dgm:fillClrLst meth="repeat">
+      <a:schemeClr val="dk2"/>
+    </dgm:fillClrLst>
+    <dgm:linClrLst meth="repeat">
+      <a:schemeClr val="lt2"/>
+    </dgm:linClrLst>
+    <dgm:effectClrLst/>
+    <dgm:txLinClrLst/>
+    <dgm:txFillClrLst/>
+    <dgm:txEffectClrLst/>
+  </dgm:styleLbl>
+  <dgm:styleLbl name="fgImgPlace1">
+    <dgm:fillClrLst meth="repeat">
+      <a:schemeClr val="dk2">
+        <a:tint val="50000"/>
+      </a:schemeClr>
+    </dgm:fillClrLst>
+    <dgm:linClrLst meth="repeat">
+      <a:schemeClr val="lt2"/>
+    </dgm:linClrLst>
+    <dgm:effectClrLst/>
+    <dgm:txLinClrLst/>
+    <dgm:txFillClrLst meth="repeat">
+      <a:schemeClr val="lt2"/>
+    </dgm:txFillClrLst>
+    <dgm:txEffectClrLst/>
+  </dgm:styleLbl>
+  <dgm:styleLbl name="alignImgPlace1">
+    <dgm:fillClrLst meth="repeat">
+      <a:schemeClr val="dk2">
+        <a:tint val="50000"/>
+      </a:schemeClr>
+    </dgm:fillClrLst>
+    <dgm:linClrLst meth="repeat">
+      <a:schemeClr val="dk2">
+        <a:shade val="80000"/>
+      </a:schemeClr>
+    </dgm:linClrLst>
+    <dgm:effectClrLst/>
+    <dgm:txLinClrLst/>
+    <dgm:txFillClrLst meth="repeat">
+      <a:schemeClr val="lt2"/>
+    </dgm:txFillClrLst>
+    <dgm:txEffectClrLst/>
+  </dgm:styleLbl>
+  <dgm:styleLbl name="bgImgPlace1">
+    <dgm:fillClrLst meth="repeat">
+      <a:schemeClr val="dk2">
+        <a:tint val="50000"/>
+      </a:schemeClr>
+    </dgm:fillClrLst>
+    <dgm:linClrLst meth="repeat">
+      <a:schemeClr val="dk2">
+        <a:shade val="80000"/>
+      </a:schemeClr>
+    </dgm:linClrLst>
+    <dgm:effectClrLst/>
+    <dgm:txLinClrLst/>
+    <dgm:txFillClrLst meth="repeat">
+      <a:schemeClr val="lt2"/>
+    </dgm:txFillClrLst>
+    <dgm:txEffectClrLst/>
+  </dgm:styleLbl>
+  <dgm:styleLbl name="sibTrans2D1">
+    <dgm:fillClrLst meth="repeat">
+      <a:schemeClr val="dk2">
+        <a:tint val="60000"/>
+      </a:schemeClr>
+    </dgm:fillClrLst>
+    <dgm:linClrLst meth="repeat">
+      <a:schemeClr val="dk2">
+        <a:tint val="60000"/>
+      </a:schemeClr>
+    </dgm:linClrLst>
+    <dgm:effectClrLst/>
+    <dgm:txLinClrLst/>
+    <dgm:txFillClrLst/>
+    <dgm:txEffectClrLst/>
+  </dgm:styleLbl>
+  <dgm:styleLbl name="fgSibTrans2D1">
+    <dgm:fillClrLst meth="repeat">
+      <a:schemeClr val="dk2">
+        <a:tint val="60000"/>
+      </a:schemeClr>
+    </dgm:fillClrLst>
+    <dgm:linClrLst meth="repeat">
+      <a:schemeClr val="dk2">
+        <a:tint val="60000"/>
+      </a:schemeClr>
+    </dgm:linClrLst>
+    <dgm:effectClrLst/>
+    <dgm:txLinClrLst/>
+    <dgm:txFillClrLst/>
+    <dgm:txEffectClrLst/>
+  </dgm:styleLbl>
+  <dgm:styleLbl name="bgSibTrans2D1">
+    <dgm:fillClrLst meth="repeat">
+      <a:schemeClr val="dk2">
+        <a:tint val="60000"/>
+      </a:schemeClr>
+    </dgm:fillClrLst>
+    <dgm:linClrLst meth="repeat">
+      <a:schemeClr val="dk2">
+        <a:tint val="60000"/>
+      </a:schemeClr>
+    </dgm:linClrLst>
+    <dgm:effectClrLst/>
+    <dgm:txLinClrLst/>
+    <dgm:txFillClrLst/>
+    <dgm:txEffectClrLst/>
+  </dgm:styleLbl>
+  <dgm:styleLbl name="sibTrans1D1">
+    <dgm:fillClrLst meth="repeat">
+      <a:schemeClr val="dk2"/>
+    </dgm:fillClrLst>
+    <dgm:linClrLst meth="repeat">
+      <a:schemeClr val="dk2"/>
+    </dgm:linClrLst>
+    <dgm:effectClrLst/>
+    <dgm:txLinClrLst/>
+    <dgm:txFillClrLst meth="repeat">
+      <a:schemeClr val="lt2"/>
+    </dgm:txFillClrLst>
+    <dgm:txEffectClrLst/>
+  </dgm:styleLbl>
+  <dgm:styleLbl name="callout">
+    <dgm:fillClrLst meth="repeat">
+      <a:schemeClr val="dk2"/>
+    </dgm:fillClrLst>
+    <dgm:linClrLst meth="repeat">
+      <a:schemeClr val="dk2">
+        <a:tint val="50000"/>
+      </a:schemeClr>
+    </dgm:linClrLst>
+    <dgm:effectClrLst/>
+    <dgm:txLinClrLst/>
+    <dgm:txFillClrLst meth="repeat">
+      <a:schemeClr val="lt2"/>
+    </dgm:txFillClrLst>
+    <dgm:txEffectClrLst/>
+  </dgm:styleLbl>
+  <dgm:styleLbl name="asst0">
+    <dgm:fillClrLst meth="repeat">
+      <a:schemeClr val="dk2"/>
+    </dgm:fillClrLst>
+    <dgm:linClrLst meth="repeat">
+      <a:schemeClr val="lt2"/>
+    </dgm:linClrLst>
+    <dgm:effectClrLst/>
+    <dgm:txLinClrLst/>
+    <dgm:txFillClrLst/>
+    <dgm:txEffectClrLst/>
+  </dgm:styleLbl>
+  <dgm:styleLbl name="asst1">
+    <dgm:fillClrLst meth="repeat">
+      <a:schemeClr val="dk2"/>
+    </dgm:fillClrLst>
+    <dgm:linClrLst meth="repeat">
+      <a:schemeClr val="lt2"/>
+    </dgm:linClrLst>
+    <dgm:effectClrLst/>
+    <dgm:txLinClrLst/>
+    <dgm:txFillClrLst/>
+    <dgm:txEffectClrLst/>
+  </dgm:styleLbl>
+  <dgm:styleLbl name="asst2">
+    <dgm:fillClrLst meth="repeat">
+      <a:schemeClr val="dk2"/>
+    </dgm:fillClrLst>
+    <dgm:linClrLst meth="repeat">
+      <a:schemeClr val="lt2"/>
+    </dgm:linClrLst>
+    <dgm:effectClrLst/>
+    <dgm:txLinClrLst/>
+    <dgm:txFillClrLst/>
+    <dgm:txEffectClrLst/>
+  </dgm:styleLbl>
+  <dgm:styleLbl name="asst3">
+    <dgm:fillClrLst meth="repeat">
+      <a:schemeClr val="dk2"/>
+    </dgm:fillClrLst>
+    <dgm:linClrLst meth="repeat">
+      <a:schemeClr val="lt2"/>
+    </dgm:linClrLst>
+    <dgm:effectClrLst/>
+    <dgm:txLinClrLst/>
+    <dgm:txFillClrLst/>
+    <dgm:txEffectClrLst/>
+  </dgm:styleLbl>
+  <dgm:styleLbl name="asst4">
+    <dgm:fillClrLst meth="repeat">
+      <a:schemeClr val="dk2"/>
+    </dgm:fillClrLst>
+    <dgm:linClrLst meth="repeat">
+      <a:schemeClr val="lt2"/>
+    </dgm:linClrLst>
+    <dgm:effectClrLst/>
+    <dgm:txLinClrLst/>
+    <dgm:txFillClrLst/>
+    <dgm:txEffectClrLst/>
+  </dgm:styleLbl>
+  <dgm:styleLbl name="parChTrans2D1">
+    <dgm:fillClrLst meth="repeat">
+      <a:schemeClr val="dk2">
+        <a:tint val="60000"/>
+      </a:schemeClr>
+    </dgm:fillClrLst>
+    <dgm:linClrLst meth="repeat">
+      <a:schemeClr val="dk2">
+        <a:tint val="60000"/>
+      </a:schemeClr>
+    </dgm:linClrLst>
+    <dgm:effectClrLst/>
+    <dgm:txLinClrLst/>
+    <dgm:txFillClrLst meth="repeat">
+      <a:schemeClr val="lt2"/>
+    </dgm:txFillClrLst>
+    <dgm:txEffectClrLst/>
+  </dgm:styleLbl>
+  <dgm:styleLbl name="parChTrans2D2">
+    <dgm:fillClrLst meth="repeat">
+      <a:schemeClr val="dk2"/>
+    </dgm:fillClrLst>
+    <dgm:linClrLst meth="repeat">
+      <a:schemeClr val="dk2"/>
+    </dgm:linClrLst>
+    <dgm:effectClrLst/>
+    <dgm:txLinClrLst/>
+    <dgm:txFillClrLst meth="repeat">
+      <a:schemeClr val="lt2"/>
+    </dgm:txFillClrLst>
+    <dgm:txEffectClrLst/>
+  </dgm:styleLbl>
+  <dgm:styleLbl name="parChTrans2D3">
+    <dgm:fillClrLst meth="repeat">
+      <a:schemeClr val="dk2"/>
+    </dgm:fillClrLst>
+    <dgm:linClrLst meth="repeat">
+      <a:schemeClr val="dk2"/>
+    </dgm:linClrLst>
+    <dgm:effectClrLst/>
+    <dgm:txLinClrLst/>
+    <dgm:txFillClrLst meth="repeat">
+      <a:schemeClr val="lt2"/>
+    </dgm:txFillClrLst>
+    <dgm:txEffectClrLst/>
+  </dgm:styleLbl>
+  <dgm:styleLbl name="parChTrans2D4">
+    <dgm:fillClrLst meth="repeat">
+      <a:schemeClr val="dk2"/>
+    </dgm:fillClrLst>
+    <dgm:linClrLst meth="repeat">
+      <a:schemeClr val="dk2"/>
+    </dgm:linClrLst>
+    <dgm:effectClrLst/>
+    <dgm:txLinClrLst/>
+    <dgm:txFillClrLst meth="repeat">
+      <a:schemeClr val="lt2"/>
+    </dgm:txFillClrLst>
+    <dgm:txEffectClrLst/>
+  </dgm:styleLbl>
+  <dgm:styleLbl name="parChTrans1D1">
+    <dgm:fillClrLst meth="repeat">
+      <a:schemeClr val="dk2"/>
+    </dgm:fillClrLst>
+    <dgm:linClrLst meth="repeat">
+      <a:schemeClr val="dk2">
+        <a:shade val="60000"/>
+      </a:schemeClr>
+    </dgm:linClrLst>
+    <dgm:effectClrLst/>
+    <dgm:txLinClrLst/>
+    <dgm:txFillClrLst meth="repeat">
+      <a:schemeClr val="tx1"/>
+    </dgm:txFillClrLst>
+    <dgm:txEffectClrLst/>
+  </dgm:styleLbl>
+  <dgm:styleLbl name="parChTrans1D2">
+    <dgm:fillClrLst meth="repeat">
+      <a:schemeClr val="dk2"/>
+    </dgm:fillClrLst>
+    <dgm:linClrLst meth="repeat">
+      <a:schemeClr val="dk2">
+        <a:shade val="60000"/>
+      </a:schemeClr>
+    </dgm:linClrLst>
+    <dgm:effectClrLst/>
+    <dgm:txLinClrLst/>
+    <dgm:txFillClrLst meth="repeat">
+      <a:schemeClr val="tx1"/>
+    </dgm:txFillClrLst>
+    <dgm:txEffectClrLst/>
+  </dgm:styleLbl>
+  <dgm:styleLbl name="parChTrans1D3">
+    <dgm:fillClrLst meth="repeat">
+      <a:schemeClr val="dk2"/>
+    </dgm:fillClrLst>
+    <dgm:linClrLst meth="repeat">
+      <a:schemeClr val="dk2">
+        <a:shade val="80000"/>
+      </a:schemeClr>
+    </dgm:linClrLst>
+    <dgm:effectClrLst/>
+    <dgm:txLinClrLst/>
+    <dgm:txFillClrLst meth="repeat">
+      <a:schemeClr val="tx1"/>
+    </dgm:txFillClrLst>
+    <dgm:txEffectClrLst/>
+  </dgm:styleLbl>
+  <dgm:styleLbl name="parChTrans1D4">
+    <dgm:fillClrLst meth="repeat">
+      <a:schemeClr val="dk2"/>
+    </dgm:fillClrLst>
+    <dgm:linClrLst meth="repeat">
+      <a:schemeClr val="dk2">
+        <a:shade val="80000"/>
+      </a:schemeClr>
+    </dgm:linClrLst>
+    <dgm:effectClrLst/>
+    <dgm:txLinClrLst/>
+    <dgm:txFillClrLst meth="repeat">
+      <a:schemeClr val="tx1"/>
+    </dgm:txFillClrLst>
+    <dgm:txEffectClrLst/>
+  </dgm:styleLbl>
+  <dgm:styleLbl name="fgAcc1">
+    <dgm:fillClrLst meth="repeat">
+      <a:schemeClr val="lt2">
+        <a:alpha val="90000"/>
+      </a:schemeClr>
+    </dgm:fillClrLst>
+    <dgm:linClrLst meth="repeat">
+      <a:schemeClr val="dk2"/>
+    </dgm:linClrLst>
+    <dgm:effectClrLst/>
+    <dgm:txLinClrLst/>
+    <dgm:txFillClrLst meth="repeat">
+      <a:schemeClr val="dk1"/>
+    </dgm:txFillClrLst>
+    <dgm:txEffectClrLst/>
+  </dgm:styleLbl>
+  <dgm:styleLbl name="conFgAcc1">
+    <dgm:fillClrLst meth="repeat">
+      <a:schemeClr val="lt2">
+        <a:alpha val="90000"/>
+      </a:schemeClr>
+    </dgm:fillClrLst>
+    <dgm:linClrLst meth="repeat">
+      <a:schemeClr val="dk2"/>
+    </dgm:linClrLst>
+    <dgm:effectClrLst/>
+    <dgm:txLinClrLst/>
+    <dgm:txFillClrLst meth="repeat">
+      <a:schemeClr val="dk1"/>
+    </dgm:txFillClrLst>
+    <dgm:txEffectClrLst/>
+  </dgm:styleLbl>
+  <dgm:styleLbl name="alignAcc1">
+    <dgm:fillClrLst meth="repeat">
+      <a:schemeClr val="lt2">
+        <a:alpha val="90000"/>
+      </a:schemeClr>
+    </dgm:fillClrLst>
+    <dgm:linClrLst meth="repeat">
+      <a:schemeClr val="dk2"/>
+    </dgm:linClrLst>
+    <dgm:effectClrLst/>
+    <dgm:txLinClrLst/>
+    <dgm:txFillClrLst meth="repeat">
+      <a:schemeClr val="dk1"/>
+    </dgm:txFillClrLst>
+    <dgm:txEffectClrLst/>
+  </dgm:styleLbl>
+  <dgm:styleLbl name="trAlignAcc1">
+    <dgm:fillClrLst meth="repeat">
+      <a:schemeClr val="lt2">
+        <a:alpha val="40000"/>
+      </a:schemeClr>
+    </dgm:fillClrLst>
+    <dgm:linClrLst meth="repeat">
+      <a:schemeClr val="dk2"/>
+    </dgm:linClrLst>
+    <dgm:effectClrLst/>
+    <dgm:txLinClrLst/>
+    <dgm:txFillClrLst meth="repeat">
+      <a:schemeClr val="dk1"/>
+    </dgm:txFillClrLst>
+    <dgm:txEffectClrLst/>
+  </dgm:styleLbl>
+  <dgm:styleLbl name="bgAcc1">
+    <dgm:fillClrLst meth="repeat">
+      <a:schemeClr val="lt2">
+        <a:alpha val="90000"/>
+      </a:schemeClr>
+    </dgm:fillClrLst>
+    <dgm:linClrLst meth="repeat">
+      <a:schemeClr val="dk2"/>
+    </dgm:linClrLst>
+    <dgm:effectClrLst/>
+    <dgm:txLinClrLst/>
+    <dgm:txFillClrLst meth="repeat">
+      <a:schemeClr val="dk1"/>
+    </dgm:txFillClrLst>
+    <dgm:txEffectClrLst/>
+  </dgm:styleLbl>
+  <dgm:styleLbl name="solidFgAcc1">
+    <dgm:fillClrLst meth="repeat">
+      <a:schemeClr val="lt2"/>
+    </dgm:fillClrLst>
+    <dgm:linClrLst meth="repeat">
+      <a:schemeClr val="dk2"/>
+    </dgm:linClrLst>
+    <dgm:effectClrLst/>
+    <dgm:txLinClrLst/>
+    <dgm:txFillClrLst meth="repeat">
+      <a:schemeClr val="dk1"/>
+    </dgm:txFillClrLst>
+    <dgm:txEffectClrLst/>
+  </dgm:styleLbl>
+  <dgm:styleLbl name="solidAlignAcc1">
+    <dgm:fillClrLst meth="repeat">
+      <a:schemeClr val="lt2"/>
+    </dgm:fillClrLst>
+    <dgm:linClrLst meth="repeat">
+      <a:schemeClr val="dk2"/>
+    </dgm:linClrLst>
+    <dgm:effectClrLst/>
+    <dgm:txLinClrLst/>
+    <dgm:txFillClrLst meth="repeat">
+      <a:schemeClr val="dk1"/>
+    </dgm:txFillClrLst>
+    <dgm:txEffectClrLst/>
+  </dgm:styleLbl>
+  <dgm:styleLbl name="solidBgAcc1">
+    <dgm:fillClrLst meth="repeat">
+      <a:schemeClr val="lt2"/>
+    </dgm:fillClrLst>
+    <dgm:linClrLst meth="repeat">
+      <a:schemeClr val="dk2"/>
+    </dgm:linClrLst>
+    <dgm:effectClrLst/>
+    <dgm:txLinClrLst/>
+    <dgm:txFillClrLst meth="repeat">
+      <a:schemeClr val="dk1"/>
+    </dgm:txFillClrLst>
+    <dgm:txEffectClrLst/>
+  </dgm:styleLbl>
+  <dgm:styleLbl name="fgAccFollowNode1">
+    <dgm:fillClrLst meth="repeat">
+      <a:schemeClr val="dk2">
+        <a:alpha val="90000"/>
+        <a:tint val="40000"/>
+      </a:schemeClr>
+    </dgm:fillClrLst>
+    <dgm:linClrLst meth="repeat">
+      <a:schemeClr val="dk2">
+        <a:alpha val="90000"/>
+        <a:tint val="40000"/>
+      </a:schemeClr>
+    </dgm:linClrLst>
+    <dgm:effectClrLst/>
+    <dgm:txLinClrLst/>
+    <dgm:txFillClrLst meth="repeat">
+      <a:schemeClr val="dk1"/>
+    </dgm:txFillClrLst>
+    <dgm:txEffectClrLst/>
+  </dgm:styleLbl>
+  <dgm:styleLbl name="alignAccFollowNode1">
+    <dgm:fillClrLst meth="repeat">
+      <a:schemeClr val="dk2">
+        <a:alpha val="90000"/>
+        <a:tint val="40000"/>
+      </a:schemeClr>
+    </dgm:fillClrLst>
+    <dgm:linClrLst meth="repeat">
+      <a:schemeClr val="dk2">
+        <a:alpha val="90000"/>
+        <a:tint val="40000"/>
+      </a:schemeClr>
+    </dgm:linClrLst>
+    <dgm:effectClrLst/>
+    <dgm:txLinClrLst/>
+    <dgm:txFillClrLst meth="repeat">
+      <a:schemeClr val="dk1"/>
+    </dgm:txFillClrLst>
+    <dgm:txEffectClrLst/>
+  </dgm:styleLbl>
+  <dgm:styleLbl name="bgAccFollowNode1">
+    <dgm:fillClrLst meth="repeat">
+      <a:schemeClr val="dk2">
+        <a:alpha val="90000"/>
+        <a:tint val="40000"/>
+      </a:schemeClr>
+    </dgm:fillClrLst>
+    <dgm:linClrLst meth="repeat">
+      <a:schemeClr val="dk2">
+        <a:alpha val="90000"/>
+        <a:tint val="40000"/>
+      </a:schemeClr>
+    </dgm:linClrLst>
+    <dgm:effectClrLst/>
+    <dgm:txLinClrLst/>
+    <dgm:txFillClrLst meth="repeat">
+      <a:schemeClr val="dk1"/>
+    </dgm:txFillClrLst>
+    <dgm:txEffectClrLst/>
+  </dgm:styleLbl>
+  <dgm:styleLbl name="fgAcc0">
+    <dgm:fillClrLst meth="repeat">
+      <a:schemeClr val="lt2">
+        <a:alpha val="90000"/>
+      </a:schemeClr>
+    </dgm:fillClrLst>
+    <dgm:linClrLst meth="repeat">
+      <a:schemeClr val="dk2"/>
+    </dgm:linClrLst>
+    <dgm:effectClrLst/>
+    <dgm:txLinClrLst/>
+    <dgm:txFillClrLst meth="repeat">
+      <a:schemeClr val="dk1"/>
+    </dgm:txFillClrLst>
+    <dgm:txEffectClrLst/>
+  </dgm:styleLbl>
+  <dgm:styleLbl name="fgAcc2">
+    <dgm:fillClrLst meth="repeat">
+      <a:schemeClr val="lt2">
+        <a:alpha val="90000"/>
+      </a:schemeClr>
+    </dgm:fillClrLst>
+    <dgm:linClrLst meth="repeat">
+      <a:schemeClr val="dk2"/>
+    </dgm:linClrLst>
+    <dgm:effectClrLst/>
+    <dgm:txLinClrLst/>
+    <dgm:txFillClrLst meth="repeat">
+      <a:schemeClr val="dk1"/>
+    </dgm:txFillClrLst>
+    <dgm:txEffectClrLst/>
+  </dgm:styleLbl>
+  <dgm:styleLbl name="fgAcc3">
+    <dgm:fillClrLst meth="repeat">
+      <a:schemeClr val="lt2">
+        <a:alpha val="90000"/>
+      </a:schemeClr>
+    </dgm:fillClrLst>
+    <dgm:linClrLst meth="repeat">
+      <a:schemeClr val="dk2"/>
+    </dgm:linClrLst>
+    <dgm:effectClrLst/>
+    <dgm:txLinClrLst/>
+    <dgm:txFillClrLst meth="repeat">
+      <a:schemeClr val="dk1"/>
+    </dgm:txFillClrLst>
+    <dgm:txEffectClrLst/>
+  </dgm:styleLbl>
+  <dgm:styleLbl name="fgAcc4">
+    <dgm:fillClrLst meth="repeat">
+      <a:schemeClr val="lt2">
+        <a:alpha val="90000"/>
+      </a:schemeClr>
+    </dgm:fillClrLst>
+    <dgm:linClrLst meth="repeat">
+      <a:schemeClr val="dk2"/>
+    </dgm:linClrLst>
+    <dgm:effectClrLst/>
+    <dgm:txLinClrLst/>
+    <dgm:txFillClrLst meth="repeat">
+      <a:schemeClr val="dk1"/>
+    </dgm:txFillClrLst>
+    <dgm:txEffectClrLst/>
+  </dgm:styleLbl>
+  <dgm:styleLbl name="bgShp">
+    <dgm:fillClrLst meth="repeat">
+      <a:schemeClr val="dk2">
+        <a:tint val="40000"/>
+      </a:schemeClr>
+    </dgm:fillClrLst>
+    <dgm:linClrLst meth="repeat">
+      <a:schemeClr val="dk2"/>
+    </dgm:linClrLst>
+    <dgm:effectClrLst/>
+    <dgm:txLinClrLst/>
+    <dgm:txFillClrLst meth="repeat">
+      <a:schemeClr val="dk1"/>
+    </dgm:txFillClrLst>
+    <dgm:txEffectClrLst/>
+  </dgm:styleLbl>
+  <dgm:styleLbl name="dkBgShp">
+    <dgm:fillClrLst meth="repeat">
+      <a:schemeClr val="dk2">
+        <a:shade val="80000"/>
+      </a:schemeClr>
+    </dgm:fillClrLst>
+    <dgm:linClrLst meth="repeat">
+      <a:schemeClr val="dk2"/>
+    </dgm:linClrLst>
+    <dgm:effectClrLst/>
+    <dgm:txLinClrLst/>
+    <dgm:txFillClrLst meth="repeat">
+      <a:schemeClr val="lt1"/>
+    </dgm:txFillClrLst>
+    <dgm:txEffectClrLst/>
+  </dgm:styleLbl>
+  <dgm:styleLbl name="trBgShp">
+    <dgm:fillClrLst meth="repeat">
+      <a:schemeClr val="dk2">
+        <a:tint val="50000"/>
+        <a:alpha val="40000"/>
+      </a:schemeClr>
+    </dgm:fillClrLst>
+    <dgm:linClrLst meth="repeat">
+      <a:schemeClr val="dk2"/>
+    </dgm:linClrLst>
+    <dgm:effectClrLst/>
+    <dgm:txLinClrLst/>
+    <dgm:txFillClrLst meth="repeat">
+      <a:schemeClr val="lt1"/>
+    </dgm:txFillClrLst>
+    <dgm:txEffectClrLst/>
+  </dgm:styleLbl>
+  <dgm:styleLbl name="fgShp">
+    <dgm:fillClrLst meth="repeat">
+      <a:schemeClr val="dk2">
+        <a:tint val="60000"/>
+      </a:schemeClr>
+    </dgm:fillClrLst>
+    <dgm:linClrLst meth="repeat">
+      <a:schemeClr val="lt2"/>
+    </dgm:linClrLst>
+    <dgm:effectClrLst/>
+    <dgm:txLinClrLst/>
+    <dgm:txFillClrLst meth="repeat">
+      <a:schemeClr val="dk1"/>
+    </dgm:txFillClrLst>
+    <dgm:txEffectClrLst/>
+  </dgm:styleLbl>
+  <dgm:styleLbl name="revTx">
+    <dgm:fillClrLst meth="repeat">
+      <a:schemeClr val="lt2">
+        <a:alpha val="0"/>
+      </a:schemeClr>
+    </dgm:fillClrLst>
+    <dgm:linClrLst meth="repeat">
+      <a:schemeClr val="dk1">
+        <a:alpha val="0"/>
+      </a:schemeClr>
+    </dgm:linClrLst>
+    <dgm:effectClrLst/>
+    <dgm:txLinClrLst/>
+    <dgm:txFillClrLst meth="repeat">
+      <a:schemeClr val="tx1"/>
+    </dgm:txFillClrLst>
+    <dgm:txEffectClrLst/>
+  </dgm:styleLbl>
+</dgm:colorsDef>
+</file>
+
+<file path=ppt/diagrams/data1.xml><?xml version="1.0" encoding="utf-8"?>
+<dgm:dataModel xmlns:dgm="http://schemas.openxmlformats.org/drawingml/2006/diagram" xmlns:a="http://schemas.openxmlformats.org/drawingml/2006/main">
+  <dgm:ptLst>
+    <dgm:pt modelId="{2E9D7976-C6A7-4DA9-84B9-743EBA3EFD36}" type="doc">
+      <dgm:prSet loTypeId="urn:microsoft.com/office/officeart/2005/8/layout/hierarchy1" loCatId="hierarchy" qsTypeId="urn:microsoft.com/office/officeart/2005/8/quickstyle/simple2" qsCatId="simple" csTypeId="urn:microsoft.com/office/officeart/2005/8/colors/accent0_3" csCatId="mainScheme" phldr="1"/>
+      <dgm:spPr/>
+      <dgm:t>
+        <a:bodyPr/>
+        <a:lstStyle/>
+        <a:p>
+          <a:endParaRPr lang="en-US"/>
+        </a:p>
+      </dgm:t>
+    </dgm:pt>
+    <dgm:pt modelId="{ED7BEE05-66CF-4014-AD85-9511A4F8EB48}">
+      <dgm:prSet/>
+      <dgm:spPr/>
+      <dgm:t>
+        <a:bodyPr/>
+        <a:lstStyle/>
+        <a:p>
+          <a:r>
+            <a:rPr lang="en-GB" dirty="0"/>
+            <a:t>Tested all models in Django – created a bank account and checked it was created correctly</a:t>
+          </a:r>
+          <a:endParaRPr lang="en-US" dirty="0"/>
+        </a:p>
+      </dgm:t>
+    </dgm:pt>
+    <dgm:pt modelId="{B9D2AE06-D9F0-4CFE-AE53-4B9ABF6A5FB3}" type="parTrans" cxnId="{EC36C6B3-296C-4B59-A39C-51A6456F7A4B}">
+      <dgm:prSet/>
+      <dgm:spPr/>
+      <dgm:t>
+        <a:bodyPr/>
+        <a:lstStyle/>
+        <a:p>
+          <a:endParaRPr lang="en-US"/>
+        </a:p>
+      </dgm:t>
+    </dgm:pt>
+    <dgm:pt modelId="{0F921E8A-CEB2-4330-90A2-528371147867}" type="sibTrans" cxnId="{EC36C6B3-296C-4B59-A39C-51A6456F7A4B}">
+      <dgm:prSet/>
+      <dgm:spPr/>
+      <dgm:t>
+        <a:bodyPr/>
+        <a:lstStyle/>
+        <a:p>
+          <a:endParaRPr lang="en-US"/>
+        </a:p>
+      </dgm:t>
+    </dgm:pt>
+    <dgm:pt modelId="{EA69C16B-04D7-474F-ABF8-64072E729B2C}">
+      <dgm:prSet/>
+      <dgm:spPr/>
+      <dgm:t>
+        <a:bodyPr/>
+        <a:lstStyle/>
+        <a:p>
+          <a:r>
+            <a:rPr lang="en-GB"/>
+            <a:t>Tested an API Root – shows total across all bank accounts, checked this output the same value as was in the backend</a:t>
+          </a:r>
+          <a:endParaRPr lang="en-US"/>
+        </a:p>
+      </dgm:t>
+    </dgm:pt>
+    <dgm:pt modelId="{CF9F09F9-FB21-431A-9E4B-EE0FAACB3FE4}" type="parTrans" cxnId="{B5DF2E6D-81AE-43DE-9D83-E93665931A8A}">
+      <dgm:prSet/>
+      <dgm:spPr/>
+      <dgm:t>
+        <a:bodyPr/>
+        <a:lstStyle/>
+        <a:p>
+          <a:endParaRPr lang="en-US"/>
+        </a:p>
+      </dgm:t>
+    </dgm:pt>
+    <dgm:pt modelId="{F4A67383-E8E3-4561-B5DB-F1BD67EBE61A}" type="sibTrans" cxnId="{B5DF2E6D-81AE-43DE-9D83-E93665931A8A}">
+      <dgm:prSet/>
+      <dgm:spPr/>
+      <dgm:t>
+        <a:bodyPr/>
+        <a:lstStyle/>
+        <a:p>
+          <a:endParaRPr lang="en-US"/>
+        </a:p>
+      </dgm:t>
+    </dgm:pt>
+    <dgm:pt modelId="{DA9DAC71-8960-2348-B034-2C816E85AF44}" type="pres">
+      <dgm:prSet presAssocID="{2E9D7976-C6A7-4DA9-84B9-743EBA3EFD36}" presName="hierChild1" presStyleCnt="0">
+        <dgm:presLayoutVars>
+          <dgm:chPref val="1"/>
+          <dgm:dir/>
+          <dgm:animOne val="branch"/>
+          <dgm:animLvl val="lvl"/>
+          <dgm:resizeHandles/>
+        </dgm:presLayoutVars>
+      </dgm:prSet>
+      <dgm:spPr/>
+    </dgm:pt>
+    <dgm:pt modelId="{C033D758-CB82-4B4A-8FEA-A59C285D2158}" type="pres">
+      <dgm:prSet presAssocID="{ED7BEE05-66CF-4014-AD85-9511A4F8EB48}" presName="hierRoot1" presStyleCnt="0"/>
+      <dgm:spPr/>
+    </dgm:pt>
+    <dgm:pt modelId="{4117DC93-BD50-B24E-AE09-CF66D097E8F3}" type="pres">
+      <dgm:prSet presAssocID="{ED7BEE05-66CF-4014-AD85-9511A4F8EB48}" presName="composite" presStyleCnt="0"/>
+      <dgm:spPr/>
+    </dgm:pt>
+    <dgm:pt modelId="{D0251E74-3BE1-9E4A-A3D8-5CF423BDF8D7}" type="pres">
+      <dgm:prSet presAssocID="{ED7BEE05-66CF-4014-AD85-9511A4F8EB48}" presName="background" presStyleLbl="node0" presStyleIdx="0" presStyleCnt="2"/>
+      <dgm:spPr/>
+    </dgm:pt>
+    <dgm:pt modelId="{C0522132-6F35-8847-80B6-456C0CF2789E}" type="pres">
+      <dgm:prSet presAssocID="{ED7BEE05-66CF-4014-AD85-9511A4F8EB48}" presName="text" presStyleLbl="fgAcc0" presStyleIdx="0" presStyleCnt="2" custLinFactNeighborX="8200" custLinFactNeighborY="30529">
+        <dgm:presLayoutVars>
+          <dgm:chPref val="3"/>
+        </dgm:presLayoutVars>
+      </dgm:prSet>
+      <dgm:spPr/>
+    </dgm:pt>
+    <dgm:pt modelId="{2781EA08-3B86-DB46-B188-7455D434BACB}" type="pres">
+      <dgm:prSet presAssocID="{ED7BEE05-66CF-4014-AD85-9511A4F8EB48}" presName="hierChild2" presStyleCnt="0"/>
+      <dgm:spPr/>
+    </dgm:pt>
+    <dgm:pt modelId="{AB4911C5-B186-954A-9A57-8609FE42FC43}" type="pres">
+      <dgm:prSet presAssocID="{EA69C16B-04D7-474F-ABF8-64072E729B2C}" presName="hierRoot1" presStyleCnt="0"/>
+      <dgm:spPr/>
+    </dgm:pt>
+    <dgm:pt modelId="{8FAD8743-72E0-1642-A76C-0EF37CD70BCC}" type="pres">
+      <dgm:prSet presAssocID="{EA69C16B-04D7-474F-ABF8-64072E729B2C}" presName="composite" presStyleCnt="0"/>
+      <dgm:spPr/>
+    </dgm:pt>
+    <dgm:pt modelId="{5EBD5B12-B89D-B34D-A2C9-691E363CC23A}" type="pres">
+      <dgm:prSet presAssocID="{EA69C16B-04D7-474F-ABF8-64072E729B2C}" presName="background" presStyleLbl="node0" presStyleIdx="1" presStyleCnt="2"/>
+      <dgm:spPr/>
+    </dgm:pt>
+    <dgm:pt modelId="{3EE3889C-134A-FF4C-9456-724C389FDCE5}" type="pres">
+      <dgm:prSet presAssocID="{EA69C16B-04D7-474F-ABF8-64072E729B2C}" presName="text" presStyleLbl="fgAcc0" presStyleIdx="1" presStyleCnt="2" custLinFactNeighborX="-2917" custLinFactNeighborY="-44847">
+        <dgm:presLayoutVars>
+          <dgm:chPref val="3"/>
+        </dgm:presLayoutVars>
+      </dgm:prSet>
+      <dgm:spPr/>
+    </dgm:pt>
+    <dgm:pt modelId="{E78D08CE-61A6-D74D-A59E-A86A29FEBB9C}" type="pres">
+      <dgm:prSet presAssocID="{EA69C16B-04D7-474F-ABF8-64072E729B2C}" presName="hierChild2" presStyleCnt="0"/>
+      <dgm:spPr/>
+    </dgm:pt>
+  </dgm:ptLst>
+  <dgm:cxnLst>
+    <dgm:cxn modelId="{77F3E546-E0FA-F94E-BB81-6E5B9C7A365D}" type="presOf" srcId="{EA69C16B-04D7-474F-ABF8-64072E729B2C}" destId="{3EE3889C-134A-FF4C-9456-724C389FDCE5}" srcOrd="0" destOrd="0" presId="urn:microsoft.com/office/officeart/2005/8/layout/hierarchy1"/>
+    <dgm:cxn modelId="{B5DF2E6D-81AE-43DE-9D83-E93665931A8A}" srcId="{2E9D7976-C6A7-4DA9-84B9-743EBA3EFD36}" destId="{EA69C16B-04D7-474F-ABF8-64072E729B2C}" srcOrd="1" destOrd="0" parTransId="{CF9F09F9-FB21-431A-9E4B-EE0FAACB3FE4}" sibTransId="{F4A67383-E8E3-4561-B5DB-F1BD67EBE61A}"/>
+    <dgm:cxn modelId="{7E5FF6A7-E797-C842-9D5A-D8C44EC32671}" type="presOf" srcId="{2E9D7976-C6A7-4DA9-84B9-743EBA3EFD36}" destId="{DA9DAC71-8960-2348-B034-2C816E85AF44}" srcOrd="0" destOrd="0" presId="urn:microsoft.com/office/officeart/2005/8/layout/hierarchy1"/>
+    <dgm:cxn modelId="{EC36C6B3-296C-4B59-A39C-51A6456F7A4B}" srcId="{2E9D7976-C6A7-4DA9-84B9-743EBA3EFD36}" destId="{ED7BEE05-66CF-4014-AD85-9511A4F8EB48}" srcOrd="0" destOrd="0" parTransId="{B9D2AE06-D9F0-4CFE-AE53-4B9ABF6A5FB3}" sibTransId="{0F921E8A-CEB2-4330-90A2-528371147867}"/>
+    <dgm:cxn modelId="{BCE49DD2-A8AE-AE4F-BAA0-37FFECC2D197}" type="presOf" srcId="{ED7BEE05-66CF-4014-AD85-9511A4F8EB48}" destId="{C0522132-6F35-8847-80B6-456C0CF2789E}" srcOrd="0" destOrd="0" presId="urn:microsoft.com/office/officeart/2005/8/layout/hierarchy1"/>
+    <dgm:cxn modelId="{22249D09-AD9E-2646-81DB-74F40712A1C3}" type="presParOf" srcId="{DA9DAC71-8960-2348-B034-2C816E85AF44}" destId="{C033D758-CB82-4B4A-8FEA-A59C285D2158}" srcOrd="0" destOrd="0" presId="urn:microsoft.com/office/officeart/2005/8/layout/hierarchy1"/>
+    <dgm:cxn modelId="{B9991B95-0B6E-6140-9E5C-90FB8DA04F2B}" type="presParOf" srcId="{C033D758-CB82-4B4A-8FEA-A59C285D2158}" destId="{4117DC93-BD50-B24E-AE09-CF66D097E8F3}" srcOrd="0" destOrd="0" presId="urn:microsoft.com/office/officeart/2005/8/layout/hierarchy1"/>
+    <dgm:cxn modelId="{73DA47B1-0509-6149-B431-503887E3B2D1}" type="presParOf" srcId="{4117DC93-BD50-B24E-AE09-CF66D097E8F3}" destId="{D0251E74-3BE1-9E4A-A3D8-5CF423BDF8D7}" srcOrd="0" destOrd="0" presId="urn:microsoft.com/office/officeart/2005/8/layout/hierarchy1"/>
+    <dgm:cxn modelId="{C1CD5CA9-7293-E544-B410-D9F081AFA166}" type="presParOf" srcId="{4117DC93-BD50-B24E-AE09-CF66D097E8F3}" destId="{C0522132-6F35-8847-80B6-456C0CF2789E}" srcOrd="1" destOrd="0" presId="urn:microsoft.com/office/officeart/2005/8/layout/hierarchy1"/>
+    <dgm:cxn modelId="{22821C51-7A30-E64B-BD15-69924D582005}" type="presParOf" srcId="{C033D758-CB82-4B4A-8FEA-A59C285D2158}" destId="{2781EA08-3B86-DB46-B188-7455D434BACB}" srcOrd="1" destOrd="0" presId="urn:microsoft.com/office/officeart/2005/8/layout/hierarchy1"/>
+    <dgm:cxn modelId="{5D398ECD-CC29-2B4E-8388-F7028319D43B}" type="presParOf" srcId="{DA9DAC71-8960-2348-B034-2C816E85AF44}" destId="{AB4911C5-B186-954A-9A57-8609FE42FC43}" srcOrd="1" destOrd="0" presId="urn:microsoft.com/office/officeart/2005/8/layout/hierarchy1"/>
+    <dgm:cxn modelId="{091A9D4C-ECFB-CA42-95D3-BD2442FEE154}" type="presParOf" srcId="{AB4911C5-B186-954A-9A57-8609FE42FC43}" destId="{8FAD8743-72E0-1642-A76C-0EF37CD70BCC}" srcOrd="0" destOrd="0" presId="urn:microsoft.com/office/officeart/2005/8/layout/hierarchy1"/>
+    <dgm:cxn modelId="{736DE939-0F06-874A-84C4-2B24DB5844F2}" type="presParOf" srcId="{8FAD8743-72E0-1642-A76C-0EF37CD70BCC}" destId="{5EBD5B12-B89D-B34D-A2C9-691E363CC23A}" srcOrd="0" destOrd="0" presId="urn:microsoft.com/office/officeart/2005/8/layout/hierarchy1"/>
+    <dgm:cxn modelId="{3B558EF0-F2A8-C245-A815-1C3B33DC3B6A}" type="presParOf" srcId="{8FAD8743-72E0-1642-A76C-0EF37CD70BCC}" destId="{3EE3889C-134A-FF4C-9456-724C389FDCE5}" srcOrd="1" destOrd="0" presId="urn:microsoft.com/office/officeart/2005/8/layout/hierarchy1"/>
+    <dgm:cxn modelId="{C2C33CE8-18AA-3F4C-9F70-DC774D799174}" type="presParOf" srcId="{AB4911C5-B186-954A-9A57-8609FE42FC43}" destId="{E78D08CE-61A6-D74D-A59E-A86A29FEBB9C}" srcOrd="1" destOrd="0" presId="urn:microsoft.com/office/officeart/2005/8/layout/hierarchy1"/>
+  </dgm:cxnLst>
+  <dgm:bg/>
+  <dgm:whole/>
+  <dgm:extLst>
+    <a:ext uri="http://schemas.microsoft.com/office/drawing/2008/diagram">
+      <dsp:dataModelExt xmlns:dsp="http://schemas.microsoft.com/office/drawing/2008/diagram" relId="rId7" minVer="http://schemas.openxmlformats.org/drawingml/2006/diagram"/>
+    </a:ext>
+  </dgm:extLst>
+</dgm:dataModel>
+</file>
+
+<file path=ppt/diagrams/drawing1.xml><?xml version="1.0" encoding="utf-8"?>
+<dsp:drawing xmlns:dgm="http://schemas.openxmlformats.org/drawingml/2006/diagram" xmlns:dsp="http://schemas.microsoft.com/office/drawing/2008/diagram" xmlns:a="http://schemas.openxmlformats.org/drawingml/2006/main">
+  <dsp:spTree>
+    <dsp:nvGrpSpPr>
+      <dsp:cNvPr id="0" name=""/>
+      <dsp:cNvGrpSpPr/>
+    </dsp:nvGrpSpPr>
+    <dsp:grpSpPr/>
+    <dsp:sp modelId="{D0251E74-3BE1-9E4A-A3D8-5CF423BDF8D7}">
+      <dsp:nvSpPr>
+        <dsp:cNvPr id="0" name=""/>
+        <dsp:cNvSpPr/>
+      </dsp:nvSpPr>
+      <dsp:spPr>
+        <a:xfrm>
+          <a:off x="388414" y="2353869"/>
+          <a:ext cx="4720361" cy="2997429"/>
+        </a:xfrm>
+        <a:prstGeom prst="roundRect">
+          <a:avLst>
+            <a:gd name="adj" fmla="val 10000"/>
+          </a:avLst>
+        </a:prstGeom>
+        <a:solidFill>
+          <a:schemeClr val="dk2">
+            <a:hueOff val="0"/>
+            <a:satOff val="0"/>
+            <a:lumOff val="0"/>
+            <a:alphaOff val="0"/>
+          </a:schemeClr>
+        </a:solidFill>
+        <a:ln w="22225" cap="flat" cmpd="sng" algn="ctr">
+          <a:solidFill>
+            <a:schemeClr val="lt2">
+              <a:hueOff val="0"/>
+              <a:satOff val="0"/>
+              <a:lumOff val="0"/>
+              <a:alphaOff val="0"/>
+            </a:schemeClr>
+          </a:solidFill>
+          <a:prstDash val="solid"/>
+        </a:ln>
+        <a:effectLst/>
+      </dsp:spPr>
+      <dsp:style>
+        <a:lnRef idx="3">
+          <a:scrgbClr r="0" g="0" b="0"/>
+        </a:lnRef>
+        <a:fillRef idx="1">
+          <a:scrgbClr r="0" g="0" b="0"/>
+        </a:fillRef>
+        <a:effectRef idx="1">
+          <a:scrgbClr r="0" g="0" b="0"/>
+        </a:effectRef>
+        <a:fontRef idx="minor">
+          <a:schemeClr val="lt1"/>
+        </a:fontRef>
+      </dsp:style>
+    </dsp:sp>
+    <dsp:sp modelId="{C0522132-6F35-8847-80B6-456C0CF2789E}">
+      <dsp:nvSpPr>
+        <dsp:cNvPr id="0" name=""/>
+        <dsp:cNvSpPr/>
+      </dsp:nvSpPr>
+      <dsp:spPr>
+        <a:xfrm>
+          <a:off x="912899" y="2852129"/>
+          <a:ext cx="4720361" cy="2997429"/>
+        </a:xfrm>
+        <a:prstGeom prst="roundRect">
+          <a:avLst>
+            <a:gd name="adj" fmla="val 10000"/>
+          </a:avLst>
+        </a:prstGeom>
+        <a:solidFill>
+          <a:schemeClr val="lt2">
+            <a:alpha val="90000"/>
+            <a:hueOff val="0"/>
+            <a:satOff val="0"/>
+            <a:lumOff val="0"/>
+            <a:alphaOff val="0"/>
+          </a:schemeClr>
+        </a:solidFill>
+        <a:ln w="15875" cap="flat" cmpd="sng" algn="ctr">
+          <a:solidFill>
+            <a:schemeClr val="dk2">
+              <a:hueOff val="0"/>
+              <a:satOff val="0"/>
+              <a:lumOff val="0"/>
+              <a:alphaOff val="0"/>
+            </a:schemeClr>
+          </a:solidFill>
+          <a:prstDash val="solid"/>
+        </a:ln>
+        <a:effectLst/>
+      </dsp:spPr>
+      <dsp:style>
+        <a:lnRef idx="2">
+          <a:scrgbClr r="0" g="0" b="0"/>
+        </a:lnRef>
+        <a:fillRef idx="1">
+          <a:scrgbClr r="0" g="0" b="0"/>
+        </a:fillRef>
+        <a:effectRef idx="0">
+          <a:scrgbClr r="0" g="0" b="0"/>
+        </a:effectRef>
+        <a:fontRef idx="minor"/>
+      </dsp:style>
+      <dsp:txBody>
+        <a:bodyPr spcFirstLastPara="0" vert="horz" wrap="square" lIns="121920" tIns="121920" rIns="121920" bIns="121920" numCol="1" spcCol="1270" anchor="ctr" anchorCtr="0">
+          <a:noAutofit/>
+        </a:bodyPr>
+        <a:lstStyle/>
+        <a:p>
+          <a:pPr marL="0" lvl="0" indent="0" algn="ctr" defTabSz="1422400">
+            <a:lnSpc>
+              <a:spcPct val="90000"/>
+            </a:lnSpc>
+            <a:spcBef>
+              <a:spcPct val="0"/>
+            </a:spcBef>
+            <a:spcAft>
+              <a:spcPct val="35000"/>
+            </a:spcAft>
+            <a:buNone/>
+          </a:pPr>
+          <a:r>
+            <a:rPr lang="en-GB" sz="3200" kern="1200" dirty="0"/>
+            <a:t>Tested all models in Django – created a bank account and checked it was created correctly</a:t>
+          </a:r>
+          <a:endParaRPr lang="en-US" sz="3200" kern="1200" dirty="0"/>
+        </a:p>
+      </dsp:txBody>
+      <dsp:txXfrm>
+        <a:off x="1000691" y="2939921"/>
+        <a:ext cx="4544777" cy="2821845"/>
+      </dsp:txXfrm>
+    </dsp:sp>
+    <dsp:sp modelId="{5EBD5B12-B89D-B34D-A2C9-691E363CC23A}">
+      <dsp:nvSpPr>
+        <dsp:cNvPr id="0" name=""/>
+        <dsp:cNvSpPr/>
+      </dsp:nvSpPr>
+      <dsp:spPr>
+        <a:xfrm>
+          <a:off x="5632982" y="94526"/>
+          <a:ext cx="4720361" cy="2997429"/>
+        </a:xfrm>
+        <a:prstGeom prst="roundRect">
+          <a:avLst>
+            <a:gd name="adj" fmla="val 10000"/>
+          </a:avLst>
+        </a:prstGeom>
+        <a:solidFill>
+          <a:schemeClr val="dk2">
+            <a:hueOff val="0"/>
+            <a:satOff val="0"/>
+            <a:lumOff val="0"/>
+            <a:alphaOff val="0"/>
+          </a:schemeClr>
+        </a:solidFill>
+        <a:ln w="22225" cap="flat" cmpd="sng" algn="ctr">
+          <a:solidFill>
+            <a:schemeClr val="lt2">
+              <a:hueOff val="0"/>
+              <a:satOff val="0"/>
+              <a:lumOff val="0"/>
+              <a:alphaOff val="0"/>
+            </a:schemeClr>
+          </a:solidFill>
+          <a:prstDash val="solid"/>
+        </a:ln>
+        <a:effectLst/>
+      </dsp:spPr>
+      <dsp:style>
+        <a:lnRef idx="3">
+          <a:scrgbClr r="0" g="0" b="0"/>
+        </a:lnRef>
+        <a:fillRef idx="1">
+          <a:scrgbClr r="0" g="0" b="0"/>
+        </a:fillRef>
+        <a:effectRef idx="1">
+          <a:scrgbClr r="0" g="0" b="0"/>
+        </a:effectRef>
+        <a:fontRef idx="minor">
+          <a:schemeClr val="lt1"/>
+        </a:fontRef>
+      </dsp:style>
+    </dsp:sp>
+    <dsp:sp modelId="{3EE3889C-134A-FF4C-9456-724C389FDCE5}">
+      <dsp:nvSpPr>
+        <dsp:cNvPr id="0" name=""/>
+        <dsp:cNvSpPr/>
+      </dsp:nvSpPr>
+      <dsp:spPr>
+        <a:xfrm>
+          <a:off x="6157467" y="592787"/>
+          <a:ext cx="4720361" cy="2997429"/>
+        </a:xfrm>
+        <a:prstGeom prst="roundRect">
+          <a:avLst>
+            <a:gd name="adj" fmla="val 10000"/>
+          </a:avLst>
+        </a:prstGeom>
+        <a:solidFill>
+          <a:schemeClr val="lt2">
+            <a:alpha val="90000"/>
+            <a:hueOff val="0"/>
+            <a:satOff val="0"/>
+            <a:lumOff val="0"/>
+            <a:alphaOff val="0"/>
+          </a:schemeClr>
+        </a:solidFill>
+        <a:ln w="15875" cap="flat" cmpd="sng" algn="ctr">
+          <a:solidFill>
+            <a:schemeClr val="dk2">
+              <a:hueOff val="0"/>
+              <a:satOff val="0"/>
+              <a:lumOff val="0"/>
+              <a:alphaOff val="0"/>
+            </a:schemeClr>
+          </a:solidFill>
+          <a:prstDash val="solid"/>
+        </a:ln>
+        <a:effectLst/>
+      </dsp:spPr>
+      <dsp:style>
+        <a:lnRef idx="2">
+          <a:scrgbClr r="0" g="0" b="0"/>
+        </a:lnRef>
+        <a:fillRef idx="1">
+          <a:scrgbClr r="0" g="0" b="0"/>
+        </a:fillRef>
+        <a:effectRef idx="0">
+          <a:scrgbClr r="0" g="0" b="0"/>
+        </a:effectRef>
+        <a:fontRef idx="minor"/>
+      </dsp:style>
+      <dsp:txBody>
+        <a:bodyPr spcFirstLastPara="0" vert="horz" wrap="square" lIns="121920" tIns="121920" rIns="121920" bIns="121920" numCol="1" spcCol="1270" anchor="ctr" anchorCtr="0">
+          <a:noAutofit/>
+        </a:bodyPr>
+        <a:lstStyle/>
+        <a:p>
+          <a:pPr marL="0" lvl="0" indent="0" algn="ctr" defTabSz="1422400">
+            <a:lnSpc>
+              <a:spcPct val="90000"/>
+            </a:lnSpc>
+            <a:spcBef>
+              <a:spcPct val="0"/>
+            </a:spcBef>
+            <a:spcAft>
+              <a:spcPct val="35000"/>
+            </a:spcAft>
+            <a:buNone/>
+          </a:pPr>
+          <a:r>
+            <a:rPr lang="en-GB" sz="3200" kern="1200"/>
+            <a:t>Tested an API Root – shows total across all bank accounts, checked this output the same value as was in the backend</a:t>
+          </a:r>
+          <a:endParaRPr lang="en-US" sz="3200" kern="1200"/>
+        </a:p>
+      </dsp:txBody>
+      <dsp:txXfrm>
+        <a:off x="6245259" y="680579"/>
+        <a:ext cx="4544777" cy="2821845"/>
+      </dsp:txXfrm>
+    </dsp:sp>
+  </dsp:spTree>
+</dsp:drawing>
+</file>
+
+<file path=ppt/diagrams/layout1.xml><?xml version="1.0" encoding="utf-8"?>
+<dgm:layoutDef xmlns:dgm="http://schemas.openxmlformats.org/drawingml/2006/diagram" xmlns:a="http://schemas.openxmlformats.org/drawingml/2006/main" uniqueId="urn:microsoft.com/office/officeart/2005/8/layout/hierarchy1">
+  <dgm:title val=""/>
+  <dgm:desc val=""/>
+  <dgm:catLst>
+    <dgm:cat type="hierarchy" pri="2000"/>
+  </dgm:catLst>
+  <dgm:sampData>
+    <dgm:dataModel>
+      <dgm:ptLst>
+        <dgm:pt modelId="0" type="doc"/>
+        <dgm:pt modelId="1">
+          <dgm:prSet phldr="1"/>
+        </dgm:pt>
+        <dgm:pt modelId="2">
+          <dgm:prSet phldr="1"/>
+        </dgm:pt>
+        <dgm:pt modelId="21">
+          <dgm:prSet phldr="1"/>
+        </dgm:pt>
+        <dgm:pt modelId="22">
+          <dgm:prSet phldr="1"/>
+        </dgm:pt>
+        <dgm:pt modelId="3">
+          <dgm:prSet phldr="1"/>
+        </dgm:pt>
+        <dgm:pt modelId="31">
+          <dgm:prSet phldr="1"/>
+        </dgm:pt>
+      </dgm:ptLst>
+      <dgm:cxnLst>
+        <dgm:cxn modelId="4" srcId="0" destId="1" srcOrd="0" destOrd="0"/>
+        <dgm:cxn modelId="5" srcId="1" destId="2" srcOrd="0" destOrd="0"/>
+        <dgm:cxn modelId="6" srcId="1" destId="3" srcOrd="1" destOrd="0"/>
+        <dgm:cxn modelId="23" srcId="2" destId="21" srcOrd="0" destOrd="0"/>
+        <dgm:cxn modelId="24" srcId="2" destId="22" srcOrd="1" destOrd="0"/>
+        <dgm:cxn modelId="33" srcId="3" destId="31" srcOrd="0" destOrd="0"/>
+      </dgm:cxnLst>
+      <dgm:bg/>
+      <dgm:whole/>
+    </dgm:dataModel>
+  </dgm:sampData>
+  <dgm:styleData>
+    <dgm:dataModel>
+      <dgm:ptLst>
+        <dgm:pt modelId="0" type="doc"/>
+        <dgm:pt modelId="1"/>
+        <dgm:pt modelId="11"/>
+        <dgm:pt modelId="12"/>
+      </dgm:ptLst>
+      <dgm:cxnLst>
+        <dgm:cxn modelId="2" srcId="0" destId="1" srcOrd="0" destOrd="0"/>
+        <dgm:cxn modelId="13" srcId="1" destId="11" srcOrd="0" destOrd="0"/>
+        <dgm:cxn modelId="14" srcId="1" destId="12" srcOrd="1" destOrd="0"/>
+      </dgm:cxnLst>
+      <dgm:bg/>
+      <dgm:whole/>
+    </dgm:dataModel>
+  </dgm:styleData>
+  <dgm:clrData>
+    <dgm:dataModel>
+      <dgm:ptLst>
+        <dgm:pt modelId="0" type="doc"/>
+        <dgm:pt modelId="1"/>
+        <dgm:pt modelId="2"/>
+        <dgm:pt modelId="21"/>
+        <dgm:pt modelId="211"/>
+        <dgm:pt modelId="3"/>
+        <dgm:pt modelId="31"/>
+        <dgm:pt modelId="311"/>
+      </dgm:ptLst>
+      <dgm:cxnLst>
+        <dgm:cxn modelId="4" srcId="0" destId="1" srcOrd="0" destOrd="0"/>
+        <dgm:cxn modelId="5" srcId="1" destId="2" srcOrd="0" destOrd="0"/>
+        <dgm:cxn modelId="6" srcId="1" destId="3" srcOrd="1" destOrd="0"/>
+        <dgm:cxn modelId="23" srcId="2" destId="21" srcOrd="0" destOrd="0"/>
+        <dgm:cxn modelId="24" srcId="21" destId="211" srcOrd="0" destOrd="0"/>
+        <dgm:cxn modelId="33" srcId="3" destId="31" srcOrd="0" destOrd="0"/>
+        <dgm:cxn modelId="34" srcId="31" destId="311" srcOrd="0" destOrd="0"/>
+      </dgm:cxnLst>
+      <dgm:bg/>
+      <dgm:whole/>
+    </dgm:dataModel>
+  </dgm:clrData>
+  <dgm:layoutNode name="hierChild1">
+    <dgm:varLst>
+      <dgm:chPref val="1"/>
+      <dgm:dir/>
+      <dgm:animOne val="branch"/>
+      <dgm:animLvl val="lvl"/>
+      <dgm:resizeHandles/>
+    </dgm:varLst>
+    <dgm:choose name="Name0">
+      <dgm:if name="Name1" func="var" arg="dir" op="equ" val="norm">
+        <dgm:alg type="hierChild">
+          <dgm:param type="linDir" val="fromL"/>
+        </dgm:alg>
+      </dgm:if>
+      <dgm:else name="Name2">
+        <dgm:alg type="hierChild">
+          <dgm:param type="linDir" val="fromR"/>
+        </dgm:alg>
+      </dgm:else>
+    </dgm:choose>
+    <dgm:shape xmlns:r="http://schemas.openxmlformats.org/officeDocument/2006/relationships" r:blip="">
+      <dgm:adjLst/>
+    </dgm:shape>
+    <dgm:presOf/>
+    <dgm:constrLst>
+      <dgm:constr type="primFontSz" for="des" ptType="node" op="equ" val="65"/>
+      <dgm:constr type="w" for="des" forName="composite" refType="w"/>
+      <dgm:constr type="h" for="des" forName="composite" refType="w" refFor="des" refForName="composite" fact="0.667"/>
+      <dgm:constr type="w" for="des" forName="composite2" refType="w" refFor="des" refForName="composite"/>
+      <dgm:constr type="h" for="des" forName="composite2" refType="h" refFor="des" refForName="composite"/>
+      <dgm:constr type="w" for="des" forName="composite3" refType="w" refFor="des" refForName="composite"/>
+      <dgm:constr type="h" for="des" forName="composite3" refType="h" refFor="des" refForName="composite"/>
+      <dgm:constr type="w" for="des" forName="composite4" refType="w" refFor="des" refForName="composite"/>
+      <dgm:constr type="h" for="des" forName="composite4" refType="h" refFor="des" refForName="composite"/>
+      <dgm:constr type="w" for="des" forName="composite5" refType="w" refFor="des" refForName="composite"/>
+      <dgm:constr type="h" for="des" forName="composite5" refType="h" refFor="des" refForName="composite"/>
+      <dgm:constr type="sibSp" refType="w" refFor="des" refForName="composite" fact="0.1"/>
+      <dgm:constr type="sibSp" for="des" forName="hierChild2" refType="sibSp"/>
+      <dgm:constr type="sibSp" for="des" forName="hierChild3" refType="sibSp"/>
+      <dgm:constr type="sibSp" for="des" forName="hierChild4" refType="sibSp"/>
+      <dgm:constr type="sibSp" for="des" forName="hierChild5" refType="sibSp"/>
+      <dgm:constr type="sibSp" for="des" forName="hierChild6" refType="sibSp"/>
+      <dgm:constr type="sp" for="des" forName="hierRoot1" refType="h" refFor="des" refForName="composite" fact="0.25"/>
+      <dgm:constr type="sp" for="des" forName="hierRoot2" refType="sp" refFor="des" refForName="hierRoot1"/>
+      <dgm:constr type="sp" for="des" forName="hierRoot3" refType="sp" refFor="des" refForName="hierRoot1"/>
+      <dgm:constr type="sp" for="des" forName="hierRoot4" refType="sp" refFor="des" refForName="hierRoot1"/>
+      <dgm:constr type="sp" for="des" forName="hierRoot5" refType="sp" refFor="des" refForName="hierRoot1"/>
+    </dgm:constrLst>
+    <dgm:ruleLst/>
+    <dgm:forEach name="Name3" axis="ch">
+      <dgm:forEach name="Name4" axis="self" ptType="node">
+        <dgm:layoutNode name="hierRoot1">
+          <dgm:alg type="hierRoot"/>
+          <dgm:shape xmlns:r="http://schemas.openxmlformats.org/officeDocument/2006/relationships" r:blip="">
+            <dgm:adjLst/>
+          </dgm:shape>
+          <dgm:presOf/>
+          <dgm:constrLst>
+            <dgm:constr type="bendDist" for="des" ptType="parTrans" refType="sp" fact="0.5"/>
+          </dgm:constrLst>
+          <dgm:ruleLst/>
+          <dgm:layoutNode name="composite">
+            <dgm:alg type="composite"/>
+            <dgm:shape xmlns:r="http://schemas.openxmlformats.org/officeDocument/2006/relationships" r:blip="">
+              <dgm:adjLst/>
+            </dgm:shape>
+            <dgm:presOf/>
+            <dgm:constrLst>
+              <dgm:constr type="w" for="ch" forName="background" refType="w" fact="0.9"/>
+              <dgm:constr type="h" for="ch" forName="background" refType="w" refFor="ch" refForName="background" fact="0.635"/>
+              <dgm:constr type="t" for="ch" forName="background"/>
+              <dgm:constr type="l" for="ch" forName="background"/>
+              <dgm:constr type="w" for="ch" forName="text" refType="w" fact="0.9"/>
+              <dgm:constr type="h" for="ch" forName="text" refType="w" refFor="ch" refForName="text" fact="0.635"/>
+              <dgm:constr type="t" for="ch" forName="text" refType="w" fact="0.095"/>
+              <dgm:constr type="l" for="ch" forName="text" refType="w" fact="0.1"/>
+            </dgm:constrLst>
+            <dgm:ruleLst/>
+            <dgm:layoutNode name="background" styleLbl="node0" moveWith="text">
+              <dgm:alg type="sp"/>
+              <dgm:shape xmlns:r="http://schemas.openxmlformats.org/officeDocument/2006/relationships" type="roundRect" r:blip="">
+                <dgm:adjLst>
+                  <dgm:adj idx="1" val="0.1"/>
+                </dgm:adjLst>
+              </dgm:shape>
+              <dgm:presOf/>
+              <dgm:constrLst/>
+              <dgm:ruleLst/>
+            </dgm:layoutNode>
+            <dgm:layoutNode name="text" styleLbl="fgAcc0">
+              <dgm:varLst>
+                <dgm:chPref val="3"/>
+              </dgm:varLst>
+              <dgm:alg type="tx"/>
+              <dgm:shape xmlns:r="http://schemas.openxmlformats.org/officeDocument/2006/relationships" type="roundRect" r:blip="">
+                <dgm:adjLst>
+                  <dgm:adj idx="1" val="0.1"/>
+                </dgm:adjLst>
+              </dgm:shape>
+              <dgm:presOf axis="self"/>
+              <dgm:constrLst>
+                <dgm:constr type="tMarg" refType="primFontSz" fact="0.3"/>
+                <dgm:constr type="bMarg" refType="primFontSz" fact="0.3"/>
+                <dgm:constr type="lMarg" refType="primFontSz" fact="0.3"/>
+                <dgm:constr type="rMarg" refType="primFontSz" fact="0.3"/>
+              </dgm:constrLst>
+              <dgm:ruleLst>
+                <dgm:rule type="primFontSz" val="5" fact="NaN" max="NaN"/>
+              </dgm:ruleLst>
+            </dgm:layoutNode>
+          </dgm:layoutNode>
+          <dgm:layoutNode name="hierChild2">
+            <dgm:choose name="Name5">
+              <dgm:if name="Name6" func="var" arg="dir" op="equ" val="norm">
+                <dgm:alg type="hierChild">
+                  <dgm:param type="linDir" val="fromL"/>
+                </dgm:alg>
+              </dgm:if>
+              <dgm:else name="Name7">
+                <dgm:alg type="hierChild">
+                  <dgm:param type="linDir" val="fromR"/>
+                </dgm:alg>
+              </dgm:else>
+            </dgm:choose>
+            <dgm:shape xmlns:r="http://schemas.openxmlformats.org/officeDocument/2006/relationships" r:blip="">
+              <dgm:adjLst/>
+            </dgm:shape>
+            <dgm:presOf/>
+            <dgm:constrLst/>
+            <dgm:ruleLst/>
+            <dgm:forEach name="Name8" axis="ch">
+              <dgm:forEach name="Name9" axis="self" ptType="parTrans" cnt="1">
+                <dgm:layoutNode name="Name10">
+                  <dgm:alg type="conn">
+                    <dgm:param type="dim" val="1D"/>
+                    <dgm:param type="endSty" val="noArr"/>
+                    <dgm:param type="connRout" val="bend"/>
+                    <dgm:param type="bendPt" val="end"/>
+                    <dgm:param type="begPts" val="bCtr"/>
+                    <dgm:param type="endPts" val="tCtr"/>
+                    <dgm:param type="srcNode" val="background"/>
+                    <dgm:param type="dstNode" val="background2"/>
+                  </dgm:alg>
+                  <dgm:shape xmlns:r="http://schemas.openxmlformats.org/officeDocument/2006/relationships" type="conn" r:blip="" zOrderOff="-999">
+                    <dgm:adjLst/>
+                  </dgm:shape>
+                  <dgm:presOf axis="self"/>
+                  <dgm:constrLst>
+                    <dgm:constr type="begPad"/>
+                    <dgm:constr type="endPad"/>
+                  </dgm:constrLst>
+                  <dgm:ruleLst/>
+                </dgm:layoutNode>
+              </dgm:forEach>
+              <dgm:forEach name="Name11" axis="self" ptType="node">
+                <dgm:layoutNode name="hierRoot2">
+                  <dgm:alg type="hierRoot"/>
+                  <dgm:shape xmlns:r="http://schemas.openxmlformats.org/officeDocument/2006/relationships" r:blip="">
+                    <dgm:adjLst/>
+                  </dgm:shape>
+                  <dgm:presOf/>
+                  <dgm:constrLst>
+                    <dgm:constr type="bendDist" for="des" ptType="parTrans" refType="sp" fact="0.5"/>
+                  </dgm:constrLst>
+                  <dgm:ruleLst/>
+                  <dgm:layoutNode name="composite2">
+                    <dgm:alg type="composite"/>
+                    <dgm:shape xmlns:r="http://schemas.openxmlformats.org/officeDocument/2006/relationships" r:blip="">
+                      <dgm:adjLst/>
+                    </dgm:shape>
+                    <dgm:presOf/>
+                    <dgm:constrLst>
+                      <dgm:constr type="w" for="ch" forName="background2" refType="w" fact="0.9"/>
+                      <dgm:constr type="h" for="ch" forName="background2" refType="w" refFor="ch" refForName="background2" fact="0.635"/>
+                      <dgm:constr type="t" for="ch" forName="background2"/>
+                      <dgm:constr type="l" for="ch" forName="background2"/>
+                      <dgm:constr type="w" for="ch" forName="text2" refType="w" fact="0.9"/>
+                      <dgm:constr type="h" for="ch" forName="text2" refType="w" refFor="ch" refForName="text2" fact="0.635"/>
+                      <dgm:constr type="t" for="ch" forName="text2" refType="w" fact="0.095"/>
+                      <dgm:constr type="l" for="ch" forName="text2" refType="w" fact="0.1"/>
+                    </dgm:constrLst>
+                    <dgm:ruleLst/>
+                    <dgm:layoutNode name="background2" moveWith="text2">
+                      <dgm:alg type="sp"/>
+                      <dgm:shape xmlns:r="http://schemas.openxmlformats.org/officeDocument/2006/relationships" type="roundRect" r:blip="">
+                        <dgm:adjLst>
+                          <dgm:adj idx="1" val="0.1"/>
+                        </dgm:adjLst>
+                      </dgm:shape>
+                      <dgm:presOf/>
+                      <dgm:constrLst/>
+                      <dgm:ruleLst/>
+                    </dgm:layoutNode>
+                    <dgm:layoutNode name="text2" styleLbl="fgAcc2">
+                      <dgm:varLst>
+                        <dgm:chPref val="3"/>
+                      </dgm:varLst>
+                      <dgm:alg type="tx"/>
+                      <dgm:shape xmlns:r="http://schemas.openxmlformats.org/officeDocument/2006/relationships" type="roundRect" r:blip="">
+                        <dgm:adjLst>
+                          <dgm:adj idx="1" val="0.1"/>
+                        </dgm:adjLst>
+                      </dgm:shape>
+                      <dgm:presOf axis="self"/>
+                      <dgm:constrLst>
+                        <dgm:constr type="tMarg" refType="primFontSz" fact="0.3"/>
+                        <dgm:constr type="bMarg" refType="primFontSz" fact="0.3"/>
+                        <dgm:constr type="lMarg" refType="primFontSz" fact="0.3"/>
+                        <dgm:constr type="rMarg" refType="primFontSz" fact="0.3"/>
+                      </dgm:constrLst>
+                      <dgm:ruleLst>
+                        <dgm:rule type="primFontSz" val="5" fact="NaN" max="NaN"/>
+                      </dgm:ruleLst>
+                    </dgm:layoutNode>
+                  </dgm:layoutNode>
+                  <dgm:layoutNode name="hierChild3">
+                    <dgm:choose name="Name12">
+                      <dgm:if name="Name13" func="var" arg="dir" op="equ" val="norm">
+                        <dgm:alg type="hierChild">
+                          <dgm:param type="linDir" val="fromL"/>
+                        </dgm:alg>
+                      </dgm:if>
+                      <dgm:else name="Name14">
+                        <dgm:alg type="hierChild">
+                          <dgm:param type="linDir" val="fromR"/>
+                        </dgm:alg>
+                      </dgm:else>
+                    </dgm:choose>
+                    <dgm:shape xmlns:r="http://schemas.openxmlformats.org/officeDocument/2006/relationships" r:blip="">
+                      <dgm:adjLst/>
+                    </dgm:shape>
+                    <dgm:presOf/>
+                    <dgm:constrLst/>
+                    <dgm:ruleLst/>
+                    <dgm:forEach name="Name15" axis="ch">
+                      <dgm:forEach name="Name16" axis="self" ptType="parTrans" cnt="1">
+                        <dgm:layoutNode name="Name17">
+                          <dgm:alg type="conn">
+                            <dgm:param type="dim" val="1D"/>
+                            <dgm:param type="endSty" val="noArr"/>
+                            <dgm:param type="connRout" val="bend"/>
+                            <dgm:param type="bendPt" val="end"/>
+                            <dgm:param type="begPts" val="bCtr"/>
+                            <dgm:param type="endPts" val="tCtr"/>
+                            <dgm:param type="srcNode" val="background2"/>
+                            <dgm:param type="dstNode" val="background3"/>
+                          </dgm:alg>
+                          <dgm:shape xmlns:r="http://schemas.openxmlformats.org/officeDocument/2006/relationships" type="conn" r:blip="" zOrderOff="-999">
+                            <dgm:adjLst/>
+                          </dgm:shape>
+                          <dgm:presOf axis="self"/>
+                          <dgm:constrLst>
+                            <dgm:constr type="begPad"/>
+                            <dgm:constr type="endPad"/>
+                          </dgm:constrLst>
+                          <dgm:ruleLst/>
+                        </dgm:layoutNode>
+                      </dgm:forEach>
+                      <dgm:forEach name="Name18" axis="self" ptType="node">
+                        <dgm:layoutNode name="hierRoot3">
+                          <dgm:alg type="hierRoot"/>
+                          <dgm:shape xmlns:r="http://schemas.openxmlformats.org/officeDocument/2006/relationships" r:blip="">
+                            <dgm:adjLst/>
+                          </dgm:shape>
+                          <dgm:presOf/>
+                          <dgm:constrLst>
+                            <dgm:constr type="bendDist" for="des" ptType="parTrans" refType="sp" fact="0.5"/>
+                          </dgm:constrLst>
+                          <dgm:ruleLst/>
+                          <dgm:layoutNode name="composite3">
+                            <dgm:alg type="composite"/>
+                            <dgm:shape xmlns:r="http://schemas.openxmlformats.org/officeDocument/2006/relationships" r:blip="">
+                              <dgm:adjLst/>
+                            </dgm:shape>
+                            <dgm:presOf/>
+                            <dgm:constrLst>
+                              <dgm:constr type="w" for="ch" forName="background3" refType="w" fact="0.9"/>
+                              <dgm:constr type="h" for="ch" forName="background3" refType="w" refFor="ch" refForName="background3" fact="0.635"/>
+                              <dgm:constr type="t" for="ch" forName="background3"/>
+                              <dgm:constr type="l" for="ch" forName="background3"/>
+                              <dgm:constr type="w" for="ch" forName="text3" refType="w" fact="0.9"/>
+                              <dgm:constr type="h" for="ch" forName="text3" refType="w" refFor="ch" refForName="text3" fact="0.635"/>
+                              <dgm:constr type="t" for="ch" forName="text3" refType="w" fact="0.095"/>
+                              <dgm:constr type="l" for="ch" forName="text3" refType="w" fact="0.1"/>
+                            </dgm:constrLst>
+                            <dgm:ruleLst/>
+                            <dgm:layoutNode name="background3" moveWith="text3">
+                              <dgm:alg type="sp"/>
+                              <dgm:shape xmlns:r="http://schemas.openxmlformats.org/officeDocument/2006/relationships" type="roundRect" r:blip="">
+                                <dgm:adjLst>
+                                  <dgm:adj idx="1" val="0.1"/>
+                                </dgm:adjLst>
+                              </dgm:shape>
+                              <dgm:presOf/>
+                              <dgm:constrLst/>
+                              <dgm:ruleLst/>
+                            </dgm:layoutNode>
+                            <dgm:layoutNode name="text3" styleLbl="fgAcc3">
+                              <dgm:varLst>
+                                <dgm:chPref val="3"/>
+                              </dgm:varLst>
+                              <dgm:alg type="tx"/>
+                              <dgm:shape xmlns:r="http://schemas.openxmlformats.org/officeDocument/2006/relationships" type="roundRect" r:blip="">
+                                <dgm:adjLst>
+                                  <dgm:adj idx="1" val="0.1"/>
+                                </dgm:adjLst>
+                              </dgm:shape>
+                              <dgm:presOf axis="self"/>
+                              <dgm:constrLst>
+                                <dgm:constr type="tMarg" refType="primFontSz" fact="0.3"/>
+                                <dgm:constr type="bMarg" refType="primFontSz" fact="0.3"/>
+                                <dgm:constr type="lMarg" refType="primFontSz" fact="0.3"/>
+                                <dgm:constr type="rMarg" refType="primFontSz" fact="0.3"/>
+                              </dgm:constrLst>
+                              <dgm:ruleLst>
+                                <dgm:rule type="primFontSz" val="5" fact="NaN" max="NaN"/>
+                              </dgm:ruleLst>
+                            </dgm:layoutNode>
+                          </dgm:layoutNode>
+                          <dgm:layoutNode name="hierChild4">
+                            <dgm:choose name="Name19">
+                              <dgm:if name="Name20" func="var" arg="dir" op="equ" val="norm">
+                                <dgm:alg type="hierChild">
+                                  <dgm:param type="linDir" val="fromL"/>
+                                </dgm:alg>
+                              </dgm:if>
+                              <dgm:else name="Name21">
+                                <dgm:alg type="hierChild">
+                                  <dgm:param type="linDir" val="fromR"/>
+                                </dgm:alg>
+                              </dgm:else>
+                            </dgm:choose>
+                            <dgm:shape xmlns:r="http://schemas.openxmlformats.org/officeDocument/2006/relationships" r:blip="">
+                              <dgm:adjLst/>
+                            </dgm:shape>
+                            <dgm:presOf/>
+                            <dgm:constrLst/>
+                            <dgm:ruleLst/>
+                            <dgm:forEach name="repeat" axis="ch">
+                              <dgm:forEach name="Name22" axis="self" ptType="parTrans" cnt="1">
+                                <dgm:layoutNode name="Name23">
+                                  <dgm:choose name="Name24">
+                                    <dgm:if name="Name25" axis="self" func="depth" op="lte" val="4">
+                                      <dgm:alg type="conn">
+                                        <dgm:param type="dim" val="1D"/>
+                                        <dgm:param type="endSty" val="noArr"/>
+                                        <dgm:param type="connRout" val="bend"/>
+                                        <dgm:param type="bendPt" val="end"/>
+                                        <dgm:param type="begPts" val="bCtr"/>
+                                        <dgm:param type="endPts" val="tCtr"/>
+                                        <dgm:param type="srcNode" val="background3"/>
+                                        <dgm:param type="dstNode" val="background4"/>
+                                      </dgm:alg>
+                                    </dgm:if>
+                                    <dgm:else name="Name26">
+                                      <dgm:alg type="conn">
+                                        <dgm:param type="dim" val="1D"/>
+                                        <dgm:param type="endSty" val="noArr"/>
+                                        <dgm:param type="connRout" val="bend"/>
+                                        <dgm:param type="bendPt" val="end"/>
+                                        <dgm:param type="begPts" val="bCtr"/>
+                                        <dgm:param type="endPts" val="tCtr"/>
+                                        <dgm:param type="srcNode" val="background4"/>
+                                        <dgm:param type="dstNode" val="background4"/>
+                                      </dgm:alg>
+                                    </dgm:else>
+                                  </dgm:choose>
+                                  <dgm:shape xmlns:r="http://schemas.openxmlformats.org/officeDocument/2006/relationships" type="conn" r:blip="" zOrderOff="-999">
+                                    <dgm:adjLst/>
+                                  </dgm:shape>
+                                  <dgm:presOf axis="self"/>
+                                  <dgm:constrLst>
+                                    <dgm:constr type="begPad"/>
+                                    <dgm:constr type="endPad"/>
+                                  </dgm:constrLst>
+                                  <dgm:ruleLst/>
+                                </dgm:layoutNode>
+                              </dgm:forEach>
+                              <dgm:forEach name="Name27" axis="self" ptType="node">
+                                <dgm:layoutNode name="hierRoot4">
+                                  <dgm:alg type="hierRoot"/>
+                                  <dgm:shape xmlns:r="http://schemas.openxmlformats.org/officeDocument/2006/relationships" r:blip="">
+                                    <dgm:adjLst/>
+                                  </dgm:shape>
+                                  <dgm:presOf/>
+                                  <dgm:constrLst>
+                                    <dgm:constr type="bendDist" for="des" ptType="parTrans" refType="sp" fact="0.5"/>
+                                  </dgm:constrLst>
+                                  <dgm:ruleLst/>
+                                  <dgm:layoutNode name="composite4">
+                                    <dgm:alg type="composite"/>
+                                    <dgm:shape xmlns:r="http://schemas.openxmlformats.org/officeDocument/2006/relationships" r:blip="">
+                                      <dgm:adjLst/>
+                                    </dgm:shape>
+                                    <dgm:presOf/>
+                                    <dgm:constrLst>
+                                      <dgm:constr type="w" for="ch" forName="background4" refType="w" fact="0.9"/>
+                                      <dgm:constr type="h" for="ch" forName="background4" refType="w" refFor="ch" refForName="background4" fact="0.635"/>
+                                      <dgm:constr type="t" for="ch" forName="background4"/>
+                                      <dgm:constr type="l" for="ch" forName="background4"/>
+                                      <dgm:constr type="w" for="ch" forName="text4" refType="w" fact="0.9"/>
+                                      <dgm:constr type="h" for="ch" forName="text4" refType="w" refFor="ch" refForName="text4" fact="0.635"/>
+                                      <dgm:constr type="t" for="ch" forName="text4" refType="w" fact="0.095"/>
+                                      <dgm:constr type="l" for="ch" forName="text4" refType="w" fact="0.1"/>
+                                    </dgm:constrLst>
+                                    <dgm:ruleLst/>
+                                    <dgm:layoutNode name="background4" moveWith="text4">
+                                      <dgm:alg type="sp"/>
+                                      <dgm:shape xmlns:r="http://schemas.openxmlformats.org/officeDocument/2006/relationships" type="roundRect" r:blip="">
+                                        <dgm:adjLst>
+                                          <dgm:adj idx="1" val="0.1"/>
+                                        </dgm:adjLst>
+                                      </dgm:shape>
+                                      <dgm:presOf/>
+                                      <dgm:constrLst/>
+                                      <dgm:ruleLst/>
+                                    </dgm:layoutNode>
+                                    <dgm:layoutNode name="text4" styleLbl="fgAcc4">
+                                      <dgm:varLst>
+                                        <dgm:chPref val="3"/>
+                                      </dgm:varLst>
+                                      <dgm:alg type="tx"/>
+                                      <dgm:shape xmlns:r="http://schemas.openxmlformats.org/officeDocument/2006/relationships" type="roundRect" r:blip="">
+                                        <dgm:adjLst>
+                                          <dgm:adj idx="1" val="0.1"/>
+                                        </dgm:adjLst>
+                                      </dgm:shape>
+                                      <dgm:presOf axis="self"/>
+                                      <dgm:constrLst>
+                                        <dgm:constr type="tMarg" refType="primFontSz" fact="0.3"/>
+                                        <dgm:constr type="bMarg" refType="primFontSz" fact="0.3"/>
+                                        <dgm:constr type="lMarg" refType="primFontSz" fact="0.3"/>
+                                        <dgm:constr type="rMarg" refType="primFontSz" fact="0.3"/>
+                                      </dgm:constrLst>
+                                      <dgm:ruleLst>
+                                        <dgm:rule type="primFontSz" val="5" fact="NaN" max="NaN"/>
+                                      </dgm:ruleLst>
+                                    </dgm:layoutNode>
+                                  </dgm:layoutNode>
+                                  <dgm:layoutNode name="hierChild5">
+                                    <dgm:choose name="Name28">
+                                      <dgm:if name="Name29" func="var" arg="dir" op="equ" val="norm">
+                                        <dgm:alg type="hierChild">
+                                          <dgm:param type="linDir" val="fromL"/>
+                                        </dgm:alg>
+                                      </dgm:if>
+                                      <dgm:else name="Name30">
+                                        <dgm:alg type="hierChild">
+                                          <dgm:param type="linDir" val="fromR"/>
+                                        </dgm:alg>
+                                      </dgm:else>
+                                    </dgm:choose>
+                                    <dgm:shape xmlns:r="http://schemas.openxmlformats.org/officeDocument/2006/relationships" r:blip="">
+                                      <dgm:adjLst/>
+                                    </dgm:shape>
+                                    <dgm:presOf/>
+                                    <dgm:constrLst/>
+                                    <dgm:ruleLst/>
+                                    <dgm:forEach name="Name31" ref="repeat"/>
+                                  </dgm:layoutNode>
+                                </dgm:layoutNode>
+                              </dgm:forEach>
+                            </dgm:forEach>
+                          </dgm:layoutNode>
+                        </dgm:layoutNode>
+                      </dgm:forEach>
+                    </dgm:forEach>
+                  </dgm:layoutNode>
+                </dgm:layoutNode>
+              </dgm:forEach>
+            </dgm:forEach>
+          </dgm:layoutNode>
+        </dgm:layoutNode>
+      </dgm:forEach>
+    </dgm:forEach>
+  </dgm:layoutNode>
+</dgm:layoutDef>
+</file>
+
+<file path=ppt/diagrams/quickStyle1.xml><?xml version="1.0" encoding="utf-8"?>
+<dgm:styleDef xmlns:dgm="http://schemas.openxmlformats.org/drawingml/2006/diagram" xmlns:a="http://schemas.openxmlformats.org/drawingml/2006/main" uniqueId="urn:microsoft.com/office/officeart/2005/8/quickstyle/simple2">
+  <dgm:title val=""/>
+  <dgm:desc val=""/>
+  <dgm:catLst>
+    <dgm:cat type="simple" pri="10200"/>
+  </dgm:catLst>
+  <dgm:scene3d>
+    <a:camera prst="orthographicFront"/>
+    <a:lightRig rig="threePt" dir="t"/>
+  </dgm:scene3d>
+  <dgm:styleLbl name="node0">
+    <dgm:scene3d>
+      <a:camera prst="orthographicFront"/>
+      <a:lightRig rig="threePt" dir="t"/>
+    </dgm:scene3d>
+    <dgm:sp3d/>
+    <dgm:txPr/>
+    <dgm:style>
+      <a:lnRef idx="3">
+        <a:scrgbClr r="0" g="0" b="0"/>
+      </a:lnRef>
+      <a:fillRef idx="1">
+        <a:scrgbClr r="0" g="0" b="0"/>
+      </a:fillRef>
+      <a:effectRef idx="1">
+        <a:scrgbClr r="0" g="0" b="0"/>
+      </a:effectRef>
+      <a:fontRef idx="minor">
+        <a:schemeClr val="lt1"/>
+      </a:fontRef>
+    </dgm:style>
+  </dgm:styleLbl>
+  <dgm:styleLbl name="lnNode1">
+    <dgm:scene3d>
+      <a:camera prst="orthographicFront"/>
+      <a:lightRig rig="threePt" dir="t"/>
+    </dgm:scene3d>
+    <dgm:sp3d/>
+    <dgm:txPr/>
+    <dgm:style>
+      <a:lnRef idx="3">
+        <a:scrgbClr r="0" g="0" b="0"/>
+      </a:lnRef>
+      <a:fillRef idx="1">
+        <a:scrgbClr r="0" g="0" b="0"/>
+      </a:fillRef>
+      <a:effectRef idx="1">
+        <a:scrgbClr r="0" g="0" b="0"/>
+      </a:effectRef>
+      <a:fontRef idx="minor">
+        <a:schemeClr val="lt1"/>
+      </a:fontRef>
+    </dgm:style>
+  </dgm:styleLbl>
+  <dgm:styleLbl name="vennNode1">
+    <dgm:scene3d>
+      <a:camera prst="orthographicFront"/>
+      <a:lightRig rig="threePt" dir="t"/>
+    </dgm:scene3d>
+    <dgm:sp3d/>
+    <dgm:txPr/>
+    <dgm:style>
+      <a:lnRef idx="3">
+        <a:scrgbClr r="0" g="0" b="0"/>
+      </a:lnRef>
+      <a:fillRef idx="1">
+        <a:scrgbClr r="0" g="0" b="0"/>
+      </a:fillRef>
+      <a:effectRef idx="0">
+        <a:scrgbClr r="0" g="0" b="0"/>
+      </a:effectRef>
+      <a:fontRef idx="minor">
+        <a:schemeClr val="tx1"/>
+      </a:fontRef>
+    </dgm:style>
+  </dgm:styleLbl>
+  <dgm:styleLbl name="alignNode1">
+    <dgm:scene3d>
+      <a:camera prst="orthographicFront"/>
+      <a:lightRig rig="threePt" dir="t"/>
+    </dgm:scene3d>
+    <dgm:sp3d/>
+    <dgm:txPr/>
+    <dgm:style>
+      <a:lnRef idx="2">
+        <a:scrgbClr r="0" g="0" b="0"/>
+      </a:lnRef>
+      <a:fillRef idx="1">
+        <a:scrgbClr r="0" g="0" b="0"/>
+      </a:fillRef>
+      <a:effectRef idx="1">
+        <a:scrgbClr r="0" g="0" b="0"/>
+      </a:effectRef>
+      <a:fontRef idx="minor">
+        <a:schemeClr val="lt1"/>
+      </a:fontRef>
+    </dgm:style>
+  </dgm:styleLbl>
+  <dgm:styleLbl name="node1">
+    <dgm:scene3d>
+      <a:camera prst="orthographicFront"/>
+      <a:lightRig rig="threePt" dir="t"/>
+    </dgm:scene3d>
+    <dgm:sp3d/>
+    <dgm:txPr/>
+    <dgm:style>
+      <a:lnRef idx="3">
+        <a:scrgbClr r="0" g="0" b="0"/>
+      </a:lnRef>
+      <a:fillRef idx="1">
+        <a:scrgbClr r="0" g="0" b="0"/>
+      </a:fillRef>
+      <a:effectRef idx="1">
+        <a:scrgbClr r="0" g="0" b="0"/>
+      </a:effectRef>
+      <a:fontRef idx="minor">
+        <a:schemeClr val="lt1"/>
+      </a:fontRef>
+    </dgm:style>
+  </dgm:styleLbl>
+  <dgm:styleLbl name="node2">
+    <dgm:scene3d>
+      <a:camera prst="orthographicFront"/>
+      <a:lightRig rig="threePt" dir="t"/>
+    </dgm:scene3d>
+    <dgm:sp3d/>
+    <dgm:txPr/>
+    <dgm:style>
+      <a:lnRef idx="3">
+        <a:scrgbClr r="0" g="0" b="0"/>
+      </a:lnRef>
+      <a:fillRef idx="1">
+        <a:scrgbClr r="0" g="0" b="0"/>
+      </a:fillRef>
+      <a:effectRef idx="1">
+        <a:scrgbClr r="0" g="0" b="0"/>
+      </a:effectRef>
+      <a:fontRef idx="minor">
+        <a:schemeClr val="lt1"/>
+      </a:fontRef>
+    </dgm:style>
+  </dgm:styleLbl>
+  <dgm:styleLbl name="node3">
+    <dgm:scene3d>
+      <a:camera prst="orthographicFront"/>
+      <a:lightRig rig="threePt" dir="t"/>
+    </dgm:scene3d>
+    <dgm:sp3d/>
+    <dgm:txPr/>
+    <dgm:style>
+      <a:lnRef idx="3">
+        <a:scrgbClr r="0" g="0" b="0"/>
+      </a:lnRef>
+      <a:fillRef idx="1">
+        <a:scrgbClr r="0" g="0" b="0"/>
+      </a:fillRef>
+      <a:effectRef idx="1">
+        <a:scrgbClr r="0" g="0" b="0"/>
+      </a:effectRef>
+      <a:fontRef idx="minor">
+        <a:schemeClr val="lt1"/>
+      </a:fontRef>
+    </dgm:style>
+  </dgm:styleLbl>
+  <dgm:styleLbl name="node4">
+    <dgm:scene3d>
+      <a:camera prst="orthographicFront"/>
+      <a:lightRig rig="threePt" dir="t"/>
+    </dgm:scene3d>
+    <dgm:sp3d/>
+    <dgm:txPr/>
+    <dgm:style>
+      <a:lnRef idx="3">
+        <a:scrgbClr r="0" g="0" b="0"/>
+      </a:lnRef>
+      <a:fillRef idx="1">
+        <a:scrgbClr r="0" g="0" b="0"/>
+      </a:fillRef>
+      <a:effectRef idx="1">
+        <a:scrgbClr r="0" g="0" b="0"/>
+      </a:effectRef>
+      <a:fontRef idx="minor">
+        <a:schemeClr val="lt1"/>
+      </a:fontRef>
+    </dgm:style>
+  </dgm:styleLbl>
+  <dgm:styleLbl name="fgImgPlace1">
+    <dgm:scene3d>
+      <a:camera prst="orthographicFront"/>
+      <a:lightRig rig="threePt" dir="t"/>
+    </dgm:scene3d>
+    <dgm:sp3d/>
+    <dgm:txPr/>
+    <dgm:style>
+      <a:lnRef idx="3">
+        <a:scrgbClr r="0" g="0" b="0"/>
+      </a:lnRef>
+      <a:fillRef idx="1">
+        <a:scrgbClr r="0" g="0" b="0"/>
+      </a:fillRef>
+      <a:effectRef idx="1">
+        <a:scrgbClr r="0" g="0" b="0"/>
+      </a:effectRef>
+      <a:fontRef idx="minor"/>
+    </dgm:style>
+  </dgm:styleLbl>
+  <dgm:styleLbl name="alignImgPlace1">
+    <dgm:scene3d>
+      <a:camera prst="orthographicFront"/>
+      <a:lightRig rig="threePt" dir="t"/>
+    </dgm:scene3d>
+    <dgm:sp3d/>
+    <dgm:txPr/>
+    <dgm:style>
+      <a:lnRef idx="3">
+        <a:scrgbClr r="0" g="0" b="0"/>
+      </a:lnRef>
+      <a:fillRef idx="1">
+        <a:scrgbClr r="0" g="0" b="0"/>
+      </a:fillRef>
+      <a:effectRef idx="1">
+        <a:scrgbClr r="0" g="0" b="0"/>
+      </a:effectRef>
+      <a:fontRef idx="minor"/>
+    </dgm:style>
+  </dgm:styleLbl>
+  <dgm:styleLbl name="bgImgPlace1">
+    <dgm:scene3d>
+      <a:camera prst="orthographicFront"/>
+      <a:lightRig rig="threePt" dir="t"/>
+    </dgm:scene3d>
+    <dgm:sp3d/>
+    <dgm:txPr/>
+    <dgm:style>
+      <a:lnRef idx="3">
+        <a:scrgbClr r="0" g="0" b="0"/>
+      </a:lnRef>
+      <a:fillRef idx="1">
+        <a:scrgbClr r="0" g="0" b="0"/>
+      </a:fillRef>
+      <a:effectRef idx="1">
+        <a:scrgbClr r="0" g="0" b="0"/>
+      </a:effectRef>
+      <a:fontRef idx="minor"/>
+    </dgm:style>
+  </dgm:styleLbl>
+  <dgm:styleLbl name="sibTrans2D1">
+    <dgm:scene3d>
+      <a:camera prst="orthographicFront"/>
+      <a:lightRig rig="threePt" dir="t"/>
+    </dgm:scene3d>
+    <dgm:sp3d/>
+    <dgm:txPr/>
+    <dgm:style>
+      <a:lnRef idx="0">
+        <a:scrgbClr r="0" g="0" b="0"/>
+      </a:lnRef>
+      <a:fillRef idx="1">
+        <a:scrgbClr r="0" g="0" b="0"/>
+      </a:fillRef>
+      <a:effectRef idx="1">
+        <a:scrgbClr r="0" g="0" b="0"/>
+      </a:effectRef>
+      <a:fontRef idx="minor">
+        <a:schemeClr val="lt1"/>
+      </a:fontRef>
+    </dgm:style>
+  </dgm:styleLbl>
+  <dgm:styleLbl name="fgSibTrans2D1">
+    <dgm:scene3d>
+      <a:camera prst="orthographicFront"/>
+      <a:lightRig rig="threePt" dir="t"/>
+    </dgm:scene3d>
+    <dgm:sp3d/>
+    <dgm:txPr/>
+    <dgm:style>
+      <a:lnRef idx="0">
+        <a:scrgbClr r="0" g="0" b="0"/>
+      </a:lnRef>
+      <a:fillRef idx="1">
+        <a:scrgbClr r="0" g="0" b="0"/>
+      </a:fillRef>
+      <a:effectRef idx="1">
+        <a:scrgbClr r="0" g="0" b="0"/>
+      </a:effectRef>
+      <a:fontRef idx="minor">
+        <a:schemeClr val="lt1"/>
+      </a:fontRef>
+    </dgm:style>
+  </dgm:styleLbl>
+  <dgm:styleLbl name="bgSibTrans2D1">
+    <dgm:scene3d>
+      <a:camera prst="orthographicFront"/>
+      <a:lightRig rig="threePt" dir="t"/>
+    </dgm:scene3d>
+    <dgm:sp3d/>
+    <dgm:txPr/>
+    <dgm:style>
+      <a:lnRef idx="0">
+        <a:scrgbClr r="0" g="0" b="0"/>
+      </a:lnRef>
+      <a:fillRef idx="1">
+        <a:scrgbClr r="0" g="0" b="0"/>
+      </a:fillRef>
+      <a:effectRef idx="1">
+        <a:scrgbClr r="0" g="0" b="0"/>
+      </a:effectRef>
+      <a:fontRef idx="minor">
+        <a:schemeClr val="lt1"/>
+      </a:fontRef>
+    </dgm:style>
+  </dgm:styleLbl>
+  <dgm:styleLbl name="sibTrans1D1">
+    <dgm:scene3d>
+      <a:camera prst="orthographicFront"/>
+      <a:lightRig rig="threePt" dir="t"/>
+    </dgm:scene3d>
+    <dgm:sp3d/>
+    <dgm:txPr/>
+    <dgm:style>
+      <a:lnRef idx="1">
+        <a:scrgbClr r="0" g="0" b="0"/>
+      </a:lnRef>
+      <a:fillRef idx="0">
+        <a:scrgbClr r="0" g="0" b="0"/>
+      </a:fillRef>
+      <a:effectRef idx="0">
+        <a:scrgbClr r="0" g="0" b="0"/>
+      </a:effectRef>
+      <a:fontRef idx="minor"/>
+    </dgm:style>
+  </dgm:styleLbl>
+  <dgm:styleLbl name="callout">
+    <dgm:scene3d>
+      <a:camera prst="orthographicFront"/>
+      <a:lightRig rig="threePt" dir="t"/>
+    </dgm:scene3d>
+    <dgm:sp3d/>
+    <dgm:txPr/>
+    <dgm:style>
+      <a:lnRef idx="2">
+        <a:scrgbClr r="0" g="0" b="0"/>
+      </a:lnRef>
+      <a:fillRef idx="1">
+        <a:scrgbClr r="0" g="0" b="0"/>
+      </a:fillRef>
+      <a:effectRef idx="1">
+        <a:scrgbClr r="0" g="0" b="0"/>
+      </a:effectRef>
+      <a:fontRef idx="minor"/>
+    </dgm:style>
+  </dgm:styleLbl>
+  <dgm:styleLbl name="asst0">
+    <dgm:scene3d>
+      <a:camera prst="orthographicFront"/>
+      <a:lightRig rig="threePt" dir="t"/>
+    </dgm:scene3d>
+    <dgm:sp3d/>
+    <dgm:txPr/>
+    <dgm:style>
+      <a:lnRef idx="3">
+        <a:scrgbClr r="0" g="0" b="0"/>
+      </a:lnRef>
+      <a:fillRef idx="1">
+        <a:scrgbClr r="0" g="0" b="0"/>
+      </a:fillRef>
+      <a:effectRef idx="1">
+        <a:scrgbClr r="0" g="0" b="0"/>
+      </a:effectRef>
+      <a:fontRef idx="minor">
+        <a:schemeClr val="lt1"/>
+      </a:fontRef>
+    </dgm:style>
+  </dgm:styleLbl>
+  <dgm:styleLbl name="asst1">
+    <dgm:scene3d>
+      <a:camera prst="orthographicFront"/>
+      <a:lightRig rig="threePt" dir="t"/>
+    </dgm:scene3d>
+    <dgm:sp3d/>
+    <dgm:txPr/>
+    <dgm:style>
+      <a:lnRef idx="3">
+        <a:scrgbClr r="0" g="0" b="0"/>
+      </a:lnRef>
+      <a:fillRef idx="1">
+        <a:scrgbClr r="0" g="0" b="0"/>
+      </a:fillRef>
+      <a:effectRef idx="1">
+        <a:scrgbClr r="0" g="0" b="0"/>
+      </a:effectRef>
+      <a:fontRef idx="minor">
+        <a:schemeClr val="lt1"/>
+      </a:fontRef>
+    </dgm:style>
+  </dgm:styleLbl>
+  <dgm:styleLbl name="asst2">
+    <dgm:scene3d>
+      <a:camera prst="orthographicFront"/>
+      <a:lightRig rig="threePt" dir="t"/>
+    </dgm:scene3d>
+    <dgm:sp3d/>
+    <dgm:txPr/>
+    <dgm:style>
+      <a:lnRef idx="3">
+        <a:scrgbClr r="0" g="0" b="0"/>
+      </a:lnRef>
+      <a:fillRef idx="1">
+        <a:scrgbClr r="0" g="0" b="0"/>
+      </a:fillRef>
+      <a:effectRef idx="1">
+        <a:scrgbClr r="0" g="0" b="0"/>
+      </a:effectRef>
+      <a:fontRef idx="minor">
+        <a:schemeClr val="lt1"/>
+      </a:fontRef>
+    </dgm:style>
+  </dgm:styleLbl>
+  <dgm:styleLbl name="asst3">
+    <dgm:scene3d>
+      <a:camera prst="orthographicFront"/>
+      <a:lightRig rig="threePt" dir="t"/>
+    </dgm:scene3d>
+    <dgm:sp3d/>
+    <dgm:txPr/>
+    <dgm:style>
+      <a:lnRef idx="3">
+        <a:scrgbClr r="0" g="0" b="0"/>
+      </a:lnRef>
+      <a:fillRef idx="1">
+        <a:scrgbClr r="0" g="0" b="0"/>
+      </a:fillRef>
+      <a:effectRef idx="1">
+        <a:scrgbClr r="0" g="0" b="0"/>
+      </a:effectRef>
+      <a:fontRef idx="minor">
+        <a:schemeClr val="lt1"/>
+      </a:fontRef>
+    </dgm:style>
+  </dgm:styleLbl>
+  <dgm:styleLbl name="asst4">
+    <dgm:scene3d>
+      <a:camera prst="orthographicFront"/>
+      <a:lightRig rig="threePt" dir="t"/>
+    </dgm:scene3d>
+    <dgm:sp3d/>
+    <dgm:txPr/>
+    <dgm:style>
+      <a:lnRef idx="3">
+        <a:scrgbClr r="0" g="0" b="0"/>
+      </a:lnRef>
+      <a:fillRef idx="1">
+        <a:scrgbClr r="0" g="0" b="0"/>
+      </a:fillRef>
+      <a:effectRef idx="1">
+        <a:scrgbClr r="0" g="0" b="0"/>
+      </a:effectRef>
+      <a:fontRef idx="minor">
+        <a:schemeClr val="lt1"/>
+      </a:fontRef>
+    </dgm:style>
+  </dgm:styleLbl>
+  <dgm:styleLbl name="parChTrans2D1">
+    <dgm:scene3d>
+      <a:camera prst="orthographicFront"/>
+      <a:lightRig rig="threePt" dir="t"/>
+    </dgm:scene3d>
+    <dgm:sp3d/>
+    <dgm:txPr/>
+    <dgm:style>
+      <a:lnRef idx="3">
+        <a:scrgbClr r="0" g="0" b="0"/>
+      </a:lnRef>
+      <a:fillRef idx="1">
+        <a:scrgbClr r="0" g="0" b="0"/>
+      </a:fillRef>
+      <a:effectRef idx="1">
+        <a:scrgbClr r="0" g="0" b="0"/>
+      </a:effectRef>
+      <a:fontRef idx="minor">
+        <a:schemeClr val="lt1"/>
+      </a:fontRef>
+    </dgm:style>
+  </dgm:styleLbl>
+  <dgm:styleLbl name="parChTrans2D2">
+    <dgm:scene3d>
+      <a:camera prst="orthographicFront"/>
+      <a:lightRig rig="threePt" dir="t"/>
+    </dgm:scene3d>
+    <dgm:sp3d/>
+    <dgm:txPr/>
+    <dgm:style>
+      <a:lnRef idx="3">
+        <a:scrgbClr r="0" g="0" b="0"/>
+      </a:lnRef>
+      <a:fillRef idx="1">
+        <a:scrgbClr r="0" g="0" b="0"/>
+      </a:fillRef>
+      <a:effectRef idx="1">
+        <a:scrgbClr r="0" g="0" b="0"/>
+      </a:effectRef>
+      <a:fontRef idx="minor">
+        <a:schemeClr val="lt1"/>
+      </a:fontRef>
+    </dgm:style>
+  </dgm:styleLbl>
+  <dgm:styleLbl name="parChTrans2D3">
+    <dgm:scene3d>
+      <a:camera prst="orthographicFront"/>
+      <a:lightRig rig="threePt" dir="t"/>
+    </dgm:scene3d>
+    <dgm:sp3d/>
+    <dgm:txPr/>
+    <dgm:style>
+      <a:lnRef idx="3">
+        <a:scrgbClr r="0" g="0" b="0"/>
+      </a:lnRef>
+      <a:fillRef idx="1">
+        <a:scrgbClr r="0" g="0" b="0"/>
+      </a:fillRef>
+      <a:effectRef idx="1">
+        <a:scrgbClr r="0" g="0" b="0"/>
+      </a:effectRef>
+      <a:fontRef idx="minor">
+        <a:schemeClr val="lt1"/>
+      </a:fontRef>
+    </dgm:style>
+  </dgm:styleLbl>
+  <dgm:styleLbl name="parChTrans2D4">
+    <dgm:scene3d>
+      <a:camera prst="orthographicFront"/>
+      <a:lightRig rig="threePt" dir="t"/>
+    </dgm:scene3d>
+    <dgm:sp3d/>
+    <dgm:txPr/>
+    <dgm:style>
+      <a:lnRef idx="3">
+        <a:scrgbClr r="0" g="0" b="0"/>
+      </a:lnRef>
+      <a:fillRef idx="1">
+        <a:scrgbClr r="0" g="0" b="0"/>
+      </a:fillRef>
+      <a:effectRef idx="1">
+        <a:scrgbClr r="0" g="0" b="0"/>
+      </a:effectRef>
+      <a:fontRef idx="minor">
+        <a:schemeClr val="lt1"/>
+      </a:fontRef>
+    </dgm:style>
+  </dgm:styleLbl>
+  <dgm:styleLbl name="parChTrans1D1">
+    <dgm:scene3d>
+      <a:camera prst="orthographicFront"/>
+      <a:lightRig rig="threePt" dir="t"/>
+    </dgm:scene3d>
+    <dgm:sp3d/>
+    <dgm:txPr/>
+    <dgm:style>
+      <a:lnRef idx="2">
+        <a:scrgbClr r="0" g="0" b="0"/>
+      </a:lnRef>
+      <a:fillRef idx="0">
+        <a:scrgbClr r="0" g="0" b="0"/>
+      </a:fillRef>
+      <a:effectRef idx="0">
+        <a:scrgbClr r="0" g="0" b="0"/>
+      </a:effectRef>
+      <a:fontRef idx="minor"/>
+    </dgm:style>
+  </dgm:styleLbl>
+  <dgm:styleLbl name="parChTrans1D2">
+    <dgm:scene3d>
+      <a:camera prst="orthographicFront"/>
+      <a:lightRig rig="threePt" dir="t"/>
+    </dgm:scene3d>
+    <dgm:sp3d/>
+    <dgm:txPr/>
+    <dgm:style>
+      <a:lnRef idx="2">
+        <a:scrgbClr r="0" g="0" b="0"/>
+      </a:lnRef>
+      <a:fillRef idx="0">
+        <a:scrgbClr r="0" g="0" b="0"/>
+      </a:fillRef>
+      <a:effectRef idx="0">
+        <a:scrgbClr r="0" g="0" b="0"/>
+      </a:effectRef>
+      <a:fontRef idx="minor"/>
+    </dgm:style>
+  </dgm:styleLbl>
+  <dgm:styleLbl name="parChTrans1D3">
+    <dgm:scene3d>
+      <a:camera prst="orthographicFront"/>
+      <a:lightRig rig="threePt" dir="t"/>
+    </dgm:scene3d>
+    <dgm:sp3d/>
+    <dgm:txPr/>
+    <dgm:style>
+      <a:lnRef idx="2">
+        <a:scrgbClr r="0" g="0" b="0"/>
+      </a:lnRef>
+      <a:fillRef idx="0">
+        <a:scrgbClr r="0" g="0" b="0"/>
+      </a:fillRef>
+      <a:effectRef idx="0">
+        <a:scrgbClr r="0" g="0" b="0"/>
+      </a:effectRef>
+      <a:fontRef idx="minor"/>
+    </dgm:style>
+  </dgm:styleLbl>
+  <dgm:styleLbl name="parChTrans1D4">
+    <dgm:scene3d>
+      <a:camera prst="orthographicFront"/>
+      <a:lightRig rig="threePt" dir="t"/>
+    </dgm:scene3d>
+    <dgm:sp3d/>
+    <dgm:txPr/>
+    <dgm:style>
+      <a:lnRef idx="2">
+        <a:scrgbClr r="0" g="0" b="0"/>
+      </a:lnRef>
+      <a:fillRef idx="0">
+        <a:scrgbClr r="0" g="0" b="0"/>
+      </a:fillRef>
+      <a:effectRef idx="0">
+        <a:scrgbClr r="0" g="0" b="0"/>
+      </a:effectRef>
+      <a:fontRef idx="minor"/>
+    </dgm:style>
+  </dgm:styleLbl>
+  <dgm:styleLbl name="fgAcc1">
+    <dgm:scene3d>
+      <a:camera prst="orthographicFront"/>
+      <a:lightRig rig="threePt" dir="t"/>
+    </dgm:scene3d>
+    <dgm:sp3d/>
+    <dgm:txPr/>
+    <dgm:style>
+      <a:lnRef idx="2">
+        <a:scrgbClr r="0" g="0" b="0"/>
+      </a:lnRef>
+      <a:fillRef idx="1">
+        <a:scrgbClr r="0" g="0" b="0"/>
+      </a:fillRef>
+      <a:effectRef idx="0">
+        <a:scrgbClr r="0" g="0" b="0"/>
+      </a:effectRef>
+      <a:fontRef idx="minor"/>
+    </dgm:style>
+  </dgm:styleLbl>
+  <dgm:styleLbl name="conFgAcc1">
+    <dgm:scene3d>
+      <a:camera prst="orthographicFront"/>
+      <a:lightRig rig="threePt" dir="t"/>
+    </dgm:scene3d>
+    <dgm:sp3d/>
+    <dgm:txPr/>
+    <dgm:style>
+      <a:lnRef idx="2">
+        <a:scrgbClr r="0" g="0" b="0"/>
+      </a:lnRef>
+      <a:fillRef idx="1">
+        <a:scrgbClr r="0" g="0" b="0"/>
+      </a:fillRef>
+      <a:effectRef idx="0">
+        <a:scrgbClr r="0" g="0" b="0"/>
+      </a:effectRef>
+      <a:fontRef idx="minor"/>
+    </dgm:style>
+  </dgm:styleLbl>
+  <dgm:styleLbl name="alignAcc1">
+    <dgm:scene3d>
+      <a:camera prst="orthographicFront"/>
+      <a:lightRig rig="threePt" dir="t"/>
+    </dgm:scene3d>
+    <dgm:sp3d/>
+    <dgm:txPr/>
+    <dgm:style>
+      <a:lnRef idx="2">
+        <a:scrgbClr r="0" g="0" b="0"/>
+      </a:lnRef>
+      <a:fillRef idx="1">
+        <a:scrgbClr r="0" g="0" b="0"/>
+      </a:fillRef>
+      <a:effectRef idx="0">
+        <a:scrgbClr r="0" g="0" b="0"/>
+      </a:effectRef>
+      <a:fontRef idx="minor"/>
+    </dgm:style>
+  </dgm:styleLbl>
+  <dgm:styleLbl name="trAlignAcc1">
+    <dgm:scene3d>
+      <a:camera prst="orthographicFront"/>
+      <a:lightRig rig="threePt" dir="t"/>
+    </dgm:scene3d>
+    <dgm:sp3d/>
+    <dgm:txPr/>
+    <dgm:style>
+      <a:lnRef idx="1">
+        <a:scrgbClr r="0" g="0" b="0"/>
+      </a:lnRef>
+      <a:fillRef idx="1">
+        <a:scrgbClr r="0" g="0" b="0"/>
+      </a:fillRef>
+      <a:effectRef idx="0">
+        <a:scrgbClr r="0" g="0" b="0"/>
+      </a:effectRef>
+      <a:fontRef idx="minor"/>
+    </dgm:style>
+  </dgm:styleLbl>
+  <dgm:styleLbl name="bgAcc1">
+    <dgm:scene3d>
+      <a:camera prst="orthographicFront"/>
+      <a:lightRig rig="threePt" dir="t"/>
+    </dgm:scene3d>
+    <dgm:sp3d/>
+    <dgm:txPr/>
+    <dgm:style>
+      <a:lnRef idx="2">
+        <a:scrgbClr r="0" g="0" b="0"/>
+      </a:lnRef>
+      <a:fillRef idx="1">
+        <a:scrgbClr r="0" g="0" b="0"/>
+      </a:fillRef>
+      <a:effectRef idx="0">
+        <a:scrgbClr r="0" g="0" b="0"/>
+      </a:effectRef>
+      <a:fontRef idx="minor"/>
+    </dgm:style>
+  </dgm:styleLbl>
+  <dgm:styleLbl name="solidFgAcc1">
+    <dgm:scene3d>
+      <a:camera prst="orthographicFront"/>
+      <a:lightRig rig="threePt" dir="t"/>
+    </dgm:scene3d>
+    <dgm:sp3d/>
+    <dgm:txPr/>
+    <dgm:style>
+      <a:lnRef idx="2">
+        <a:scrgbClr r="0" g="0" b="0"/>
+      </a:lnRef>
+      <a:fillRef idx="1">
+        <a:scrgbClr r="0" g="0" b="0"/>
+      </a:fillRef>
+      <a:effectRef idx="0">
+        <a:scrgbClr r="0" g="0" b="0"/>
+      </a:effectRef>
+      <a:fontRef idx="minor"/>
+    </dgm:style>
+  </dgm:styleLbl>
+  <dgm:styleLbl name="solidAlignAcc1">
+    <dgm:scene3d>
+      <a:camera prst="orthographicFront"/>
+      <a:lightRig rig="threePt" dir="t"/>
+    </dgm:scene3d>
+    <dgm:sp3d/>
+    <dgm:txPr/>
+    <dgm:style>
+      <a:lnRef idx="2">
+        <a:scrgbClr r="0" g="0" b="0"/>
+      </a:lnRef>
+      <a:fillRef idx="1">
+        <a:scrgbClr r="0" g="0" b="0"/>
+      </a:fillRef>
+      <a:effectRef idx="0">
+        <a:scrgbClr r="0" g="0" b="0"/>
+      </a:effectRef>
+      <a:fontRef idx="minor"/>
+    </dgm:style>
+  </dgm:styleLbl>
+  <dgm:styleLbl name="solidBgAcc1">
+    <dgm:scene3d>
+      <a:camera prst="orthographicFront"/>
+      <a:lightRig rig="threePt" dir="t"/>
+    </dgm:scene3d>
+    <dgm:sp3d/>
+    <dgm:txPr/>
+    <dgm:style>
+      <a:lnRef idx="2">
+        <a:scrgbClr r="0" g="0" b="0"/>
+      </a:lnRef>
+      <a:fillRef idx="1">
+        <a:scrgbClr r="0" g="0" b="0"/>
+      </a:fillRef>
+      <a:effectRef idx="0">
+        <a:scrgbClr r="0" g="0" b="0"/>
+      </a:effectRef>
+      <a:fontRef idx="minor"/>
+    </dgm:style>
+  </dgm:styleLbl>
+  <dgm:styleLbl name="fgAccFollowNode1">
+    <dgm:scene3d>
+      <a:camera prst="orthographicFront"/>
+      <a:lightRig rig="threePt" dir="t"/>
+    </dgm:scene3d>
+    <dgm:sp3d/>
+    <dgm:txPr/>
+    <dgm:style>
+      <a:lnRef idx="2">
+        <a:scrgbClr r="0" g="0" b="0"/>
+      </a:lnRef>
+      <a:fillRef idx="1">
+        <a:scrgbClr r="0" g="0" b="0"/>
+      </a:fillRef>
+      <a:effectRef idx="0">
+        <a:scrgbClr r="0" g="0" b="0"/>
+      </a:effectRef>
+      <a:fontRef idx="minor"/>
+    </dgm:style>
+  </dgm:styleLbl>
+  <dgm:styleLbl name="alignAccFollowNode1">
+    <dgm:scene3d>
+      <a:camera prst="orthographicFront"/>
+      <a:lightRig rig="threePt" dir="t"/>
+    </dgm:scene3d>
+    <dgm:sp3d/>
+    <dgm:txPr/>
+    <dgm:style>
+      <a:lnRef idx="2">
+        <a:scrgbClr r="0" g="0" b="0"/>
+      </a:lnRef>
+      <a:fillRef idx="1">
+        <a:scrgbClr r="0" g="0" b="0"/>
+      </a:fillRef>
+      <a:effectRef idx="0">
+        <a:scrgbClr r="0" g="0" b="0"/>
+      </a:effectRef>
+      <a:fontRef idx="minor"/>
+    </dgm:style>
+  </dgm:styleLbl>
+  <dgm:styleLbl name="bgAccFollowNode1">
+    <dgm:scene3d>
+      <a:camera prst="orthographicFront"/>
+      <a:lightRig rig="threePt" dir="t"/>
+    </dgm:scene3d>
+    <dgm:sp3d/>
+    <dgm:txPr/>
+    <dgm:style>
+      <a:lnRef idx="2">
+        <a:scrgbClr r="0" g="0" b="0"/>
+      </a:lnRef>
+      <a:fillRef idx="1">
+        <a:scrgbClr r="0" g="0" b="0"/>
+      </a:fillRef>
+      <a:effectRef idx="0">
+        <a:scrgbClr r="0" g="0" b="0"/>
+      </a:effectRef>
+      <a:fontRef idx="minor"/>
+    </dgm:style>
+  </dgm:styleLbl>
+  <dgm:styleLbl name="fgAcc0">
+    <dgm:scene3d>
+      <a:camera prst="orthographicFront"/>
+      <a:lightRig rig="threePt" dir="t"/>
+    </dgm:scene3d>
+    <dgm:sp3d/>
+    <dgm:txPr/>
+    <dgm:style>
+      <a:lnRef idx="2">
+        <a:scrgbClr r="0" g="0" b="0"/>
+      </a:lnRef>
+      <a:fillRef idx="1">
+        <a:scrgbClr r="0" g="0" b="0"/>
+      </a:fillRef>
+      <a:effectRef idx="0">
+        <a:scrgbClr r="0" g="0" b="0"/>
+      </a:effectRef>
+      <a:fontRef idx="minor"/>
+    </dgm:style>
+  </dgm:styleLbl>
+  <dgm:styleLbl name="fgAcc2">
+    <dgm:scene3d>
+      <a:camera prst="orthographicFront"/>
+      <a:lightRig rig="threePt" dir="t"/>
+    </dgm:scene3d>
+    <dgm:sp3d/>
+    <dgm:txPr/>
+    <dgm:style>
+      <a:lnRef idx="2">
+        <a:scrgbClr r="0" g="0" b="0"/>
+      </a:lnRef>
+      <a:fillRef idx="1">
+        <a:scrgbClr r="0" g="0" b="0"/>
+      </a:fillRef>
+      <a:effectRef idx="0">
+        <a:scrgbClr r="0" g="0" b="0"/>
+      </a:effectRef>
+      <a:fontRef idx="minor"/>
+    </dgm:style>
+  </dgm:styleLbl>
+  <dgm:styleLbl name="fgAcc3">
+    <dgm:scene3d>
+      <a:camera prst="orthographicFront"/>
+      <a:lightRig rig="threePt" dir="t"/>
+    </dgm:scene3d>
+    <dgm:sp3d/>
+    <dgm:txPr/>
+    <dgm:style>
+      <a:lnRef idx="2">
+        <a:scrgbClr r="0" g="0" b="0"/>
+      </a:lnRef>
+      <a:fillRef idx="1">
+        <a:scrgbClr r="0" g="0" b="0"/>
+      </a:fillRef>
+      <a:effectRef idx="0">
+        <a:scrgbClr r="0" g="0" b="0"/>
+      </a:effectRef>
+      <a:fontRef idx="minor"/>
+    </dgm:style>
+  </dgm:styleLbl>
+  <dgm:styleLbl name="fgAcc4">
+    <dgm:scene3d>
+      <a:camera prst="orthographicFront"/>
+      <a:lightRig rig="threePt" dir="t"/>
+    </dgm:scene3d>
+    <dgm:sp3d/>
+    <dgm:txPr/>
+    <dgm:style>
+      <a:lnRef idx="2">
+        <a:scrgbClr r="0" g="0" b="0"/>
+      </a:lnRef>
+      <a:fillRef idx="1">
+        <a:scrgbClr r="0" g="0" b="0"/>
+      </a:fillRef>
+      <a:effectRef idx="0">
+        <a:scrgbClr r="0" g="0" b="0"/>
+      </a:effectRef>
+      <a:fontRef idx="minor"/>
+    </dgm:style>
+  </dgm:styleLbl>
+  <dgm:styleLbl name="bgShp">
+    <dgm:scene3d>
+      <a:camera prst="orthographicFront"/>
+      <a:lightRig rig="threePt" dir="t"/>
+    </dgm:scene3d>
+    <dgm:sp3d/>
+    <dgm:txPr/>
+    <dgm:style>
+      <a:lnRef idx="0">
+        <a:scrgbClr r="0" g="0" b="0"/>
+      </a:lnRef>
+      <a:fillRef idx="1">
+        <a:scrgbClr r="0" g="0" b="0"/>
+      </a:fillRef>
+      <a:effectRef idx="0">
+        <a:scrgbClr r="0" g="0" b="0"/>
+      </a:effectRef>
+      <a:fontRef idx="minor"/>
+    </dgm:style>
+  </dgm:styleLbl>
+  <dgm:styleLbl name="dkBgShp">
+    <dgm:scene3d>
+      <a:camera prst="orthographicFront"/>
+      <a:lightRig rig="threePt" dir="t"/>
+    </dgm:scene3d>
+    <dgm:sp3d/>
+    <dgm:txPr/>
+    <dgm:style>
+      <a:lnRef idx="0">
+        <a:scrgbClr r="0" g="0" b="0"/>
+      </a:lnRef>
+      <a:fillRef idx="1">
+        <a:scrgbClr r="0" g="0" b="0"/>
+      </a:fillRef>
+      <a:effectRef idx="0">
+        <a:scrgbClr r="0" g="0" b="0"/>
+      </a:effectRef>
+      <a:fontRef idx="minor"/>
+    </dgm:style>
+  </dgm:styleLbl>
+  <dgm:styleLbl name="trBgShp">
+    <dgm:scene3d>
+      <a:camera prst="orthographicFront"/>
+      <a:lightRig rig="threePt" dir="t"/>
+    </dgm:scene3d>
+    <dgm:sp3d/>
+    <dgm:txPr/>
+    <dgm:style>
+      <a:lnRef idx="0">
+        <a:scrgbClr r="0" g="0" b="0"/>
+      </a:lnRef>
+      <a:fillRef idx="1">
+        <a:scrgbClr r="0" g="0" b="0"/>
+      </a:fillRef>
+      <a:effectRef idx="0">
+        <a:scrgbClr r="0" g="0" b="0"/>
+      </a:effectRef>
+      <a:fontRef idx="minor"/>
+    </dgm:style>
+  </dgm:styleLbl>
+  <dgm:styleLbl name="fgShp">
+    <dgm:scene3d>
+      <a:camera prst="orthographicFront"/>
+      <a:lightRig rig="threePt" dir="t"/>
+    </dgm:scene3d>
+    <dgm:sp3d/>
+    <dgm:txPr/>
+    <dgm:style>
+      <a:lnRef idx="3">
+        <a:scrgbClr r="0" g="0" b="0"/>
+      </a:lnRef>
+      <a:fillRef idx="1">
+        <a:scrgbClr r="0" g="0" b="0"/>
+      </a:fillRef>
+      <a:effectRef idx="1">
+        <a:scrgbClr r="0" g="0" b="0"/>
+      </a:effectRef>
+      <a:fontRef idx="minor"/>
+    </dgm:style>
+  </dgm:styleLbl>
+  <dgm:styleLbl name="revTx">
+    <dgm:scene3d>
+      <a:camera prst="orthographicFront"/>
+      <a:lightRig rig="threePt" dir="t"/>
+    </dgm:scene3d>
+    <dgm:sp3d/>
+    <dgm:txPr/>
+    <dgm:style>
+      <a:lnRef idx="0">
+        <a:scrgbClr r="0" g="0" b="0"/>
+      </a:lnRef>
+      <a:fillRef idx="0">
+        <a:scrgbClr r="0" g="0" b="0"/>
+      </a:fillRef>
+      <a:effectRef idx="0">
+        <a:scrgbClr r="0" g="0" b="0"/>
+      </a:effectRef>
+      <a:fontRef idx="minor"/>
+    </dgm:style>
+  </dgm:styleLbl>
+</dgm:styleDef>
+</file>
+
+<file path=ppt/notesMasters/notesMaster1.xml><?xml version="1.0" encoding="utf-8"?>
+<p:notesMaster xmlns:a="http://schemas.openxmlformats.org/drawingml/2006/main" xmlns:r="http://schemas.openxmlformats.org/officeDocument/2006/relationships" xmlns:p="http://schemas.openxmlformats.org/presentationml/2006/main">
+  <p:cSld>
+    <p:bg>
+      <p:bgRef idx="1001">
+        <a:schemeClr val="bg1"/>
+      </p:bgRef>
+    </p:bg>
+    <p:spTree>
+      <p:nvGrpSpPr>
+        <p:cNvPr id="1" name=""/>
+        <p:cNvGrpSpPr/>
+        <p:nvPr/>
+      </p:nvGrpSpPr>
+      <p:grpSpPr>
+        <a:xfrm>
+          <a:off x="0" y="0"/>
+          <a:ext cx="0" cy="0"/>
+          <a:chOff x="0" y="0"/>
+          <a:chExt cx="0" cy="0"/>
+        </a:xfrm>
+      </p:grpSpPr>
+      <p:sp>
+        <p:nvSpPr>
+          <p:cNvPr id="2" name="Header Placeholder 1"/>
+          <p:cNvSpPr>
+            <a:spLocks noGrp="1"/>
+          </p:cNvSpPr>
+          <p:nvPr>
+            <p:ph type="hdr" sz="quarter"/>
+          </p:nvPr>
+        </p:nvSpPr>
+        <p:spPr>
+          <a:xfrm>
+            <a:off x="0" y="0"/>
+            <a:ext cx="2971800" cy="458788"/>
+          </a:xfrm>
+          <a:prstGeom prst="rect">
+            <a:avLst/>
+          </a:prstGeom>
+        </p:spPr>
+        <p:txBody>
+          <a:bodyPr vert="horz" lIns="91440" tIns="45720" rIns="91440" bIns="45720" rtlCol="0"/>
+          <a:lstStyle>
+            <a:lvl1pPr algn="l">
+              <a:defRPr sz="1200"/>
+            </a:lvl1pPr>
+          </a:lstStyle>
+          <a:p>
+            <a:endParaRPr lang="en-GB"/>
+          </a:p>
+        </p:txBody>
+      </p:sp>
+      <p:sp>
+        <p:nvSpPr>
+          <p:cNvPr id="3" name="Date Placeholder 2"/>
+          <p:cNvSpPr>
+            <a:spLocks noGrp="1"/>
+          </p:cNvSpPr>
+          <p:nvPr>
+            <p:ph type="dt" idx="1"/>
+          </p:nvPr>
+        </p:nvSpPr>
+        <p:spPr>
+          <a:xfrm>
+            <a:off x="3884613" y="0"/>
+            <a:ext cx="2971800" cy="458788"/>
+          </a:xfrm>
+          <a:prstGeom prst="rect">
+            <a:avLst/>
+          </a:prstGeom>
+        </p:spPr>
+        <p:txBody>
+          <a:bodyPr vert="horz" lIns="91440" tIns="45720" rIns="91440" bIns="45720" rtlCol="0"/>
+          <a:lstStyle>
+            <a:lvl1pPr algn="r">
+              <a:defRPr sz="1200"/>
+            </a:lvl1pPr>
+          </a:lstStyle>
+          <a:p>
+            <a:fld id="{3188775B-1008-6F41-8D80-B4E1EEB43E1B}" type="datetimeFigureOut">
+              <a:rPr lang="en-GB" smtClean="0"/>
+              <a:t>23/06/2025</a:t>
+            </a:fld>
+            <a:endParaRPr lang="en-GB"/>
+          </a:p>
+        </p:txBody>
+      </p:sp>
+      <p:sp>
+        <p:nvSpPr>
+          <p:cNvPr id="4" name="Slide Image Placeholder 3"/>
+          <p:cNvSpPr>
+            <a:spLocks noGrp="1" noRot="1" noChangeAspect="1"/>
+          </p:cNvSpPr>
+          <p:nvPr>
+            <p:ph type="sldImg" idx="2"/>
+          </p:nvPr>
+        </p:nvSpPr>
+        <p:spPr>
+          <a:xfrm>
+            <a:off x="685800" y="1143000"/>
+            <a:ext cx="5486400" cy="3086100"/>
+          </a:xfrm>
+          <a:prstGeom prst="rect">
+            <a:avLst/>
+          </a:prstGeom>
+          <a:noFill/>
+          <a:ln w="12700">
+            <a:solidFill>
+              <a:prstClr val="black"/>
+            </a:solidFill>
+          </a:ln>
+        </p:spPr>
+        <p:txBody>
+          <a:bodyPr vert="horz" lIns="91440" tIns="45720" rIns="91440" bIns="45720" rtlCol="0" anchor="ctr"/>
+          <a:lstStyle/>
+          <a:p>
+            <a:endParaRPr lang="en-GB"/>
+          </a:p>
+        </p:txBody>
+      </p:sp>
+      <p:sp>
+        <p:nvSpPr>
+          <p:cNvPr id="5" name="Notes Placeholder 4"/>
+          <p:cNvSpPr>
+            <a:spLocks noGrp="1"/>
+          </p:cNvSpPr>
+          <p:nvPr>
+            <p:ph type="body" sz="quarter" idx="3"/>
+          </p:nvPr>
+        </p:nvSpPr>
+        <p:spPr>
+          <a:xfrm>
+            <a:off x="685800" y="4400550"/>
+            <a:ext cx="5486400" cy="3600450"/>
+          </a:xfrm>
+          <a:prstGeom prst="rect">
+            <a:avLst/>
+          </a:prstGeom>
+        </p:spPr>
+        <p:txBody>
+          <a:bodyPr vert="horz" lIns="91440" tIns="45720" rIns="91440" bIns="45720" rtlCol="0"/>
+          <a:lstStyle/>
+          <a:p>
+            <a:pPr lvl="0"/>
+            <a:r>
+              <a:rPr lang="en-GB"/>
+              <a:t>Click to edit Master text styles</a:t>
+            </a:r>
+          </a:p>
+          <a:p>
+            <a:pPr lvl="1"/>
+            <a:r>
+              <a:rPr lang="en-GB"/>
+              <a:t>Second level</a:t>
+            </a:r>
+          </a:p>
+          <a:p>
+            <a:pPr lvl="2"/>
+            <a:r>
+              <a:rPr lang="en-GB"/>
+              <a:t>Third level</a:t>
+            </a:r>
+          </a:p>
+          <a:p>
+            <a:pPr lvl="3"/>
+            <a:r>
+              <a:rPr lang="en-GB"/>
+              <a:t>Fourth level</a:t>
+            </a:r>
+          </a:p>
+          <a:p>
+            <a:pPr lvl="4"/>
+            <a:r>
+              <a:rPr lang="en-GB"/>
+              <a:t>Fifth level</a:t>
+            </a:r>
+          </a:p>
+        </p:txBody>
+      </p:sp>
+      <p:sp>
+        <p:nvSpPr>
+          <p:cNvPr id="6" name="Footer Placeholder 5"/>
+          <p:cNvSpPr>
+            <a:spLocks noGrp="1"/>
+          </p:cNvSpPr>
+          <p:nvPr>
+            <p:ph type="ftr" sz="quarter" idx="4"/>
+          </p:nvPr>
+        </p:nvSpPr>
+        <p:spPr>
+          <a:xfrm>
+            <a:off x="0" y="8685213"/>
+            <a:ext cx="2971800" cy="458787"/>
+          </a:xfrm>
+          <a:prstGeom prst="rect">
+            <a:avLst/>
+          </a:prstGeom>
+        </p:spPr>
+        <p:txBody>
+          <a:bodyPr vert="horz" lIns="91440" tIns="45720" rIns="91440" bIns="45720" rtlCol="0" anchor="b"/>
+          <a:lstStyle>
+            <a:lvl1pPr algn="l">
+              <a:defRPr sz="1200"/>
+            </a:lvl1pPr>
+          </a:lstStyle>
+          <a:p>
+            <a:endParaRPr lang="en-GB"/>
+          </a:p>
+        </p:txBody>
+      </p:sp>
+      <p:sp>
+        <p:nvSpPr>
+          <p:cNvPr id="7" name="Slide Number Placeholder 6"/>
+          <p:cNvSpPr>
+            <a:spLocks noGrp="1"/>
+          </p:cNvSpPr>
+          <p:nvPr>
+            <p:ph type="sldNum" sz="quarter" idx="5"/>
+          </p:nvPr>
+        </p:nvSpPr>
+        <p:spPr>
+          <a:xfrm>
+            <a:off x="3884613" y="8685213"/>
+            <a:ext cx="2971800" cy="458787"/>
+          </a:xfrm>
+          <a:prstGeom prst="rect">
+            <a:avLst/>
+          </a:prstGeom>
+        </p:spPr>
+        <p:txBody>
+          <a:bodyPr vert="horz" lIns="91440" tIns="45720" rIns="91440" bIns="45720" rtlCol="0" anchor="b"/>
+          <a:lstStyle>
+            <a:lvl1pPr algn="r">
+              <a:defRPr sz="1200"/>
+            </a:lvl1pPr>
+          </a:lstStyle>
+          <a:p>
+            <a:fld id="{8ACEBAA2-83CC-5748-B6B8-FC2E3FDF9635}" type="slidenum">
+              <a:rPr lang="en-GB" smtClean="0"/>
+              <a:t>‹#›</a:t>
+            </a:fld>
+            <a:endParaRPr lang="en-GB"/>
+          </a:p>
+        </p:txBody>
+      </p:sp>
+    </p:spTree>
+    <p:extLst>
+      <p:ext uri="{BB962C8B-B14F-4D97-AF65-F5344CB8AC3E}">
+        <p14:creationId xmlns:p14="http://schemas.microsoft.com/office/powerpoint/2010/main" val="1653169408"/>
+      </p:ext>
+    </p:extLst>
+  </p:cSld>
+  <p:clrMap bg1="lt1" tx1="dk1" bg2="lt2" tx2="dk2" accent1="accent1" accent2="accent2" accent3="accent3" accent4="accent4" accent5="accent5" accent6="accent6" hlink="hlink" folHlink="folHlink"/>
+  <p:notesStyle>
+    <a:lvl1pPr marL="0" algn="l" defTabSz="914400" rtl="0" eaLnBrk="1" latinLnBrk="0" hangingPunct="1">
+      <a:defRPr sz="1200" kern="1200">
+        <a:solidFill>
+          <a:schemeClr val="tx1"/>
+        </a:solidFill>
+        <a:latin typeface="+mn-lt"/>
+        <a:ea typeface="+mn-ea"/>
+        <a:cs typeface="+mn-cs"/>
+      </a:defRPr>
+    </a:lvl1pPr>
+    <a:lvl2pPr marL="457200" algn="l" defTabSz="914400" rtl="0" eaLnBrk="1" latinLnBrk="0" hangingPunct="1">
+      <a:defRPr sz="1200" kern="1200">
+        <a:solidFill>
+          <a:schemeClr val="tx1"/>
+        </a:solidFill>
+        <a:latin typeface="+mn-lt"/>
+        <a:ea typeface="+mn-ea"/>
+        <a:cs typeface="+mn-cs"/>
+      </a:defRPr>
+    </a:lvl2pPr>
+    <a:lvl3pPr marL="914400" algn="l" defTabSz="914400" rtl="0" eaLnBrk="1" latinLnBrk="0" hangingPunct="1">
+      <a:defRPr sz="1200" kern="1200">
+        <a:solidFill>
+          <a:schemeClr val="tx1"/>
+        </a:solidFill>
+        <a:latin typeface="+mn-lt"/>
+        <a:ea typeface="+mn-ea"/>
+        <a:cs typeface="+mn-cs"/>
+      </a:defRPr>
+    </a:lvl3pPr>
+    <a:lvl4pPr marL="1371600" algn="l" defTabSz="914400" rtl="0" eaLnBrk="1" latinLnBrk="0" hangingPunct="1">
+      <a:defRPr sz="1200" kern="1200">
+        <a:solidFill>
+          <a:schemeClr val="tx1"/>
+        </a:solidFill>
+        <a:latin typeface="+mn-lt"/>
+        <a:ea typeface="+mn-ea"/>
+        <a:cs typeface="+mn-cs"/>
+      </a:defRPr>
+    </a:lvl4pPr>
+    <a:lvl5pPr marL="1828800" algn="l" defTabSz="914400" rtl="0" eaLnBrk="1" latinLnBrk="0" hangingPunct="1">
+      <a:defRPr sz="1200" kern="1200">
+        <a:solidFill>
+          <a:schemeClr val="tx1"/>
+        </a:solidFill>
+        <a:latin typeface="+mn-lt"/>
+        <a:ea typeface="+mn-ea"/>
+        <a:cs typeface="+mn-cs"/>
+      </a:defRPr>
+    </a:lvl5pPr>
+    <a:lvl6pPr marL="2286000" algn="l" defTabSz="914400" rtl="0" eaLnBrk="1" latinLnBrk="0" hangingPunct="1">
+      <a:defRPr sz="1200" kern="1200">
+        <a:solidFill>
+          <a:schemeClr val="tx1"/>
+        </a:solidFill>
+        <a:latin typeface="+mn-lt"/>
+        <a:ea typeface="+mn-ea"/>
+        <a:cs typeface="+mn-cs"/>
+      </a:defRPr>
+    </a:lvl6pPr>
+    <a:lvl7pPr marL="2743200" algn="l" defTabSz="914400" rtl="0" eaLnBrk="1" latinLnBrk="0" hangingPunct="1">
+      <a:defRPr sz="1200" kern="1200">
+        <a:solidFill>
+          <a:schemeClr val="tx1"/>
+        </a:solidFill>
+        <a:latin typeface="+mn-lt"/>
+        <a:ea typeface="+mn-ea"/>
+        <a:cs typeface="+mn-cs"/>
+      </a:defRPr>
+    </a:lvl7pPr>
+    <a:lvl8pPr marL="3200400" algn="l" defTabSz="914400" rtl="0" eaLnBrk="1" latinLnBrk="0" hangingPunct="1">
+      <a:defRPr sz="1200" kern="1200">
+        <a:solidFill>
+          <a:schemeClr val="tx1"/>
+        </a:solidFill>
+        <a:latin typeface="+mn-lt"/>
+        <a:ea typeface="+mn-ea"/>
+        <a:cs typeface="+mn-cs"/>
+      </a:defRPr>
+    </a:lvl8pPr>
+    <a:lvl9pPr marL="3657600" algn="l" defTabSz="914400" rtl="0" eaLnBrk="1" latinLnBrk="0" hangingPunct="1">
+      <a:defRPr sz="1200" kern="1200">
+        <a:solidFill>
+          <a:schemeClr val="tx1"/>
+        </a:solidFill>
+        <a:latin typeface="+mn-lt"/>
+        <a:ea typeface="+mn-ea"/>
+        <a:cs typeface="+mn-cs"/>
+      </a:defRPr>
+    </a:lvl9pPr>
+  </p:notesStyle>
+</p:notesMaster>
+</file>
+
+<file path=ppt/notesSlides/notesSlide1.xml><?xml version="1.0" encoding="utf-8"?>
+<p:notes xmlns:a="http://schemas.openxmlformats.org/drawingml/2006/main" xmlns:r="http://schemas.openxmlformats.org/officeDocument/2006/relationships" xmlns:p="http://schemas.openxmlformats.org/presentationml/2006/main">
+  <p:cSld>
+    <p:spTree>
+      <p:nvGrpSpPr>
+        <p:cNvPr id="1" name=""/>
+        <p:cNvGrpSpPr/>
+        <p:nvPr/>
+      </p:nvGrpSpPr>
+      <p:grpSpPr>
+        <a:xfrm>
+          <a:off x="0" y="0"/>
+          <a:ext cx="0" cy="0"/>
+          <a:chOff x="0" y="0"/>
+          <a:chExt cx="0" cy="0"/>
+        </a:xfrm>
+      </p:grpSpPr>
+      <p:sp>
+        <p:nvSpPr>
+          <p:cNvPr id="2" name="Slide Image Placeholder 1"/>
+          <p:cNvSpPr>
+            <a:spLocks noGrp="1" noRot="1" noChangeAspect="1"/>
+          </p:cNvSpPr>
+          <p:nvPr>
+            <p:ph type="sldImg"/>
+          </p:nvPr>
+        </p:nvSpPr>
+        <p:spPr/>
+      </p:sp>
+      <p:sp>
+        <p:nvSpPr>
+          <p:cNvPr id="3" name="Notes Placeholder 2"/>
+          <p:cNvSpPr>
+            <a:spLocks noGrp="1"/>
+          </p:cNvSpPr>
+          <p:nvPr>
+            <p:ph type="body" idx="1"/>
+          </p:nvPr>
+        </p:nvSpPr>
+        <p:spPr/>
+        <p:txBody>
+          <a:bodyPr/>
+          <a:lstStyle/>
+          <a:p>
+            <a:endParaRPr lang="en-GB" dirty="0"/>
+          </a:p>
+        </p:txBody>
+      </p:sp>
+      <p:sp>
+        <p:nvSpPr>
+          <p:cNvPr id="4" name="Slide Number Placeholder 3"/>
+          <p:cNvSpPr>
+            <a:spLocks noGrp="1"/>
+          </p:cNvSpPr>
+          <p:nvPr>
+            <p:ph type="sldNum" sz="quarter" idx="5"/>
+          </p:nvPr>
+        </p:nvSpPr>
+        <p:spPr/>
+        <p:txBody>
+          <a:bodyPr/>
+          <a:lstStyle/>
+          <a:p>
+            <a:fld id="{8ACEBAA2-83CC-5748-B6B8-FC2E3FDF9635}" type="slidenum">
+              <a:rPr lang="en-GB" smtClean="0"/>
+              <a:t>5</a:t>
+            </a:fld>
+            <a:endParaRPr lang="en-GB"/>
+          </a:p>
+        </p:txBody>
+      </p:sp>
+    </p:spTree>
+    <p:extLst>
+      <p:ext uri="{BB962C8B-B14F-4D97-AF65-F5344CB8AC3E}">
+        <p14:creationId xmlns:p14="http://schemas.microsoft.com/office/powerpoint/2010/main" val="204755066"/>
+      </p:ext>
+    </p:extLst>
+  </p:cSld>
+  <p:clrMapOvr>
+    <a:masterClrMapping/>
+  </p:clrMapOvr>
+</p:notes>
 </file>
 
 <file path=ppt/slideLayouts/slideLayout1.xml><?xml version="1.0" encoding="utf-8"?>
@@ -127,13 +3370,85 @@
       </p:grpSpPr>
       <p:sp>
         <p:nvSpPr>
-          <p:cNvPr id="2" name="Title 1">
-            <a:extLst>
-              <a:ext uri="{FF2B5EF4-FFF2-40B4-BE49-F238E27FC236}">
-                <a16:creationId xmlns:a16="http://schemas.microsoft.com/office/drawing/2014/main" id="{5F707527-F01B-2A9A-3B78-9BD58D2018CB}"/>
-              </a:ext>
-            </a:extLst>
-          </p:cNvPr>
+          <p:cNvPr id="7" name="Rectangle 6"/>
+          <p:cNvSpPr/>
+          <p:nvPr/>
+        </p:nvSpPr>
+        <p:spPr>
+          <a:xfrm>
+            <a:off x="1007533" y="0"/>
+            <a:ext cx="7934348" cy="6858000"/>
+          </a:xfrm>
+          <a:prstGeom prst="rect">
+            <a:avLst/>
+          </a:prstGeom>
+          <a:solidFill>
+            <a:schemeClr val="bg2">
+              <a:alpha val="92000"/>
+            </a:schemeClr>
+          </a:solidFill>
+          <a:ln>
+            <a:noFill/>
+          </a:ln>
+        </p:spPr>
+        <p:style>
+          <a:lnRef idx="2">
+            <a:schemeClr val="accent1">
+              <a:shade val="50000"/>
+            </a:schemeClr>
+          </a:lnRef>
+          <a:fillRef idx="1">
+            <a:schemeClr val="accent1"/>
+          </a:fillRef>
+          <a:effectRef idx="0">
+            <a:schemeClr val="accent1"/>
+          </a:effectRef>
+          <a:fontRef idx="minor">
+            <a:schemeClr val="lt1"/>
+          </a:fontRef>
+        </p:style>
+      </p:sp>
+      <p:sp>
+        <p:nvSpPr>
+          <p:cNvPr id="8" name="Rectangle 7"/>
+          <p:cNvSpPr/>
+          <p:nvPr/>
+        </p:nvSpPr>
+        <p:spPr>
+          <a:xfrm>
+            <a:off x="8941881" y="0"/>
+            <a:ext cx="27432" cy="6858000"/>
+          </a:xfrm>
+          <a:prstGeom prst="rect">
+            <a:avLst/>
+          </a:prstGeom>
+          <a:solidFill>
+            <a:schemeClr val="accent6"/>
+          </a:solidFill>
+          <a:ln>
+            <a:noFill/>
+          </a:ln>
+        </p:spPr>
+        <p:style>
+          <a:lnRef idx="2">
+            <a:schemeClr val="accent1">
+              <a:shade val="50000"/>
+            </a:schemeClr>
+          </a:lnRef>
+          <a:fillRef idx="1">
+            <a:schemeClr val="accent1"/>
+          </a:fillRef>
+          <a:effectRef idx="0">
+            <a:schemeClr val="accent1"/>
+          </a:effectRef>
+          <a:fontRef idx="minor">
+            <a:schemeClr val="lt1"/>
+          </a:fontRef>
+        </p:style>
+      </p:sp>
+      <p:sp>
+        <p:nvSpPr>
+          <p:cNvPr id="2" name="Title 1"/>
           <p:cNvSpPr>
             <a:spLocks noGrp="1"/>
           </p:cNvSpPr>
@@ -143,14 +3458,16 @@
         </p:nvSpPr>
         <p:spPr>
           <a:xfrm>
-            <a:off x="1524000" y="1122363"/>
-            <a:ext cx="9144000" cy="2387600"/>
-          </a:xfrm>
-        </p:spPr>
-        <p:txBody>
-          <a:bodyPr anchor="b"/>
+            <a:off x="2611808" y="3428998"/>
+            <a:ext cx="5518066" cy="2268559"/>
+          </a:xfrm>
+        </p:spPr>
+        <p:txBody>
+          <a:bodyPr anchor="t">
+            <a:normAutofit/>
+          </a:bodyPr>
           <a:lstStyle>
-            <a:lvl1pPr algn="ctr">
+            <a:lvl1pPr algn="r">
               <a:defRPr sz="6000"/>
             </a:lvl1pPr>
           </a:lstStyle>
@@ -159,18 +3476,13 @@
               <a:rPr lang="en-GB"/>
               <a:t>Click to edit Master title style</a:t>
             </a:r>
-          </a:p>
-        </p:txBody>
-      </p:sp>
-      <p:sp>
-        <p:nvSpPr>
-          <p:cNvPr id="3" name="Subtitle 2">
-            <a:extLst>
-              <a:ext uri="{FF2B5EF4-FFF2-40B4-BE49-F238E27FC236}">
-                <a16:creationId xmlns:a16="http://schemas.microsoft.com/office/drawing/2014/main" id="{82EFA76C-ED79-0813-8D57-C010A90A7F2C}"/>
-              </a:ext>
-            </a:extLst>
-          </p:cNvPr>
+            <a:endParaRPr lang="en-US" dirty="0"/>
+          </a:p>
+        </p:txBody>
+      </p:sp>
+      <p:sp>
+        <p:nvSpPr>
+          <p:cNvPr id="3" name="Subtitle 2"/>
           <p:cNvSpPr>
             <a:spLocks noGrp="1"/>
           </p:cNvSpPr>
@@ -180,20 +3492,26 @@
         </p:nvSpPr>
         <p:spPr>
           <a:xfrm>
-            <a:off x="1524000" y="3602038"/>
-            <a:ext cx="9144000" cy="1655762"/>
-          </a:xfrm>
-        </p:spPr>
-        <p:txBody>
-          <a:bodyPr/>
+            <a:off x="2772274" y="2268786"/>
+            <a:ext cx="5357600" cy="1160213"/>
+          </a:xfrm>
+        </p:spPr>
+        <p:txBody>
+          <a:bodyPr tIns="0" anchor="b">
+            <a:normAutofit/>
+          </a:bodyPr>
           <a:lstStyle>
-            <a:lvl1pPr marL="0" indent="0" algn="ctr">
+            <a:lvl1pPr marL="0" indent="0" algn="r">
               <a:buNone/>
-              <a:defRPr sz="2400"/>
+              <a:defRPr sz="1800" b="0">
+                <a:solidFill>
+                  <a:schemeClr val="tx1"/>
+                </a:solidFill>
+              </a:defRPr>
             </a:lvl1pPr>
             <a:lvl2pPr marL="457200" indent="0" algn="ctr">
               <a:buNone/>
-              <a:defRPr sz="2000"/>
+              <a:defRPr sz="1800"/>
             </a:lvl2pPr>
             <a:lvl3pPr marL="914400" indent="0" algn="ctr">
               <a:buNone/>
@@ -229,18 +3547,13 @@
               <a:rPr lang="en-GB"/>
               <a:t>Click to edit Master subtitle style</a:t>
             </a:r>
-          </a:p>
-        </p:txBody>
-      </p:sp>
-      <p:sp>
-        <p:nvSpPr>
-          <p:cNvPr id="4" name="Date Placeholder 3">
-            <a:extLst>
-              <a:ext uri="{FF2B5EF4-FFF2-40B4-BE49-F238E27FC236}">
-                <a16:creationId xmlns:a16="http://schemas.microsoft.com/office/drawing/2014/main" id="{756CD3BC-8938-5FAF-8B7E-0088D5A7EC48}"/>
-              </a:ext>
-            </a:extLst>
-          </p:cNvPr>
+            <a:endParaRPr lang="en-US" dirty="0"/>
+          </a:p>
+        </p:txBody>
+      </p:sp>
+      <p:sp>
+        <p:nvSpPr>
+          <p:cNvPr id="4" name="Date Placeholder 3"/>
           <p:cNvSpPr>
             <a:spLocks noGrp="1"/>
           </p:cNvSpPr>
@@ -263,13 +3576,7 @@
       </p:sp>
       <p:sp>
         <p:nvSpPr>
-          <p:cNvPr id="5" name="Footer Placeholder 4">
-            <a:extLst>
-              <a:ext uri="{FF2B5EF4-FFF2-40B4-BE49-F238E27FC236}">
-                <a16:creationId xmlns:a16="http://schemas.microsoft.com/office/drawing/2014/main" id="{7CE69372-FADE-DBCA-A7EB-2CE3770EAB4C}"/>
-              </a:ext>
-            </a:extLst>
-          </p:cNvPr>
+          <p:cNvPr id="5" name="Footer Placeholder 4"/>
           <p:cNvSpPr>
             <a:spLocks noGrp="1"/>
           </p:cNvSpPr>
@@ -288,13 +3595,7 @@
       </p:sp>
       <p:sp>
         <p:nvSpPr>
-          <p:cNvPr id="6" name="Slide Number Placeholder 5">
-            <a:extLst>
-              <a:ext uri="{FF2B5EF4-FFF2-40B4-BE49-F238E27FC236}">
-                <a16:creationId xmlns:a16="http://schemas.microsoft.com/office/drawing/2014/main" id="{F5986BC3-F6FD-4D95-C609-AF4F540C25F0}"/>
-              </a:ext>
-            </a:extLst>
-          </p:cNvPr>
+          <p:cNvPr id="6" name="Slide Number Placeholder 5"/>
           <p:cNvSpPr>
             <a:spLocks noGrp="1"/>
           </p:cNvSpPr>
@@ -304,7 +3605,7 @@
         </p:nvSpPr>
         <p:spPr/>
         <p:txBody>
-          <a:bodyPr/>
+          <a:bodyPr rIns="45720"/>
           <a:lstStyle/>
           <a:p>
             <a:fld id="{DDE8F1EB-3E5B-7B43-958E-BCE8D47ACD05}" type="slidenum">
@@ -315,10 +3616,51 @@
           </a:p>
         </p:txBody>
       </p:sp>
+      <p:sp>
+        <p:nvSpPr>
+          <p:cNvPr id="13" name="TextBox 12"/>
+          <p:cNvSpPr txBox="1"/>
+          <p:nvPr/>
+        </p:nvSpPr>
+        <p:spPr>
+          <a:xfrm>
+            <a:off x="2191282" y="3262852"/>
+            <a:ext cx="415636" cy="461665"/>
+          </a:xfrm>
+          <a:prstGeom prst="rect">
+            <a:avLst/>
+          </a:prstGeom>
+          <a:noFill/>
+        </p:spPr>
+        <p:txBody>
+          <a:bodyPr wrap="square" rtlCol="0">
+            <a:spAutoFit/>
+          </a:bodyPr>
+          <a:lstStyle/>
+          <a:p>
+            <a:pPr algn="r"/>
+            <a:r>
+              <a:rPr lang="en-US" sz="2400" dirty="0">
+                <a:solidFill>
+                  <a:schemeClr val="accent6"/>
+                </a:solidFill>
+                <a:latin typeface="Wingdings 3" panose="05040102010807070707" pitchFamily="18" charset="2"/>
+              </a:rPr>
+              <a:t>z</a:t>
+            </a:r>
+            <a:endParaRPr lang="en-US" sz="2400" dirty="0">
+              <a:solidFill>
+                <a:schemeClr val="accent6"/>
+              </a:solidFill>
+              <a:latin typeface="MS Shell Dlg 2" panose="020B0604030504040204" pitchFamily="34" charset="0"/>
+            </a:endParaRPr>
+          </a:p>
+        </p:txBody>
+      </p:sp>
     </p:spTree>
     <p:extLst>
       <p:ext uri="{BB962C8B-B14F-4D97-AF65-F5344CB8AC3E}">
-        <p14:creationId xmlns:p14="http://schemas.microsoft.com/office/powerpoint/2010/main" val="2478258438"/>
+        <p14:creationId xmlns:p14="http://schemas.microsoft.com/office/powerpoint/2010/main" val="2383388997"/>
       </p:ext>
     </p:extLst>
   </p:cSld>
@@ -347,13 +3689,126 @@
       </p:grpSpPr>
       <p:sp>
         <p:nvSpPr>
-          <p:cNvPr id="2" name="Title 1">
-            <a:extLst>
-              <a:ext uri="{FF2B5EF4-FFF2-40B4-BE49-F238E27FC236}">
-                <a16:creationId xmlns:a16="http://schemas.microsoft.com/office/drawing/2014/main" id="{28FA182A-005C-17CF-2FF8-1E72A710E436}"/>
-              </a:ext>
-            </a:extLst>
-          </p:cNvPr>
+          <p:cNvPr id="14" name="Rectangle 13"/>
+          <p:cNvSpPr/>
+          <p:nvPr/>
+        </p:nvSpPr>
+        <p:spPr>
+          <a:xfrm>
+            <a:off x="1004479" y="0"/>
+            <a:ext cx="10372316" cy="6858000"/>
+          </a:xfrm>
+          <a:prstGeom prst="rect">
+            <a:avLst/>
+          </a:prstGeom>
+          <a:solidFill>
+            <a:schemeClr val="bg2">
+              <a:alpha val="92000"/>
+            </a:schemeClr>
+          </a:solidFill>
+          <a:ln>
+            <a:noFill/>
+          </a:ln>
+        </p:spPr>
+        <p:style>
+          <a:lnRef idx="2">
+            <a:schemeClr val="accent1">
+              <a:shade val="50000"/>
+            </a:schemeClr>
+          </a:lnRef>
+          <a:fillRef idx="1">
+            <a:schemeClr val="accent1"/>
+          </a:fillRef>
+          <a:effectRef idx="0">
+            <a:schemeClr val="accent1"/>
+          </a:effectRef>
+          <a:fontRef idx="minor">
+            <a:schemeClr val="lt1"/>
+          </a:fontRef>
+        </p:style>
+      </p:sp>
+      <p:sp>
+        <p:nvSpPr>
+          <p:cNvPr id="15" name="Rectangle 14"/>
+          <p:cNvSpPr/>
+          <p:nvPr/>
+        </p:nvSpPr>
+        <p:spPr>
+          <a:xfrm>
+            <a:off x="11377328" y="0"/>
+            <a:ext cx="27432" cy="6858000"/>
+          </a:xfrm>
+          <a:prstGeom prst="rect">
+            <a:avLst/>
+          </a:prstGeom>
+          <a:solidFill>
+            <a:schemeClr val="accent6"/>
+          </a:solidFill>
+          <a:ln>
+            <a:noFill/>
+          </a:ln>
+        </p:spPr>
+        <p:style>
+          <a:lnRef idx="2">
+            <a:schemeClr val="accent1">
+              <a:shade val="50000"/>
+            </a:schemeClr>
+          </a:lnRef>
+          <a:fillRef idx="1">
+            <a:schemeClr val="accent1"/>
+          </a:fillRef>
+          <a:effectRef idx="0">
+            <a:schemeClr val="accent1"/>
+          </a:effectRef>
+          <a:fontRef idx="minor">
+            <a:schemeClr val="lt1"/>
+          </a:fontRef>
+        </p:style>
+      </p:sp>
+      <p:sp>
+        <p:nvSpPr>
+          <p:cNvPr id="9" name="TextBox 8"/>
+          <p:cNvSpPr txBox="1"/>
+          <p:nvPr/>
+        </p:nvSpPr>
+        <p:spPr>
+          <a:xfrm>
+            <a:off x="2194236" y="641225"/>
+            <a:ext cx="415636" cy="369332"/>
+          </a:xfrm>
+          <a:prstGeom prst="rect">
+            <a:avLst/>
+          </a:prstGeom>
+          <a:noFill/>
+        </p:spPr>
+        <p:txBody>
+          <a:bodyPr wrap="square" rtlCol="0">
+            <a:spAutoFit/>
+          </a:bodyPr>
+          <a:lstStyle/>
+          <a:p>
+            <a:pPr algn="r"/>
+            <a:r>
+              <a:rPr lang="en-US" sz="1800" dirty="0">
+                <a:solidFill>
+                  <a:schemeClr val="accent6"/>
+                </a:solidFill>
+                <a:latin typeface="Wingdings 3" panose="05040102010807070707" pitchFamily="18" charset="2"/>
+              </a:rPr>
+              <a:t>z</a:t>
+            </a:r>
+            <a:endParaRPr lang="en-US" sz="1000" dirty="0">
+              <a:solidFill>
+                <a:schemeClr val="accent6"/>
+              </a:solidFill>
+              <a:latin typeface="MS Shell Dlg 2" panose="020B0604030504040204" pitchFamily="34" charset="0"/>
+            </a:endParaRPr>
+          </a:p>
+        </p:txBody>
+      </p:sp>
+      <p:sp>
+        <p:nvSpPr>
+          <p:cNvPr id="2" name="Title 1"/>
           <p:cNvSpPr>
             <a:spLocks noGrp="1"/>
           </p:cNvSpPr>
@@ -361,7 +3816,12 @@
             <p:ph type="title"/>
           </p:nvPr>
         </p:nvSpPr>
-        <p:spPr/>
+        <p:spPr>
+          <a:xfrm>
+            <a:off x="2611808" y="808056"/>
+            <a:ext cx="7954091" cy="1077229"/>
+          </a:xfrm>
+        </p:spPr>
         <p:txBody>
           <a:bodyPr/>
           <a:lstStyle/>
@@ -370,18 +3830,13 @@
               <a:rPr lang="en-GB"/>
               <a:t>Click to edit Master title style</a:t>
             </a:r>
-          </a:p>
-        </p:txBody>
-      </p:sp>
-      <p:sp>
-        <p:nvSpPr>
-          <p:cNvPr id="3" name="Vertical Text Placeholder 2">
-            <a:extLst>
-              <a:ext uri="{FF2B5EF4-FFF2-40B4-BE49-F238E27FC236}">
-                <a16:creationId xmlns:a16="http://schemas.microsoft.com/office/drawing/2014/main" id="{DCDD85B3-101F-4BC6-3D2E-7862D872DD74}"/>
-              </a:ext>
-            </a:extLst>
-          </p:cNvPr>
+            <a:endParaRPr lang="en-US" dirty="0"/>
+          </a:p>
+        </p:txBody>
+      </p:sp>
+      <p:sp>
+        <p:nvSpPr>
+          <p:cNvPr id="3" name="Vertical Text Placeholder 2"/>
           <p:cNvSpPr>
             <a:spLocks noGrp="1"/>
           </p:cNvSpPr>
@@ -427,18 +3882,13 @@
               <a:rPr lang="en-GB"/>
               <a:t>Fifth level</a:t>
             </a:r>
-          </a:p>
-        </p:txBody>
-      </p:sp>
-      <p:sp>
-        <p:nvSpPr>
-          <p:cNvPr id="4" name="Date Placeholder 3">
-            <a:extLst>
-              <a:ext uri="{FF2B5EF4-FFF2-40B4-BE49-F238E27FC236}">
-                <a16:creationId xmlns:a16="http://schemas.microsoft.com/office/drawing/2014/main" id="{78F72F1A-7993-21BC-BCD6-C10C941D9176}"/>
-              </a:ext>
-            </a:extLst>
-          </p:cNvPr>
+            <a:endParaRPr lang="en-US" dirty="0"/>
+          </a:p>
+        </p:txBody>
+      </p:sp>
+      <p:sp>
+        <p:nvSpPr>
+          <p:cNvPr id="4" name="Date Placeholder 3"/>
           <p:cNvSpPr>
             <a:spLocks noGrp="1"/>
           </p:cNvSpPr>
@@ -461,13 +3911,7 @@
       </p:sp>
       <p:sp>
         <p:nvSpPr>
-          <p:cNvPr id="5" name="Footer Placeholder 4">
-            <a:extLst>
-              <a:ext uri="{FF2B5EF4-FFF2-40B4-BE49-F238E27FC236}">
-                <a16:creationId xmlns:a16="http://schemas.microsoft.com/office/drawing/2014/main" id="{BF5AF0CE-7C77-7BE8-DF44-4AF77094F112}"/>
-              </a:ext>
-            </a:extLst>
-          </p:cNvPr>
+          <p:cNvPr id="5" name="Footer Placeholder 4"/>
           <p:cNvSpPr>
             <a:spLocks noGrp="1"/>
           </p:cNvSpPr>
@@ -486,13 +3930,7 @@
       </p:sp>
       <p:sp>
         <p:nvSpPr>
-          <p:cNvPr id="6" name="Slide Number Placeholder 5">
-            <a:extLst>
-              <a:ext uri="{FF2B5EF4-FFF2-40B4-BE49-F238E27FC236}">
-                <a16:creationId xmlns:a16="http://schemas.microsoft.com/office/drawing/2014/main" id="{A396A568-B131-0728-66E0-13AF067A1CE9}"/>
-              </a:ext>
-            </a:extLst>
-          </p:cNvPr>
+          <p:cNvPr id="6" name="Slide Number Placeholder 5"/>
           <p:cNvSpPr>
             <a:spLocks noGrp="1"/>
           </p:cNvSpPr>
@@ -516,7 +3954,7 @@
     </p:spTree>
     <p:extLst>
       <p:ext uri="{BB962C8B-B14F-4D97-AF65-F5344CB8AC3E}">
-        <p14:creationId xmlns:p14="http://schemas.microsoft.com/office/powerpoint/2010/main" val="1770726962"/>
+        <p14:creationId xmlns:p14="http://schemas.microsoft.com/office/powerpoint/2010/main" val="1947680087"/>
       </p:ext>
     </p:extLst>
   </p:cSld>
@@ -545,13 +3983,126 @@
       </p:grpSpPr>
       <p:sp>
         <p:nvSpPr>
-          <p:cNvPr id="2" name="Vertical Title 1">
-            <a:extLst>
-              <a:ext uri="{FF2B5EF4-FFF2-40B4-BE49-F238E27FC236}">
-                <a16:creationId xmlns:a16="http://schemas.microsoft.com/office/drawing/2014/main" id="{6711783E-1AE5-C152-BABB-FF0720FDC307}"/>
-              </a:ext>
-            </a:extLst>
-          </p:cNvPr>
+          <p:cNvPr id="15" name="Rectangle 14"/>
+          <p:cNvSpPr/>
+          <p:nvPr/>
+        </p:nvSpPr>
+        <p:spPr>
+          <a:xfrm>
+            <a:off x="1004479" y="0"/>
+            <a:ext cx="10372316" cy="6858000"/>
+          </a:xfrm>
+          <a:prstGeom prst="rect">
+            <a:avLst/>
+          </a:prstGeom>
+          <a:solidFill>
+            <a:schemeClr val="bg2">
+              <a:alpha val="92000"/>
+            </a:schemeClr>
+          </a:solidFill>
+          <a:ln>
+            <a:noFill/>
+          </a:ln>
+        </p:spPr>
+        <p:style>
+          <a:lnRef idx="2">
+            <a:schemeClr val="accent1">
+              <a:shade val="50000"/>
+            </a:schemeClr>
+          </a:lnRef>
+          <a:fillRef idx="1">
+            <a:schemeClr val="accent1"/>
+          </a:fillRef>
+          <a:effectRef idx="0">
+            <a:schemeClr val="accent1"/>
+          </a:effectRef>
+          <a:fontRef idx="minor">
+            <a:schemeClr val="lt1"/>
+          </a:fontRef>
+        </p:style>
+      </p:sp>
+      <p:sp>
+        <p:nvSpPr>
+          <p:cNvPr id="16" name="Rectangle 15"/>
+          <p:cNvSpPr/>
+          <p:nvPr/>
+        </p:nvSpPr>
+        <p:spPr>
+          <a:xfrm>
+            <a:off x="11377328" y="0"/>
+            <a:ext cx="27432" cy="6858000"/>
+          </a:xfrm>
+          <a:prstGeom prst="rect">
+            <a:avLst/>
+          </a:prstGeom>
+          <a:solidFill>
+            <a:schemeClr val="accent6"/>
+          </a:solidFill>
+          <a:ln>
+            <a:noFill/>
+          </a:ln>
+        </p:spPr>
+        <p:style>
+          <a:lnRef idx="2">
+            <a:schemeClr val="accent1">
+              <a:shade val="50000"/>
+            </a:schemeClr>
+          </a:lnRef>
+          <a:fillRef idx="1">
+            <a:schemeClr val="accent1"/>
+          </a:fillRef>
+          <a:effectRef idx="0">
+            <a:schemeClr val="accent1"/>
+          </a:effectRef>
+          <a:fontRef idx="minor">
+            <a:schemeClr val="lt1"/>
+          </a:fontRef>
+        </p:style>
+      </p:sp>
+      <p:sp>
+        <p:nvSpPr>
+          <p:cNvPr id="9" name="TextBox 8"/>
+          <p:cNvSpPr txBox="1"/>
+          <p:nvPr/>
+        </p:nvSpPr>
+        <p:spPr>
+          <a:xfrm rot="5400000">
+            <a:off x="10337141" y="416061"/>
+            <a:ext cx="415636" cy="369332"/>
+          </a:xfrm>
+          <a:prstGeom prst="rect">
+            <a:avLst/>
+          </a:prstGeom>
+          <a:noFill/>
+        </p:spPr>
+        <p:txBody>
+          <a:bodyPr wrap="square" rtlCol="0">
+            <a:spAutoFit/>
+          </a:bodyPr>
+          <a:lstStyle/>
+          <a:p>
+            <a:pPr algn="r"/>
+            <a:r>
+              <a:rPr lang="en-US" sz="1800" dirty="0">
+                <a:solidFill>
+                  <a:schemeClr val="accent6"/>
+                </a:solidFill>
+                <a:latin typeface="Wingdings 3" panose="05040102010807070707" pitchFamily="18" charset="2"/>
+              </a:rPr>
+              <a:t>z</a:t>
+            </a:r>
+            <a:endParaRPr lang="en-US" sz="1000" dirty="0">
+              <a:solidFill>
+                <a:schemeClr val="accent6"/>
+              </a:solidFill>
+              <a:latin typeface="MS Shell Dlg 2" panose="020B0604030504040204" pitchFamily="34" charset="0"/>
+            </a:endParaRPr>
+          </a:p>
+        </p:txBody>
+      </p:sp>
+      <p:sp>
+        <p:nvSpPr>
+          <p:cNvPr id="2" name="Vertical Title 1"/>
           <p:cNvSpPr>
             <a:spLocks noGrp="1"/>
           </p:cNvSpPr>
@@ -561,30 +4112,29 @@
         </p:nvSpPr>
         <p:spPr>
           <a:xfrm>
-            <a:off x="8724900" y="365125"/>
-            <a:ext cx="2628900" cy="5811838"/>
+            <a:off x="9239380" y="805818"/>
+            <a:ext cx="1326519" cy="5244126"/>
           </a:xfrm>
         </p:spPr>
         <p:txBody>
           <a:bodyPr vert="eaVert"/>
-          <a:lstStyle/>
+          <a:lstStyle>
+            <a:lvl1pPr algn="l">
+              <a:defRPr/>
+            </a:lvl1pPr>
+          </a:lstStyle>
           <a:p>
             <a:r>
               <a:rPr lang="en-GB"/>
               <a:t>Click to edit Master title style</a:t>
             </a:r>
-          </a:p>
-        </p:txBody>
-      </p:sp>
-      <p:sp>
-        <p:nvSpPr>
-          <p:cNvPr id="3" name="Vertical Text Placeholder 2">
-            <a:extLst>
-              <a:ext uri="{FF2B5EF4-FFF2-40B4-BE49-F238E27FC236}">
-                <a16:creationId xmlns:a16="http://schemas.microsoft.com/office/drawing/2014/main" id="{7828C3AA-EF11-E29C-B944-236070134E21}"/>
-              </a:ext>
-            </a:extLst>
-          </p:cNvPr>
+            <a:endParaRPr lang="en-US" dirty="0"/>
+          </a:p>
+        </p:txBody>
+      </p:sp>
+      <p:sp>
+        <p:nvSpPr>
+          <p:cNvPr id="3" name="Vertical Text Placeholder 2"/>
           <p:cNvSpPr>
             <a:spLocks noGrp="1"/>
           </p:cNvSpPr>
@@ -594,8 +4144,8 @@
         </p:nvSpPr>
         <p:spPr>
           <a:xfrm>
-            <a:off x="838200" y="365125"/>
-            <a:ext cx="7734300" cy="5811838"/>
+            <a:off x="2608751" y="970410"/>
+            <a:ext cx="6466903" cy="5079534"/>
           </a:xfrm>
         </p:spPr>
         <p:txBody>
@@ -635,18 +4185,13 @@
               <a:rPr lang="en-GB"/>
               <a:t>Fifth level</a:t>
             </a:r>
-          </a:p>
-        </p:txBody>
-      </p:sp>
-      <p:sp>
-        <p:nvSpPr>
-          <p:cNvPr id="4" name="Date Placeholder 3">
-            <a:extLst>
-              <a:ext uri="{FF2B5EF4-FFF2-40B4-BE49-F238E27FC236}">
-                <a16:creationId xmlns:a16="http://schemas.microsoft.com/office/drawing/2014/main" id="{49D94783-3EF5-4FC9-B160-28A6FB46A65E}"/>
-              </a:ext>
-            </a:extLst>
-          </p:cNvPr>
+            <a:endParaRPr lang="en-US" dirty="0"/>
+          </a:p>
+        </p:txBody>
+      </p:sp>
+      <p:sp>
+        <p:nvSpPr>
+          <p:cNvPr id="4" name="Date Placeholder 3"/>
           <p:cNvSpPr>
             <a:spLocks noGrp="1"/>
           </p:cNvSpPr>
@@ -669,13 +4214,7 @@
       </p:sp>
       <p:sp>
         <p:nvSpPr>
-          <p:cNvPr id="5" name="Footer Placeholder 4">
-            <a:extLst>
-              <a:ext uri="{FF2B5EF4-FFF2-40B4-BE49-F238E27FC236}">
-                <a16:creationId xmlns:a16="http://schemas.microsoft.com/office/drawing/2014/main" id="{3D7B764A-B781-2176-6322-8DE18736D9F4}"/>
-              </a:ext>
-            </a:extLst>
-          </p:cNvPr>
+          <p:cNvPr id="5" name="Footer Placeholder 4"/>
           <p:cNvSpPr>
             <a:spLocks noGrp="1"/>
           </p:cNvSpPr>
@@ -694,13 +4233,7 @@
       </p:sp>
       <p:sp>
         <p:nvSpPr>
-          <p:cNvPr id="6" name="Slide Number Placeholder 5">
-            <a:extLst>
-              <a:ext uri="{FF2B5EF4-FFF2-40B4-BE49-F238E27FC236}">
-                <a16:creationId xmlns:a16="http://schemas.microsoft.com/office/drawing/2014/main" id="{FB436D27-8026-F1DA-5275-F67F40B6E959}"/>
-              </a:ext>
-            </a:extLst>
-          </p:cNvPr>
+          <p:cNvPr id="6" name="Slide Number Placeholder 5"/>
           <p:cNvSpPr>
             <a:spLocks noGrp="1"/>
           </p:cNvSpPr>
@@ -724,7 +4257,7 @@
     </p:spTree>
     <p:extLst>
       <p:ext uri="{BB962C8B-B14F-4D97-AF65-F5344CB8AC3E}">
-        <p14:creationId xmlns:p14="http://schemas.microsoft.com/office/powerpoint/2010/main" val="111927733"/>
+        <p14:creationId xmlns:p14="http://schemas.microsoft.com/office/powerpoint/2010/main" val="1488453640"/>
       </p:ext>
     </p:extLst>
   </p:cSld>
@@ -753,13 +4286,85 @@
       </p:grpSpPr>
       <p:sp>
         <p:nvSpPr>
-          <p:cNvPr id="2" name="Title 1">
-            <a:extLst>
-              <a:ext uri="{FF2B5EF4-FFF2-40B4-BE49-F238E27FC236}">
-                <a16:creationId xmlns:a16="http://schemas.microsoft.com/office/drawing/2014/main" id="{49A43FAF-9643-239F-E25C-BE50305336CD}"/>
-              </a:ext>
-            </a:extLst>
-          </p:cNvPr>
+          <p:cNvPr id="29" name="Rectangle 28"/>
+          <p:cNvSpPr/>
+          <p:nvPr/>
+        </p:nvSpPr>
+        <p:spPr>
+          <a:xfrm>
+            <a:off x="1004479" y="0"/>
+            <a:ext cx="10372316" cy="6858000"/>
+          </a:xfrm>
+          <a:prstGeom prst="rect">
+            <a:avLst/>
+          </a:prstGeom>
+          <a:solidFill>
+            <a:schemeClr val="bg2">
+              <a:alpha val="92000"/>
+            </a:schemeClr>
+          </a:solidFill>
+          <a:ln>
+            <a:noFill/>
+          </a:ln>
+        </p:spPr>
+        <p:style>
+          <a:lnRef idx="2">
+            <a:schemeClr val="accent1">
+              <a:shade val="50000"/>
+            </a:schemeClr>
+          </a:lnRef>
+          <a:fillRef idx="1">
+            <a:schemeClr val="accent1"/>
+          </a:fillRef>
+          <a:effectRef idx="0">
+            <a:schemeClr val="accent1"/>
+          </a:effectRef>
+          <a:fontRef idx="minor">
+            <a:schemeClr val="lt1"/>
+          </a:fontRef>
+        </p:style>
+      </p:sp>
+      <p:sp>
+        <p:nvSpPr>
+          <p:cNvPr id="9" name="Rectangle 8"/>
+          <p:cNvSpPr/>
+          <p:nvPr/>
+        </p:nvSpPr>
+        <p:spPr>
+          <a:xfrm>
+            <a:off x="11377328" y="0"/>
+            <a:ext cx="27432" cy="6858000"/>
+          </a:xfrm>
+          <a:prstGeom prst="rect">
+            <a:avLst/>
+          </a:prstGeom>
+          <a:solidFill>
+            <a:schemeClr val="accent6"/>
+          </a:solidFill>
+          <a:ln>
+            <a:noFill/>
+          </a:ln>
+        </p:spPr>
+        <p:style>
+          <a:lnRef idx="2">
+            <a:schemeClr val="accent1">
+              <a:shade val="50000"/>
+            </a:schemeClr>
+          </a:lnRef>
+          <a:fillRef idx="1">
+            <a:schemeClr val="accent1"/>
+          </a:fillRef>
+          <a:effectRef idx="0">
+            <a:schemeClr val="accent1"/>
+          </a:effectRef>
+          <a:fontRef idx="minor">
+            <a:schemeClr val="lt1"/>
+          </a:fontRef>
+        </p:style>
+      </p:sp>
+      <p:sp>
+        <p:nvSpPr>
+          <p:cNvPr id="2" name="Title 1"/>
           <p:cNvSpPr>
             <a:spLocks noGrp="1"/>
           </p:cNvSpPr>
@@ -776,18 +4381,13 @@
               <a:rPr lang="en-GB"/>
               <a:t>Click to edit Master title style</a:t>
             </a:r>
-          </a:p>
-        </p:txBody>
-      </p:sp>
-      <p:sp>
-        <p:nvSpPr>
-          <p:cNvPr id="3" name="Content Placeholder 2">
-            <a:extLst>
-              <a:ext uri="{FF2B5EF4-FFF2-40B4-BE49-F238E27FC236}">
-                <a16:creationId xmlns:a16="http://schemas.microsoft.com/office/drawing/2014/main" id="{38DBC543-E477-240E-E93E-82A1AB103206}"/>
-              </a:ext>
-            </a:extLst>
-          </p:cNvPr>
+            <a:endParaRPr lang="en-US" dirty="0"/>
+          </a:p>
+        </p:txBody>
+      </p:sp>
+      <p:sp>
+        <p:nvSpPr>
+          <p:cNvPr id="3" name="Content Placeholder 2"/>
           <p:cNvSpPr>
             <a:spLocks noGrp="1"/>
           </p:cNvSpPr>
@@ -797,7 +4397,7 @@
         </p:nvSpPr>
         <p:spPr/>
         <p:txBody>
-          <a:bodyPr/>
+          <a:bodyPr anchor="ctr"/>
           <a:lstStyle/>
           <a:p>
             <a:pPr lvl="0"/>
@@ -833,18 +4433,13 @@
               <a:rPr lang="en-GB"/>
               <a:t>Fifth level</a:t>
             </a:r>
-          </a:p>
-        </p:txBody>
-      </p:sp>
-      <p:sp>
-        <p:nvSpPr>
-          <p:cNvPr id="4" name="Date Placeholder 3">
-            <a:extLst>
-              <a:ext uri="{FF2B5EF4-FFF2-40B4-BE49-F238E27FC236}">
-                <a16:creationId xmlns:a16="http://schemas.microsoft.com/office/drawing/2014/main" id="{AF68F558-5C4E-72C6-42B2-C99AE2EBD5A0}"/>
-              </a:ext>
-            </a:extLst>
-          </p:cNvPr>
+            <a:endParaRPr lang="en-US" dirty="0"/>
+          </a:p>
+        </p:txBody>
+      </p:sp>
+      <p:sp>
+        <p:nvSpPr>
+          <p:cNvPr id="4" name="Date Placeholder 3"/>
           <p:cNvSpPr>
             <a:spLocks noGrp="1"/>
           </p:cNvSpPr>
@@ -867,13 +4462,7 @@
       </p:sp>
       <p:sp>
         <p:nvSpPr>
-          <p:cNvPr id="5" name="Footer Placeholder 4">
-            <a:extLst>
-              <a:ext uri="{FF2B5EF4-FFF2-40B4-BE49-F238E27FC236}">
-                <a16:creationId xmlns:a16="http://schemas.microsoft.com/office/drawing/2014/main" id="{6A85120B-5097-CEF3-4540-699F24B110DB}"/>
-              </a:ext>
-            </a:extLst>
-          </p:cNvPr>
+          <p:cNvPr id="5" name="Footer Placeholder 4"/>
           <p:cNvSpPr>
             <a:spLocks noGrp="1"/>
           </p:cNvSpPr>
@@ -892,13 +4481,7 @@
       </p:sp>
       <p:sp>
         <p:nvSpPr>
-          <p:cNvPr id="6" name="Slide Number Placeholder 5">
-            <a:extLst>
-              <a:ext uri="{FF2B5EF4-FFF2-40B4-BE49-F238E27FC236}">
-                <a16:creationId xmlns:a16="http://schemas.microsoft.com/office/drawing/2014/main" id="{FBE3C1A1-9286-A04C-5A82-59BAED657AA2}"/>
-              </a:ext>
-            </a:extLst>
-          </p:cNvPr>
+          <p:cNvPr id="6" name="Slide Number Placeholder 5"/>
           <p:cNvSpPr>
             <a:spLocks noGrp="1"/>
           </p:cNvSpPr>
@@ -919,10 +4502,51 @@
           </a:p>
         </p:txBody>
       </p:sp>
+      <p:sp>
+        <p:nvSpPr>
+          <p:cNvPr id="7" name="TextBox 6"/>
+          <p:cNvSpPr txBox="1"/>
+          <p:nvPr/>
+        </p:nvSpPr>
+        <p:spPr>
+          <a:xfrm>
+            <a:off x="2194943" y="641225"/>
+            <a:ext cx="415636" cy="369332"/>
+          </a:xfrm>
+          <a:prstGeom prst="rect">
+            <a:avLst/>
+          </a:prstGeom>
+          <a:noFill/>
+        </p:spPr>
+        <p:txBody>
+          <a:bodyPr wrap="square" rtlCol="0">
+            <a:spAutoFit/>
+          </a:bodyPr>
+          <a:lstStyle/>
+          <a:p>
+            <a:pPr algn="r"/>
+            <a:r>
+              <a:rPr lang="en-US" sz="1800" dirty="0">
+                <a:solidFill>
+                  <a:schemeClr val="accent6"/>
+                </a:solidFill>
+                <a:latin typeface="Wingdings 3" panose="05040102010807070707" pitchFamily="18" charset="2"/>
+              </a:rPr>
+              <a:t>z</a:t>
+            </a:r>
+            <a:endParaRPr lang="en-US" sz="1000" dirty="0">
+              <a:solidFill>
+                <a:schemeClr val="accent6"/>
+              </a:solidFill>
+              <a:latin typeface="MS Shell Dlg 2" panose="020B0604030504040204" pitchFamily="34" charset="0"/>
+            </a:endParaRPr>
+          </a:p>
+        </p:txBody>
+      </p:sp>
     </p:spTree>
     <p:extLst>
       <p:ext uri="{BB962C8B-B14F-4D97-AF65-F5344CB8AC3E}">
-        <p14:creationId xmlns:p14="http://schemas.microsoft.com/office/powerpoint/2010/main" val="1581961839"/>
+        <p14:creationId xmlns:p14="http://schemas.microsoft.com/office/powerpoint/2010/main" val="1166398361"/>
       </p:ext>
     </p:extLst>
   </p:cSld>
@@ -951,13 +4575,126 @@
       </p:grpSpPr>
       <p:sp>
         <p:nvSpPr>
-          <p:cNvPr id="2" name="Title 1">
-            <a:extLst>
-              <a:ext uri="{FF2B5EF4-FFF2-40B4-BE49-F238E27FC236}">
-                <a16:creationId xmlns:a16="http://schemas.microsoft.com/office/drawing/2014/main" id="{9E35A75A-0B1C-AFEE-6453-C057FD28C6A5}"/>
-              </a:ext>
-            </a:extLst>
-          </p:cNvPr>
+          <p:cNvPr id="24" name="Rectangle 23"/>
+          <p:cNvSpPr/>
+          <p:nvPr/>
+        </p:nvSpPr>
+        <p:spPr>
+          <a:xfrm>
+            <a:off x="1004479" y="0"/>
+            <a:ext cx="10372316" cy="6858000"/>
+          </a:xfrm>
+          <a:prstGeom prst="rect">
+            <a:avLst/>
+          </a:prstGeom>
+          <a:solidFill>
+            <a:schemeClr val="bg2">
+              <a:alpha val="92000"/>
+            </a:schemeClr>
+          </a:solidFill>
+          <a:ln>
+            <a:noFill/>
+          </a:ln>
+        </p:spPr>
+        <p:style>
+          <a:lnRef idx="2">
+            <a:schemeClr val="accent1">
+              <a:shade val="50000"/>
+            </a:schemeClr>
+          </a:lnRef>
+          <a:fillRef idx="1">
+            <a:schemeClr val="accent1"/>
+          </a:fillRef>
+          <a:effectRef idx="0">
+            <a:schemeClr val="accent1"/>
+          </a:effectRef>
+          <a:fontRef idx="minor">
+            <a:schemeClr val="lt1"/>
+          </a:fontRef>
+        </p:style>
+      </p:sp>
+      <p:sp>
+        <p:nvSpPr>
+          <p:cNvPr id="25" name="Rectangle 24"/>
+          <p:cNvSpPr/>
+          <p:nvPr/>
+        </p:nvSpPr>
+        <p:spPr>
+          <a:xfrm>
+            <a:off x="11377328" y="0"/>
+            <a:ext cx="27432" cy="6858000"/>
+          </a:xfrm>
+          <a:prstGeom prst="rect">
+            <a:avLst/>
+          </a:prstGeom>
+          <a:solidFill>
+            <a:schemeClr val="accent6"/>
+          </a:solidFill>
+          <a:ln>
+            <a:noFill/>
+          </a:ln>
+        </p:spPr>
+        <p:style>
+          <a:lnRef idx="2">
+            <a:schemeClr val="accent1">
+              <a:shade val="50000"/>
+            </a:schemeClr>
+          </a:lnRef>
+          <a:fillRef idx="1">
+            <a:schemeClr val="accent1"/>
+          </a:fillRef>
+          <a:effectRef idx="0">
+            <a:schemeClr val="accent1"/>
+          </a:effectRef>
+          <a:fontRef idx="minor">
+            <a:schemeClr val="lt1"/>
+          </a:fontRef>
+        </p:style>
+      </p:sp>
+      <p:sp>
+        <p:nvSpPr>
+          <p:cNvPr id="11" name="TextBox 10"/>
+          <p:cNvSpPr txBox="1"/>
+          <p:nvPr/>
+        </p:nvSpPr>
+        <p:spPr>
+          <a:xfrm>
+            <a:off x="2191843" y="2962586"/>
+            <a:ext cx="415636" cy="369332"/>
+          </a:xfrm>
+          <a:prstGeom prst="rect">
+            <a:avLst/>
+          </a:prstGeom>
+          <a:noFill/>
+        </p:spPr>
+        <p:txBody>
+          <a:bodyPr wrap="square" rtlCol="0">
+            <a:spAutoFit/>
+          </a:bodyPr>
+          <a:lstStyle/>
+          <a:p>
+            <a:pPr algn="r"/>
+            <a:r>
+              <a:rPr lang="en-US" sz="1800" dirty="0">
+                <a:solidFill>
+                  <a:schemeClr val="accent6"/>
+                </a:solidFill>
+                <a:latin typeface="Wingdings 3" panose="05040102010807070707" pitchFamily="18" charset="2"/>
+              </a:rPr>
+              <a:t>z</a:t>
+            </a:r>
+            <a:endParaRPr lang="en-US" sz="1000" dirty="0">
+              <a:solidFill>
+                <a:schemeClr val="accent6"/>
+              </a:solidFill>
+              <a:latin typeface="MS Shell Dlg 2" panose="020B0604030504040204" pitchFamily="34" charset="0"/>
+            </a:endParaRPr>
+          </a:p>
+        </p:txBody>
+      </p:sp>
+      <p:sp>
+        <p:nvSpPr>
+          <p:cNvPr id="2" name="Title 1"/>
           <p:cNvSpPr>
             <a:spLocks noGrp="1"/>
           </p:cNvSpPr>
@@ -967,15 +4704,17 @@
         </p:nvSpPr>
         <p:spPr>
           <a:xfrm>
-            <a:off x="831850" y="1709738"/>
-            <a:ext cx="10515600" cy="2852737"/>
-          </a:xfrm>
-        </p:spPr>
-        <p:txBody>
-          <a:bodyPr anchor="b"/>
+            <a:off x="2609873" y="3147254"/>
+            <a:ext cx="7956560" cy="1424746"/>
+          </a:xfrm>
+        </p:spPr>
+        <p:txBody>
+          <a:bodyPr anchor="t">
+            <a:normAutofit/>
+          </a:bodyPr>
           <a:lstStyle>
-            <a:lvl1pPr>
-              <a:defRPr sz="6000"/>
+            <a:lvl1pPr algn="r">
+              <a:defRPr sz="3200"/>
             </a:lvl1pPr>
           </a:lstStyle>
           <a:p>
@@ -983,18 +4722,13 @@
               <a:rPr lang="en-GB"/>
               <a:t>Click to edit Master title style</a:t>
             </a:r>
-          </a:p>
-        </p:txBody>
-      </p:sp>
-      <p:sp>
-        <p:nvSpPr>
-          <p:cNvPr id="3" name="Text Placeholder 2">
-            <a:extLst>
-              <a:ext uri="{FF2B5EF4-FFF2-40B4-BE49-F238E27FC236}">
-                <a16:creationId xmlns:a16="http://schemas.microsoft.com/office/drawing/2014/main" id="{A1D49405-1988-6311-D7A1-FD93A65863C0}"/>
-              </a:ext>
-            </a:extLst>
-          </p:cNvPr>
+            <a:endParaRPr lang="en-US" dirty="0"/>
+          </a:p>
+        </p:txBody>
+      </p:sp>
+      <p:sp>
+        <p:nvSpPr>
+          <p:cNvPr id="3" name="Text Placeholder 2"/>
           <p:cNvSpPr>
             <a:spLocks noGrp="1"/>
           </p:cNvSpPr>
@@ -1004,29 +4738,29 @@
         </p:nvSpPr>
         <p:spPr>
           <a:xfrm>
-            <a:off x="831850" y="4589463"/>
-            <a:ext cx="10515600" cy="1500187"/>
-          </a:xfrm>
-        </p:spPr>
-        <p:txBody>
-          <a:bodyPr/>
+            <a:off x="2773968" y="2268786"/>
+            <a:ext cx="7791931" cy="878468"/>
+          </a:xfrm>
+        </p:spPr>
+        <p:txBody>
+          <a:bodyPr tIns="0" anchor="b">
+            <a:normAutofit/>
+          </a:bodyPr>
           <a:lstStyle>
-            <a:lvl1pPr marL="0" indent="0">
+            <a:lvl1pPr marL="0" indent="0" algn="r">
               <a:buNone/>
-              <a:defRPr sz="2400">
+              <a:defRPr sz="1800">
                 <a:solidFill>
-                  <a:schemeClr val="tx1">
-                    <a:tint val="82000"/>
-                  </a:schemeClr>
+                  <a:schemeClr val="tx1"/>
                 </a:solidFill>
               </a:defRPr>
             </a:lvl1pPr>
             <a:lvl2pPr marL="457200" indent="0">
               <a:buNone/>
-              <a:defRPr sz="2000">
+              <a:defRPr sz="1800">
                 <a:solidFill>
                   <a:schemeClr val="tx1">
-                    <a:tint val="82000"/>
+                    <a:tint val="75000"/>
                   </a:schemeClr>
                 </a:solidFill>
               </a:defRPr>
@@ -1036,7 +4770,7 @@
               <a:defRPr sz="1800">
                 <a:solidFill>
                   <a:schemeClr val="tx1">
-                    <a:tint val="82000"/>
+                    <a:tint val="75000"/>
                   </a:schemeClr>
                 </a:solidFill>
               </a:defRPr>
@@ -1046,7 +4780,7 @@
               <a:defRPr sz="1600">
                 <a:solidFill>
                   <a:schemeClr val="tx1">
-                    <a:tint val="82000"/>
+                    <a:tint val="75000"/>
                   </a:schemeClr>
                 </a:solidFill>
               </a:defRPr>
@@ -1056,7 +4790,7 @@
               <a:defRPr sz="1600">
                 <a:solidFill>
                   <a:schemeClr val="tx1">
-                    <a:tint val="82000"/>
+                    <a:tint val="75000"/>
                   </a:schemeClr>
                 </a:solidFill>
               </a:defRPr>
@@ -1066,7 +4800,7 @@
               <a:defRPr sz="1600">
                 <a:solidFill>
                   <a:schemeClr val="tx1">
-                    <a:tint val="82000"/>
+                    <a:tint val="75000"/>
                   </a:schemeClr>
                 </a:solidFill>
               </a:defRPr>
@@ -1076,7 +4810,7 @@
               <a:defRPr sz="1600">
                 <a:solidFill>
                   <a:schemeClr val="tx1">
-                    <a:tint val="82000"/>
+                    <a:tint val="75000"/>
                   </a:schemeClr>
                 </a:solidFill>
               </a:defRPr>
@@ -1086,7 +4820,7 @@
               <a:defRPr sz="1600">
                 <a:solidFill>
                   <a:schemeClr val="tx1">
-                    <a:tint val="82000"/>
+                    <a:tint val="75000"/>
                   </a:schemeClr>
                 </a:solidFill>
               </a:defRPr>
@@ -1096,7 +4830,7 @@
               <a:defRPr sz="1600">
                 <a:solidFill>
                   <a:schemeClr val="tx1">
-                    <a:tint val="82000"/>
+                    <a:tint val="75000"/>
                   </a:schemeClr>
                 </a:solidFill>
               </a:defRPr>
@@ -1113,13 +4847,7 @@
       </p:sp>
       <p:sp>
         <p:nvSpPr>
-          <p:cNvPr id="4" name="Date Placeholder 3">
-            <a:extLst>
-              <a:ext uri="{FF2B5EF4-FFF2-40B4-BE49-F238E27FC236}">
-                <a16:creationId xmlns:a16="http://schemas.microsoft.com/office/drawing/2014/main" id="{DB140918-ACA8-9816-8A51-FA6CF45AA8F3}"/>
-              </a:ext>
-            </a:extLst>
-          </p:cNvPr>
+          <p:cNvPr id="4" name="Date Placeholder 3"/>
           <p:cNvSpPr>
             <a:spLocks noGrp="1"/>
           </p:cNvSpPr>
@@ -1142,13 +4870,7 @@
       </p:sp>
       <p:sp>
         <p:nvSpPr>
-          <p:cNvPr id="5" name="Footer Placeholder 4">
-            <a:extLst>
-              <a:ext uri="{FF2B5EF4-FFF2-40B4-BE49-F238E27FC236}">
-                <a16:creationId xmlns:a16="http://schemas.microsoft.com/office/drawing/2014/main" id="{A37DDDBD-D71C-F98B-F94D-F25ED6A967EB}"/>
-              </a:ext>
-            </a:extLst>
-          </p:cNvPr>
+          <p:cNvPr id="5" name="Footer Placeholder 4"/>
           <p:cNvSpPr>
             <a:spLocks noGrp="1"/>
           </p:cNvSpPr>
@@ -1167,13 +4889,7 @@
       </p:sp>
       <p:sp>
         <p:nvSpPr>
-          <p:cNvPr id="6" name="Slide Number Placeholder 5">
-            <a:extLst>
-              <a:ext uri="{FF2B5EF4-FFF2-40B4-BE49-F238E27FC236}">
-                <a16:creationId xmlns:a16="http://schemas.microsoft.com/office/drawing/2014/main" id="{0CF1EFE9-BFE2-E10B-D1D6-07A5F2AB7406}"/>
-              </a:ext>
-            </a:extLst>
-          </p:cNvPr>
+          <p:cNvPr id="6" name="Slide Number Placeholder 5"/>
           <p:cNvSpPr>
             <a:spLocks noGrp="1"/>
           </p:cNvSpPr>
@@ -1197,7 +4913,7 @@
     </p:spTree>
     <p:extLst>
       <p:ext uri="{BB962C8B-B14F-4D97-AF65-F5344CB8AC3E}">
-        <p14:creationId xmlns:p14="http://schemas.microsoft.com/office/powerpoint/2010/main" val="752127126"/>
+        <p14:creationId xmlns:p14="http://schemas.microsoft.com/office/powerpoint/2010/main" val="1959840395"/>
       </p:ext>
     </p:extLst>
   </p:cSld>
@@ -1226,13 +4942,85 @@
       </p:grpSpPr>
       <p:sp>
         <p:nvSpPr>
-          <p:cNvPr id="2" name="Title 1">
-            <a:extLst>
-              <a:ext uri="{FF2B5EF4-FFF2-40B4-BE49-F238E27FC236}">
-                <a16:creationId xmlns:a16="http://schemas.microsoft.com/office/drawing/2014/main" id="{A9CB1C6A-9BAF-1ED1-703D-E700079E5BFC}"/>
-              </a:ext>
-            </a:extLst>
-          </p:cNvPr>
+          <p:cNvPr id="26" name="Rectangle 25"/>
+          <p:cNvSpPr/>
+          <p:nvPr/>
+        </p:nvSpPr>
+        <p:spPr>
+          <a:xfrm>
+            <a:off x="1004479" y="0"/>
+            <a:ext cx="10372316" cy="6858000"/>
+          </a:xfrm>
+          <a:prstGeom prst="rect">
+            <a:avLst/>
+          </a:prstGeom>
+          <a:solidFill>
+            <a:schemeClr val="bg2">
+              <a:alpha val="92000"/>
+            </a:schemeClr>
+          </a:solidFill>
+          <a:ln>
+            <a:noFill/>
+          </a:ln>
+        </p:spPr>
+        <p:style>
+          <a:lnRef idx="2">
+            <a:schemeClr val="accent1">
+              <a:shade val="50000"/>
+            </a:schemeClr>
+          </a:lnRef>
+          <a:fillRef idx="1">
+            <a:schemeClr val="accent1"/>
+          </a:fillRef>
+          <a:effectRef idx="0">
+            <a:schemeClr val="accent1"/>
+          </a:effectRef>
+          <a:fontRef idx="minor">
+            <a:schemeClr val="lt1"/>
+          </a:fontRef>
+        </p:style>
+      </p:sp>
+      <p:sp>
+        <p:nvSpPr>
+          <p:cNvPr id="27" name="Rectangle 26"/>
+          <p:cNvSpPr/>
+          <p:nvPr/>
+        </p:nvSpPr>
+        <p:spPr>
+          <a:xfrm>
+            <a:off x="11377328" y="0"/>
+            <a:ext cx="27432" cy="6858000"/>
+          </a:xfrm>
+          <a:prstGeom prst="rect">
+            <a:avLst/>
+          </a:prstGeom>
+          <a:solidFill>
+            <a:schemeClr val="accent6"/>
+          </a:solidFill>
+          <a:ln>
+            <a:noFill/>
+          </a:ln>
+        </p:spPr>
+        <p:style>
+          <a:lnRef idx="2">
+            <a:schemeClr val="accent1">
+              <a:shade val="50000"/>
+            </a:schemeClr>
+          </a:lnRef>
+          <a:fillRef idx="1">
+            <a:schemeClr val="accent1"/>
+          </a:fillRef>
+          <a:effectRef idx="0">
+            <a:schemeClr val="accent1"/>
+          </a:effectRef>
+          <a:fontRef idx="minor">
+            <a:schemeClr val="lt1"/>
+          </a:fontRef>
+        </p:style>
+      </p:sp>
+      <p:sp>
+        <p:nvSpPr>
+          <p:cNvPr id="2" name="Title 1"/>
           <p:cNvSpPr>
             <a:spLocks noGrp="1"/>
           </p:cNvSpPr>
@@ -1240,7 +5028,12 @@
             <p:ph type="title"/>
           </p:nvPr>
         </p:nvSpPr>
-        <p:spPr/>
+        <p:spPr>
+          <a:xfrm>
+            <a:off x="2609873" y="805817"/>
+            <a:ext cx="7950984" cy="1081705"/>
+          </a:xfrm>
+        </p:spPr>
         <p:txBody>
           <a:bodyPr/>
           <a:lstStyle/>
@@ -1249,18 +5042,13 @@
               <a:rPr lang="en-GB"/>
               <a:t>Click to edit Master title style</a:t>
             </a:r>
-          </a:p>
-        </p:txBody>
-      </p:sp>
-      <p:sp>
-        <p:nvSpPr>
-          <p:cNvPr id="3" name="Content Placeholder 2">
-            <a:extLst>
-              <a:ext uri="{FF2B5EF4-FFF2-40B4-BE49-F238E27FC236}">
-                <a16:creationId xmlns:a16="http://schemas.microsoft.com/office/drawing/2014/main" id="{CA749D39-AD2F-DD99-6520-471313561A7F}"/>
-              </a:ext>
-            </a:extLst>
-          </p:cNvPr>
+            <a:endParaRPr lang="en-US" dirty="0"/>
+          </a:p>
+        </p:txBody>
+      </p:sp>
+      <p:sp>
+        <p:nvSpPr>
+          <p:cNvPr id="3" name="Content Placeholder 2"/>
           <p:cNvSpPr>
             <a:spLocks noGrp="1"/>
           </p:cNvSpPr>
@@ -1270,8 +5058,8 @@
         </p:nvSpPr>
         <p:spPr>
           <a:xfrm>
-            <a:off x="838200" y="1825625"/>
-            <a:ext cx="5181600" cy="4351338"/>
+            <a:off x="2605374" y="2052116"/>
+            <a:ext cx="3891960" cy="3997828"/>
           </a:xfrm>
         </p:spPr>
         <p:txBody>
@@ -1311,18 +5099,13 @@
               <a:rPr lang="en-GB"/>
               <a:t>Fifth level</a:t>
             </a:r>
-          </a:p>
-        </p:txBody>
-      </p:sp>
-      <p:sp>
-        <p:nvSpPr>
-          <p:cNvPr id="4" name="Content Placeholder 3">
-            <a:extLst>
-              <a:ext uri="{FF2B5EF4-FFF2-40B4-BE49-F238E27FC236}">
-                <a16:creationId xmlns:a16="http://schemas.microsoft.com/office/drawing/2014/main" id="{D7B77F29-7186-DB57-10C5-21F8D98D5292}"/>
-              </a:ext>
-            </a:extLst>
-          </p:cNvPr>
+            <a:endParaRPr lang="en-US" dirty="0"/>
+          </a:p>
+        </p:txBody>
+      </p:sp>
+      <p:sp>
+        <p:nvSpPr>
+          <p:cNvPr id="4" name="Content Placeholder 3"/>
           <p:cNvSpPr>
             <a:spLocks noGrp="1"/>
           </p:cNvSpPr>
@@ -1332,8 +5115,8 @@
         </p:nvSpPr>
         <p:spPr>
           <a:xfrm>
-            <a:off x="6172200" y="1825625"/>
-            <a:ext cx="5181600" cy="4351338"/>
+            <a:off x="6666636" y="2052114"/>
+            <a:ext cx="3894222" cy="3997829"/>
           </a:xfrm>
         </p:spPr>
         <p:txBody>
@@ -1373,18 +5156,13 @@
               <a:rPr lang="en-GB"/>
               <a:t>Fifth level</a:t>
             </a:r>
-          </a:p>
-        </p:txBody>
-      </p:sp>
-      <p:sp>
-        <p:nvSpPr>
-          <p:cNvPr id="5" name="Date Placeholder 4">
-            <a:extLst>
-              <a:ext uri="{FF2B5EF4-FFF2-40B4-BE49-F238E27FC236}">
-                <a16:creationId xmlns:a16="http://schemas.microsoft.com/office/drawing/2014/main" id="{84870502-F487-A1EE-52F9-663F31C077E2}"/>
-              </a:ext>
-            </a:extLst>
-          </p:cNvPr>
+            <a:endParaRPr lang="en-US" dirty="0"/>
+          </a:p>
+        </p:txBody>
+      </p:sp>
+      <p:sp>
+        <p:nvSpPr>
+          <p:cNvPr id="5" name="Date Placeholder 4"/>
           <p:cNvSpPr>
             <a:spLocks noGrp="1"/>
           </p:cNvSpPr>
@@ -1407,13 +5185,7 @@
       </p:sp>
       <p:sp>
         <p:nvSpPr>
-          <p:cNvPr id="6" name="Footer Placeholder 5">
-            <a:extLst>
-              <a:ext uri="{FF2B5EF4-FFF2-40B4-BE49-F238E27FC236}">
-                <a16:creationId xmlns:a16="http://schemas.microsoft.com/office/drawing/2014/main" id="{5D9A3B69-BC79-CCB4-BBEA-8D7EB857C7EC}"/>
-              </a:ext>
-            </a:extLst>
-          </p:cNvPr>
+          <p:cNvPr id="6" name="Footer Placeholder 5"/>
           <p:cNvSpPr>
             <a:spLocks noGrp="1"/>
           </p:cNvSpPr>
@@ -1432,13 +5204,7 @@
       </p:sp>
       <p:sp>
         <p:nvSpPr>
-          <p:cNvPr id="7" name="Slide Number Placeholder 6">
-            <a:extLst>
-              <a:ext uri="{FF2B5EF4-FFF2-40B4-BE49-F238E27FC236}">
-                <a16:creationId xmlns:a16="http://schemas.microsoft.com/office/drawing/2014/main" id="{74A318C9-FCA2-EE47-2005-741590C707CB}"/>
-              </a:ext>
-            </a:extLst>
-          </p:cNvPr>
+          <p:cNvPr id="7" name="Slide Number Placeholder 6"/>
           <p:cNvSpPr>
             <a:spLocks noGrp="1"/>
           </p:cNvSpPr>
@@ -1459,10 +5225,51 @@
           </a:p>
         </p:txBody>
       </p:sp>
+      <p:sp>
+        <p:nvSpPr>
+          <p:cNvPr id="10" name="TextBox 9"/>
+          <p:cNvSpPr txBox="1"/>
+          <p:nvPr/>
+        </p:nvSpPr>
+        <p:spPr>
+          <a:xfrm>
+            <a:off x="2196172" y="641223"/>
+            <a:ext cx="415636" cy="369332"/>
+          </a:xfrm>
+          <a:prstGeom prst="rect">
+            <a:avLst/>
+          </a:prstGeom>
+          <a:noFill/>
+        </p:spPr>
+        <p:txBody>
+          <a:bodyPr wrap="square" rtlCol="0">
+            <a:spAutoFit/>
+          </a:bodyPr>
+          <a:lstStyle/>
+          <a:p>
+            <a:pPr algn="r"/>
+            <a:r>
+              <a:rPr lang="en-US" sz="1800" dirty="0">
+                <a:solidFill>
+                  <a:schemeClr val="accent6"/>
+                </a:solidFill>
+                <a:latin typeface="Wingdings 3" panose="05040102010807070707" pitchFamily="18" charset="2"/>
+              </a:rPr>
+              <a:t>z</a:t>
+            </a:r>
+            <a:endParaRPr lang="en-US" sz="1000" dirty="0">
+              <a:solidFill>
+                <a:schemeClr val="accent6"/>
+              </a:solidFill>
+              <a:latin typeface="MS Shell Dlg 2" panose="020B0604030504040204" pitchFamily="34" charset="0"/>
+            </a:endParaRPr>
+          </a:p>
+        </p:txBody>
+      </p:sp>
     </p:spTree>
     <p:extLst>
       <p:ext uri="{BB962C8B-B14F-4D97-AF65-F5344CB8AC3E}">
-        <p14:creationId xmlns:p14="http://schemas.microsoft.com/office/powerpoint/2010/main" val="2122911679"/>
+        <p14:creationId xmlns:p14="http://schemas.microsoft.com/office/powerpoint/2010/main" val="1118149802"/>
       </p:ext>
     </p:extLst>
   </p:cSld>
@@ -1491,13 +5298,126 @@
       </p:grpSpPr>
       <p:sp>
         <p:nvSpPr>
-          <p:cNvPr id="2" name="Title 1">
-            <a:extLst>
-              <a:ext uri="{FF2B5EF4-FFF2-40B4-BE49-F238E27FC236}">
-                <a16:creationId xmlns:a16="http://schemas.microsoft.com/office/drawing/2014/main" id="{68F20911-955F-D264-D96A-83B8855042AD}"/>
-              </a:ext>
-            </a:extLst>
-          </p:cNvPr>
+          <p:cNvPr id="20" name="Rectangle 19"/>
+          <p:cNvSpPr/>
+          <p:nvPr/>
+        </p:nvSpPr>
+        <p:spPr>
+          <a:xfrm>
+            <a:off x="1004479" y="0"/>
+            <a:ext cx="10372316" cy="6858000"/>
+          </a:xfrm>
+          <a:prstGeom prst="rect">
+            <a:avLst/>
+          </a:prstGeom>
+          <a:solidFill>
+            <a:schemeClr val="bg2">
+              <a:alpha val="92000"/>
+            </a:schemeClr>
+          </a:solidFill>
+          <a:ln>
+            <a:noFill/>
+          </a:ln>
+        </p:spPr>
+        <p:style>
+          <a:lnRef idx="2">
+            <a:schemeClr val="accent1">
+              <a:shade val="50000"/>
+            </a:schemeClr>
+          </a:lnRef>
+          <a:fillRef idx="1">
+            <a:schemeClr val="accent1"/>
+          </a:fillRef>
+          <a:effectRef idx="0">
+            <a:schemeClr val="accent1"/>
+          </a:effectRef>
+          <a:fontRef idx="minor">
+            <a:schemeClr val="lt1"/>
+          </a:fontRef>
+        </p:style>
+      </p:sp>
+      <p:sp>
+        <p:nvSpPr>
+          <p:cNvPr id="21" name="Rectangle 20"/>
+          <p:cNvSpPr/>
+          <p:nvPr/>
+        </p:nvSpPr>
+        <p:spPr>
+          <a:xfrm>
+            <a:off x="11377328" y="0"/>
+            <a:ext cx="27432" cy="6858000"/>
+          </a:xfrm>
+          <a:prstGeom prst="rect">
+            <a:avLst/>
+          </a:prstGeom>
+          <a:solidFill>
+            <a:schemeClr val="accent6"/>
+          </a:solidFill>
+          <a:ln>
+            <a:noFill/>
+          </a:ln>
+        </p:spPr>
+        <p:style>
+          <a:lnRef idx="2">
+            <a:schemeClr val="accent1">
+              <a:shade val="50000"/>
+            </a:schemeClr>
+          </a:lnRef>
+          <a:fillRef idx="1">
+            <a:schemeClr val="accent1"/>
+          </a:fillRef>
+          <a:effectRef idx="0">
+            <a:schemeClr val="accent1"/>
+          </a:effectRef>
+          <a:fontRef idx="minor">
+            <a:schemeClr val="lt1"/>
+          </a:fontRef>
+        </p:style>
+      </p:sp>
+      <p:sp>
+        <p:nvSpPr>
+          <p:cNvPr id="12" name="TextBox 11"/>
+          <p:cNvSpPr txBox="1"/>
+          <p:nvPr/>
+        </p:nvSpPr>
+        <p:spPr>
+          <a:xfrm>
+            <a:off x="2193650" y="636424"/>
+            <a:ext cx="415636" cy="369332"/>
+          </a:xfrm>
+          <a:prstGeom prst="rect">
+            <a:avLst/>
+          </a:prstGeom>
+          <a:noFill/>
+        </p:spPr>
+        <p:txBody>
+          <a:bodyPr wrap="square" rtlCol="0">
+            <a:spAutoFit/>
+          </a:bodyPr>
+          <a:lstStyle/>
+          <a:p>
+            <a:pPr algn="r"/>
+            <a:r>
+              <a:rPr lang="en-US" sz="1800" dirty="0">
+                <a:solidFill>
+                  <a:schemeClr val="accent6"/>
+                </a:solidFill>
+                <a:latin typeface="Wingdings 3" panose="05040102010807070707" pitchFamily="18" charset="2"/>
+              </a:rPr>
+              <a:t>z</a:t>
+            </a:r>
+            <a:endParaRPr lang="en-US" sz="1000" dirty="0">
+              <a:solidFill>
+                <a:schemeClr val="accent6"/>
+              </a:solidFill>
+              <a:latin typeface="MS Shell Dlg 2" panose="020B0604030504040204" pitchFamily="34" charset="0"/>
+            </a:endParaRPr>
+          </a:p>
+        </p:txBody>
+      </p:sp>
+      <p:sp>
+        <p:nvSpPr>
+          <p:cNvPr id="2" name="Title 1"/>
           <p:cNvSpPr>
             <a:spLocks noGrp="1"/>
           </p:cNvSpPr>
@@ -1507,8 +5427,8 @@
         </p:nvSpPr>
         <p:spPr>
           <a:xfrm>
-            <a:off x="839788" y="365125"/>
-            <a:ext cx="10515600" cy="1325563"/>
+            <a:off x="2609873" y="805818"/>
+            <a:ext cx="7956560" cy="1078348"/>
           </a:xfrm>
         </p:spPr>
         <p:txBody>
@@ -1519,18 +5439,13 @@
               <a:rPr lang="en-GB"/>
               <a:t>Click to edit Master title style</a:t>
             </a:r>
-          </a:p>
-        </p:txBody>
-      </p:sp>
-      <p:sp>
-        <p:nvSpPr>
-          <p:cNvPr id="3" name="Text Placeholder 2">
-            <a:extLst>
-              <a:ext uri="{FF2B5EF4-FFF2-40B4-BE49-F238E27FC236}">
-                <a16:creationId xmlns:a16="http://schemas.microsoft.com/office/drawing/2014/main" id="{8D808246-64CC-A7AB-B716-4E16BDD944B9}"/>
-              </a:ext>
-            </a:extLst>
-          </p:cNvPr>
+            <a:endParaRPr lang="en-US" dirty="0"/>
+          </a:p>
+        </p:txBody>
+      </p:sp>
+      <p:sp>
+        <p:nvSpPr>
+          <p:cNvPr id="3" name="Text Placeholder 2"/>
           <p:cNvSpPr>
             <a:spLocks noGrp="1"/>
           </p:cNvSpPr>
@@ -1540,16 +5455,25 @@
         </p:nvSpPr>
         <p:spPr>
           <a:xfrm>
-            <a:off x="839788" y="1681163"/>
-            <a:ext cx="5157787" cy="823912"/>
-          </a:xfrm>
-        </p:spPr>
-        <p:txBody>
-          <a:bodyPr anchor="b"/>
+            <a:off x="2609285" y="2052115"/>
+            <a:ext cx="3896467" cy="713818"/>
+          </a:xfrm>
+        </p:spPr>
+        <p:txBody>
+          <a:bodyPr anchor="b">
+            <a:noAutofit/>
+          </a:bodyPr>
           <a:lstStyle>
-            <a:lvl1pPr marL="0" indent="0">
+            <a:lvl1pPr marL="0" indent="0" algn="l">
+              <a:lnSpc>
+                <a:spcPct val="100000"/>
+              </a:lnSpc>
               <a:buNone/>
-              <a:defRPr sz="2400" b="1"/>
+              <a:defRPr sz="2200" b="0" cap="none" baseline="0">
+                <a:solidFill>
+                  <a:schemeClr val="accent6"/>
+                </a:solidFill>
+              </a:defRPr>
             </a:lvl1pPr>
             <a:lvl2pPr marL="457200" indent="0">
               <a:buNone/>
@@ -1595,13 +5519,7 @@
       </p:sp>
       <p:sp>
         <p:nvSpPr>
-          <p:cNvPr id="4" name="Content Placeholder 3">
-            <a:extLst>
-              <a:ext uri="{FF2B5EF4-FFF2-40B4-BE49-F238E27FC236}">
-                <a16:creationId xmlns:a16="http://schemas.microsoft.com/office/drawing/2014/main" id="{279026B2-6543-A097-2950-86161816B6D0}"/>
-              </a:ext>
-            </a:extLst>
-          </p:cNvPr>
+          <p:cNvPr id="4" name="Content Placeholder 3"/>
           <p:cNvSpPr>
             <a:spLocks noGrp="1"/>
           </p:cNvSpPr>
@@ -1611,8 +5529,8 @@
         </p:nvSpPr>
         <p:spPr>
           <a:xfrm>
-            <a:off x="839788" y="2505075"/>
-            <a:ext cx="5157787" cy="3684588"/>
+            <a:off x="2609285" y="2851331"/>
+            <a:ext cx="3893623" cy="3071434"/>
           </a:xfrm>
         </p:spPr>
         <p:txBody>
@@ -1652,18 +5570,13 @@
               <a:rPr lang="en-GB"/>
               <a:t>Fifth level</a:t>
             </a:r>
-          </a:p>
-        </p:txBody>
-      </p:sp>
-      <p:sp>
-        <p:nvSpPr>
-          <p:cNvPr id="5" name="Text Placeholder 4">
-            <a:extLst>
-              <a:ext uri="{FF2B5EF4-FFF2-40B4-BE49-F238E27FC236}">
-                <a16:creationId xmlns:a16="http://schemas.microsoft.com/office/drawing/2014/main" id="{A769FAAF-DE3D-5FB9-7E52-5092BC529AE4}"/>
-              </a:ext>
-            </a:extLst>
-          </p:cNvPr>
+            <a:endParaRPr lang="en-US" dirty="0"/>
+          </a:p>
+        </p:txBody>
+      </p:sp>
+      <p:sp>
+        <p:nvSpPr>
+          <p:cNvPr id="5" name="Text Placeholder 4"/>
           <p:cNvSpPr>
             <a:spLocks noGrp="1"/>
           </p:cNvSpPr>
@@ -1673,16 +5586,25 @@
         </p:nvSpPr>
         <p:spPr>
           <a:xfrm>
-            <a:off x="6172200" y="1681163"/>
-            <a:ext cx="5183188" cy="823912"/>
-          </a:xfrm>
-        </p:spPr>
-        <p:txBody>
-          <a:bodyPr anchor="b"/>
+            <a:off x="6666634" y="2052115"/>
+            <a:ext cx="3899798" cy="713818"/>
+          </a:xfrm>
+        </p:spPr>
+        <p:txBody>
+          <a:bodyPr anchor="b">
+            <a:noAutofit/>
+          </a:bodyPr>
           <a:lstStyle>
-            <a:lvl1pPr marL="0" indent="0">
+            <a:lvl1pPr marL="0" indent="0" algn="l">
+              <a:lnSpc>
+                <a:spcPct val="100000"/>
+              </a:lnSpc>
               <a:buNone/>
-              <a:defRPr sz="2400" b="1"/>
+              <a:defRPr sz="2200" b="0" cap="none" baseline="0">
+                <a:solidFill>
+                  <a:schemeClr val="accent6"/>
+                </a:solidFill>
+              </a:defRPr>
             </a:lvl1pPr>
             <a:lvl2pPr marL="457200" indent="0">
               <a:buNone/>
@@ -1728,13 +5650,7 @@
       </p:sp>
       <p:sp>
         <p:nvSpPr>
-          <p:cNvPr id="6" name="Content Placeholder 5">
-            <a:extLst>
-              <a:ext uri="{FF2B5EF4-FFF2-40B4-BE49-F238E27FC236}">
-                <a16:creationId xmlns:a16="http://schemas.microsoft.com/office/drawing/2014/main" id="{920F977E-DEEE-B79C-E063-214428016B43}"/>
-              </a:ext>
-            </a:extLst>
-          </p:cNvPr>
+          <p:cNvPr id="6" name="Content Placeholder 5"/>
           <p:cNvSpPr>
             <a:spLocks noGrp="1"/>
           </p:cNvSpPr>
@@ -1744,8 +5660,8 @@
         </p:nvSpPr>
         <p:spPr>
           <a:xfrm>
-            <a:off x="6172200" y="2505075"/>
-            <a:ext cx="5183188" cy="3684588"/>
+            <a:off x="6666635" y="2851331"/>
+            <a:ext cx="3899798" cy="3071434"/>
           </a:xfrm>
         </p:spPr>
         <p:txBody>
@@ -1785,18 +5701,13 @@
               <a:rPr lang="en-GB"/>
               <a:t>Fifth level</a:t>
             </a:r>
-          </a:p>
-        </p:txBody>
-      </p:sp>
-      <p:sp>
-        <p:nvSpPr>
-          <p:cNvPr id="7" name="Date Placeholder 6">
-            <a:extLst>
-              <a:ext uri="{FF2B5EF4-FFF2-40B4-BE49-F238E27FC236}">
-                <a16:creationId xmlns:a16="http://schemas.microsoft.com/office/drawing/2014/main" id="{0F766A71-2163-7AE1-E5D7-FA83E6A675F0}"/>
-              </a:ext>
-            </a:extLst>
-          </p:cNvPr>
+            <a:endParaRPr lang="en-US" dirty="0"/>
+          </a:p>
+        </p:txBody>
+      </p:sp>
+      <p:sp>
+        <p:nvSpPr>
+          <p:cNvPr id="7" name="Date Placeholder 6"/>
           <p:cNvSpPr>
             <a:spLocks noGrp="1"/>
           </p:cNvSpPr>
@@ -1819,13 +5730,7 @@
       </p:sp>
       <p:sp>
         <p:nvSpPr>
-          <p:cNvPr id="8" name="Footer Placeholder 7">
-            <a:extLst>
-              <a:ext uri="{FF2B5EF4-FFF2-40B4-BE49-F238E27FC236}">
-                <a16:creationId xmlns:a16="http://schemas.microsoft.com/office/drawing/2014/main" id="{AD97BDDB-AA24-6993-C1A4-F8B2EFFDAAA2}"/>
-              </a:ext>
-            </a:extLst>
-          </p:cNvPr>
+          <p:cNvPr id="8" name="Footer Placeholder 7"/>
           <p:cNvSpPr>
             <a:spLocks noGrp="1"/>
           </p:cNvSpPr>
@@ -1844,13 +5749,7 @@
       </p:sp>
       <p:sp>
         <p:nvSpPr>
-          <p:cNvPr id="9" name="Slide Number Placeholder 8">
-            <a:extLst>
-              <a:ext uri="{FF2B5EF4-FFF2-40B4-BE49-F238E27FC236}">
-                <a16:creationId xmlns:a16="http://schemas.microsoft.com/office/drawing/2014/main" id="{A8C18859-FC0C-9A0F-72FD-AC453C5C9DE5}"/>
-              </a:ext>
-            </a:extLst>
-          </p:cNvPr>
+          <p:cNvPr id="9" name="Slide Number Placeholder 8"/>
           <p:cNvSpPr>
             <a:spLocks noGrp="1"/>
           </p:cNvSpPr>
@@ -1874,7 +5773,7 @@
     </p:spTree>
     <p:extLst>
       <p:ext uri="{BB962C8B-B14F-4D97-AF65-F5344CB8AC3E}">
-        <p14:creationId xmlns:p14="http://schemas.microsoft.com/office/powerpoint/2010/main" val="2226405368"/>
+        <p14:creationId xmlns:p14="http://schemas.microsoft.com/office/powerpoint/2010/main" val="1573923369"/>
       </p:ext>
     </p:extLst>
   </p:cSld>
@@ -1903,13 +5802,85 @@
       </p:grpSpPr>
       <p:sp>
         <p:nvSpPr>
-          <p:cNvPr id="2" name="Title 1">
-            <a:extLst>
-              <a:ext uri="{FF2B5EF4-FFF2-40B4-BE49-F238E27FC236}">
-                <a16:creationId xmlns:a16="http://schemas.microsoft.com/office/drawing/2014/main" id="{1D3085B5-8499-CD9A-8DF6-E56607D1503C}"/>
-              </a:ext>
-            </a:extLst>
-          </p:cNvPr>
+          <p:cNvPr id="13" name="Rectangle 12"/>
+          <p:cNvSpPr/>
+          <p:nvPr/>
+        </p:nvSpPr>
+        <p:spPr>
+          <a:xfrm>
+            <a:off x="1004479" y="0"/>
+            <a:ext cx="10372316" cy="6858000"/>
+          </a:xfrm>
+          <a:prstGeom prst="rect">
+            <a:avLst/>
+          </a:prstGeom>
+          <a:solidFill>
+            <a:schemeClr val="bg2">
+              <a:alpha val="92000"/>
+            </a:schemeClr>
+          </a:solidFill>
+          <a:ln>
+            <a:noFill/>
+          </a:ln>
+        </p:spPr>
+        <p:style>
+          <a:lnRef idx="2">
+            <a:schemeClr val="accent1">
+              <a:shade val="50000"/>
+            </a:schemeClr>
+          </a:lnRef>
+          <a:fillRef idx="1">
+            <a:schemeClr val="accent1"/>
+          </a:fillRef>
+          <a:effectRef idx="0">
+            <a:schemeClr val="accent1"/>
+          </a:effectRef>
+          <a:fontRef idx="minor">
+            <a:schemeClr val="lt1"/>
+          </a:fontRef>
+        </p:style>
+      </p:sp>
+      <p:sp>
+        <p:nvSpPr>
+          <p:cNvPr id="14" name="Rectangle 13"/>
+          <p:cNvSpPr/>
+          <p:nvPr/>
+        </p:nvSpPr>
+        <p:spPr>
+          <a:xfrm>
+            <a:off x="11377328" y="0"/>
+            <a:ext cx="27432" cy="6858000"/>
+          </a:xfrm>
+          <a:prstGeom prst="rect">
+            <a:avLst/>
+          </a:prstGeom>
+          <a:solidFill>
+            <a:schemeClr val="accent6"/>
+          </a:solidFill>
+          <a:ln>
+            <a:noFill/>
+          </a:ln>
+        </p:spPr>
+        <p:style>
+          <a:lnRef idx="2">
+            <a:schemeClr val="accent1">
+              <a:shade val="50000"/>
+            </a:schemeClr>
+          </a:lnRef>
+          <a:fillRef idx="1">
+            <a:schemeClr val="accent1"/>
+          </a:fillRef>
+          <a:effectRef idx="0">
+            <a:schemeClr val="accent1"/>
+          </a:effectRef>
+          <a:fontRef idx="minor">
+            <a:schemeClr val="lt1"/>
+          </a:fontRef>
+        </p:style>
+      </p:sp>
+      <p:sp>
+        <p:nvSpPr>
+          <p:cNvPr id="2" name="Title 1"/>
           <p:cNvSpPr>
             <a:spLocks noGrp="1"/>
           </p:cNvSpPr>
@@ -1926,18 +5897,13 @@
               <a:rPr lang="en-GB"/>
               <a:t>Click to edit Master title style</a:t>
             </a:r>
-          </a:p>
-        </p:txBody>
-      </p:sp>
-      <p:sp>
-        <p:nvSpPr>
-          <p:cNvPr id="3" name="Date Placeholder 2">
-            <a:extLst>
-              <a:ext uri="{FF2B5EF4-FFF2-40B4-BE49-F238E27FC236}">
-                <a16:creationId xmlns:a16="http://schemas.microsoft.com/office/drawing/2014/main" id="{A7474EC4-7B5A-66C7-5E64-A3CC3A1A7AC9}"/>
-              </a:ext>
-            </a:extLst>
-          </p:cNvPr>
+            <a:endParaRPr lang="en-US" dirty="0"/>
+          </a:p>
+        </p:txBody>
+      </p:sp>
+      <p:sp>
+        <p:nvSpPr>
+          <p:cNvPr id="3" name="Date Placeholder 2"/>
           <p:cNvSpPr>
             <a:spLocks noGrp="1"/>
           </p:cNvSpPr>
@@ -1960,13 +5926,7 @@
       </p:sp>
       <p:sp>
         <p:nvSpPr>
-          <p:cNvPr id="4" name="Footer Placeholder 3">
-            <a:extLst>
-              <a:ext uri="{FF2B5EF4-FFF2-40B4-BE49-F238E27FC236}">
-                <a16:creationId xmlns:a16="http://schemas.microsoft.com/office/drawing/2014/main" id="{8C4E9A06-0244-1BE1-B676-B928B65C69DA}"/>
-              </a:ext>
-            </a:extLst>
-          </p:cNvPr>
+          <p:cNvPr id="4" name="Footer Placeholder 3"/>
           <p:cNvSpPr>
             <a:spLocks noGrp="1"/>
           </p:cNvSpPr>
@@ -1985,13 +5945,7 @@
       </p:sp>
       <p:sp>
         <p:nvSpPr>
-          <p:cNvPr id="5" name="Slide Number Placeholder 4">
-            <a:extLst>
-              <a:ext uri="{FF2B5EF4-FFF2-40B4-BE49-F238E27FC236}">
-                <a16:creationId xmlns:a16="http://schemas.microsoft.com/office/drawing/2014/main" id="{206CC29E-030D-249C-5411-13795836BC89}"/>
-              </a:ext>
-            </a:extLst>
-          </p:cNvPr>
+          <p:cNvPr id="5" name="Slide Number Placeholder 4"/>
           <p:cNvSpPr>
             <a:spLocks noGrp="1"/>
           </p:cNvSpPr>
@@ -2012,10 +5966,51 @@
           </a:p>
         </p:txBody>
       </p:sp>
+      <p:sp>
+        <p:nvSpPr>
+          <p:cNvPr id="8" name="TextBox 7"/>
+          <p:cNvSpPr txBox="1"/>
+          <p:nvPr/>
+        </p:nvSpPr>
+        <p:spPr>
+          <a:xfrm>
+            <a:off x="2196172" y="641226"/>
+            <a:ext cx="415636" cy="369332"/>
+          </a:xfrm>
+          <a:prstGeom prst="rect">
+            <a:avLst/>
+          </a:prstGeom>
+          <a:noFill/>
+        </p:spPr>
+        <p:txBody>
+          <a:bodyPr wrap="square" rtlCol="0">
+            <a:spAutoFit/>
+          </a:bodyPr>
+          <a:lstStyle/>
+          <a:p>
+            <a:pPr algn="r"/>
+            <a:r>
+              <a:rPr lang="en-US" sz="1800" dirty="0">
+                <a:solidFill>
+                  <a:schemeClr val="accent6"/>
+                </a:solidFill>
+                <a:latin typeface="Wingdings 3" panose="05040102010807070707" pitchFamily="18" charset="2"/>
+              </a:rPr>
+              <a:t>z</a:t>
+            </a:r>
+            <a:endParaRPr lang="en-US" sz="1000" dirty="0">
+              <a:solidFill>
+                <a:schemeClr val="accent6"/>
+              </a:solidFill>
+              <a:latin typeface="MS Shell Dlg 2" panose="020B0604030504040204" pitchFamily="34" charset="0"/>
+            </a:endParaRPr>
+          </a:p>
+        </p:txBody>
+      </p:sp>
     </p:spTree>
     <p:extLst>
       <p:ext uri="{BB962C8B-B14F-4D97-AF65-F5344CB8AC3E}">
-        <p14:creationId xmlns:p14="http://schemas.microsoft.com/office/powerpoint/2010/main" val="1912900129"/>
+        <p14:creationId xmlns:p14="http://schemas.microsoft.com/office/powerpoint/2010/main" val="1074210425"/>
       </p:ext>
     </p:extLst>
   </p:cSld>
@@ -2044,13 +6039,85 @@
       </p:grpSpPr>
       <p:sp>
         <p:nvSpPr>
-          <p:cNvPr id="2" name="Date Placeholder 1">
-            <a:extLst>
-              <a:ext uri="{FF2B5EF4-FFF2-40B4-BE49-F238E27FC236}">
-                <a16:creationId xmlns:a16="http://schemas.microsoft.com/office/drawing/2014/main" id="{22EBC577-FA8C-069E-784F-419C3246C638}"/>
-              </a:ext>
-            </a:extLst>
-          </p:cNvPr>
+          <p:cNvPr id="12" name="Rectangle 11"/>
+          <p:cNvSpPr/>
+          <p:nvPr/>
+        </p:nvSpPr>
+        <p:spPr>
+          <a:xfrm>
+            <a:off x="1004479" y="0"/>
+            <a:ext cx="10372316" cy="6858000"/>
+          </a:xfrm>
+          <a:prstGeom prst="rect">
+            <a:avLst/>
+          </a:prstGeom>
+          <a:solidFill>
+            <a:schemeClr val="bg2">
+              <a:alpha val="92000"/>
+            </a:schemeClr>
+          </a:solidFill>
+          <a:ln>
+            <a:noFill/>
+          </a:ln>
+        </p:spPr>
+        <p:style>
+          <a:lnRef idx="2">
+            <a:schemeClr val="accent1">
+              <a:shade val="50000"/>
+            </a:schemeClr>
+          </a:lnRef>
+          <a:fillRef idx="1">
+            <a:schemeClr val="accent1"/>
+          </a:fillRef>
+          <a:effectRef idx="0">
+            <a:schemeClr val="accent1"/>
+          </a:effectRef>
+          <a:fontRef idx="minor">
+            <a:schemeClr val="lt1"/>
+          </a:fontRef>
+        </p:style>
+      </p:sp>
+      <p:sp>
+        <p:nvSpPr>
+          <p:cNvPr id="13" name="Rectangle 12"/>
+          <p:cNvSpPr/>
+          <p:nvPr/>
+        </p:nvSpPr>
+        <p:spPr>
+          <a:xfrm>
+            <a:off x="11377328" y="0"/>
+            <a:ext cx="27432" cy="6858000"/>
+          </a:xfrm>
+          <a:prstGeom prst="rect">
+            <a:avLst/>
+          </a:prstGeom>
+          <a:solidFill>
+            <a:schemeClr val="accent6"/>
+          </a:solidFill>
+          <a:ln>
+            <a:noFill/>
+          </a:ln>
+        </p:spPr>
+        <p:style>
+          <a:lnRef idx="2">
+            <a:schemeClr val="accent1">
+              <a:shade val="50000"/>
+            </a:schemeClr>
+          </a:lnRef>
+          <a:fillRef idx="1">
+            <a:schemeClr val="accent1"/>
+          </a:fillRef>
+          <a:effectRef idx="0">
+            <a:schemeClr val="accent1"/>
+          </a:effectRef>
+          <a:fontRef idx="minor">
+            <a:schemeClr val="lt1"/>
+          </a:fontRef>
+        </p:style>
+      </p:sp>
+      <p:sp>
+        <p:nvSpPr>
+          <p:cNvPr id="2" name="Date Placeholder 1"/>
           <p:cNvSpPr>
             <a:spLocks noGrp="1"/>
           </p:cNvSpPr>
@@ -2073,13 +6140,7 @@
       </p:sp>
       <p:sp>
         <p:nvSpPr>
-          <p:cNvPr id="3" name="Footer Placeholder 2">
-            <a:extLst>
-              <a:ext uri="{FF2B5EF4-FFF2-40B4-BE49-F238E27FC236}">
-                <a16:creationId xmlns:a16="http://schemas.microsoft.com/office/drawing/2014/main" id="{1AC7E03F-E7A9-B20F-1271-8C1F1263D517}"/>
-              </a:ext>
-            </a:extLst>
-          </p:cNvPr>
+          <p:cNvPr id="3" name="Footer Placeholder 2"/>
           <p:cNvSpPr>
             <a:spLocks noGrp="1"/>
           </p:cNvSpPr>
@@ -2098,13 +6159,7 @@
       </p:sp>
       <p:sp>
         <p:nvSpPr>
-          <p:cNvPr id="4" name="Slide Number Placeholder 3">
-            <a:extLst>
-              <a:ext uri="{FF2B5EF4-FFF2-40B4-BE49-F238E27FC236}">
-                <a16:creationId xmlns:a16="http://schemas.microsoft.com/office/drawing/2014/main" id="{E42F4C73-650A-1342-C7D4-4023411D3789}"/>
-              </a:ext>
-            </a:extLst>
-          </p:cNvPr>
+          <p:cNvPr id="4" name="Slide Number Placeholder 3"/>
           <p:cNvSpPr>
             <a:spLocks noGrp="1"/>
           </p:cNvSpPr>
@@ -2128,7 +6183,7 @@
     </p:spTree>
     <p:extLst>
       <p:ext uri="{BB962C8B-B14F-4D97-AF65-F5344CB8AC3E}">
-        <p14:creationId xmlns:p14="http://schemas.microsoft.com/office/powerpoint/2010/main" val="3908398137"/>
+        <p14:creationId xmlns:p14="http://schemas.microsoft.com/office/powerpoint/2010/main" val="1294493925"/>
       </p:ext>
     </p:extLst>
   </p:cSld>
@@ -2157,13 +6212,126 @@
       </p:grpSpPr>
       <p:sp>
         <p:nvSpPr>
-          <p:cNvPr id="2" name="Title 1">
-            <a:extLst>
-              <a:ext uri="{FF2B5EF4-FFF2-40B4-BE49-F238E27FC236}">
-                <a16:creationId xmlns:a16="http://schemas.microsoft.com/office/drawing/2014/main" id="{C2F7121D-4069-FAC0-66BD-E964DE955520}"/>
-              </a:ext>
-            </a:extLst>
-          </p:cNvPr>
+          <p:cNvPr id="25" name="Rectangle 24"/>
+          <p:cNvSpPr/>
+          <p:nvPr/>
+        </p:nvSpPr>
+        <p:spPr>
+          <a:xfrm>
+            <a:off x="1004479" y="0"/>
+            <a:ext cx="10372316" cy="6858000"/>
+          </a:xfrm>
+          <a:prstGeom prst="rect">
+            <a:avLst/>
+          </a:prstGeom>
+          <a:solidFill>
+            <a:schemeClr val="bg2">
+              <a:alpha val="92000"/>
+            </a:schemeClr>
+          </a:solidFill>
+          <a:ln>
+            <a:noFill/>
+          </a:ln>
+        </p:spPr>
+        <p:style>
+          <a:lnRef idx="2">
+            <a:schemeClr val="accent1">
+              <a:shade val="50000"/>
+            </a:schemeClr>
+          </a:lnRef>
+          <a:fillRef idx="1">
+            <a:schemeClr val="accent1"/>
+          </a:fillRef>
+          <a:effectRef idx="0">
+            <a:schemeClr val="accent1"/>
+          </a:effectRef>
+          <a:fontRef idx="minor">
+            <a:schemeClr val="lt1"/>
+          </a:fontRef>
+        </p:style>
+      </p:sp>
+      <p:sp>
+        <p:nvSpPr>
+          <p:cNvPr id="26" name="Rectangle 25"/>
+          <p:cNvSpPr/>
+          <p:nvPr/>
+        </p:nvSpPr>
+        <p:spPr>
+          <a:xfrm>
+            <a:off x="11377328" y="0"/>
+            <a:ext cx="27432" cy="6858000"/>
+          </a:xfrm>
+          <a:prstGeom prst="rect">
+            <a:avLst/>
+          </a:prstGeom>
+          <a:solidFill>
+            <a:schemeClr val="accent6"/>
+          </a:solidFill>
+          <a:ln>
+            <a:noFill/>
+          </a:ln>
+        </p:spPr>
+        <p:style>
+          <a:lnRef idx="2">
+            <a:schemeClr val="accent1">
+              <a:shade val="50000"/>
+            </a:schemeClr>
+          </a:lnRef>
+          <a:fillRef idx="1">
+            <a:schemeClr val="accent1"/>
+          </a:fillRef>
+          <a:effectRef idx="0">
+            <a:schemeClr val="accent1"/>
+          </a:effectRef>
+          <a:fontRef idx="minor">
+            <a:schemeClr val="lt1"/>
+          </a:fontRef>
+        </p:style>
+      </p:sp>
+      <p:sp>
+        <p:nvSpPr>
+          <p:cNvPr id="10" name="TextBox 9"/>
+          <p:cNvSpPr txBox="1"/>
+          <p:nvPr/>
+        </p:nvSpPr>
+        <p:spPr>
+          <a:xfrm>
+            <a:off x="1554154" y="1127550"/>
+            <a:ext cx="415636" cy="369332"/>
+          </a:xfrm>
+          <a:prstGeom prst="rect">
+            <a:avLst/>
+          </a:prstGeom>
+          <a:noFill/>
+        </p:spPr>
+        <p:txBody>
+          <a:bodyPr wrap="square" rtlCol="0">
+            <a:spAutoFit/>
+          </a:bodyPr>
+          <a:lstStyle/>
+          <a:p>
+            <a:pPr algn="r"/>
+            <a:r>
+              <a:rPr lang="en-US" sz="1800" dirty="0">
+                <a:solidFill>
+                  <a:schemeClr val="accent6"/>
+                </a:solidFill>
+                <a:latin typeface="Wingdings 3" panose="05040102010807070707" pitchFamily="18" charset="2"/>
+              </a:rPr>
+              <a:t>z</a:t>
+            </a:r>
+            <a:endParaRPr lang="en-US" sz="1000" dirty="0">
+              <a:solidFill>
+                <a:schemeClr val="accent6"/>
+              </a:solidFill>
+              <a:latin typeface="MS Shell Dlg 2" panose="020B0604030504040204" pitchFamily="34" charset="0"/>
+            </a:endParaRPr>
+          </a:p>
+        </p:txBody>
+      </p:sp>
+      <p:sp>
+        <p:nvSpPr>
+          <p:cNvPr id="2" name="Title 1"/>
           <p:cNvSpPr>
             <a:spLocks noGrp="1"/>
           </p:cNvSpPr>
@@ -2173,15 +6341,17 @@
         </p:nvSpPr>
         <p:spPr>
           <a:xfrm>
-            <a:off x="839788" y="457200"/>
-            <a:ext cx="3932237" cy="1600200"/>
-          </a:xfrm>
-        </p:spPr>
-        <p:txBody>
-          <a:bodyPr anchor="b"/>
+            <a:off x="1970323" y="1282451"/>
+            <a:ext cx="2664361" cy="1903241"/>
+          </a:xfrm>
+        </p:spPr>
+        <p:txBody>
+          <a:bodyPr anchor="b">
+            <a:normAutofit/>
+          </a:bodyPr>
           <a:lstStyle>
-            <a:lvl1pPr>
-              <a:defRPr sz="3200"/>
+            <a:lvl1pPr algn="l">
+              <a:defRPr sz="2400"/>
             </a:lvl1pPr>
           </a:lstStyle>
           <a:p>
@@ -2189,18 +6359,13 @@
               <a:rPr lang="en-GB"/>
               <a:t>Click to edit Master title style</a:t>
             </a:r>
-          </a:p>
-        </p:txBody>
-      </p:sp>
-      <p:sp>
-        <p:nvSpPr>
-          <p:cNvPr id="3" name="Content Placeholder 2">
-            <a:extLst>
-              <a:ext uri="{FF2B5EF4-FFF2-40B4-BE49-F238E27FC236}">
-                <a16:creationId xmlns:a16="http://schemas.microsoft.com/office/drawing/2014/main" id="{E22A8173-EFBF-1F61-CF0F-51BCDDEF4293}"/>
-              </a:ext>
-            </a:extLst>
-          </p:cNvPr>
+            <a:endParaRPr lang="en-US" dirty="0"/>
+          </a:p>
+        </p:txBody>
+      </p:sp>
+      <p:sp>
+        <p:nvSpPr>
+          <p:cNvPr id="3" name="Content Placeholder 2"/>
           <p:cNvSpPr>
             <a:spLocks noGrp="1"/>
           </p:cNvSpPr>
@@ -2210,41 +6375,13 @@
         </p:nvSpPr>
         <p:spPr>
           <a:xfrm>
-            <a:off x="5183188" y="987425"/>
-            <a:ext cx="6172200" cy="4873625"/>
-          </a:xfrm>
-        </p:spPr>
-        <p:txBody>
-          <a:bodyPr/>
-          <a:lstStyle>
-            <a:lvl1pPr>
-              <a:defRPr sz="3200"/>
-            </a:lvl1pPr>
-            <a:lvl2pPr>
-              <a:defRPr sz="2800"/>
-            </a:lvl2pPr>
-            <a:lvl3pPr>
-              <a:defRPr sz="2400"/>
-            </a:lvl3pPr>
-            <a:lvl4pPr>
-              <a:defRPr sz="2000"/>
-            </a:lvl4pPr>
-            <a:lvl5pPr>
-              <a:defRPr sz="2000"/>
-            </a:lvl5pPr>
-            <a:lvl6pPr>
-              <a:defRPr sz="2000"/>
-            </a:lvl6pPr>
-            <a:lvl7pPr>
-              <a:defRPr sz="2000"/>
-            </a:lvl7pPr>
-            <a:lvl8pPr>
-              <a:defRPr sz="2000"/>
-            </a:lvl8pPr>
-            <a:lvl9pPr>
-              <a:defRPr sz="2000"/>
-            </a:lvl9pPr>
-          </a:lstStyle>
+            <a:off x="5120154" y="805818"/>
+            <a:ext cx="5446278" cy="5244126"/>
+          </a:xfrm>
+        </p:spPr>
+        <p:txBody>
+          <a:bodyPr anchor="ctr"/>
+          <a:lstStyle/>
           <a:p>
             <a:pPr lvl="0"/>
             <a:r>
@@ -2279,18 +6416,13 @@
               <a:rPr lang="en-GB"/>
               <a:t>Fifth level</a:t>
             </a:r>
-          </a:p>
-        </p:txBody>
-      </p:sp>
-      <p:sp>
-        <p:nvSpPr>
-          <p:cNvPr id="4" name="Text Placeholder 3">
-            <a:extLst>
-              <a:ext uri="{FF2B5EF4-FFF2-40B4-BE49-F238E27FC236}">
-                <a16:creationId xmlns:a16="http://schemas.microsoft.com/office/drawing/2014/main" id="{7F00F4F7-C672-D557-0D3A-2085D84F4072}"/>
-              </a:ext>
-            </a:extLst>
-          </p:cNvPr>
+            <a:endParaRPr lang="en-US" dirty="0"/>
+          </a:p>
+        </p:txBody>
+      </p:sp>
+      <p:sp>
+        <p:nvSpPr>
+          <p:cNvPr id="4" name="Text Placeholder 3"/>
           <p:cNvSpPr>
             <a:spLocks noGrp="1"/>
           </p:cNvSpPr>
@@ -2300,14 +6432,14 @@
         </p:nvSpPr>
         <p:spPr>
           <a:xfrm>
-            <a:off x="839788" y="2057400"/>
-            <a:ext cx="3932237" cy="3811588"/>
+            <a:off x="1970322" y="3186154"/>
+            <a:ext cx="2664361" cy="2386397"/>
           </a:xfrm>
         </p:spPr>
         <p:txBody>
           <a:bodyPr/>
           <a:lstStyle>
-            <a:lvl1pPr marL="0" indent="0">
+            <a:lvl1pPr marL="0" indent="0" algn="l">
               <a:buNone/>
               <a:defRPr sz="1600"/>
             </a:lvl1pPr>
@@ -2355,13 +6487,7 @@
       </p:sp>
       <p:sp>
         <p:nvSpPr>
-          <p:cNvPr id="5" name="Date Placeholder 4">
-            <a:extLst>
-              <a:ext uri="{FF2B5EF4-FFF2-40B4-BE49-F238E27FC236}">
-                <a16:creationId xmlns:a16="http://schemas.microsoft.com/office/drawing/2014/main" id="{2137B77C-5A3C-4CAB-B34C-FBC8F3746A1D}"/>
-              </a:ext>
-            </a:extLst>
-          </p:cNvPr>
+          <p:cNvPr id="5" name="Date Placeholder 4"/>
           <p:cNvSpPr>
             <a:spLocks noGrp="1"/>
           </p:cNvSpPr>
@@ -2384,13 +6510,7 @@
       </p:sp>
       <p:sp>
         <p:nvSpPr>
-          <p:cNvPr id="6" name="Footer Placeholder 5">
-            <a:extLst>
-              <a:ext uri="{FF2B5EF4-FFF2-40B4-BE49-F238E27FC236}">
-                <a16:creationId xmlns:a16="http://schemas.microsoft.com/office/drawing/2014/main" id="{B00F22BB-545E-7D92-A927-5DDBC22419E0}"/>
-              </a:ext>
-            </a:extLst>
-          </p:cNvPr>
+          <p:cNvPr id="6" name="Footer Placeholder 5"/>
           <p:cNvSpPr>
             <a:spLocks noGrp="1"/>
           </p:cNvSpPr>
@@ -2409,13 +6529,7 @@
       </p:sp>
       <p:sp>
         <p:nvSpPr>
-          <p:cNvPr id="7" name="Slide Number Placeholder 6">
-            <a:extLst>
-              <a:ext uri="{FF2B5EF4-FFF2-40B4-BE49-F238E27FC236}">
-                <a16:creationId xmlns:a16="http://schemas.microsoft.com/office/drawing/2014/main" id="{93888A06-6607-971A-9287-6E8FD68DCE69}"/>
-              </a:ext>
-            </a:extLst>
-          </p:cNvPr>
+          <p:cNvPr id="7" name="Slide Number Placeholder 6"/>
           <p:cNvSpPr>
             <a:spLocks noGrp="1"/>
           </p:cNvSpPr>
@@ -2439,7 +6553,7 @@
     </p:spTree>
     <p:extLst>
       <p:ext uri="{BB962C8B-B14F-4D97-AF65-F5344CB8AC3E}">
-        <p14:creationId xmlns:p14="http://schemas.microsoft.com/office/powerpoint/2010/main" val="3136386679"/>
+        <p14:creationId xmlns:p14="http://schemas.microsoft.com/office/powerpoint/2010/main" val="2818087891"/>
       </p:ext>
     </p:extLst>
   </p:cSld>
@@ -2468,69 +6582,128 @@
       </p:grpSpPr>
       <p:sp>
         <p:nvSpPr>
-          <p:cNvPr id="2" name="Title 1">
-            <a:extLst>
-              <a:ext uri="{FF2B5EF4-FFF2-40B4-BE49-F238E27FC236}">
-                <a16:creationId xmlns:a16="http://schemas.microsoft.com/office/drawing/2014/main" id="{5D9AE724-0ED7-F7D2-EF62-E18C81C015EB}"/>
-              </a:ext>
-            </a:extLst>
-          </p:cNvPr>
+          <p:cNvPr id="19" name="Rectangle 18"/>
+          <p:cNvSpPr/>
+          <p:nvPr/>
+        </p:nvSpPr>
+        <p:spPr>
+          <a:xfrm>
+            <a:off x="1004479" y="0"/>
+            <a:ext cx="10372316" cy="6858000"/>
+          </a:xfrm>
+          <a:prstGeom prst="rect">
+            <a:avLst/>
+          </a:prstGeom>
+          <a:solidFill>
+            <a:schemeClr val="bg2">
+              <a:alpha val="92000"/>
+            </a:schemeClr>
+          </a:solidFill>
+          <a:ln>
+            <a:noFill/>
+          </a:ln>
+        </p:spPr>
+        <p:style>
+          <a:lnRef idx="2">
+            <a:schemeClr val="accent1">
+              <a:shade val="50000"/>
+            </a:schemeClr>
+          </a:lnRef>
+          <a:fillRef idx="1">
+            <a:schemeClr val="accent1"/>
+          </a:fillRef>
+          <a:effectRef idx="0">
+            <a:schemeClr val="accent1"/>
+          </a:effectRef>
+          <a:fontRef idx="minor">
+            <a:schemeClr val="lt1"/>
+          </a:fontRef>
+        </p:style>
+      </p:sp>
+      <p:sp>
+        <p:nvSpPr>
+          <p:cNvPr id="20" name="Rectangle 19"/>
+          <p:cNvSpPr/>
+          <p:nvPr/>
+        </p:nvSpPr>
+        <p:spPr>
+          <a:xfrm>
+            <a:off x="11377328" y="0"/>
+            <a:ext cx="27432" cy="6858000"/>
+          </a:xfrm>
+          <a:prstGeom prst="rect">
+            <a:avLst/>
+          </a:prstGeom>
+          <a:solidFill>
+            <a:schemeClr val="accent6"/>
+          </a:solidFill>
+          <a:ln>
+            <a:noFill/>
+          </a:ln>
+        </p:spPr>
+        <p:style>
+          <a:lnRef idx="2">
+            <a:schemeClr val="accent1">
+              <a:shade val="50000"/>
+            </a:schemeClr>
+          </a:lnRef>
+          <a:fillRef idx="1">
+            <a:schemeClr val="accent1"/>
+          </a:fillRef>
+          <a:effectRef idx="0">
+            <a:schemeClr val="accent1"/>
+          </a:effectRef>
+          <a:fontRef idx="minor">
+            <a:schemeClr val="lt1"/>
+          </a:fontRef>
+        </p:style>
+      </p:sp>
+      <p:sp>
+        <p:nvSpPr>
+          <p:cNvPr id="3" name="Picture Placeholder 2"/>
           <p:cNvSpPr>
-            <a:spLocks noGrp="1"/>
+            <a:spLocks noGrp="1" noChangeAspect="1"/>
           </p:cNvSpPr>
           <p:nvPr>
-            <p:ph type="title"/>
+            <p:ph type="pic" idx="1"/>
           </p:nvPr>
         </p:nvSpPr>
         <p:spPr>
           <a:xfrm>
-            <a:off x="839788" y="457200"/>
-            <a:ext cx="3932237" cy="1600200"/>
-          </a:xfrm>
-        </p:spPr>
-        <p:txBody>
-          <a:bodyPr anchor="b"/>
+            <a:off x="6747062" y="3229"/>
+            <a:ext cx="4629734" cy="6858000"/>
+          </a:xfrm>
+          <a:solidFill>
+            <a:schemeClr val="tx1">
+              <a:alpha val="10000"/>
+            </a:schemeClr>
+          </a:solidFill>
+          <a:ln w="9525" cap="sq">
+            <a:noFill/>
+            <a:miter lim="800000"/>
+          </a:ln>
+          <a:effectLst/>
+          <a:scene3d>
+            <a:camera prst="orthographicFront"/>
+            <a:lightRig rig="twoPt" dir="t">
+              <a:rot lat="0" lon="0" rev="7200000"/>
+            </a:lightRig>
+          </a:scene3d>
+          <a:sp3d>
+            <a:bevelT w="25400" h="19050"/>
+            <a:contourClr>
+              <a:srgbClr val="FFFFFF"/>
+            </a:contourClr>
+          </a:sp3d>
+        </p:spPr>
+        <p:txBody>
+          <a:bodyPr anchor="t">
+            <a:normAutofit/>
+          </a:bodyPr>
           <a:lstStyle>
-            <a:lvl1pPr>
-              <a:defRPr sz="3200"/>
-            </a:lvl1pPr>
-          </a:lstStyle>
-          <a:p>
-            <a:r>
-              <a:rPr lang="en-GB"/>
-              <a:t>Click to edit Master title style</a:t>
-            </a:r>
-          </a:p>
-        </p:txBody>
-      </p:sp>
-      <p:sp>
-        <p:nvSpPr>
-          <p:cNvPr id="3" name="Picture Placeholder 2">
-            <a:extLst>
-              <a:ext uri="{FF2B5EF4-FFF2-40B4-BE49-F238E27FC236}">
-                <a16:creationId xmlns:a16="http://schemas.microsoft.com/office/drawing/2014/main" id="{4CE05540-78AF-68B7-47D4-5364EA6F33E8}"/>
-              </a:ext>
-            </a:extLst>
-          </p:cNvPr>
-          <p:cNvSpPr>
-            <a:spLocks noGrp="1"/>
-          </p:cNvSpPr>
-          <p:nvPr>
-            <p:ph type="pic" idx="1"/>
-          </p:nvPr>
-        </p:nvSpPr>
-        <p:spPr>
-          <a:xfrm>
-            <a:off x="5183188" y="987425"/>
-            <a:ext cx="6172200" cy="4873625"/>
-          </a:xfrm>
-        </p:spPr>
-        <p:txBody>
-          <a:bodyPr/>
-          <a:lstStyle>
-            <a:lvl1pPr marL="0" indent="0">
+            <a:lvl1pPr marL="0" indent="0" algn="ctr">
               <a:buNone/>
-              <a:defRPr sz="3200"/>
+              <a:defRPr sz="2800"/>
             </a:lvl1pPr>
             <a:lvl2pPr marL="457200" indent="0">
               <a:buNone/>
@@ -2566,38 +6739,113 @@
             </a:lvl9pPr>
           </a:lstStyle>
           <a:p>
-            <a:endParaRPr lang="en-GB"/>
-          </a:p>
-        </p:txBody>
-      </p:sp>
-      <p:sp>
-        <p:nvSpPr>
-          <p:cNvPr id="4" name="Text Placeholder 3">
-            <a:extLst>
-              <a:ext uri="{FF2B5EF4-FFF2-40B4-BE49-F238E27FC236}">
-                <a16:creationId xmlns:a16="http://schemas.microsoft.com/office/drawing/2014/main" id="{E829C3F1-5773-85FB-F5D3-963E536C6957}"/>
-              </a:ext>
-            </a:extLst>
-          </p:cNvPr>
+            <a:r>
+              <a:rPr lang="en-GB"/>
+              <a:t>Click icon to add picture</a:t>
+            </a:r>
+            <a:endParaRPr lang="en-US" dirty="0"/>
+          </a:p>
+        </p:txBody>
+      </p:sp>
+      <p:sp>
+        <p:nvSpPr>
+          <p:cNvPr id="10" name="TextBox 9"/>
+          <p:cNvSpPr txBox="1"/>
+          <p:nvPr/>
+        </p:nvSpPr>
+        <p:spPr>
+          <a:xfrm>
+            <a:off x="1554686" y="1127550"/>
+            <a:ext cx="415636" cy="369332"/>
+          </a:xfrm>
+          <a:prstGeom prst="rect">
+            <a:avLst/>
+          </a:prstGeom>
+          <a:noFill/>
+        </p:spPr>
+        <p:txBody>
+          <a:bodyPr wrap="square" rtlCol="0">
+            <a:spAutoFit/>
+          </a:bodyPr>
+          <a:lstStyle/>
+          <a:p>
+            <a:pPr algn="r"/>
+            <a:r>
+              <a:rPr lang="en-US" sz="1800" dirty="0">
+                <a:solidFill>
+                  <a:schemeClr val="accent6"/>
+                </a:solidFill>
+                <a:latin typeface="Wingdings 3" panose="05040102010807070707" pitchFamily="18" charset="2"/>
+              </a:rPr>
+              <a:t>z</a:t>
+            </a:r>
+            <a:endParaRPr lang="en-US" sz="1000" dirty="0">
+              <a:solidFill>
+                <a:schemeClr val="accent6"/>
+              </a:solidFill>
+              <a:latin typeface="MS Shell Dlg 2" panose="020B0604030504040204" pitchFamily="34" charset="0"/>
+            </a:endParaRPr>
+          </a:p>
+        </p:txBody>
+      </p:sp>
+      <p:sp>
+        <p:nvSpPr>
+          <p:cNvPr id="2" name="Title 1"/>
           <p:cNvSpPr>
             <a:spLocks noGrp="1"/>
           </p:cNvSpPr>
           <p:nvPr>
+            <p:ph type="title"/>
+          </p:nvPr>
+        </p:nvSpPr>
+        <p:spPr>
+          <a:xfrm>
+            <a:off x="1971241" y="1282452"/>
+            <a:ext cx="3970986" cy="1900473"/>
+          </a:xfrm>
+        </p:spPr>
+        <p:txBody>
+          <a:bodyPr anchor="b">
+            <a:normAutofit/>
+          </a:bodyPr>
+          <a:lstStyle>
+            <a:lvl1pPr algn="l">
+              <a:defRPr sz="3200"/>
+            </a:lvl1pPr>
+          </a:lstStyle>
+          <a:p>
+            <a:r>
+              <a:rPr lang="en-GB"/>
+              <a:t>Click to edit Master title style</a:t>
+            </a:r>
+            <a:endParaRPr lang="en-US" dirty="0"/>
+          </a:p>
+        </p:txBody>
+      </p:sp>
+      <p:sp>
+        <p:nvSpPr>
+          <p:cNvPr id="4" name="Text Placeholder 3"/>
+          <p:cNvSpPr>
+            <a:spLocks noGrp="1"/>
+          </p:cNvSpPr>
+          <p:nvPr>
             <p:ph type="body" sz="half" idx="2"/>
           </p:nvPr>
         </p:nvSpPr>
         <p:spPr>
           <a:xfrm>
-            <a:off x="839788" y="2057400"/>
-            <a:ext cx="3932237" cy="3811588"/>
-          </a:xfrm>
-        </p:spPr>
-        <p:txBody>
-          <a:bodyPr/>
+            <a:off x="1970322" y="3182928"/>
+            <a:ext cx="3971874" cy="2386394"/>
+          </a:xfrm>
+        </p:spPr>
+        <p:txBody>
+          <a:bodyPr>
+            <a:normAutofit/>
+          </a:bodyPr>
           <a:lstStyle>
-            <a:lvl1pPr marL="0" indent="0">
+            <a:lvl1pPr marL="0" indent="0" algn="l">
               <a:buNone/>
-              <a:defRPr sz="1600"/>
+              <a:defRPr sz="2000"/>
             </a:lvl1pPr>
             <a:lvl2pPr marL="457200" indent="0">
               <a:buNone/>
@@ -2643,13 +6891,7 @@
       </p:sp>
       <p:sp>
         <p:nvSpPr>
-          <p:cNvPr id="5" name="Date Placeholder 4">
-            <a:extLst>
-              <a:ext uri="{FF2B5EF4-FFF2-40B4-BE49-F238E27FC236}">
-                <a16:creationId xmlns:a16="http://schemas.microsoft.com/office/drawing/2014/main" id="{0434A99A-501A-DA86-3DF7-715484C7A4ED}"/>
-              </a:ext>
-            </a:extLst>
-          </p:cNvPr>
+          <p:cNvPr id="5" name="Date Placeholder 4"/>
           <p:cNvSpPr>
             <a:spLocks noGrp="1"/>
           </p:cNvSpPr>
@@ -2672,13 +6914,7 @@
       </p:sp>
       <p:sp>
         <p:nvSpPr>
-          <p:cNvPr id="6" name="Footer Placeholder 5">
-            <a:extLst>
-              <a:ext uri="{FF2B5EF4-FFF2-40B4-BE49-F238E27FC236}">
-                <a16:creationId xmlns:a16="http://schemas.microsoft.com/office/drawing/2014/main" id="{16DC7FA0-979D-F94F-A184-3601FDF459E7}"/>
-              </a:ext>
-            </a:extLst>
-          </p:cNvPr>
+          <p:cNvPr id="6" name="Footer Placeholder 5"/>
           <p:cNvSpPr>
             <a:spLocks noGrp="1"/>
           </p:cNvSpPr>
@@ -2697,13 +6933,7 @@
       </p:sp>
       <p:sp>
         <p:nvSpPr>
-          <p:cNvPr id="7" name="Slide Number Placeholder 6">
-            <a:extLst>
-              <a:ext uri="{FF2B5EF4-FFF2-40B4-BE49-F238E27FC236}">
-                <a16:creationId xmlns:a16="http://schemas.microsoft.com/office/drawing/2014/main" id="{35904959-4F9C-6DA7-7907-A9B4ABD84CC1}"/>
-              </a:ext>
-            </a:extLst>
-          </p:cNvPr>
+          <p:cNvPr id="7" name="Slide Number Placeholder 6"/>
           <p:cNvSpPr>
             <a:spLocks noGrp="1"/>
           </p:cNvSpPr>
@@ -2727,7 +6957,7 @@
     </p:spTree>
     <p:extLst>
       <p:ext uri="{BB962C8B-B14F-4D97-AF65-F5344CB8AC3E}">
-        <p14:creationId xmlns:p14="http://schemas.microsoft.com/office/powerpoint/2010/main" val="2961859219"/>
+        <p14:creationId xmlns:p14="http://schemas.microsoft.com/office/powerpoint/2010/main" val="653804774"/>
       </p:ext>
     </p:extLst>
   </p:cSld>
@@ -2741,7 +6971,7 @@
 <p:sldMaster xmlns:a="http://schemas.openxmlformats.org/drawingml/2006/main" xmlns:r="http://schemas.openxmlformats.org/officeDocument/2006/relationships" xmlns:p="http://schemas.openxmlformats.org/presentationml/2006/main">
   <p:cSld>
     <p:bg>
-      <p:bgRef idx="1001">
+      <p:bgRef idx="1003">
         <a:schemeClr val="bg1"/>
       </p:bgRef>
     </p:bg>
@@ -2759,15 +6989,107 @@
           <a:chExt cx="0" cy="0"/>
         </a:xfrm>
       </p:grpSpPr>
-      <p:sp>
-        <p:nvSpPr>
-          <p:cNvPr id="2" name="Title Placeholder 1">
+      <p:pic>
+        <p:nvPicPr>
+          <p:cNvPr id="18" name="Picture 17"/>
+          <p:cNvPicPr>
+            <a:picLocks noChangeAspect="1"/>
+          </p:cNvPicPr>
+          <p:nvPr/>
+        </p:nvPicPr>
+        <p:blipFill>
+          <a:blip r:embed="rId13">
             <a:extLst>
-              <a:ext uri="{FF2B5EF4-FFF2-40B4-BE49-F238E27FC236}">
-                <a16:creationId xmlns:a16="http://schemas.microsoft.com/office/drawing/2014/main" id="{C5DB4E26-E1C8-3C18-F8A2-06BF44E89F77}"/>
+              <a:ext uri="{28A0092B-C50C-407E-A947-70E740481C1C}">
+                <a14:useLocalDpi xmlns:a14="http://schemas.microsoft.com/office/drawing/2010/main" val="0"/>
               </a:ext>
             </a:extLst>
-          </p:cNvPr>
+          </a:blip>
+          <a:stretch>
+            <a:fillRect/>
+          </a:stretch>
+        </p:blipFill>
+        <p:spPr>
+          <a:xfrm>
+            <a:off x="2831794" y="2105202"/>
+            <a:ext cx="9360205" cy="4752798"/>
+          </a:xfrm>
+          <a:prstGeom prst="rect">
+            <a:avLst/>
+          </a:prstGeom>
+        </p:spPr>
+      </p:pic>
+      <p:pic>
+        <p:nvPicPr>
+          <p:cNvPr id="15" name="Picture 14"/>
+          <p:cNvPicPr>
+            <a:picLocks noChangeAspect="1"/>
+          </p:cNvPicPr>
+          <p:nvPr/>
+        </p:nvPicPr>
+        <p:blipFill>
+          <a:blip r:embed="rId14">
+            <a:extLst>
+              <a:ext uri="{28A0092B-C50C-407E-A947-70E740481C1C}">
+                <a14:useLocalDpi xmlns:a14="http://schemas.microsoft.com/office/drawing/2010/main" val="0"/>
+              </a:ext>
+            </a:extLst>
+          </a:blip>
+          <a:stretch>
+            <a:fillRect/>
+          </a:stretch>
+        </p:blipFill>
+        <p:spPr>
+          <a:xfrm>
+            <a:off x="0" y="0"/>
+            <a:ext cx="12189867" cy="6858000"/>
+          </a:xfrm>
+          <a:prstGeom prst="rect">
+            <a:avLst/>
+          </a:prstGeom>
+        </p:spPr>
+      </p:pic>
+      <p:sp>
+        <p:nvSpPr>
+          <p:cNvPr id="8" name="Rectangle 7"/>
+          <p:cNvSpPr/>
+          <p:nvPr/>
+        </p:nvSpPr>
+        <p:spPr>
+          <a:xfrm>
+            <a:off x="0" y="0"/>
+            <a:ext cx="964174" cy="6858000"/>
+          </a:xfrm>
+          <a:prstGeom prst="rect">
+            <a:avLst/>
+          </a:prstGeom>
+          <a:solidFill>
+            <a:schemeClr val="bg2"/>
+          </a:solidFill>
+          <a:ln>
+            <a:noFill/>
+          </a:ln>
+        </p:spPr>
+        <p:style>
+          <a:lnRef idx="2">
+            <a:schemeClr val="accent1">
+              <a:shade val="50000"/>
+            </a:schemeClr>
+          </a:lnRef>
+          <a:fillRef idx="1">
+            <a:schemeClr val="accent1"/>
+          </a:fillRef>
+          <a:effectRef idx="0">
+            <a:schemeClr val="accent1"/>
+          </a:effectRef>
+          <a:fontRef idx="minor">
+            <a:schemeClr val="lt1"/>
+          </a:fontRef>
+        </p:style>
+      </p:sp>
+      <p:sp>
+        <p:nvSpPr>
+          <p:cNvPr id="2" name="Title Placeholder 1"/>
           <p:cNvSpPr>
             <a:spLocks noGrp="1"/>
           </p:cNvSpPr>
@@ -2777,15 +7099,15 @@
         </p:nvSpPr>
         <p:spPr>
           <a:xfrm>
-            <a:off x="838200" y="365125"/>
-            <a:ext cx="10515600" cy="1325563"/>
+            <a:off x="2611808" y="808056"/>
+            <a:ext cx="7958331" cy="1077229"/>
           </a:xfrm>
           <a:prstGeom prst="rect">
             <a:avLst/>
           </a:prstGeom>
         </p:spPr>
         <p:txBody>
-          <a:bodyPr vert="horz" lIns="91440" tIns="45720" rIns="91440" bIns="45720" rtlCol="0" anchor="ctr">
+          <a:bodyPr vert="horz" lIns="91440" tIns="45720" rIns="91440" bIns="45720" rtlCol="0" anchor="t">
             <a:normAutofit/>
           </a:bodyPr>
           <a:lstStyle/>
@@ -2794,18 +7116,13 @@
               <a:rPr lang="en-GB"/>
               <a:t>Click to edit Master title style</a:t>
             </a:r>
-          </a:p>
-        </p:txBody>
-      </p:sp>
-      <p:sp>
-        <p:nvSpPr>
-          <p:cNvPr id="3" name="Text Placeholder 2">
-            <a:extLst>
-              <a:ext uri="{FF2B5EF4-FFF2-40B4-BE49-F238E27FC236}">
-                <a16:creationId xmlns:a16="http://schemas.microsoft.com/office/drawing/2014/main" id="{311E33E2-9561-F668-D0B9-68300142914B}"/>
-              </a:ext>
-            </a:extLst>
-          </p:cNvPr>
+            <a:endParaRPr lang="en-US" dirty="0"/>
+          </a:p>
+        </p:txBody>
+      </p:sp>
+      <p:sp>
+        <p:nvSpPr>
+          <p:cNvPr id="3" name="Text Placeholder 2"/>
           <p:cNvSpPr>
             <a:spLocks noGrp="1"/>
           </p:cNvSpPr>
@@ -2815,8 +7132,8 @@
         </p:nvSpPr>
         <p:spPr>
           <a:xfrm>
-            <a:off x="838200" y="1825625"/>
-            <a:ext cx="10515600" cy="4351338"/>
+            <a:off x="2773599" y="2052116"/>
+            <a:ext cx="7796540" cy="3997828"/>
           </a:xfrm>
           <a:prstGeom prst="rect">
             <a:avLst/>
@@ -2861,18 +7178,13 @@
               <a:rPr lang="en-GB"/>
               <a:t>Fifth level</a:t>
             </a:r>
-          </a:p>
-        </p:txBody>
-      </p:sp>
-      <p:sp>
-        <p:nvSpPr>
-          <p:cNvPr id="4" name="Date Placeholder 3">
-            <a:extLst>
-              <a:ext uri="{FF2B5EF4-FFF2-40B4-BE49-F238E27FC236}">
-                <a16:creationId xmlns:a16="http://schemas.microsoft.com/office/drawing/2014/main" id="{103A20DA-84D5-AF43-E8D4-5EEC35A03115}"/>
-              </a:ext>
-            </a:extLst>
-          </p:cNvPr>
+            <a:endParaRPr lang="en-US" dirty="0"/>
+          </a:p>
+        </p:txBody>
+      </p:sp>
+      <p:sp>
+        <p:nvSpPr>
+          <p:cNvPr id="4" name="Date Placeholder 3"/>
           <p:cNvSpPr>
             <a:spLocks noGrp="1"/>
           </p:cNvSpPr>
@@ -2881,118 +7193,107 @@
           </p:nvPr>
         </p:nvSpPr>
         <p:spPr>
-          <a:xfrm>
-            <a:off x="838200" y="6356350"/>
-            <a:ext cx="2743200" cy="365125"/>
+          <a:xfrm rot="5400000">
+            <a:off x="-810065" y="5270604"/>
+            <a:ext cx="2662729" cy="182880"/>
           </a:xfrm>
           <a:prstGeom prst="rect">
             <a:avLst/>
           </a:prstGeom>
         </p:spPr>
         <p:txBody>
-          <a:bodyPr vert="horz" lIns="91440" tIns="45720" rIns="91440" bIns="45720" rtlCol="0" anchor="ctr"/>
+          <a:bodyPr vert="horz" lIns="91440" tIns="18288" rIns="91440" bIns="45720" rtlCol="0" anchor="t"/>
           <a:lstStyle>
-            <a:lvl1pPr algn="l">
-              <a:defRPr sz="1200">
+            <a:lvl1pPr algn="r">
+              <a:defRPr sz="800">
                 <a:solidFill>
                   <a:schemeClr val="tx1">
-                    <a:tint val="82000"/>
+                    <a:tint val="75000"/>
+                  </a:schemeClr>
+                </a:solidFill>
+                <a:latin typeface="+mn-lt"/>
+              </a:defRPr>
+            </a:lvl1pPr>
+          </a:lstStyle>
+          <a:p>
+            <a:fld id="{FC096FEB-0C15-B545-8678-F3DDEA3648AA}" type="datetimeFigureOut">
+              <a:rPr lang="en-GB" smtClean="0"/>
+              <a:t>23/06/2025</a:t>
+            </a:fld>
+            <a:endParaRPr lang="en-GB"/>
+          </a:p>
+        </p:txBody>
+      </p:sp>
+      <p:sp>
+        <p:nvSpPr>
+          <p:cNvPr id="5" name="Footer Placeholder 4"/>
+          <p:cNvSpPr>
+            <a:spLocks noGrp="1"/>
+          </p:cNvSpPr>
+          <p:nvPr>
+            <p:ph type="ftr" sz="quarter" idx="3"/>
+          </p:nvPr>
+        </p:nvSpPr>
+        <p:spPr>
+          <a:xfrm rot="5400000">
+            <a:off x="-2237130" y="3661144"/>
+            <a:ext cx="5885352" cy="179176"/>
+          </a:xfrm>
+          <a:prstGeom prst="rect">
+            <a:avLst/>
+          </a:prstGeom>
+        </p:spPr>
+        <p:txBody>
+          <a:bodyPr vert="horz" lIns="91440" tIns="45720" rIns="91440" bIns="18288" rtlCol="0" anchor="b"/>
+          <a:lstStyle>
+            <a:lvl1pPr algn="r">
+              <a:defRPr sz="800">
+                <a:solidFill>
+                  <a:schemeClr val="tx1">
+                    <a:tint val="75000"/>
                   </a:schemeClr>
                 </a:solidFill>
               </a:defRPr>
             </a:lvl1pPr>
           </a:lstStyle>
           <a:p>
-            <a:fld id="{FC096FEB-0C15-B545-8678-F3DDEA3648AA}" type="datetimeFigureOut">
-              <a:rPr lang="en-GB" smtClean="0"/>
-              <a:t>23/06/2025</a:t>
-            </a:fld>
             <a:endParaRPr lang="en-GB"/>
           </a:p>
         </p:txBody>
       </p:sp>
       <p:sp>
         <p:nvSpPr>
-          <p:cNvPr id="5" name="Footer Placeholder 4">
-            <a:extLst>
-              <a:ext uri="{FF2B5EF4-FFF2-40B4-BE49-F238E27FC236}">
-                <a16:creationId xmlns:a16="http://schemas.microsoft.com/office/drawing/2014/main" id="{5A5374F6-2A71-271F-F903-B984BEDA4E7F}"/>
-              </a:ext>
-            </a:extLst>
-          </p:cNvPr>
+          <p:cNvPr id="6" name="Slide Number Placeholder 5"/>
           <p:cNvSpPr>
             <a:spLocks noGrp="1"/>
           </p:cNvSpPr>
           <p:nvPr>
-            <p:ph type="ftr" sz="quarter" idx="3"/>
+            <p:ph type="sldNum" sz="quarter" idx="4"/>
           </p:nvPr>
         </p:nvSpPr>
         <p:spPr>
           <a:xfrm>
-            <a:off x="4038600" y="6356350"/>
-            <a:ext cx="4114800" cy="365125"/>
+            <a:off x="158407" y="164592"/>
+            <a:ext cx="636727" cy="322851"/>
           </a:xfrm>
           <a:prstGeom prst="rect">
             <a:avLst/>
           </a:prstGeom>
         </p:spPr>
         <p:txBody>
-          <a:bodyPr vert="horz" lIns="91440" tIns="45720" rIns="91440" bIns="45720" rtlCol="0" anchor="ctr"/>
+          <a:bodyPr vert="horz" lIns="91440" tIns="45720" rIns="45720" bIns="45720" rtlCol="0" anchor="ctr"/>
           <a:lstStyle>
-            <a:lvl1pPr algn="ctr">
-              <a:defRPr sz="1200">
+            <a:lvl1pPr algn="r">
+              <a:defRPr sz="1800">
                 <a:solidFill>
                   <a:schemeClr val="tx1">
-                    <a:tint val="82000"/>
+                    <a:tint val="75000"/>
                   </a:schemeClr>
                 </a:solidFill>
               </a:defRPr>
             </a:lvl1pPr>
           </a:lstStyle>
           <a:p>
-            <a:endParaRPr lang="en-GB"/>
-          </a:p>
-        </p:txBody>
-      </p:sp>
-      <p:sp>
-        <p:nvSpPr>
-          <p:cNvPr id="6" name="Slide Number Placeholder 5">
-            <a:extLst>
-              <a:ext uri="{FF2B5EF4-FFF2-40B4-BE49-F238E27FC236}">
-                <a16:creationId xmlns:a16="http://schemas.microsoft.com/office/drawing/2014/main" id="{BB203D46-B567-F9E7-EA01-65F204C5019E}"/>
-              </a:ext>
-            </a:extLst>
-          </p:cNvPr>
-          <p:cNvSpPr>
-            <a:spLocks noGrp="1"/>
-          </p:cNvSpPr>
-          <p:nvPr>
-            <p:ph type="sldNum" sz="quarter" idx="4"/>
-          </p:nvPr>
-        </p:nvSpPr>
-        <p:spPr>
-          <a:xfrm>
-            <a:off x="8610600" y="6356350"/>
-            <a:ext cx="2743200" cy="365125"/>
-          </a:xfrm>
-          <a:prstGeom prst="rect">
-            <a:avLst/>
-          </a:prstGeom>
-        </p:spPr>
-        <p:txBody>
-          <a:bodyPr vert="horz" lIns="91440" tIns="45720" rIns="91440" bIns="45720" rtlCol="0" anchor="ctr"/>
-          <a:lstStyle>
-            <a:lvl1pPr algn="r">
-              <a:defRPr sz="1200">
-                <a:solidFill>
-                  <a:schemeClr val="tx1">
-                    <a:tint val="82000"/>
-                  </a:schemeClr>
-                </a:solidFill>
-              </a:defRPr>
-            </a:lvl1pPr>
-          </a:lstStyle>
-          <a:p>
             <a:fld id="{DDE8F1EB-3E5B-7B43-958E-BCE8D47ACD05}" type="slidenum">
               <a:rPr lang="en-GB" smtClean="0"/>
               <a:t>‹#›</a:t>
@@ -3001,30 +7302,68 @@
           </a:p>
         </p:txBody>
       </p:sp>
+      <p:sp>
+        <p:nvSpPr>
+          <p:cNvPr id="57" name="Rectangle 56"/>
+          <p:cNvSpPr/>
+          <p:nvPr/>
+        </p:nvSpPr>
+        <p:spPr>
+          <a:xfrm>
+            <a:off x="962042" y="0"/>
+            <a:ext cx="45719" cy="6858000"/>
+          </a:xfrm>
+          <a:prstGeom prst="rect">
+            <a:avLst/>
+          </a:prstGeom>
+          <a:solidFill>
+            <a:schemeClr val="accent6"/>
+          </a:solidFill>
+          <a:ln>
+            <a:noFill/>
+          </a:ln>
+        </p:spPr>
+        <p:style>
+          <a:lnRef idx="2">
+            <a:schemeClr val="accent1">
+              <a:shade val="50000"/>
+            </a:schemeClr>
+          </a:lnRef>
+          <a:fillRef idx="1">
+            <a:schemeClr val="accent1"/>
+          </a:fillRef>
+          <a:effectRef idx="0">
+            <a:schemeClr val="accent1"/>
+          </a:effectRef>
+          <a:fontRef idx="minor">
+            <a:schemeClr val="lt1"/>
+          </a:fontRef>
+        </p:style>
+      </p:sp>
     </p:spTree>
     <p:extLst>
       <p:ext uri="{BB962C8B-B14F-4D97-AF65-F5344CB8AC3E}">
-        <p14:creationId xmlns:p14="http://schemas.microsoft.com/office/powerpoint/2010/main" val="1411420554"/>
+        <p14:creationId xmlns:p14="http://schemas.microsoft.com/office/powerpoint/2010/main" val="2792532926"/>
       </p:ext>
     </p:extLst>
   </p:cSld>
-  <p:clrMap bg1="lt1" tx1="dk1" bg2="lt2" tx2="dk2" accent1="accent1" accent2="accent2" accent3="accent3" accent4="accent4" accent5="accent5" accent6="accent6" hlink="hlink" folHlink="folHlink"/>
+  <p:clrMap bg1="dk1" tx1="lt1" bg2="dk2" tx2="lt2" accent1="accent1" accent2="accent2" accent3="accent3" accent4="accent4" accent5="accent5" accent6="accent6" hlink="hlink" folHlink="folHlink"/>
   <p:sldLayoutIdLst>
-    <p:sldLayoutId id="2147483649" r:id="rId1"/>
-    <p:sldLayoutId id="2147483650" r:id="rId2"/>
-    <p:sldLayoutId id="2147483651" r:id="rId3"/>
-    <p:sldLayoutId id="2147483652" r:id="rId4"/>
-    <p:sldLayoutId id="2147483653" r:id="rId5"/>
-    <p:sldLayoutId id="2147483654" r:id="rId6"/>
-    <p:sldLayoutId id="2147483655" r:id="rId7"/>
-    <p:sldLayoutId id="2147483656" r:id="rId8"/>
-    <p:sldLayoutId id="2147483657" r:id="rId9"/>
-    <p:sldLayoutId id="2147483658" r:id="rId10"/>
-    <p:sldLayoutId id="2147483659" r:id="rId11"/>
+    <p:sldLayoutId id="2147483661" r:id="rId1"/>
+    <p:sldLayoutId id="2147483662" r:id="rId2"/>
+    <p:sldLayoutId id="2147483663" r:id="rId3"/>
+    <p:sldLayoutId id="2147483664" r:id="rId4"/>
+    <p:sldLayoutId id="2147483665" r:id="rId5"/>
+    <p:sldLayoutId id="2147483666" r:id="rId6"/>
+    <p:sldLayoutId id="2147483667" r:id="rId7"/>
+    <p:sldLayoutId id="2147483668" r:id="rId8"/>
+    <p:sldLayoutId id="2147483669" r:id="rId9"/>
+    <p:sldLayoutId id="2147483670" r:id="rId10"/>
+    <p:sldLayoutId id="2147483671" r:id="rId11"/>
   </p:sldLayoutIdLst>
   <p:txStyles>
     <p:titleStyle>
-      <a:lvl1pPr algn="l" defTabSz="914400" rtl="0" eaLnBrk="1" latinLnBrk="0" hangingPunct="1">
+      <a:lvl1pPr algn="r" defTabSz="914400" rtl="0" eaLnBrk="1" latinLnBrk="0" hangingPunct="1">
         <a:lnSpc>
           <a:spcPct val="90000"/>
         </a:lnSpc>
@@ -3032,10 +7371,11 @@
           <a:spcPct val="0"/>
         </a:spcBef>
         <a:buNone/>
-        <a:defRPr sz="4400" kern="1200">
+        <a:defRPr sz="3400" b="0" i="0" kern="1200" cap="none">
           <a:solidFill>
             <a:schemeClr val="tx1"/>
           </a:solidFill>
+          <a:effectLst/>
           <a:latin typeface="+mj-lt"/>
           <a:ea typeface="+mj-ea"/>
           <a:cs typeface="+mj-cs"/>
@@ -3043,163 +7383,235 @@
       </a:lvl1pPr>
     </p:titleStyle>
     <p:bodyStyle>
-      <a:lvl1pPr marL="228600" indent="-228600" algn="l" defTabSz="914400" rtl="0" eaLnBrk="1" latinLnBrk="0" hangingPunct="1">
+      <a:lvl1pPr marL="344488" indent="-344488" algn="l" defTabSz="914400" rtl="0" eaLnBrk="1" latinLnBrk="0" hangingPunct="1">
         <a:lnSpc>
-          <a:spcPct val="90000"/>
+          <a:spcPct val="120000"/>
         </a:lnSpc>
         <a:spcBef>
           <a:spcPts val="1000"/>
         </a:spcBef>
-        <a:buFont typeface="Arial" panose="020B0604020202020204" pitchFamily="34" charset="0"/>
-        <a:buChar char="•"/>
-        <a:defRPr sz="2800" kern="1200">
+        <a:spcAft>
+          <a:spcPts val="600"/>
+        </a:spcAft>
+        <a:buClr>
+          <a:schemeClr val="accent6"/>
+        </a:buClr>
+        <a:buSzPct val="90000"/>
+        <a:buFont typeface="Wingdings" panose="05000000000000000000" pitchFamily="2" charset="2"/>
+        <a:buChar char="§"/>
+        <a:defRPr sz="2000" kern="1200">
           <a:solidFill>
             <a:schemeClr val="tx1"/>
           </a:solidFill>
+          <a:effectLst/>
           <a:latin typeface="+mn-lt"/>
           <a:ea typeface="+mn-ea"/>
           <a:cs typeface="+mn-cs"/>
         </a:defRPr>
       </a:lvl1pPr>
-      <a:lvl2pPr marL="685800" indent="-228600" algn="l" defTabSz="914400" rtl="0" eaLnBrk="1" latinLnBrk="0" hangingPunct="1">
+      <a:lvl2pPr marL="795338" indent="-338138" algn="l" defTabSz="914400" rtl="0" eaLnBrk="1" latinLnBrk="0" hangingPunct="1">
         <a:lnSpc>
-          <a:spcPct val="90000"/>
+          <a:spcPct val="120000"/>
         </a:lnSpc>
         <a:spcBef>
           <a:spcPts val="500"/>
         </a:spcBef>
-        <a:buFont typeface="Arial" panose="020B0604020202020204" pitchFamily="34" charset="0"/>
-        <a:buChar char="•"/>
-        <a:defRPr sz="2400" kern="1200">
+        <a:spcAft>
+          <a:spcPts val="600"/>
+        </a:spcAft>
+        <a:buClr>
+          <a:schemeClr val="accent6"/>
+        </a:buClr>
+        <a:buSzPct val="90000"/>
+        <a:buFont typeface="Wingdings" panose="05000000000000000000" pitchFamily="2" charset="2"/>
+        <a:buChar char="§"/>
+        <a:defRPr sz="1800" kern="1200">
           <a:solidFill>
             <a:schemeClr val="tx1"/>
           </a:solidFill>
+          <a:effectLst/>
           <a:latin typeface="+mn-lt"/>
           <a:ea typeface="+mn-ea"/>
           <a:cs typeface="+mn-cs"/>
         </a:defRPr>
       </a:lvl2pPr>
-      <a:lvl3pPr marL="1143000" indent="-228600" algn="l" defTabSz="914400" rtl="0" eaLnBrk="1" latinLnBrk="0" hangingPunct="1">
+      <a:lvl3pPr marL="1258888" indent="-344488" algn="l" defTabSz="914400" rtl="0" eaLnBrk="1" latinLnBrk="0" hangingPunct="1">
         <a:lnSpc>
-          <a:spcPct val="90000"/>
+          <a:spcPct val="120000"/>
         </a:lnSpc>
         <a:spcBef>
           <a:spcPts val="500"/>
         </a:spcBef>
-        <a:buFont typeface="Arial" panose="020B0604020202020204" pitchFamily="34" charset="0"/>
-        <a:buChar char="•"/>
-        <a:defRPr sz="2000" kern="1200">
+        <a:spcAft>
+          <a:spcPts val="600"/>
+        </a:spcAft>
+        <a:buClr>
+          <a:schemeClr val="accent6"/>
+        </a:buClr>
+        <a:buSzPct val="90000"/>
+        <a:buFont typeface="Wingdings" panose="05000000000000000000" pitchFamily="2" charset="2"/>
+        <a:buChar char="§"/>
+        <a:defRPr sz="1600" kern="1200">
           <a:solidFill>
             <a:schemeClr val="tx1"/>
           </a:solidFill>
+          <a:effectLst/>
           <a:latin typeface="+mn-lt"/>
           <a:ea typeface="+mn-ea"/>
           <a:cs typeface="+mn-cs"/>
         </a:defRPr>
       </a:lvl3pPr>
-      <a:lvl4pPr marL="1600200" indent="-228600" algn="l" defTabSz="914400" rtl="0" eaLnBrk="1" latinLnBrk="0" hangingPunct="1">
+      <a:lvl4pPr marL="1709738" indent="-338138" algn="l" defTabSz="914400" rtl="0" eaLnBrk="1" latinLnBrk="0" hangingPunct="1">
         <a:lnSpc>
-          <a:spcPct val="90000"/>
+          <a:spcPct val="120000"/>
         </a:lnSpc>
         <a:spcBef>
           <a:spcPts val="500"/>
         </a:spcBef>
-        <a:buFont typeface="Arial" panose="020B0604020202020204" pitchFamily="34" charset="0"/>
-        <a:buChar char="•"/>
-        <a:defRPr sz="1800" kern="1200">
+        <a:spcAft>
+          <a:spcPts val="600"/>
+        </a:spcAft>
+        <a:buClr>
+          <a:schemeClr val="accent6"/>
+        </a:buClr>
+        <a:buSzPct val="90000"/>
+        <a:buFont typeface="Wingdings" panose="05000000000000000000" pitchFamily="2" charset="2"/>
+        <a:buChar char="§"/>
+        <a:defRPr sz="1400" kern="1200">
           <a:solidFill>
             <a:schemeClr val="tx1"/>
           </a:solidFill>
+          <a:effectLst/>
           <a:latin typeface="+mn-lt"/>
           <a:ea typeface="+mn-ea"/>
           <a:cs typeface="+mn-cs"/>
         </a:defRPr>
       </a:lvl4pPr>
-      <a:lvl5pPr marL="2057400" indent="-228600" algn="l" defTabSz="914400" rtl="0" eaLnBrk="1" latinLnBrk="0" hangingPunct="1">
+      <a:lvl5pPr marL="2173288" indent="-344488" algn="l" defTabSz="914400" rtl="0" eaLnBrk="1" latinLnBrk="0" hangingPunct="1">
         <a:lnSpc>
-          <a:spcPct val="90000"/>
+          <a:spcPct val="120000"/>
         </a:lnSpc>
         <a:spcBef>
           <a:spcPts val="500"/>
         </a:spcBef>
-        <a:buFont typeface="Arial" panose="020B0604020202020204" pitchFamily="34" charset="0"/>
-        <a:buChar char="•"/>
-        <a:defRPr sz="1800" kern="1200">
+        <a:spcAft>
+          <a:spcPts val="600"/>
+        </a:spcAft>
+        <a:buClr>
+          <a:schemeClr val="accent6"/>
+        </a:buClr>
+        <a:buSzPct val="90000"/>
+        <a:buFont typeface="Wingdings" panose="05000000000000000000" pitchFamily="2" charset="2"/>
+        <a:buChar char="§"/>
+        <a:defRPr sz="1200" kern="1200">
           <a:solidFill>
             <a:schemeClr val="tx1"/>
           </a:solidFill>
+          <a:effectLst/>
           <a:latin typeface="+mn-lt"/>
           <a:ea typeface="+mn-ea"/>
           <a:cs typeface="+mn-cs"/>
         </a:defRPr>
       </a:lvl5pPr>
-      <a:lvl6pPr marL="2514600" indent="-228600" algn="l" defTabSz="914400" rtl="0" eaLnBrk="1" latinLnBrk="0" hangingPunct="1">
+      <a:lvl6pPr marL="2642616" indent="-338328" algn="l" defTabSz="914400" rtl="0" eaLnBrk="1" latinLnBrk="0" hangingPunct="1">
         <a:lnSpc>
-          <a:spcPct val="90000"/>
+          <a:spcPct val="120000"/>
         </a:lnSpc>
         <a:spcBef>
           <a:spcPts val="500"/>
         </a:spcBef>
-        <a:buFont typeface="Arial" panose="020B0604020202020204" pitchFamily="34" charset="0"/>
-        <a:buChar char="•"/>
-        <a:defRPr sz="1800" kern="1200">
+        <a:spcAft>
+          <a:spcPts val="600"/>
+        </a:spcAft>
+        <a:buClr>
+          <a:schemeClr val="accent6"/>
+        </a:buClr>
+        <a:buSzPct val="90000"/>
+        <a:buFont typeface="Wingdings" panose="05000000000000000000" pitchFamily="2" charset="2"/>
+        <a:buChar char="§"/>
+        <a:defRPr sz="1200" kern="1200" baseline="0">
           <a:solidFill>
             <a:schemeClr val="tx1"/>
           </a:solidFill>
+          <a:effectLst/>
           <a:latin typeface="+mn-lt"/>
           <a:ea typeface="+mn-ea"/>
           <a:cs typeface="+mn-cs"/>
         </a:defRPr>
       </a:lvl6pPr>
-      <a:lvl7pPr marL="2971800" indent="-228600" algn="l" defTabSz="914400" rtl="0" eaLnBrk="1" latinLnBrk="0" hangingPunct="1">
+      <a:lvl7pPr marL="3108960" indent="-338328" algn="l" defTabSz="914400" rtl="0" eaLnBrk="1" latinLnBrk="0" hangingPunct="1">
         <a:lnSpc>
-          <a:spcPct val="90000"/>
+          <a:spcPct val="120000"/>
         </a:lnSpc>
         <a:spcBef>
           <a:spcPts val="500"/>
         </a:spcBef>
-        <a:buFont typeface="Arial" panose="020B0604020202020204" pitchFamily="34" charset="0"/>
-        <a:buChar char="•"/>
-        <a:defRPr sz="1800" kern="1200">
+        <a:spcAft>
+          <a:spcPts val="600"/>
+        </a:spcAft>
+        <a:buClr>
+          <a:schemeClr val="accent6"/>
+        </a:buClr>
+        <a:buSzPct val="90000"/>
+        <a:buFont typeface="Wingdings" panose="05000000000000000000" pitchFamily="2" charset="2"/>
+        <a:buChar char="§"/>
+        <a:defRPr sz="1200" kern="1200" baseline="0">
           <a:solidFill>
             <a:schemeClr val="tx1"/>
           </a:solidFill>
+          <a:effectLst/>
           <a:latin typeface="+mn-lt"/>
           <a:ea typeface="+mn-ea"/>
           <a:cs typeface="+mn-cs"/>
         </a:defRPr>
       </a:lvl7pPr>
-      <a:lvl8pPr marL="3429000" indent="-228600" algn="l" defTabSz="914400" rtl="0" eaLnBrk="1" latinLnBrk="0" hangingPunct="1">
+      <a:lvl8pPr marL="3575304" indent="-338328" algn="l" defTabSz="914400" rtl="0" eaLnBrk="1" latinLnBrk="0" hangingPunct="1">
         <a:lnSpc>
-          <a:spcPct val="90000"/>
+          <a:spcPct val="120000"/>
         </a:lnSpc>
         <a:spcBef>
           <a:spcPts val="500"/>
         </a:spcBef>
-        <a:buFont typeface="Arial" panose="020B0604020202020204" pitchFamily="34" charset="0"/>
-        <a:buChar char="•"/>
-        <a:defRPr sz="1800" kern="1200">
+        <a:spcAft>
+          <a:spcPts val="600"/>
+        </a:spcAft>
+        <a:buClr>
+          <a:schemeClr val="accent6"/>
+        </a:buClr>
+        <a:buSzPct val="90000"/>
+        <a:buFont typeface="Wingdings" panose="05000000000000000000" pitchFamily="2" charset="2"/>
+        <a:buChar char="§"/>
+        <a:defRPr sz="1200" kern="1200" baseline="0">
           <a:solidFill>
             <a:schemeClr val="tx1"/>
           </a:solidFill>
+          <a:effectLst/>
           <a:latin typeface="+mn-lt"/>
           <a:ea typeface="+mn-ea"/>
           <a:cs typeface="+mn-cs"/>
         </a:defRPr>
       </a:lvl8pPr>
-      <a:lvl9pPr marL="3886200" indent="-228600" algn="l" defTabSz="914400" rtl="0" eaLnBrk="1" latinLnBrk="0" hangingPunct="1">
+      <a:lvl9pPr marL="4041648" indent="-338328" algn="l" defTabSz="914400" rtl="0" eaLnBrk="1" latinLnBrk="0" hangingPunct="1">
         <a:lnSpc>
-          <a:spcPct val="90000"/>
+          <a:spcPct val="120000"/>
         </a:lnSpc>
         <a:spcBef>
           <a:spcPts val="500"/>
         </a:spcBef>
-        <a:buFont typeface="Arial" panose="020B0604020202020204" pitchFamily="34" charset="0"/>
-        <a:buChar char="•"/>
-        <a:defRPr sz="1800" kern="1200">
+        <a:spcAft>
+          <a:spcPts val="600"/>
+        </a:spcAft>
+        <a:buClr>
+          <a:schemeClr val="accent6"/>
+        </a:buClr>
+        <a:buSzPct val="90000"/>
+        <a:buFont typeface="Wingdings" panose="05000000000000000000" pitchFamily="2" charset="2"/>
+        <a:buChar char="§"/>
+        <a:defRPr sz="1200" kern="1200" baseline="0">
           <a:solidFill>
             <a:schemeClr val="tx1"/>
           </a:solidFill>
+          <a:effectLst/>
           <a:latin typeface="+mn-lt"/>
           <a:ea typeface="+mn-ea"/>
           <a:cs typeface="+mn-cs"/>
@@ -3308,6 +7720,14 @@
 <file path=ppt/slides/slide1.xml><?xml version="1.0" encoding="utf-8"?>
 <p:sld xmlns:a="http://schemas.openxmlformats.org/drawingml/2006/main" xmlns:r="http://schemas.openxmlformats.org/officeDocument/2006/relationships" xmlns:p="http://schemas.openxmlformats.org/presentationml/2006/main">
   <p:cSld>
+    <p:bg>
+      <p:bgPr>
+        <a:solidFill>
+          <a:schemeClr val="bg1"/>
+        </a:solidFill>
+        <a:effectLst/>
+      </p:bgPr>
+    </p:bg>
     <p:spTree>
       <p:nvGrpSpPr>
         <p:cNvPr id="1" name=""/>
@@ -3324,6 +7744,187 @@
       </p:grpSpPr>
       <p:sp>
         <p:nvSpPr>
+          <p:cNvPr id="8" name="Rectangle 7">
+            <a:extLst>
+              <a:ext uri="{FF2B5EF4-FFF2-40B4-BE49-F238E27FC236}">
+                <a16:creationId xmlns:a16="http://schemas.microsoft.com/office/drawing/2014/main" id="{D0BE3D13-5BE5-4B05-AFCF-2A2E059D29F8}"/>
+              </a:ext>
+              <a:ext uri="{C183D7F6-B498-43B3-948B-1728B52AA6E4}">
+                <adec:decorative xmlns:adec="http://schemas.microsoft.com/office/drawing/2017/decorative" val="1"/>
+              </a:ext>
+            </a:extLst>
+          </p:cNvPr>
+          <p:cNvSpPr>
+            <a:spLocks noGrp="1" noRot="1" noChangeAspect="1" noMove="1" noResize="1" noEditPoints="1" noAdjustHandles="1" noChangeArrowheads="1" noChangeShapeType="1" noTextEdit="1"/>
+          </p:cNvSpPr>
+          <p:nvPr>
+            <p:extLst>
+              <p:ext uri="{386F3935-93C4-4BCD-93E2-E3B085C9AB24}">
+                <p16:designElem xmlns:p16="http://schemas.microsoft.com/office/powerpoint/2015/main" val="1"/>
+              </p:ext>
+            </p:extLst>
+          </p:nvPr>
+        </p:nvSpPr>
+        <p:spPr>
+          <a:xfrm>
+            <a:off x="0" y="-1"/>
+            <a:ext cx="12192000" cy="6858001"/>
+          </a:xfrm>
+          <a:prstGeom prst="rect">
+            <a:avLst/>
+          </a:prstGeom>
+          <a:solidFill>
+            <a:srgbClr val="FFFFFF"/>
+          </a:solidFill>
+          <a:ln>
+            <a:noFill/>
+          </a:ln>
+        </p:spPr>
+        <p:style>
+          <a:lnRef idx="2">
+            <a:schemeClr val="accent1">
+              <a:shade val="50000"/>
+            </a:schemeClr>
+          </a:lnRef>
+          <a:fillRef idx="1">
+            <a:schemeClr val="accent1"/>
+          </a:fillRef>
+          <a:effectRef idx="0">
+            <a:schemeClr val="accent1"/>
+          </a:effectRef>
+          <a:fontRef idx="minor">
+            <a:schemeClr val="lt1"/>
+          </a:fontRef>
+        </p:style>
+        <p:txBody>
+          <a:bodyPr rtlCol="0" anchor="ctr"/>
+          <a:lstStyle/>
+          <a:p>
+            <a:pPr algn="ctr"/>
+            <a:endParaRPr lang="en-US"/>
+          </a:p>
+        </p:txBody>
+      </p:sp>
+      <p:sp>
+        <p:nvSpPr>
+          <p:cNvPr id="10" name="Oval 9">
+            <a:extLst>
+              <a:ext uri="{FF2B5EF4-FFF2-40B4-BE49-F238E27FC236}">
+                <a16:creationId xmlns:a16="http://schemas.microsoft.com/office/drawing/2014/main" id="{1AC85C80-0175-4214-A13D-03C224658C16}"/>
+              </a:ext>
+              <a:ext uri="{C183D7F6-B498-43B3-948B-1728B52AA6E4}">
+                <adec:decorative xmlns:adec="http://schemas.microsoft.com/office/drawing/2017/decorative" val="1"/>
+              </a:ext>
+            </a:extLst>
+          </p:cNvPr>
+          <p:cNvSpPr>
+            <a:spLocks noGrp="1" noRot="1" noChangeAspect="1" noMove="1" noResize="1" noEditPoints="1" noAdjustHandles="1" noChangeArrowheads="1" noChangeShapeType="1" noTextEdit="1"/>
+          </p:cNvSpPr>
+          <p:nvPr>
+            <p:extLst>
+              <p:ext uri="{386F3935-93C4-4BCD-93E2-E3B085C9AB24}">
+                <p16:designElem xmlns:p16="http://schemas.microsoft.com/office/powerpoint/2015/main" val="1"/>
+              </p:ext>
+            </p:extLst>
+          </p:nvPr>
+        </p:nvSpPr>
+        <p:spPr>
+          <a:xfrm>
+            <a:off x="1609124" y="487443"/>
+            <a:ext cx="5841548" cy="5841548"/>
+          </a:xfrm>
+          <a:prstGeom prst="ellipse">
+            <a:avLst/>
+          </a:prstGeom>
+          <a:solidFill>
+            <a:schemeClr val="accent1">
+              <a:lumMod val="40000"/>
+              <a:lumOff val="60000"/>
+            </a:schemeClr>
+          </a:solidFill>
+          <a:ln>
+            <a:noFill/>
+          </a:ln>
+        </p:spPr>
+        <p:style>
+          <a:lnRef idx="2">
+            <a:schemeClr val="accent1">
+              <a:shade val="50000"/>
+            </a:schemeClr>
+          </a:lnRef>
+          <a:fillRef idx="1">
+            <a:schemeClr val="accent1"/>
+          </a:fillRef>
+          <a:effectRef idx="0">
+            <a:schemeClr val="accent1"/>
+          </a:effectRef>
+          <a:fontRef idx="minor">
+            <a:schemeClr val="lt1"/>
+          </a:fontRef>
+        </p:style>
+        <p:txBody>
+          <a:bodyPr rtlCol="0" anchor="ctr"/>
+          <a:lstStyle/>
+          <a:p>
+            <a:pPr algn="ctr"/>
+            <a:endParaRPr lang="en-US">
+              <a:solidFill>
+                <a:schemeClr val="accent1">
+                  <a:lumMod val="40000"/>
+                  <a:lumOff val="60000"/>
+                </a:schemeClr>
+              </a:solidFill>
+            </a:endParaRPr>
+          </a:p>
+        </p:txBody>
+      </p:sp>
+      <p:pic>
+        <p:nvPicPr>
+          <p:cNvPr id="12" name="Picture 11">
+            <a:extLst>
+              <a:ext uri="{FF2B5EF4-FFF2-40B4-BE49-F238E27FC236}">
+                <a16:creationId xmlns:a16="http://schemas.microsoft.com/office/drawing/2014/main" id="{15ADB788-8569-409E-862D-665AD53C9904}"/>
+              </a:ext>
+              <a:ext uri="{C183D7F6-B498-43B3-948B-1728B52AA6E4}">
+                <adec:decorative xmlns:adec="http://schemas.microsoft.com/office/drawing/2017/decorative" val="1"/>
+              </a:ext>
+            </a:extLst>
+          </p:cNvPr>
+          <p:cNvPicPr>
+            <a:picLocks noGrp="1" noRot="1" noChangeAspect="1" noMove="1" noResize="1" noEditPoints="1" noAdjustHandles="1" noChangeArrowheads="1" noChangeShapeType="1" noCrop="1"/>
+          </p:cNvPicPr>
+          <p:nvPr>
+            <p:extLst>
+              <p:ext uri="{386F3935-93C4-4BCD-93E2-E3B085C9AB24}">
+                <p16:designElem xmlns:p16="http://schemas.microsoft.com/office/powerpoint/2015/main" val="1"/>
+              </p:ext>
+            </p:extLst>
+          </p:nvPr>
+        </p:nvPicPr>
+        <p:blipFill>
+          <a:blip r:embed="rId2">
+            <a:extLst>
+              <a:ext uri="{28A0092B-C50C-407E-A947-70E740481C1C}">
+                <a14:useLocalDpi xmlns:a14="http://schemas.microsoft.com/office/drawing/2010/main" val="0"/>
+              </a:ext>
+            </a:extLst>
+          </a:blip>
+          <a:stretch>
+            <a:fillRect/>
+          </a:stretch>
+        </p:blipFill>
+        <p:spPr>
+          <a:xfrm>
+            <a:off x="2133" y="0"/>
+            <a:ext cx="12189867" cy="6858000"/>
+          </a:xfrm>
+          <a:prstGeom prst="rect">
+            <a:avLst/>
+          </a:prstGeom>
+        </p:spPr>
+      </p:pic>
+      <p:sp>
+        <p:nvSpPr>
           <p:cNvPr id="2" name="Title 1">
             <a:extLst>
               <a:ext uri="{FF2B5EF4-FFF2-40B4-BE49-F238E27FC236}">
@@ -3338,13 +7939,25 @@
             <p:ph type="ctrTitle"/>
           </p:nvPr>
         </p:nvSpPr>
-        <p:spPr/>
-        <p:txBody>
-          <a:bodyPr/>
+        <p:spPr>
+          <a:xfrm>
+            <a:off x="3039048" y="2568817"/>
+            <a:ext cx="7155598" cy="3133968"/>
+          </a:xfrm>
+        </p:spPr>
+        <p:txBody>
+          <a:bodyPr>
+            <a:normAutofit/>
+          </a:bodyPr>
           <a:lstStyle/>
           <a:p>
+            <a:pPr algn="l"/>
             <a:r>
-              <a:rPr lang="en-GB" dirty="0"/>
+              <a:rPr lang="en-GB" sz="6600">
+                <a:solidFill>
+                  <a:srgbClr val="1F2D29"/>
+                </a:solidFill>
+              </a:rPr>
               <a:t>Coin Pilot</a:t>
             </a:r>
           </a:p>
@@ -3366,12 +7979,149 @@
             <p:ph type="subTitle" idx="1"/>
           </p:nvPr>
         </p:nvSpPr>
-        <p:spPr/>
+        <p:spPr>
+          <a:xfrm>
+            <a:off x="3039048" y="1325691"/>
+            <a:ext cx="4355178" cy="1138426"/>
+          </a:xfrm>
+        </p:spPr>
+        <p:txBody>
+          <a:bodyPr>
+            <a:normAutofit/>
+          </a:bodyPr>
+          <a:lstStyle/>
+          <a:p>
+            <a:pPr algn="l"/>
+            <a:endParaRPr lang="en-GB" sz="1600" dirty="0">
+              <a:solidFill>
+                <a:srgbClr val="1F2D29"/>
+              </a:solidFill>
+            </a:endParaRPr>
+          </a:p>
+        </p:txBody>
+      </p:sp>
+      <p:sp>
+        <p:nvSpPr>
+          <p:cNvPr id="14" name="Rectangle 13">
+            <a:extLst>
+              <a:ext uri="{FF2B5EF4-FFF2-40B4-BE49-F238E27FC236}">
+                <a16:creationId xmlns:a16="http://schemas.microsoft.com/office/drawing/2014/main" id="{76562092-3AA7-4EF0-9007-C44F879A1308}"/>
+              </a:ext>
+              <a:ext uri="{C183D7F6-B498-43B3-948B-1728B52AA6E4}">
+                <adec:decorative xmlns:adec="http://schemas.microsoft.com/office/drawing/2017/decorative" val="1"/>
+              </a:ext>
+            </a:extLst>
+          </p:cNvPr>
+          <p:cNvSpPr>
+            <a:spLocks noGrp="1" noRot="1" noChangeAspect="1" noMove="1" noResize="1" noEditPoints="1" noAdjustHandles="1" noChangeArrowheads="1" noChangeShapeType="1" noTextEdit="1"/>
+          </p:cNvSpPr>
+          <p:nvPr>
+            <p:extLst>
+              <p:ext uri="{386F3935-93C4-4BCD-93E2-E3B085C9AB24}">
+                <p16:designElem xmlns:p16="http://schemas.microsoft.com/office/powerpoint/2015/main" val="1"/>
+              </p:ext>
+            </p:extLst>
+          </p:nvPr>
+        </p:nvSpPr>
+        <p:spPr>
+          <a:xfrm>
+            <a:off x="0" y="0"/>
+            <a:ext cx="964174" cy="6858000"/>
+          </a:xfrm>
+          <a:prstGeom prst="rect">
+            <a:avLst/>
+          </a:prstGeom>
+          <a:solidFill>
+            <a:schemeClr val="tx2"/>
+          </a:solidFill>
+          <a:ln>
+            <a:noFill/>
+          </a:ln>
+        </p:spPr>
+        <p:style>
+          <a:lnRef idx="2">
+            <a:schemeClr val="accent1">
+              <a:shade val="50000"/>
+            </a:schemeClr>
+          </a:lnRef>
+          <a:fillRef idx="1">
+            <a:schemeClr val="accent1"/>
+          </a:fillRef>
+          <a:effectRef idx="0">
+            <a:schemeClr val="accent1"/>
+          </a:effectRef>
+          <a:fontRef idx="minor">
+            <a:schemeClr val="lt1"/>
+          </a:fontRef>
+        </p:style>
         <p:txBody>
           <a:bodyPr/>
           <a:lstStyle/>
           <a:p>
-            <a:endParaRPr lang="en-GB" dirty="0"/>
+            <a:endParaRPr lang="en-GB"/>
+          </a:p>
+        </p:txBody>
+      </p:sp>
+      <p:sp>
+        <p:nvSpPr>
+          <p:cNvPr id="16" name="Right Triangle 15">
+            <a:extLst>
+              <a:ext uri="{FF2B5EF4-FFF2-40B4-BE49-F238E27FC236}">
+                <a16:creationId xmlns:a16="http://schemas.microsoft.com/office/drawing/2014/main" id="{2663C086-1480-4E81-BD6F-3E43A4C38C62}"/>
+              </a:ext>
+              <a:ext uri="{C183D7F6-B498-43B3-948B-1728B52AA6E4}">
+                <adec:decorative xmlns:adec="http://schemas.microsoft.com/office/drawing/2017/decorative" val="1"/>
+              </a:ext>
+            </a:extLst>
+          </p:cNvPr>
+          <p:cNvSpPr>
+            <a:spLocks noGrp="1" noRot="1" noChangeAspect="1" noMove="1" noResize="1" noEditPoints="1" noAdjustHandles="1" noChangeArrowheads="1" noChangeShapeType="1" noTextEdit="1"/>
+          </p:cNvSpPr>
+          <p:nvPr>
+            <p:extLst>
+              <p:ext uri="{386F3935-93C4-4BCD-93E2-E3B085C9AB24}">
+                <p16:designElem xmlns:p16="http://schemas.microsoft.com/office/powerpoint/2015/main" val="1"/>
+              </p:ext>
+            </p:extLst>
+          </p:nvPr>
+        </p:nvSpPr>
+        <p:spPr>
+          <a:xfrm rot="16200000" flipH="1">
+            <a:off x="2585313" y="2747897"/>
+            <a:ext cx="353147" cy="353147"/>
+          </a:xfrm>
+          <a:prstGeom prst="rtTriangle">
+            <a:avLst/>
+          </a:prstGeom>
+          <a:solidFill>
+            <a:schemeClr val="tx2"/>
+          </a:solidFill>
+          <a:ln>
+            <a:noFill/>
+          </a:ln>
+        </p:spPr>
+        <p:style>
+          <a:lnRef idx="2">
+            <a:schemeClr val="accent1">
+              <a:shade val="50000"/>
+            </a:schemeClr>
+          </a:lnRef>
+          <a:fillRef idx="1">
+            <a:schemeClr val="accent1"/>
+          </a:fillRef>
+          <a:effectRef idx="0">
+            <a:schemeClr val="accent1"/>
+          </a:effectRef>
+          <a:fontRef idx="minor">
+            <a:schemeClr val="lt1"/>
+          </a:fontRef>
+        </p:style>
+        <p:txBody>
+          <a:bodyPr rtlCol="0" anchor="ctr"/>
+          <a:lstStyle/>
+          <a:p>
+            <a:pPr algn="ctr"/>
+            <a:endParaRPr lang="en-US"/>
           </a:p>
         </p:txBody>
       </p:sp>
@@ -3383,7 +8133,7 @@
     </p:extLst>
   </p:cSld>
   <p:clrMapOvr>
-    <a:masterClrMapping/>
+    <a:overrideClrMapping bg1="lt1" tx1="dk1" bg2="lt2" tx2="dk2" accent1="accent1" accent2="accent2" accent3="accent3" accent4="accent4" accent5="accent5" accent6="accent6" hlink="hlink" folHlink="folHlink"/>
   </p:clrMapOvr>
 </p:sld>
 </file>
@@ -3428,7 +8178,7 @@
           <a:p>
             <a:r>
               <a:rPr lang="en-GB" dirty="0"/>
-              <a:t>Things to include</a:t>
+              <a:t>Our Members</a:t>
             </a:r>
           </a:p>
         </p:txBody>
@@ -3482,13 +8232,8 @@
           <a:p>
             <a:r>
               <a:rPr lang="en-GB" dirty="0"/>
-              <a:t>Relevance to </a:t>
+              <a:t>Relevance to Citi</a:t>
             </a:r>
-            <a:r>
-              <a:rPr lang="en-GB" dirty="0" err="1"/>
-              <a:t>citi</a:t>
-            </a:r>
-            <a:endParaRPr lang="en-GB" dirty="0"/>
           </a:p>
           <a:p>
             <a:r>
@@ -3520,7 +8265,2094 @@
 </p:sld>
 </file>
 
+<file path=ppt/slides/slide3.xml><?xml version="1.0" encoding="utf-8"?>
+<p:sld xmlns:a="http://schemas.openxmlformats.org/drawingml/2006/main" xmlns:r="http://schemas.openxmlformats.org/officeDocument/2006/relationships" xmlns:p="http://schemas.openxmlformats.org/presentationml/2006/main">
+  <p:cSld>
+    <p:bg>
+      <p:bgPr>
+        <a:solidFill>
+          <a:schemeClr val="bg1"/>
+        </a:solidFill>
+        <a:effectLst/>
+      </p:bgPr>
+    </p:bg>
+    <p:spTree>
+      <p:nvGrpSpPr>
+        <p:cNvPr id="1" name=""/>
+        <p:cNvGrpSpPr/>
+        <p:nvPr/>
+      </p:nvGrpSpPr>
+      <p:grpSpPr>
+        <a:xfrm>
+          <a:off x="0" y="0"/>
+          <a:ext cx="0" cy="0"/>
+          <a:chOff x="0" y="0"/>
+          <a:chExt cx="0" cy="0"/>
+        </a:xfrm>
+      </p:grpSpPr>
+      <p:pic>
+        <p:nvPicPr>
+          <p:cNvPr id="8" name="Picture 7">
+            <a:extLst>
+              <a:ext uri="{FF2B5EF4-FFF2-40B4-BE49-F238E27FC236}">
+                <a16:creationId xmlns:a16="http://schemas.microsoft.com/office/drawing/2014/main" id="{0214283E-D7B4-49E9-932E-D7F2A2847F1F}"/>
+              </a:ext>
+              <a:ext uri="{C183D7F6-B498-43B3-948B-1728B52AA6E4}">
+                <adec:decorative xmlns:adec="http://schemas.microsoft.com/office/drawing/2017/decorative" val="1"/>
+              </a:ext>
+            </a:extLst>
+          </p:cNvPr>
+          <p:cNvPicPr>
+            <a:picLocks noGrp="1" noRot="1" noChangeAspect="1" noMove="1" noResize="1" noEditPoints="1" noAdjustHandles="1" noChangeArrowheads="1" noChangeShapeType="1" noCrop="1"/>
+          </p:cNvPicPr>
+          <p:nvPr>
+            <p:extLst>
+              <p:ext uri="{386F3935-93C4-4BCD-93E2-E3B085C9AB24}">
+                <p16:designElem xmlns:p16="http://schemas.microsoft.com/office/powerpoint/2015/main" val="1"/>
+              </p:ext>
+            </p:extLst>
+          </p:nvPr>
+        </p:nvPicPr>
+        <p:blipFill>
+          <a:blip r:embed="rId2">
+            <a:extLst>
+              <a:ext uri="{28A0092B-C50C-407E-A947-70E740481C1C}">
+                <a14:useLocalDpi xmlns:a14="http://schemas.microsoft.com/office/drawing/2010/main" val="0"/>
+              </a:ext>
+            </a:extLst>
+          </a:blip>
+          <a:stretch>
+            <a:fillRect/>
+          </a:stretch>
+        </p:blipFill>
+        <p:spPr>
+          <a:xfrm>
+            <a:off x="0" y="0"/>
+            <a:ext cx="12189867" cy="6858000"/>
+          </a:xfrm>
+          <a:prstGeom prst="rect">
+            <a:avLst/>
+          </a:prstGeom>
+        </p:spPr>
+      </p:pic>
+      <p:sp useBgFill="1">
+        <p:nvSpPr>
+          <p:cNvPr id="10" name="Rectangle 9">
+            <a:extLst>
+              <a:ext uri="{FF2B5EF4-FFF2-40B4-BE49-F238E27FC236}">
+                <a16:creationId xmlns:a16="http://schemas.microsoft.com/office/drawing/2014/main" id="{92806DFD-E192-42CC-B190-3C4C95B8FF4E}"/>
+              </a:ext>
+              <a:ext uri="{C183D7F6-B498-43B3-948B-1728B52AA6E4}">
+                <adec:decorative xmlns:adec="http://schemas.microsoft.com/office/drawing/2017/decorative" val="1"/>
+              </a:ext>
+            </a:extLst>
+          </p:cNvPr>
+          <p:cNvSpPr>
+            <a:spLocks noGrp="1" noRot="1" noChangeAspect="1" noMove="1" noResize="1" noEditPoints="1" noAdjustHandles="1" noChangeArrowheads="1" noChangeShapeType="1" noTextEdit="1"/>
+          </p:cNvSpPr>
+          <p:nvPr>
+            <p:extLst>
+              <p:ext uri="{386F3935-93C4-4BCD-93E2-E3B085C9AB24}">
+                <p16:designElem xmlns:p16="http://schemas.microsoft.com/office/powerpoint/2015/main" val="1"/>
+              </p:ext>
+            </p:extLst>
+          </p:nvPr>
+        </p:nvSpPr>
+        <p:spPr>
+          <a:xfrm>
+            <a:off x="2133" y="-1"/>
+            <a:ext cx="12189867" cy="6858001"/>
+          </a:xfrm>
+          <a:prstGeom prst="rect">
+            <a:avLst/>
+          </a:prstGeom>
+          <a:ln>
+            <a:noFill/>
+          </a:ln>
+        </p:spPr>
+        <p:style>
+          <a:lnRef idx="2">
+            <a:schemeClr val="accent1">
+              <a:shade val="50000"/>
+            </a:schemeClr>
+          </a:lnRef>
+          <a:fillRef idx="1">
+            <a:schemeClr val="accent1"/>
+          </a:fillRef>
+          <a:effectRef idx="0">
+            <a:schemeClr val="accent1"/>
+          </a:effectRef>
+          <a:fontRef idx="minor">
+            <a:schemeClr val="lt1"/>
+          </a:fontRef>
+        </p:style>
+        <p:txBody>
+          <a:bodyPr rtlCol="0" anchor="ctr"/>
+          <a:lstStyle/>
+          <a:p>
+            <a:pPr algn="ctr"/>
+            <a:endParaRPr lang="en-US"/>
+          </a:p>
+        </p:txBody>
+      </p:sp>
+      <p:pic>
+        <p:nvPicPr>
+          <p:cNvPr id="12" name="Picture 11">
+            <a:extLst>
+              <a:ext uri="{FF2B5EF4-FFF2-40B4-BE49-F238E27FC236}">
+                <a16:creationId xmlns:a16="http://schemas.microsoft.com/office/drawing/2014/main" id="{9FCFF961-4E84-4FD1-859C-B7F410031CBD}"/>
+              </a:ext>
+              <a:ext uri="{C183D7F6-B498-43B3-948B-1728B52AA6E4}">
+                <adec:decorative xmlns:adec="http://schemas.microsoft.com/office/drawing/2017/decorative" val="1"/>
+              </a:ext>
+            </a:extLst>
+          </p:cNvPr>
+          <p:cNvPicPr>
+            <a:picLocks noGrp="1" noRot="1" noChangeAspect="1" noMove="1" noResize="1" noEditPoints="1" noAdjustHandles="1" noChangeArrowheads="1" noChangeShapeType="1" noCrop="1"/>
+          </p:cNvPicPr>
+          <p:nvPr>
+            <p:extLst>
+              <p:ext uri="{386F3935-93C4-4BCD-93E2-E3B085C9AB24}">
+                <p16:designElem xmlns:p16="http://schemas.microsoft.com/office/powerpoint/2015/main" val="1"/>
+              </p:ext>
+            </p:extLst>
+          </p:nvPr>
+        </p:nvPicPr>
+        <p:blipFill>
+          <a:blip r:embed="rId2">
+            <a:extLst>
+              <a:ext uri="{28A0092B-C50C-407E-A947-70E740481C1C}">
+                <a14:useLocalDpi xmlns:a14="http://schemas.microsoft.com/office/drawing/2010/main" val="0"/>
+              </a:ext>
+            </a:extLst>
+          </a:blip>
+          <a:stretch>
+            <a:fillRect/>
+          </a:stretch>
+        </p:blipFill>
+        <p:spPr>
+          <a:xfrm>
+            <a:off x="21793" y="0"/>
+            <a:ext cx="4632503" cy="6858000"/>
+          </a:xfrm>
+          <a:prstGeom prst="rect">
+            <a:avLst/>
+          </a:prstGeom>
+        </p:spPr>
+      </p:pic>
+      <p:sp>
+        <p:nvSpPr>
+          <p:cNvPr id="2" name="Title 1">
+            <a:extLst>
+              <a:ext uri="{FF2B5EF4-FFF2-40B4-BE49-F238E27FC236}">
+                <a16:creationId xmlns:a16="http://schemas.microsoft.com/office/drawing/2014/main" id="{41FA61BF-EE76-B840-755E-0E871C46C482}"/>
+              </a:ext>
+            </a:extLst>
+          </p:cNvPr>
+          <p:cNvSpPr>
+            <a:spLocks noGrp="1"/>
+          </p:cNvSpPr>
+          <p:nvPr>
+            <p:ph type="title"/>
+          </p:nvPr>
+        </p:nvSpPr>
+        <p:spPr>
+          <a:xfrm>
+            <a:off x="1389300" y="1201723"/>
+            <a:ext cx="2888120" cy="4454554"/>
+          </a:xfrm>
+        </p:spPr>
+        <p:txBody>
+          <a:bodyPr anchor="ctr">
+            <a:normAutofit/>
+          </a:bodyPr>
+          <a:lstStyle/>
+          <a:p>
+            <a:r>
+              <a:rPr lang="en-GB" sz="3600" dirty="0"/>
+              <a:t>Login Page</a:t>
+            </a:r>
+          </a:p>
+        </p:txBody>
+      </p:sp>
+      <p:sp>
+        <p:nvSpPr>
+          <p:cNvPr id="14" name="Rectangle 13">
+            <a:extLst>
+              <a:ext uri="{FF2B5EF4-FFF2-40B4-BE49-F238E27FC236}">
+                <a16:creationId xmlns:a16="http://schemas.microsoft.com/office/drawing/2014/main" id="{BB17FFD2-DBC7-4ABB-B2A0-7E18EC1B8074}"/>
+              </a:ext>
+              <a:ext uri="{C183D7F6-B498-43B3-948B-1728B52AA6E4}">
+                <adec:decorative xmlns:adec="http://schemas.microsoft.com/office/drawing/2017/decorative" val="1"/>
+              </a:ext>
+            </a:extLst>
+          </p:cNvPr>
+          <p:cNvSpPr>
+            <a:spLocks noGrp="1" noRot="1" noChangeAspect="1" noMove="1" noResize="1" noEditPoints="1" noAdjustHandles="1" noChangeArrowheads="1" noChangeShapeType="1" noTextEdit="1"/>
+          </p:cNvSpPr>
+          <p:nvPr>
+            <p:extLst>
+              <p:ext uri="{386F3935-93C4-4BCD-93E2-E3B085C9AB24}">
+                <p16:designElem xmlns:p16="http://schemas.microsoft.com/office/powerpoint/2015/main" val="1"/>
+              </p:ext>
+            </p:extLst>
+          </p:nvPr>
+        </p:nvSpPr>
+        <p:spPr>
+          <a:xfrm>
+            <a:off x="0" y="0"/>
+            <a:ext cx="964174" cy="6858000"/>
+          </a:xfrm>
+          <a:prstGeom prst="rect">
+            <a:avLst/>
+          </a:prstGeom>
+          <a:solidFill>
+            <a:schemeClr val="tx2">
+              <a:lumMod val="90000"/>
+              <a:lumOff val="10000"/>
+            </a:schemeClr>
+          </a:solidFill>
+          <a:ln>
+            <a:noFill/>
+          </a:ln>
+        </p:spPr>
+        <p:style>
+          <a:lnRef idx="2">
+            <a:schemeClr val="accent1">
+              <a:shade val="50000"/>
+            </a:schemeClr>
+          </a:lnRef>
+          <a:fillRef idx="1">
+            <a:schemeClr val="accent1"/>
+          </a:fillRef>
+          <a:effectRef idx="0">
+            <a:schemeClr val="accent1"/>
+          </a:effectRef>
+          <a:fontRef idx="minor">
+            <a:schemeClr val="lt1"/>
+          </a:fontRef>
+        </p:style>
+        <p:txBody>
+          <a:bodyPr/>
+          <a:lstStyle/>
+          <a:p>
+            <a:endParaRPr lang="en-GB"/>
+          </a:p>
+        </p:txBody>
+      </p:sp>
+      <p:sp>
+        <p:nvSpPr>
+          <p:cNvPr id="16" name="Rectangle 15">
+            <a:extLst>
+              <a:ext uri="{FF2B5EF4-FFF2-40B4-BE49-F238E27FC236}">
+                <a16:creationId xmlns:a16="http://schemas.microsoft.com/office/drawing/2014/main" id="{DF737BB4-6553-47A8-893F-178A10C6B6BF}"/>
+              </a:ext>
+              <a:ext uri="{C183D7F6-B498-43B3-948B-1728B52AA6E4}">
+                <adec:decorative xmlns:adec="http://schemas.microsoft.com/office/drawing/2017/decorative" val="1"/>
+              </a:ext>
+            </a:extLst>
+          </p:cNvPr>
+          <p:cNvSpPr>
+            <a:spLocks noGrp="1" noRot="1" noChangeAspect="1" noMove="1" noResize="1" noEditPoints="1" noAdjustHandles="1" noChangeArrowheads="1" noChangeShapeType="1" noTextEdit="1"/>
+          </p:cNvSpPr>
+          <p:nvPr>
+            <p:extLst>
+              <p:ext uri="{386F3935-93C4-4BCD-93E2-E3B085C9AB24}">
+                <p16:designElem xmlns:p16="http://schemas.microsoft.com/office/powerpoint/2015/main" val="1"/>
+              </p:ext>
+            </p:extLst>
+          </p:nvPr>
+        </p:nvSpPr>
+        <p:spPr>
+          <a:xfrm>
+            <a:off x="962042" y="0"/>
+            <a:ext cx="45719" cy="6858000"/>
+          </a:xfrm>
+          <a:prstGeom prst="rect">
+            <a:avLst/>
+          </a:prstGeom>
+          <a:solidFill>
+            <a:schemeClr val="accent6"/>
+          </a:solidFill>
+          <a:ln>
+            <a:noFill/>
+          </a:ln>
+        </p:spPr>
+        <p:style>
+          <a:lnRef idx="2">
+            <a:schemeClr val="accent1">
+              <a:shade val="50000"/>
+            </a:schemeClr>
+          </a:lnRef>
+          <a:fillRef idx="1">
+            <a:schemeClr val="accent1"/>
+          </a:fillRef>
+          <a:effectRef idx="0">
+            <a:schemeClr val="accent1"/>
+          </a:effectRef>
+          <a:fontRef idx="minor">
+            <a:schemeClr val="lt1"/>
+          </a:fontRef>
+        </p:style>
+        <p:txBody>
+          <a:bodyPr/>
+          <a:lstStyle/>
+          <a:p>
+            <a:endParaRPr lang="en-GB"/>
+          </a:p>
+        </p:txBody>
+      </p:sp>
+      <p:pic>
+        <p:nvPicPr>
+          <p:cNvPr id="7" name="Content Placeholder 6" descr="A screenshot of a login form&#10;&#10;AI-generated content may be incorrect.">
+            <a:extLst>
+              <a:ext uri="{FF2B5EF4-FFF2-40B4-BE49-F238E27FC236}">
+                <a16:creationId xmlns:a16="http://schemas.microsoft.com/office/drawing/2014/main" id="{11198B0D-4F01-9ABB-0998-BF93F85DF429}"/>
+              </a:ext>
+            </a:extLst>
+          </p:cNvPr>
+          <p:cNvPicPr>
+            <a:picLocks noGrp="1" noChangeAspect="1"/>
+          </p:cNvPicPr>
+          <p:nvPr>
+            <p:ph idx="1"/>
+          </p:nvPr>
+        </p:nvPicPr>
+        <p:blipFill>
+          <a:blip r:embed="rId3"/>
+          <a:stretch>
+            <a:fillRect/>
+          </a:stretch>
+        </p:blipFill>
+        <p:spPr>
+          <a:xfrm>
+            <a:off x="5451618" y="3428999"/>
+            <a:ext cx="2970463" cy="2628214"/>
+          </a:xfrm>
+        </p:spPr>
+      </p:pic>
+      <p:pic>
+        <p:nvPicPr>
+          <p:cNvPr id="4" name="Picture 3">
+            <a:extLst>
+              <a:ext uri="{FF2B5EF4-FFF2-40B4-BE49-F238E27FC236}">
+                <a16:creationId xmlns:a16="http://schemas.microsoft.com/office/drawing/2014/main" id="{9EB5790D-4255-5146-0B39-ADF0D38FD5B9}"/>
+              </a:ext>
+            </a:extLst>
+          </p:cNvPr>
+          <p:cNvPicPr>
+            <a:picLocks noChangeAspect="1"/>
+          </p:cNvPicPr>
+          <p:nvPr/>
+        </p:nvPicPr>
+        <p:blipFill>
+          <a:blip r:embed="rId4"/>
+          <a:stretch>
+            <a:fillRect/>
+          </a:stretch>
+        </p:blipFill>
+        <p:spPr>
+          <a:xfrm>
+            <a:off x="7822431" y="275857"/>
+            <a:ext cx="4034147" cy="2888283"/>
+          </a:xfrm>
+          <a:prstGeom prst="rect">
+            <a:avLst/>
+          </a:prstGeom>
+          <a:ln>
+            <a:solidFill>
+              <a:schemeClr val="tx1"/>
+            </a:solidFill>
+          </a:ln>
+        </p:spPr>
+      </p:pic>
+    </p:spTree>
+    <p:extLst>
+      <p:ext uri="{BB962C8B-B14F-4D97-AF65-F5344CB8AC3E}">
+        <p14:creationId xmlns:p14="http://schemas.microsoft.com/office/powerpoint/2010/main" val="2285699489"/>
+      </p:ext>
+    </p:extLst>
+  </p:cSld>
+  <p:clrMapOvr>
+    <a:overrideClrMapping bg1="lt1" tx1="dk1" bg2="lt2" tx2="dk2" accent1="accent1" accent2="accent2" accent3="accent3" accent4="accent4" accent5="accent5" accent6="accent6" hlink="hlink" folHlink="folHlink"/>
+  </p:clrMapOvr>
+</p:sld>
+</file>
+
+<file path=ppt/slides/slide4.xml><?xml version="1.0" encoding="utf-8"?>
+<p:sld xmlns:a="http://schemas.openxmlformats.org/drawingml/2006/main" xmlns:r="http://schemas.openxmlformats.org/officeDocument/2006/relationships" xmlns:p="http://schemas.openxmlformats.org/presentationml/2006/main">
+  <p:cSld>
+    <p:bg>
+      <p:bgPr>
+        <a:solidFill>
+          <a:schemeClr val="bg1"/>
+        </a:solidFill>
+        <a:effectLst/>
+      </p:bgPr>
+    </p:bg>
+    <p:spTree>
+      <p:nvGrpSpPr>
+        <p:cNvPr id="1" name=""/>
+        <p:cNvGrpSpPr/>
+        <p:nvPr/>
+      </p:nvGrpSpPr>
+      <p:grpSpPr>
+        <a:xfrm>
+          <a:off x="0" y="0"/>
+          <a:ext cx="0" cy="0"/>
+          <a:chOff x="0" y="0"/>
+          <a:chExt cx="0" cy="0"/>
+        </a:xfrm>
+      </p:grpSpPr>
+      <p:pic>
+        <p:nvPicPr>
+          <p:cNvPr id="8" name="Picture 7">
+            <a:extLst>
+              <a:ext uri="{FF2B5EF4-FFF2-40B4-BE49-F238E27FC236}">
+                <a16:creationId xmlns:a16="http://schemas.microsoft.com/office/drawing/2014/main" id="{0214283E-D7B4-49E9-932E-D7F2A2847F1F}"/>
+              </a:ext>
+              <a:ext uri="{C183D7F6-B498-43B3-948B-1728B52AA6E4}">
+                <adec:decorative xmlns:adec="http://schemas.microsoft.com/office/drawing/2017/decorative" val="1"/>
+              </a:ext>
+            </a:extLst>
+          </p:cNvPr>
+          <p:cNvPicPr>
+            <a:picLocks noGrp="1" noRot="1" noChangeAspect="1" noMove="1" noResize="1" noEditPoints="1" noAdjustHandles="1" noChangeArrowheads="1" noChangeShapeType="1" noCrop="1"/>
+          </p:cNvPicPr>
+          <p:nvPr>
+            <p:extLst>
+              <p:ext uri="{386F3935-93C4-4BCD-93E2-E3B085C9AB24}">
+                <p16:designElem xmlns:p16="http://schemas.microsoft.com/office/powerpoint/2015/main" val="1"/>
+              </p:ext>
+            </p:extLst>
+          </p:nvPr>
+        </p:nvPicPr>
+        <p:blipFill>
+          <a:blip r:embed="rId2">
+            <a:extLst>
+              <a:ext uri="{28A0092B-C50C-407E-A947-70E740481C1C}">
+                <a14:useLocalDpi xmlns:a14="http://schemas.microsoft.com/office/drawing/2010/main" val="0"/>
+              </a:ext>
+            </a:extLst>
+          </a:blip>
+          <a:stretch>
+            <a:fillRect/>
+          </a:stretch>
+        </p:blipFill>
+        <p:spPr>
+          <a:xfrm>
+            <a:off x="0" y="0"/>
+            <a:ext cx="12189867" cy="6858000"/>
+          </a:xfrm>
+          <a:prstGeom prst="rect">
+            <a:avLst/>
+          </a:prstGeom>
+        </p:spPr>
+      </p:pic>
+      <p:sp useBgFill="1">
+        <p:nvSpPr>
+          <p:cNvPr id="10" name="Rectangle 9">
+            <a:extLst>
+              <a:ext uri="{FF2B5EF4-FFF2-40B4-BE49-F238E27FC236}">
+                <a16:creationId xmlns:a16="http://schemas.microsoft.com/office/drawing/2014/main" id="{92806DFD-E192-42CC-B190-3C4C95B8FF4E}"/>
+              </a:ext>
+              <a:ext uri="{C183D7F6-B498-43B3-948B-1728B52AA6E4}">
+                <adec:decorative xmlns:adec="http://schemas.microsoft.com/office/drawing/2017/decorative" val="1"/>
+              </a:ext>
+            </a:extLst>
+          </p:cNvPr>
+          <p:cNvSpPr>
+            <a:spLocks noGrp="1" noRot="1" noChangeAspect="1" noMove="1" noResize="1" noEditPoints="1" noAdjustHandles="1" noChangeArrowheads="1" noChangeShapeType="1" noTextEdit="1"/>
+          </p:cNvSpPr>
+          <p:nvPr>
+            <p:extLst>
+              <p:ext uri="{386F3935-93C4-4BCD-93E2-E3B085C9AB24}">
+                <p16:designElem xmlns:p16="http://schemas.microsoft.com/office/powerpoint/2015/main" val="1"/>
+              </p:ext>
+            </p:extLst>
+          </p:nvPr>
+        </p:nvSpPr>
+        <p:spPr>
+          <a:xfrm>
+            <a:off x="2133" y="-1"/>
+            <a:ext cx="12189867" cy="6858001"/>
+          </a:xfrm>
+          <a:prstGeom prst="rect">
+            <a:avLst/>
+          </a:prstGeom>
+          <a:ln>
+            <a:noFill/>
+          </a:ln>
+        </p:spPr>
+        <p:style>
+          <a:lnRef idx="2">
+            <a:schemeClr val="accent1">
+              <a:shade val="50000"/>
+            </a:schemeClr>
+          </a:lnRef>
+          <a:fillRef idx="1">
+            <a:schemeClr val="accent1"/>
+          </a:fillRef>
+          <a:effectRef idx="0">
+            <a:schemeClr val="accent1"/>
+          </a:effectRef>
+          <a:fontRef idx="minor">
+            <a:schemeClr val="lt1"/>
+          </a:fontRef>
+        </p:style>
+        <p:txBody>
+          <a:bodyPr rtlCol="0" anchor="ctr"/>
+          <a:lstStyle/>
+          <a:p>
+            <a:pPr algn="ctr"/>
+            <a:endParaRPr lang="en-US"/>
+          </a:p>
+        </p:txBody>
+      </p:sp>
+      <p:pic>
+        <p:nvPicPr>
+          <p:cNvPr id="12" name="Picture 11">
+            <a:extLst>
+              <a:ext uri="{FF2B5EF4-FFF2-40B4-BE49-F238E27FC236}">
+                <a16:creationId xmlns:a16="http://schemas.microsoft.com/office/drawing/2014/main" id="{9FCFF961-4E84-4FD1-859C-B7F410031CBD}"/>
+              </a:ext>
+              <a:ext uri="{C183D7F6-B498-43B3-948B-1728B52AA6E4}">
+                <adec:decorative xmlns:adec="http://schemas.microsoft.com/office/drawing/2017/decorative" val="1"/>
+              </a:ext>
+            </a:extLst>
+          </p:cNvPr>
+          <p:cNvPicPr>
+            <a:picLocks noGrp="1" noRot="1" noChangeAspect="1" noMove="1" noResize="1" noEditPoints="1" noAdjustHandles="1" noChangeArrowheads="1" noChangeShapeType="1" noCrop="1"/>
+          </p:cNvPicPr>
+          <p:nvPr>
+            <p:extLst>
+              <p:ext uri="{386F3935-93C4-4BCD-93E2-E3B085C9AB24}">
+                <p16:designElem xmlns:p16="http://schemas.microsoft.com/office/powerpoint/2015/main" val="1"/>
+              </p:ext>
+            </p:extLst>
+          </p:nvPr>
+        </p:nvPicPr>
+        <p:blipFill>
+          <a:blip r:embed="rId2">
+            <a:extLst>
+              <a:ext uri="{28A0092B-C50C-407E-A947-70E740481C1C}">
+                <a14:useLocalDpi xmlns:a14="http://schemas.microsoft.com/office/drawing/2010/main" val="0"/>
+              </a:ext>
+            </a:extLst>
+          </a:blip>
+          <a:stretch>
+            <a:fillRect/>
+          </a:stretch>
+        </p:blipFill>
+        <p:spPr>
+          <a:xfrm>
+            <a:off x="21793" y="0"/>
+            <a:ext cx="4632503" cy="6858000"/>
+          </a:xfrm>
+          <a:prstGeom prst="rect">
+            <a:avLst/>
+          </a:prstGeom>
+        </p:spPr>
+      </p:pic>
+      <p:sp>
+        <p:nvSpPr>
+          <p:cNvPr id="2" name="Title 1">
+            <a:extLst>
+              <a:ext uri="{FF2B5EF4-FFF2-40B4-BE49-F238E27FC236}">
+                <a16:creationId xmlns:a16="http://schemas.microsoft.com/office/drawing/2014/main" id="{65F7DA5E-34A4-54C6-5945-5143B8FD9B30}"/>
+              </a:ext>
+            </a:extLst>
+          </p:cNvPr>
+          <p:cNvSpPr>
+            <a:spLocks noGrp="1"/>
+          </p:cNvSpPr>
+          <p:nvPr>
+            <p:ph type="title"/>
+          </p:nvPr>
+        </p:nvSpPr>
+        <p:spPr>
+          <a:xfrm>
+            <a:off x="1389300" y="1201723"/>
+            <a:ext cx="2888120" cy="4454554"/>
+          </a:xfrm>
+        </p:spPr>
+        <p:txBody>
+          <a:bodyPr anchor="ctr">
+            <a:normAutofit/>
+          </a:bodyPr>
+          <a:lstStyle/>
+          <a:p>
+            <a:r>
+              <a:rPr lang="en-GB" sz="3600" dirty="0"/>
+              <a:t>Dashboard Page</a:t>
+            </a:r>
+          </a:p>
+        </p:txBody>
+      </p:sp>
+      <p:sp>
+        <p:nvSpPr>
+          <p:cNvPr id="14" name="Rectangle 13">
+            <a:extLst>
+              <a:ext uri="{FF2B5EF4-FFF2-40B4-BE49-F238E27FC236}">
+                <a16:creationId xmlns:a16="http://schemas.microsoft.com/office/drawing/2014/main" id="{BB17FFD2-DBC7-4ABB-B2A0-7E18EC1B8074}"/>
+              </a:ext>
+              <a:ext uri="{C183D7F6-B498-43B3-948B-1728B52AA6E4}">
+                <adec:decorative xmlns:adec="http://schemas.microsoft.com/office/drawing/2017/decorative" val="1"/>
+              </a:ext>
+            </a:extLst>
+          </p:cNvPr>
+          <p:cNvSpPr>
+            <a:spLocks noGrp="1" noRot="1" noChangeAspect="1" noMove="1" noResize="1" noEditPoints="1" noAdjustHandles="1" noChangeArrowheads="1" noChangeShapeType="1" noTextEdit="1"/>
+          </p:cNvSpPr>
+          <p:nvPr>
+            <p:extLst>
+              <p:ext uri="{386F3935-93C4-4BCD-93E2-E3B085C9AB24}">
+                <p16:designElem xmlns:p16="http://schemas.microsoft.com/office/powerpoint/2015/main" val="1"/>
+              </p:ext>
+            </p:extLst>
+          </p:nvPr>
+        </p:nvSpPr>
+        <p:spPr>
+          <a:xfrm>
+            <a:off x="0" y="0"/>
+            <a:ext cx="964174" cy="6858000"/>
+          </a:xfrm>
+          <a:prstGeom prst="rect">
+            <a:avLst/>
+          </a:prstGeom>
+          <a:solidFill>
+            <a:schemeClr val="tx2">
+              <a:lumMod val="90000"/>
+              <a:lumOff val="10000"/>
+            </a:schemeClr>
+          </a:solidFill>
+          <a:ln>
+            <a:noFill/>
+          </a:ln>
+        </p:spPr>
+        <p:style>
+          <a:lnRef idx="2">
+            <a:schemeClr val="accent1">
+              <a:shade val="50000"/>
+            </a:schemeClr>
+          </a:lnRef>
+          <a:fillRef idx="1">
+            <a:schemeClr val="accent1"/>
+          </a:fillRef>
+          <a:effectRef idx="0">
+            <a:schemeClr val="accent1"/>
+          </a:effectRef>
+          <a:fontRef idx="minor">
+            <a:schemeClr val="lt1"/>
+          </a:fontRef>
+        </p:style>
+        <p:txBody>
+          <a:bodyPr/>
+          <a:lstStyle/>
+          <a:p>
+            <a:endParaRPr lang="en-GB"/>
+          </a:p>
+        </p:txBody>
+      </p:sp>
+      <p:sp>
+        <p:nvSpPr>
+          <p:cNvPr id="16" name="Rectangle 15">
+            <a:extLst>
+              <a:ext uri="{FF2B5EF4-FFF2-40B4-BE49-F238E27FC236}">
+                <a16:creationId xmlns:a16="http://schemas.microsoft.com/office/drawing/2014/main" id="{DF737BB4-6553-47A8-893F-178A10C6B6BF}"/>
+              </a:ext>
+              <a:ext uri="{C183D7F6-B498-43B3-948B-1728B52AA6E4}">
+                <adec:decorative xmlns:adec="http://schemas.microsoft.com/office/drawing/2017/decorative" val="1"/>
+              </a:ext>
+            </a:extLst>
+          </p:cNvPr>
+          <p:cNvSpPr>
+            <a:spLocks noGrp="1" noRot="1" noChangeAspect="1" noMove="1" noResize="1" noEditPoints="1" noAdjustHandles="1" noChangeArrowheads="1" noChangeShapeType="1" noTextEdit="1"/>
+          </p:cNvSpPr>
+          <p:nvPr>
+            <p:extLst>
+              <p:ext uri="{386F3935-93C4-4BCD-93E2-E3B085C9AB24}">
+                <p16:designElem xmlns:p16="http://schemas.microsoft.com/office/powerpoint/2015/main" val="1"/>
+              </p:ext>
+            </p:extLst>
+          </p:nvPr>
+        </p:nvSpPr>
+        <p:spPr>
+          <a:xfrm>
+            <a:off x="962042" y="0"/>
+            <a:ext cx="45719" cy="6858000"/>
+          </a:xfrm>
+          <a:prstGeom prst="rect">
+            <a:avLst/>
+          </a:prstGeom>
+          <a:solidFill>
+            <a:schemeClr val="accent6"/>
+          </a:solidFill>
+          <a:ln>
+            <a:noFill/>
+          </a:ln>
+        </p:spPr>
+        <p:style>
+          <a:lnRef idx="2">
+            <a:schemeClr val="accent1">
+              <a:shade val="50000"/>
+            </a:schemeClr>
+          </a:lnRef>
+          <a:fillRef idx="1">
+            <a:schemeClr val="accent1"/>
+          </a:fillRef>
+          <a:effectRef idx="0">
+            <a:schemeClr val="accent1"/>
+          </a:effectRef>
+          <a:fontRef idx="minor">
+            <a:schemeClr val="lt1"/>
+          </a:fontRef>
+        </p:style>
+        <p:txBody>
+          <a:bodyPr/>
+          <a:lstStyle/>
+          <a:p>
+            <a:endParaRPr lang="en-GB"/>
+          </a:p>
+        </p:txBody>
+      </p:sp>
+      <p:pic>
+        <p:nvPicPr>
+          <p:cNvPr id="4" name="Picture 3">
+            <a:extLst>
+              <a:ext uri="{FF2B5EF4-FFF2-40B4-BE49-F238E27FC236}">
+                <a16:creationId xmlns:a16="http://schemas.microsoft.com/office/drawing/2014/main" id="{F7C515AB-5C48-358F-8630-B4A2EC5079CF}"/>
+              </a:ext>
+            </a:extLst>
+          </p:cNvPr>
+          <p:cNvPicPr>
+            <a:picLocks noChangeAspect="1"/>
+          </p:cNvPicPr>
+          <p:nvPr/>
+        </p:nvPicPr>
+        <p:blipFill>
+          <a:blip r:embed="rId3"/>
+          <a:stretch>
+            <a:fillRect/>
+          </a:stretch>
+        </p:blipFill>
+        <p:spPr>
+          <a:xfrm>
+            <a:off x="5035835" y="442504"/>
+            <a:ext cx="6287032" cy="3287286"/>
+          </a:xfrm>
+          <a:prstGeom prst="rect">
+            <a:avLst/>
+          </a:prstGeom>
+          <a:ln>
+            <a:solidFill>
+              <a:schemeClr val="tx1"/>
+            </a:solidFill>
+          </a:ln>
+        </p:spPr>
+      </p:pic>
+      <p:pic>
+        <p:nvPicPr>
+          <p:cNvPr id="5" name="Picture 4">
+            <a:extLst>
+              <a:ext uri="{FF2B5EF4-FFF2-40B4-BE49-F238E27FC236}">
+                <a16:creationId xmlns:a16="http://schemas.microsoft.com/office/drawing/2014/main" id="{935E48EA-08CA-3418-197D-54C4E6F2AA97}"/>
+              </a:ext>
+            </a:extLst>
+          </p:cNvPr>
+          <p:cNvPicPr>
+            <a:picLocks noChangeAspect="1"/>
+          </p:cNvPicPr>
+          <p:nvPr/>
+        </p:nvPicPr>
+        <p:blipFill>
+          <a:blip r:embed="rId4"/>
+          <a:stretch>
+            <a:fillRect/>
+          </a:stretch>
+        </p:blipFill>
+        <p:spPr>
+          <a:xfrm>
+            <a:off x="8179351" y="3994633"/>
+            <a:ext cx="3747294" cy="1959339"/>
+          </a:xfrm>
+          <a:prstGeom prst="rect">
+            <a:avLst/>
+          </a:prstGeom>
+        </p:spPr>
+      </p:pic>
+      <p:pic>
+        <p:nvPicPr>
+          <p:cNvPr id="6" name="Picture 5">
+            <a:extLst>
+              <a:ext uri="{FF2B5EF4-FFF2-40B4-BE49-F238E27FC236}">
+                <a16:creationId xmlns:a16="http://schemas.microsoft.com/office/drawing/2014/main" id="{8C33BC68-D3FD-51C9-C394-AB8ADC6E9C60}"/>
+              </a:ext>
+            </a:extLst>
+          </p:cNvPr>
+          <p:cNvPicPr>
+            <a:picLocks noChangeAspect="1"/>
+          </p:cNvPicPr>
+          <p:nvPr/>
+        </p:nvPicPr>
+        <p:blipFill>
+          <a:blip r:embed="rId5"/>
+          <a:stretch>
+            <a:fillRect/>
+          </a:stretch>
+        </p:blipFill>
+        <p:spPr>
+          <a:xfrm>
+            <a:off x="4893238" y="3778163"/>
+            <a:ext cx="3168650" cy="2882900"/>
+          </a:xfrm>
+          <a:prstGeom prst="rect">
+            <a:avLst/>
+          </a:prstGeom>
+          <a:ln>
+            <a:solidFill>
+              <a:schemeClr val="tx1"/>
+            </a:solidFill>
+          </a:ln>
+        </p:spPr>
+      </p:pic>
+    </p:spTree>
+    <p:extLst>
+      <p:ext uri="{BB962C8B-B14F-4D97-AF65-F5344CB8AC3E}">
+        <p14:creationId xmlns:p14="http://schemas.microsoft.com/office/powerpoint/2010/main" val="826233167"/>
+      </p:ext>
+    </p:extLst>
+  </p:cSld>
+  <p:clrMapOvr>
+    <a:overrideClrMapping bg1="lt1" tx1="dk1" bg2="lt2" tx2="dk2" accent1="accent1" accent2="accent2" accent3="accent3" accent4="accent4" accent5="accent5" accent6="accent6" hlink="hlink" folHlink="folHlink"/>
+  </p:clrMapOvr>
+</p:sld>
+</file>
+
+<file path=ppt/slides/slide5.xml><?xml version="1.0" encoding="utf-8"?>
+<p:sld xmlns:a="http://schemas.openxmlformats.org/drawingml/2006/main" xmlns:r="http://schemas.openxmlformats.org/officeDocument/2006/relationships" xmlns:p="http://schemas.openxmlformats.org/presentationml/2006/main">
+  <p:cSld>
+    <p:bg>
+      <p:bgPr>
+        <a:solidFill>
+          <a:schemeClr val="bg1"/>
+        </a:solidFill>
+        <a:effectLst/>
+      </p:bgPr>
+    </p:bg>
+    <p:spTree>
+      <p:nvGrpSpPr>
+        <p:cNvPr id="1" name=""/>
+        <p:cNvGrpSpPr/>
+        <p:nvPr/>
+      </p:nvGrpSpPr>
+      <p:grpSpPr>
+        <a:xfrm>
+          <a:off x="0" y="0"/>
+          <a:ext cx="0" cy="0"/>
+          <a:chOff x="0" y="0"/>
+          <a:chExt cx="0" cy="0"/>
+        </a:xfrm>
+      </p:grpSpPr>
+      <p:pic>
+        <p:nvPicPr>
+          <p:cNvPr id="8" name="Picture 7">
+            <a:extLst>
+              <a:ext uri="{FF2B5EF4-FFF2-40B4-BE49-F238E27FC236}">
+                <a16:creationId xmlns:a16="http://schemas.microsoft.com/office/drawing/2014/main" id="{0214283E-D7B4-49E9-932E-D7F2A2847F1F}"/>
+              </a:ext>
+              <a:ext uri="{C183D7F6-B498-43B3-948B-1728B52AA6E4}">
+                <adec:decorative xmlns:adec="http://schemas.microsoft.com/office/drawing/2017/decorative" val="1"/>
+              </a:ext>
+            </a:extLst>
+          </p:cNvPr>
+          <p:cNvPicPr>
+            <a:picLocks noGrp="1" noRot="1" noChangeAspect="1" noMove="1" noResize="1" noEditPoints="1" noAdjustHandles="1" noChangeArrowheads="1" noChangeShapeType="1" noCrop="1"/>
+          </p:cNvPicPr>
+          <p:nvPr>
+            <p:extLst>
+              <p:ext uri="{386F3935-93C4-4BCD-93E2-E3B085C9AB24}">
+                <p16:designElem xmlns:p16="http://schemas.microsoft.com/office/powerpoint/2015/main" val="1"/>
+              </p:ext>
+            </p:extLst>
+          </p:nvPr>
+        </p:nvPicPr>
+        <p:blipFill>
+          <a:blip r:embed="rId3">
+            <a:extLst>
+              <a:ext uri="{28A0092B-C50C-407E-A947-70E740481C1C}">
+                <a14:useLocalDpi xmlns:a14="http://schemas.microsoft.com/office/drawing/2010/main" val="0"/>
+              </a:ext>
+            </a:extLst>
+          </a:blip>
+          <a:stretch>
+            <a:fillRect/>
+          </a:stretch>
+        </p:blipFill>
+        <p:spPr>
+          <a:xfrm>
+            <a:off x="0" y="0"/>
+            <a:ext cx="12189867" cy="6858000"/>
+          </a:xfrm>
+          <a:prstGeom prst="rect">
+            <a:avLst/>
+          </a:prstGeom>
+        </p:spPr>
+      </p:pic>
+      <p:sp useBgFill="1">
+        <p:nvSpPr>
+          <p:cNvPr id="10" name="Rectangle 9">
+            <a:extLst>
+              <a:ext uri="{FF2B5EF4-FFF2-40B4-BE49-F238E27FC236}">
+                <a16:creationId xmlns:a16="http://schemas.microsoft.com/office/drawing/2014/main" id="{92806DFD-E192-42CC-B190-3C4C95B8FF4E}"/>
+              </a:ext>
+              <a:ext uri="{C183D7F6-B498-43B3-948B-1728B52AA6E4}">
+                <adec:decorative xmlns:adec="http://schemas.microsoft.com/office/drawing/2017/decorative" val="1"/>
+              </a:ext>
+            </a:extLst>
+          </p:cNvPr>
+          <p:cNvSpPr>
+            <a:spLocks noGrp="1" noRot="1" noChangeAspect="1" noMove="1" noResize="1" noEditPoints="1" noAdjustHandles="1" noChangeArrowheads="1" noChangeShapeType="1" noTextEdit="1"/>
+          </p:cNvSpPr>
+          <p:nvPr>
+            <p:extLst>
+              <p:ext uri="{386F3935-93C4-4BCD-93E2-E3B085C9AB24}">
+                <p16:designElem xmlns:p16="http://schemas.microsoft.com/office/powerpoint/2015/main" val="1"/>
+              </p:ext>
+            </p:extLst>
+          </p:nvPr>
+        </p:nvSpPr>
+        <p:spPr>
+          <a:xfrm>
+            <a:off x="2133" y="-1"/>
+            <a:ext cx="12189867" cy="6858001"/>
+          </a:xfrm>
+          <a:prstGeom prst="rect">
+            <a:avLst/>
+          </a:prstGeom>
+          <a:ln>
+            <a:noFill/>
+          </a:ln>
+        </p:spPr>
+        <p:style>
+          <a:lnRef idx="2">
+            <a:schemeClr val="accent1">
+              <a:shade val="50000"/>
+            </a:schemeClr>
+          </a:lnRef>
+          <a:fillRef idx="1">
+            <a:schemeClr val="accent1"/>
+          </a:fillRef>
+          <a:effectRef idx="0">
+            <a:schemeClr val="accent1"/>
+          </a:effectRef>
+          <a:fontRef idx="minor">
+            <a:schemeClr val="lt1"/>
+          </a:fontRef>
+        </p:style>
+        <p:txBody>
+          <a:bodyPr rtlCol="0" anchor="ctr"/>
+          <a:lstStyle/>
+          <a:p>
+            <a:pPr algn="ctr"/>
+            <a:endParaRPr lang="en-US"/>
+          </a:p>
+        </p:txBody>
+      </p:sp>
+      <p:pic>
+        <p:nvPicPr>
+          <p:cNvPr id="12" name="Picture 11">
+            <a:extLst>
+              <a:ext uri="{FF2B5EF4-FFF2-40B4-BE49-F238E27FC236}">
+                <a16:creationId xmlns:a16="http://schemas.microsoft.com/office/drawing/2014/main" id="{9FCFF961-4E84-4FD1-859C-B7F410031CBD}"/>
+              </a:ext>
+              <a:ext uri="{C183D7F6-B498-43B3-948B-1728B52AA6E4}">
+                <adec:decorative xmlns:adec="http://schemas.microsoft.com/office/drawing/2017/decorative" val="1"/>
+              </a:ext>
+            </a:extLst>
+          </p:cNvPr>
+          <p:cNvPicPr>
+            <a:picLocks noGrp="1" noRot="1" noChangeAspect="1" noMove="1" noResize="1" noEditPoints="1" noAdjustHandles="1" noChangeArrowheads="1" noChangeShapeType="1" noCrop="1"/>
+          </p:cNvPicPr>
+          <p:nvPr>
+            <p:extLst>
+              <p:ext uri="{386F3935-93C4-4BCD-93E2-E3B085C9AB24}">
+                <p16:designElem xmlns:p16="http://schemas.microsoft.com/office/powerpoint/2015/main" val="1"/>
+              </p:ext>
+            </p:extLst>
+          </p:nvPr>
+        </p:nvPicPr>
+        <p:blipFill>
+          <a:blip r:embed="rId3">
+            <a:extLst>
+              <a:ext uri="{28A0092B-C50C-407E-A947-70E740481C1C}">
+                <a14:useLocalDpi xmlns:a14="http://schemas.microsoft.com/office/drawing/2010/main" val="0"/>
+              </a:ext>
+            </a:extLst>
+          </a:blip>
+          <a:stretch>
+            <a:fillRect/>
+          </a:stretch>
+        </p:blipFill>
+        <p:spPr>
+          <a:xfrm>
+            <a:off x="21793" y="0"/>
+            <a:ext cx="4632503" cy="6858000"/>
+          </a:xfrm>
+          <a:prstGeom prst="rect">
+            <a:avLst/>
+          </a:prstGeom>
+        </p:spPr>
+      </p:pic>
+      <p:sp>
+        <p:nvSpPr>
+          <p:cNvPr id="2" name="Title 1">
+            <a:extLst>
+              <a:ext uri="{FF2B5EF4-FFF2-40B4-BE49-F238E27FC236}">
+                <a16:creationId xmlns:a16="http://schemas.microsoft.com/office/drawing/2014/main" id="{EE04A1DA-BF41-401C-6CEF-ECFB7816A6E2}"/>
+              </a:ext>
+            </a:extLst>
+          </p:cNvPr>
+          <p:cNvSpPr>
+            <a:spLocks noGrp="1"/>
+          </p:cNvSpPr>
+          <p:nvPr>
+            <p:ph type="title"/>
+          </p:nvPr>
+        </p:nvSpPr>
+        <p:spPr>
+          <a:xfrm>
+            <a:off x="1389300" y="1201723"/>
+            <a:ext cx="2888120" cy="4454554"/>
+          </a:xfrm>
+        </p:spPr>
+        <p:txBody>
+          <a:bodyPr anchor="ctr">
+            <a:normAutofit/>
+          </a:bodyPr>
+          <a:lstStyle/>
+          <a:p>
+            <a:r>
+              <a:rPr lang="en-GB" sz="3600" dirty="0"/>
+              <a:t>Stocks Page</a:t>
+            </a:r>
+          </a:p>
+        </p:txBody>
+      </p:sp>
+      <p:sp>
+        <p:nvSpPr>
+          <p:cNvPr id="14" name="Rectangle 13">
+            <a:extLst>
+              <a:ext uri="{FF2B5EF4-FFF2-40B4-BE49-F238E27FC236}">
+                <a16:creationId xmlns:a16="http://schemas.microsoft.com/office/drawing/2014/main" id="{BB17FFD2-DBC7-4ABB-B2A0-7E18EC1B8074}"/>
+              </a:ext>
+              <a:ext uri="{C183D7F6-B498-43B3-948B-1728B52AA6E4}">
+                <adec:decorative xmlns:adec="http://schemas.microsoft.com/office/drawing/2017/decorative" val="1"/>
+              </a:ext>
+            </a:extLst>
+          </p:cNvPr>
+          <p:cNvSpPr>
+            <a:spLocks noGrp="1" noRot="1" noChangeAspect="1" noMove="1" noResize="1" noEditPoints="1" noAdjustHandles="1" noChangeArrowheads="1" noChangeShapeType="1" noTextEdit="1"/>
+          </p:cNvSpPr>
+          <p:nvPr>
+            <p:extLst>
+              <p:ext uri="{386F3935-93C4-4BCD-93E2-E3B085C9AB24}">
+                <p16:designElem xmlns:p16="http://schemas.microsoft.com/office/powerpoint/2015/main" val="1"/>
+              </p:ext>
+            </p:extLst>
+          </p:nvPr>
+        </p:nvSpPr>
+        <p:spPr>
+          <a:xfrm>
+            <a:off x="0" y="0"/>
+            <a:ext cx="964174" cy="6858000"/>
+          </a:xfrm>
+          <a:prstGeom prst="rect">
+            <a:avLst/>
+          </a:prstGeom>
+          <a:solidFill>
+            <a:schemeClr val="tx2">
+              <a:lumMod val="90000"/>
+              <a:lumOff val="10000"/>
+            </a:schemeClr>
+          </a:solidFill>
+          <a:ln>
+            <a:noFill/>
+          </a:ln>
+        </p:spPr>
+        <p:style>
+          <a:lnRef idx="2">
+            <a:schemeClr val="accent1">
+              <a:shade val="50000"/>
+            </a:schemeClr>
+          </a:lnRef>
+          <a:fillRef idx="1">
+            <a:schemeClr val="accent1"/>
+          </a:fillRef>
+          <a:effectRef idx="0">
+            <a:schemeClr val="accent1"/>
+          </a:effectRef>
+          <a:fontRef idx="minor">
+            <a:schemeClr val="lt1"/>
+          </a:fontRef>
+        </p:style>
+        <p:txBody>
+          <a:bodyPr/>
+          <a:lstStyle/>
+          <a:p>
+            <a:endParaRPr lang="en-GB"/>
+          </a:p>
+        </p:txBody>
+      </p:sp>
+      <p:sp>
+        <p:nvSpPr>
+          <p:cNvPr id="16" name="Rectangle 15">
+            <a:extLst>
+              <a:ext uri="{FF2B5EF4-FFF2-40B4-BE49-F238E27FC236}">
+                <a16:creationId xmlns:a16="http://schemas.microsoft.com/office/drawing/2014/main" id="{DF737BB4-6553-47A8-893F-178A10C6B6BF}"/>
+              </a:ext>
+              <a:ext uri="{C183D7F6-B498-43B3-948B-1728B52AA6E4}">
+                <adec:decorative xmlns:adec="http://schemas.microsoft.com/office/drawing/2017/decorative" val="1"/>
+              </a:ext>
+            </a:extLst>
+          </p:cNvPr>
+          <p:cNvSpPr>
+            <a:spLocks noGrp="1" noRot="1" noChangeAspect="1" noMove="1" noResize="1" noEditPoints="1" noAdjustHandles="1" noChangeArrowheads="1" noChangeShapeType="1" noTextEdit="1"/>
+          </p:cNvSpPr>
+          <p:nvPr>
+            <p:extLst>
+              <p:ext uri="{386F3935-93C4-4BCD-93E2-E3B085C9AB24}">
+                <p16:designElem xmlns:p16="http://schemas.microsoft.com/office/powerpoint/2015/main" val="1"/>
+              </p:ext>
+            </p:extLst>
+          </p:nvPr>
+        </p:nvSpPr>
+        <p:spPr>
+          <a:xfrm>
+            <a:off x="962042" y="0"/>
+            <a:ext cx="45719" cy="6858000"/>
+          </a:xfrm>
+          <a:prstGeom prst="rect">
+            <a:avLst/>
+          </a:prstGeom>
+          <a:solidFill>
+            <a:schemeClr val="accent6"/>
+          </a:solidFill>
+          <a:ln>
+            <a:noFill/>
+          </a:ln>
+        </p:spPr>
+        <p:style>
+          <a:lnRef idx="2">
+            <a:schemeClr val="accent1">
+              <a:shade val="50000"/>
+            </a:schemeClr>
+          </a:lnRef>
+          <a:fillRef idx="1">
+            <a:schemeClr val="accent1"/>
+          </a:fillRef>
+          <a:effectRef idx="0">
+            <a:schemeClr val="accent1"/>
+          </a:effectRef>
+          <a:fontRef idx="minor">
+            <a:schemeClr val="lt1"/>
+          </a:fontRef>
+        </p:style>
+        <p:txBody>
+          <a:bodyPr/>
+          <a:lstStyle/>
+          <a:p>
+            <a:endParaRPr lang="en-GB"/>
+          </a:p>
+        </p:txBody>
+      </p:sp>
+      <p:pic>
+        <p:nvPicPr>
+          <p:cNvPr id="4" name="Picture 3">
+            <a:extLst>
+              <a:ext uri="{FF2B5EF4-FFF2-40B4-BE49-F238E27FC236}">
+                <a16:creationId xmlns:a16="http://schemas.microsoft.com/office/drawing/2014/main" id="{D40C02D7-B123-E771-AFA7-08FE270200E2}"/>
+              </a:ext>
+            </a:extLst>
+          </p:cNvPr>
+          <p:cNvPicPr>
+            <a:picLocks noChangeAspect="1"/>
+          </p:cNvPicPr>
+          <p:nvPr/>
+        </p:nvPicPr>
+        <p:blipFill>
+          <a:blip r:embed="rId4"/>
+          <a:stretch>
+            <a:fillRect/>
+          </a:stretch>
+        </p:blipFill>
+        <p:spPr>
+          <a:xfrm>
+            <a:off x="5329969" y="129312"/>
+            <a:ext cx="6616700" cy="5054600"/>
+          </a:xfrm>
+          <a:prstGeom prst="rect">
+            <a:avLst/>
+          </a:prstGeom>
+        </p:spPr>
+      </p:pic>
+    </p:spTree>
+    <p:extLst>
+      <p:ext uri="{BB962C8B-B14F-4D97-AF65-F5344CB8AC3E}">
+        <p14:creationId xmlns:p14="http://schemas.microsoft.com/office/powerpoint/2010/main" val="2779407748"/>
+      </p:ext>
+    </p:extLst>
+  </p:cSld>
+  <p:clrMapOvr>
+    <a:overrideClrMapping bg1="lt1" tx1="dk1" bg2="lt2" tx2="dk2" accent1="accent1" accent2="accent2" accent3="accent3" accent4="accent4" accent5="accent5" accent6="accent6" hlink="hlink" folHlink="folHlink"/>
+  </p:clrMapOvr>
+</p:sld>
+</file>
+
+<file path=ppt/slides/slide6.xml><?xml version="1.0" encoding="utf-8"?>
+<p:sld xmlns:a="http://schemas.openxmlformats.org/drawingml/2006/main" xmlns:r="http://schemas.openxmlformats.org/officeDocument/2006/relationships" xmlns:p="http://schemas.openxmlformats.org/presentationml/2006/main">
+  <p:cSld>
+    <p:bg>
+      <p:bgPr>
+        <a:solidFill>
+          <a:schemeClr val="bg1"/>
+        </a:solidFill>
+        <a:effectLst/>
+      </p:bgPr>
+    </p:bg>
+    <p:spTree>
+      <p:nvGrpSpPr>
+        <p:cNvPr id="1" name=""/>
+        <p:cNvGrpSpPr/>
+        <p:nvPr/>
+      </p:nvGrpSpPr>
+      <p:grpSpPr>
+        <a:xfrm>
+          <a:off x="0" y="0"/>
+          <a:ext cx="0" cy="0"/>
+          <a:chOff x="0" y="0"/>
+          <a:chExt cx="0" cy="0"/>
+        </a:xfrm>
+      </p:grpSpPr>
+      <p:pic>
+        <p:nvPicPr>
+          <p:cNvPr id="8" name="Picture 7">
+            <a:extLst>
+              <a:ext uri="{FF2B5EF4-FFF2-40B4-BE49-F238E27FC236}">
+                <a16:creationId xmlns:a16="http://schemas.microsoft.com/office/drawing/2014/main" id="{0214283E-D7B4-49E9-932E-D7F2A2847F1F}"/>
+              </a:ext>
+              <a:ext uri="{C183D7F6-B498-43B3-948B-1728B52AA6E4}">
+                <adec:decorative xmlns:adec="http://schemas.microsoft.com/office/drawing/2017/decorative" val="1"/>
+              </a:ext>
+            </a:extLst>
+          </p:cNvPr>
+          <p:cNvPicPr>
+            <a:picLocks noGrp="1" noRot="1" noChangeAspect="1" noMove="1" noResize="1" noEditPoints="1" noAdjustHandles="1" noChangeArrowheads="1" noChangeShapeType="1" noCrop="1"/>
+          </p:cNvPicPr>
+          <p:nvPr>
+            <p:extLst>
+              <p:ext uri="{386F3935-93C4-4BCD-93E2-E3B085C9AB24}">
+                <p16:designElem xmlns:p16="http://schemas.microsoft.com/office/powerpoint/2015/main" val="1"/>
+              </p:ext>
+            </p:extLst>
+          </p:nvPr>
+        </p:nvPicPr>
+        <p:blipFill>
+          <a:blip r:embed="rId2">
+            <a:extLst>
+              <a:ext uri="{28A0092B-C50C-407E-A947-70E740481C1C}">
+                <a14:useLocalDpi xmlns:a14="http://schemas.microsoft.com/office/drawing/2010/main" val="0"/>
+              </a:ext>
+            </a:extLst>
+          </a:blip>
+          <a:stretch>
+            <a:fillRect/>
+          </a:stretch>
+        </p:blipFill>
+        <p:spPr>
+          <a:xfrm>
+            <a:off x="0" y="0"/>
+            <a:ext cx="12189867" cy="6858000"/>
+          </a:xfrm>
+          <a:prstGeom prst="rect">
+            <a:avLst/>
+          </a:prstGeom>
+        </p:spPr>
+      </p:pic>
+      <p:sp useBgFill="1">
+        <p:nvSpPr>
+          <p:cNvPr id="10" name="Rectangle 9">
+            <a:extLst>
+              <a:ext uri="{FF2B5EF4-FFF2-40B4-BE49-F238E27FC236}">
+                <a16:creationId xmlns:a16="http://schemas.microsoft.com/office/drawing/2014/main" id="{92806DFD-E192-42CC-B190-3C4C95B8FF4E}"/>
+              </a:ext>
+              <a:ext uri="{C183D7F6-B498-43B3-948B-1728B52AA6E4}">
+                <adec:decorative xmlns:adec="http://schemas.microsoft.com/office/drawing/2017/decorative" val="1"/>
+              </a:ext>
+            </a:extLst>
+          </p:cNvPr>
+          <p:cNvSpPr>
+            <a:spLocks noGrp="1" noRot="1" noChangeAspect="1" noMove="1" noResize="1" noEditPoints="1" noAdjustHandles="1" noChangeArrowheads="1" noChangeShapeType="1" noTextEdit="1"/>
+          </p:cNvSpPr>
+          <p:nvPr>
+            <p:extLst>
+              <p:ext uri="{386F3935-93C4-4BCD-93E2-E3B085C9AB24}">
+                <p16:designElem xmlns:p16="http://schemas.microsoft.com/office/powerpoint/2015/main" val="1"/>
+              </p:ext>
+            </p:extLst>
+          </p:nvPr>
+        </p:nvSpPr>
+        <p:spPr>
+          <a:xfrm>
+            <a:off x="2133" y="-1"/>
+            <a:ext cx="12189867" cy="6858001"/>
+          </a:xfrm>
+          <a:prstGeom prst="rect">
+            <a:avLst/>
+          </a:prstGeom>
+          <a:ln>
+            <a:noFill/>
+          </a:ln>
+        </p:spPr>
+        <p:style>
+          <a:lnRef idx="2">
+            <a:schemeClr val="accent1">
+              <a:shade val="50000"/>
+            </a:schemeClr>
+          </a:lnRef>
+          <a:fillRef idx="1">
+            <a:schemeClr val="accent1"/>
+          </a:fillRef>
+          <a:effectRef idx="0">
+            <a:schemeClr val="accent1"/>
+          </a:effectRef>
+          <a:fontRef idx="minor">
+            <a:schemeClr val="lt1"/>
+          </a:fontRef>
+        </p:style>
+        <p:txBody>
+          <a:bodyPr rtlCol="0" anchor="ctr"/>
+          <a:lstStyle/>
+          <a:p>
+            <a:pPr algn="ctr"/>
+            <a:endParaRPr lang="en-US"/>
+          </a:p>
+        </p:txBody>
+      </p:sp>
+      <p:pic>
+        <p:nvPicPr>
+          <p:cNvPr id="12" name="Picture 11">
+            <a:extLst>
+              <a:ext uri="{FF2B5EF4-FFF2-40B4-BE49-F238E27FC236}">
+                <a16:creationId xmlns:a16="http://schemas.microsoft.com/office/drawing/2014/main" id="{9FCFF961-4E84-4FD1-859C-B7F410031CBD}"/>
+              </a:ext>
+              <a:ext uri="{C183D7F6-B498-43B3-948B-1728B52AA6E4}">
+                <adec:decorative xmlns:adec="http://schemas.microsoft.com/office/drawing/2017/decorative" val="1"/>
+              </a:ext>
+            </a:extLst>
+          </p:cNvPr>
+          <p:cNvPicPr>
+            <a:picLocks noGrp="1" noRot="1" noChangeAspect="1" noMove="1" noResize="1" noEditPoints="1" noAdjustHandles="1" noChangeArrowheads="1" noChangeShapeType="1" noCrop="1"/>
+          </p:cNvPicPr>
+          <p:nvPr>
+            <p:extLst>
+              <p:ext uri="{386F3935-93C4-4BCD-93E2-E3B085C9AB24}">
+                <p16:designElem xmlns:p16="http://schemas.microsoft.com/office/powerpoint/2015/main" val="1"/>
+              </p:ext>
+            </p:extLst>
+          </p:nvPr>
+        </p:nvPicPr>
+        <p:blipFill>
+          <a:blip r:embed="rId2">
+            <a:extLst>
+              <a:ext uri="{28A0092B-C50C-407E-A947-70E740481C1C}">
+                <a14:useLocalDpi xmlns:a14="http://schemas.microsoft.com/office/drawing/2010/main" val="0"/>
+              </a:ext>
+            </a:extLst>
+          </a:blip>
+          <a:stretch>
+            <a:fillRect/>
+          </a:stretch>
+        </p:blipFill>
+        <p:spPr>
+          <a:xfrm>
+            <a:off x="21793" y="0"/>
+            <a:ext cx="4632503" cy="6858000"/>
+          </a:xfrm>
+          <a:prstGeom prst="rect">
+            <a:avLst/>
+          </a:prstGeom>
+        </p:spPr>
+      </p:pic>
+      <p:sp>
+        <p:nvSpPr>
+          <p:cNvPr id="2" name="Title 1">
+            <a:extLst>
+              <a:ext uri="{FF2B5EF4-FFF2-40B4-BE49-F238E27FC236}">
+                <a16:creationId xmlns:a16="http://schemas.microsoft.com/office/drawing/2014/main" id="{BBF398F0-B877-9422-B786-22441506BB22}"/>
+              </a:ext>
+            </a:extLst>
+          </p:cNvPr>
+          <p:cNvSpPr>
+            <a:spLocks noGrp="1"/>
+          </p:cNvSpPr>
+          <p:nvPr>
+            <p:ph type="title"/>
+          </p:nvPr>
+        </p:nvSpPr>
+        <p:spPr>
+          <a:xfrm>
+            <a:off x="1389300" y="1201723"/>
+            <a:ext cx="2888120" cy="4454554"/>
+          </a:xfrm>
+        </p:spPr>
+        <p:txBody>
+          <a:bodyPr anchor="ctr">
+            <a:normAutofit/>
+          </a:bodyPr>
+          <a:lstStyle/>
+          <a:p>
+            <a:r>
+              <a:rPr lang="en-GB" sz="3600" dirty="0"/>
+              <a:t>Settings Page</a:t>
+            </a:r>
+          </a:p>
+        </p:txBody>
+      </p:sp>
+      <p:sp>
+        <p:nvSpPr>
+          <p:cNvPr id="14" name="Rectangle 13">
+            <a:extLst>
+              <a:ext uri="{FF2B5EF4-FFF2-40B4-BE49-F238E27FC236}">
+                <a16:creationId xmlns:a16="http://schemas.microsoft.com/office/drawing/2014/main" id="{BB17FFD2-DBC7-4ABB-B2A0-7E18EC1B8074}"/>
+              </a:ext>
+              <a:ext uri="{C183D7F6-B498-43B3-948B-1728B52AA6E4}">
+                <adec:decorative xmlns:adec="http://schemas.microsoft.com/office/drawing/2017/decorative" val="1"/>
+              </a:ext>
+            </a:extLst>
+          </p:cNvPr>
+          <p:cNvSpPr>
+            <a:spLocks noGrp="1" noRot="1" noChangeAspect="1" noMove="1" noResize="1" noEditPoints="1" noAdjustHandles="1" noChangeArrowheads="1" noChangeShapeType="1" noTextEdit="1"/>
+          </p:cNvSpPr>
+          <p:nvPr>
+            <p:extLst>
+              <p:ext uri="{386F3935-93C4-4BCD-93E2-E3B085C9AB24}">
+                <p16:designElem xmlns:p16="http://schemas.microsoft.com/office/powerpoint/2015/main" val="1"/>
+              </p:ext>
+            </p:extLst>
+          </p:nvPr>
+        </p:nvSpPr>
+        <p:spPr>
+          <a:xfrm>
+            <a:off x="0" y="0"/>
+            <a:ext cx="964174" cy="6858000"/>
+          </a:xfrm>
+          <a:prstGeom prst="rect">
+            <a:avLst/>
+          </a:prstGeom>
+          <a:solidFill>
+            <a:schemeClr val="tx2">
+              <a:lumMod val="90000"/>
+              <a:lumOff val="10000"/>
+            </a:schemeClr>
+          </a:solidFill>
+          <a:ln>
+            <a:noFill/>
+          </a:ln>
+        </p:spPr>
+        <p:style>
+          <a:lnRef idx="2">
+            <a:schemeClr val="accent1">
+              <a:shade val="50000"/>
+            </a:schemeClr>
+          </a:lnRef>
+          <a:fillRef idx="1">
+            <a:schemeClr val="accent1"/>
+          </a:fillRef>
+          <a:effectRef idx="0">
+            <a:schemeClr val="accent1"/>
+          </a:effectRef>
+          <a:fontRef idx="minor">
+            <a:schemeClr val="lt1"/>
+          </a:fontRef>
+        </p:style>
+        <p:txBody>
+          <a:bodyPr/>
+          <a:lstStyle/>
+          <a:p>
+            <a:endParaRPr lang="en-GB"/>
+          </a:p>
+        </p:txBody>
+      </p:sp>
+      <p:sp>
+        <p:nvSpPr>
+          <p:cNvPr id="16" name="Rectangle 15">
+            <a:extLst>
+              <a:ext uri="{FF2B5EF4-FFF2-40B4-BE49-F238E27FC236}">
+                <a16:creationId xmlns:a16="http://schemas.microsoft.com/office/drawing/2014/main" id="{DF737BB4-6553-47A8-893F-178A10C6B6BF}"/>
+              </a:ext>
+              <a:ext uri="{C183D7F6-B498-43B3-948B-1728B52AA6E4}">
+                <adec:decorative xmlns:adec="http://schemas.microsoft.com/office/drawing/2017/decorative" val="1"/>
+              </a:ext>
+            </a:extLst>
+          </p:cNvPr>
+          <p:cNvSpPr>
+            <a:spLocks noGrp="1" noRot="1" noChangeAspect="1" noMove="1" noResize="1" noEditPoints="1" noAdjustHandles="1" noChangeArrowheads="1" noChangeShapeType="1" noTextEdit="1"/>
+          </p:cNvSpPr>
+          <p:nvPr>
+            <p:extLst>
+              <p:ext uri="{386F3935-93C4-4BCD-93E2-E3B085C9AB24}">
+                <p16:designElem xmlns:p16="http://schemas.microsoft.com/office/powerpoint/2015/main" val="1"/>
+              </p:ext>
+            </p:extLst>
+          </p:nvPr>
+        </p:nvSpPr>
+        <p:spPr>
+          <a:xfrm>
+            <a:off x="962042" y="0"/>
+            <a:ext cx="45719" cy="6858000"/>
+          </a:xfrm>
+          <a:prstGeom prst="rect">
+            <a:avLst/>
+          </a:prstGeom>
+          <a:solidFill>
+            <a:schemeClr val="accent6"/>
+          </a:solidFill>
+          <a:ln>
+            <a:noFill/>
+          </a:ln>
+        </p:spPr>
+        <p:style>
+          <a:lnRef idx="2">
+            <a:schemeClr val="accent1">
+              <a:shade val="50000"/>
+            </a:schemeClr>
+          </a:lnRef>
+          <a:fillRef idx="1">
+            <a:schemeClr val="accent1"/>
+          </a:fillRef>
+          <a:effectRef idx="0">
+            <a:schemeClr val="accent1"/>
+          </a:effectRef>
+          <a:fontRef idx="minor">
+            <a:schemeClr val="lt1"/>
+          </a:fontRef>
+        </p:style>
+        <p:txBody>
+          <a:bodyPr/>
+          <a:lstStyle/>
+          <a:p>
+            <a:endParaRPr lang="en-GB"/>
+          </a:p>
+        </p:txBody>
+      </p:sp>
+      <p:pic>
+        <p:nvPicPr>
+          <p:cNvPr id="4" name="Content Placeholder 3">
+            <a:extLst>
+              <a:ext uri="{FF2B5EF4-FFF2-40B4-BE49-F238E27FC236}">
+                <a16:creationId xmlns:a16="http://schemas.microsoft.com/office/drawing/2014/main" id="{006352F6-4683-6456-7819-76CA515154FB}"/>
+              </a:ext>
+            </a:extLst>
+          </p:cNvPr>
+          <p:cNvPicPr>
+            <a:picLocks noGrp="1" noChangeAspect="1"/>
+          </p:cNvPicPr>
+          <p:nvPr>
+            <p:ph idx="1"/>
+          </p:nvPr>
+        </p:nvPicPr>
+        <p:blipFill>
+          <a:blip r:embed="rId3"/>
+          <a:stretch>
+            <a:fillRect/>
+          </a:stretch>
+        </p:blipFill>
+        <p:spPr>
+          <a:xfrm>
+            <a:off x="7907767" y="413747"/>
+            <a:ext cx="3854304" cy="4126281"/>
+          </a:xfrm>
+          <a:prstGeom prst="rect">
+            <a:avLst/>
+          </a:prstGeom>
+        </p:spPr>
+      </p:pic>
+      <p:pic>
+        <p:nvPicPr>
+          <p:cNvPr id="6" name="Graphic 5" descr="Single gear with solid fill">
+            <a:extLst>
+              <a:ext uri="{FF2B5EF4-FFF2-40B4-BE49-F238E27FC236}">
+                <a16:creationId xmlns:a16="http://schemas.microsoft.com/office/drawing/2014/main" id="{D890E458-5BB2-794E-AB1F-5FC9266E971E}"/>
+              </a:ext>
+            </a:extLst>
+          </p:cNvPr>
+          <p:cNvPicPr>
+            <a:picLocks noChangeAspect="1"/>
+          </p:cNvPicPr>
+          <p:nvPr/>
+        </p:nvPicPr>
+        <p:blipFill>
+          <a:blip r:embed="rId4">
+            <a:extLst>
+              <a:ext uri="{96DAC541-7B7A-43D3-8B79-37D633B846F1}">
+                <asvg:svgBlip xmlns:asvg="http://schemas.microsoft.com/office/drawing/2016/SVG/main" r:embed="rId5"/>
+              </a:ext>
+            </a:extLst>
+          </a:blip>
+          <a:stretch>
+            <a:fillRect/>
+          </a:stretch>
+        </p:blipFill>
+        <p:spPr>
+          <a:xfrm>
+            <a:off x="5638800" y="4367463"/>
+            <a:ext cx="1898906" cy="1898906"/>
+          </a:xfrm>
+          <a:prstGeom prst="rect">
+            <a:avLst/>
+          </a:prstGeom>
+        </p:spPr>
+      </p:pic>
+    </p:spTree>
+    <p:extLst>
+      <p:ext uri="{BB962C8B-B14F-4D97-AF65-F5344CB8AC3E}">
+        <p14:creationId xmlns:p14="http://schemas.microsoft.com/office/powerpoint/2010/main" val="1234821280"/>
+      </p:ext>
+    </p:extLst>
+  </p:cSld>
+  <p:clrMapOvr>
+    <a:overrideClrMapping bg1="lt1" tx1="dk1" bg2="lt2" tx2="dk2" accent1="accent1" accent2="accent2" accent3="accent3" accent4="accent4" accent5="accent5" accent6="accent6" hlink="hlink" folHlink="folHlink"/>
+  </p:clrMapOvr>
+</p:sld>
+</file>
+
+<file path=ppt/slides/slide7.xml><?xml version="1.0" encoding="utf-8"?>
+<p:sld xmlns:a="http://schemas.openxmlformats.org/drawingml/2006/main" xmlns:r="http://schemas.openxmlformats.org/officeDocument/2006/relationships" xmlns:p="http://schemas.openxmlformats.org/presentationml/2006/main">
+  <p:cSld>
+    <p:bg>
+      <p:bgPr>
+        <a:blipFill rotWithShape="1">
+          <a:blip r:embed="rId2"/>
+          <a:stretch/>
+        </a:blipFill>
+        <a:effectLst/>
+      </p:bgPr>
+    </p:bg>
+    <p:spTree>
+      <p:nvGrpSpPr>
+        <p:cNvPr id="1" name=""/>
+        <p:cNvGrpSpPr/>
+        <p:nvPr/>
+      </p:nvGrpSpPr>
+      <p:grpSpPr>
+        <a:xfrm>
+          <a:off x="0" y="0"/>
+          <a:ext cx="0" cy="0"/>
+          <a:chOff x="0" y="0"/>
+          <a:chExt cx="0" cy="0"/>
+        </a:xfrm>
+      </p:grpSpPr>
+      <p:sp>
+        <p:nvSpPr>
+          <p:cNvPr id="2" name="Title 1">
+            <a:extLst>
+              <a:ext uri="{FF2B5EF4-FFF2-40B4-BE49-F238E27FC236}">
+                <a16:creationId xmlns:a16="http://schemas.microsoft.com/office/drawing/2014/main" id="{1D93EBD9-3AAE-556E-2DE4-DDA63BABC031}"/>
+              </a:ext>
+            </a:extLst>
+          </p:cNvPr>
+          <p:cNvSpPr>
+            <a:spLocks noGrp="1"/>
+          </p:cNvSpPr>
+          <p:nvPr>
+            <p:ph type="title"/>
+          </p:nvPr>
+        </p:nvSpPr>
+        <p:spPr>
+          <a:xfrm>
+            <a:off x="2611808" y="808056"/>
+            <a:ext cx="7958331" cy="1077229"/>
+          </a:xfrm>
+        </p:spPr>
+        <p:txBody>
+          <a:bodyPr>
+            <a:normAutofit/>
+          </a:bodyPr>
+          <a:lstStyle/>
+          <a:p>
+            <a:pPr algn="l"/>
+            <a:r>
+              <a:rPr lang="en-GB"/>
+              <a:t>Tests</a:t>
+            </a:r>
+          </a:p>
+        </p:txBody>
+      </p:sp>
+      <p:graphicFrame>
+        <p:nvGraphicFramePr>
+          <p:cNvPr id="18" name="Content Placeholder 2">
+            <a:extLst>
+              <a:ext uri="{FF2B5EF4-FFF2-40B4-BE49-F238E27FC236}">
+                <a16:creationId xmlns:a16="http://schemas.microsoft.com/office/drawing/2014/main" id="{6677636D-802F-7C29-6A11-BCC9E29FE235}"/>
+              </a:ext>
+            </a:extLst>
+          </p:cNvPr>
+          <p:cNvGraphicFramePr>
+            <a:graphicFrameLocks noGrp="1"/>
+          </p:cNvGraphicFramePr>
+          <p:nvPr>
+            <p:ph idx="1"/>
+            <p:extLst>
+              <p:ext uri="{D42A27DB-BD31-4B8C-83A1-F6EECF244321}">
+                <p14:modId xmlns:p14="http://schemas.microsoft.com/office/powerpoint/2010/main" val="379563875"/>
+              </p:ext>
+            </p:extLst>
+          </p:nvPr>
+        </p:nvGraphicFramePr>
+        <p:xfrm>
+          <a:off x="0" y="484742"/>
+          <a:ext cx="11016867" cy="6373258"/>
+        </p:xfrm>
+        <a:graphic>
+          <a:graphicData uri="http://schemas.openxmlformats.org/drawingml/2006/diagram">
+            <dgm:relIds xmlns:dgm="http://schemas.openxmlformats.org/drawingml/2006/diagram" xmlns:r="http://schemas.openxmlformats.org/officeDocument/2006/relationships" r:dm="rId3" r:lo="rId4" r:qs="rId5" r:cs="rId6"/>
+          </a:graphicData>
+        </a:graphic>
+      </p:graphicFrame>
+    </p:spTree>
+    <p:extLst>
+      <p:ext uri="{BB962C8B-B14F-4D97-AF65-F5344CB8AC3E}">
+        <p14:creationId xmlns:p14="http://schemas.microsoft.com/office/powerpoint/2010/main" val="2209279089"/>
+      </p:ext>
+    </p:extLst>
+  </p:cSld>
+  <p:clrMapOvr>
+    <a:masterClrMapping/>
+  </p:clrMapOvr>
+</p:sld>
+</file>
+
+<file path=ppt/slides/slide8.xml><?xml version="1.0" encoding="utf-8"?>
+<p:sld xmlns:a="http://schemas.openxmlformats.org/drawingml/2006/main" xmlns:r="http://schemas.openxmlformats.org/officeDocument/2006/relationships" xmlns:p="http://schemas.openxmlformats.org/presentationml/2006/main">
+  <p:cSld>
+    <p:spTree>
+      <p:nvGrpSpPr>
+        <p:cNvPr id="1" name=""/>
+        <p:cNvGrpSpPr/>
+        <p:nvPr/>
+      </p:nvGrpSpPr>
+      <p:grpSpPr>
+        <a:xfrm>
+          <a:off x="0" y="0"/>
+          <a:ext cx="0" cy="0"/>
+          <a:chOff x="0" y="0"/>
+          <a:chExt cx="0" cy="0"/>
+        </a:xfrm>
+      </p:grpSpPr>
+      <p:sp>
+        <p:nvSpPr>
+          <p:cNvPr id="2" name="Title 1">
+            <a:extLst>
+              <a:ext uri="{FF2B5EF4-FFF2-40B4-BE49-F238E27FC236}">
+                <a16:creationId xmlns:a16="http://schemas.microsoft.com/office/drawing/2014/main" id="{7A630419-24B4-FBC7-019E-DC87822B0EAB}"/>
+              </a:ext>
+            </a:extLst>
+          </p:cNvPr>
+          <p:cNvSpPr>
+            <a:spLocks noGrp="1"/>
+          </p:cNvSpPr>
+          <p:nvPr>
+            <p:ph type="title"/>
+          </p:nvPr>
+        </p:nvSpPr>
+        <p:spPr/>
+        <p:txBody>
+          <a:bodyPr/>
+          <a:lstStyle/>
+          <a:p>
+            <a:r>
+              <a:rPr lang="en-GB" dirty="0"/>
+              <a:t>Useful Prompts</a:t>
+            </a:r>
+          </a:p>
+        </p:txBody>
+      </p:sp>
+      <p:sp>
+        <p:nvSpPr>
+          <p:cNvPr id="3" name="Content Placeholder 2">
+            <a:extLst>
+              <a:ext uri="{FF2B5EF4-FFF2-40B4-BE49-F238E27FC236}">
+                <a16:creationId xmlns:a16="http://schemas.microsoft.com/office/drawing/2014/main" id="{C8E42913-ECFD-F91C-B0F2-E078D6BB51E0}"/>
+              </a:ext>
+            </a:extLst>
+          </p:cNvPr>
+          <p:cNvSpPr>
+            <a:spLocks noGrp="1"/>
+          </p:cNvSpPr>
+          <p:nvPr>
+            <p:ph idx="1"/>
+          </p:nvPr>
+        </p:nvSpPr>
+        <p:spPr/>
+        <p:txBody>
+          <a:bodyPr/>
+          <a:lstStyle/>
+          <a:p>
+            <a:r>
+              <a:rPr lang="en-GB" dirty="0"/>
+              <a:t>Prefix with #code base – it will find files automatically</a:t>
+            </a:r>
+          </a:p>
+          <a:p>
+            <a:r>
+              <a:rPr lang="en-GB" dirty="0"/>
+              <a:t>Use agent mode it will speed up the workflow</a:t>
+            </a:r>
+          </a:p>
+          <a:p>
+            <a:r>
+              <a:rPr lang="en-GB" dirty="0"/>
+              <a:t>Add a terminal selection to help debug errors</a:t>
+            </a:r>
+          </a:p>
+        </p:txBody>
+      </p:sp>
+    </p:spTree>
+    <p:extLst>
+      <p:ext uri="{BB962C8B-B14F-4D97-AF65-F5344CB8AC3E}">
+        <p14:creationId xmlns:p14="http://schemas.microsoft.com/office/powerpoint/2010/main" val="660654885"/>
+      </p:ext>
+    </p:extLst>
+  </p:cSld>
+  <p:clrMapOvr>
+    <a:masterClrMapping/>
+  </p:clrMapOvr>
+</p:sld>
+</file>
+
 <file path=ppt/theme/theme1.xml><?xml version="1.0" encoding="utf-8"?>
+<a:theme xmlns:a="http://schemas.openxmlformats.org/drawingml/2006/main" name="Madison">
+  <a:themeElements>
+    <a:clrScheme name="Madison">
+      <a:dk1>
+        <a:sysClr val="windowText" lastClr="000000"/>
+      </a:dk1>
+      <a:lt1>
+        <a:sysClr val="window" lastClr="FFFFFF"/>
+      </a:lt1>
+      <a:dk2>
+        <a:srgbClr val="1F2D29"/>
+      </a:dk2>
+      <a:lt2>
+        <a:srgbClr val="C5FAEB"/>
+      </a:lt2>
+      <a:accent1>
+        <a:srgbClr val="A1D68B"/>
+      </a:accent1>
+      <a:accent2>
+        <a:srgbClr val="5EC795"/>
+      </a:accent2>
+      <a:accent3>
+        <a:srgbClr val="4DADCF"/>
+      </a:accent3>
+      <a:accent4>
+        <a:srgbClr val="CDB756"/>
+      </a:accent4>
+      <a:accent5>
+        <a:srgbClr val="E29C36"/>
+      </a:accent5>
+      <a:accent6>
+        <a:srgbClr val="8EC0C1"/>
+      </a:accent6>
+      <a:hlink>
+        <a:srgbClr val="6D9D9B"/>
+      </a:hlink>
+      <a:folHlink>
+        <a:srgbClr val="6D8583"/>
+      </a:folHlink>
+    </a:clrScheme>
+    <a:fontScheme name="Madison">
+      <a:majorFont>
+        <a:latin typeface="Arial" panose="020B0604020202020204"/>
+        <a:ea typeface=""/>
+        <a:cs typeface=""/>
+        <a:font script="Jpan" typeface="ＭＳ Ｐゴシック"/>
+        <a:font script="Hang" typeface="맑은 고딕"/>
+        <a:font script="Hans" typeface="宋体"/>
+        <a:font script="Hant" typeface="新細明體"/>
+        <a:font script="Arab" typeface="Times New Roman"/>
+        <a:font script="Hebr" typeface="Times New Roman"/>
+        <a:font script="Thai" typeface="Angsana New"/>
+        <a:font script="Ethi" typeface="Nyala"/>
+        <a:font script="Beng" typeface="Vrinda"/>
+        <a:font script="Gujr" typeface="Shruti"/>
+        <a:font script="Khmr" typeface="MoolBoran"/>
+        <a:font script="Knda" typeface="Tunga"/>
+        <a:font script="Guru" typeface="Raavi"/>
+        <a:font script="Cans" typeface="Euphemia"/>
+        <a:font script="Cher" typeface="Plantagenet Cherokee"/>
+        <a:font script="Yiii" typeface="Microsoft Yi Baiti"/>
+        <a:font script="Tibt" typeface="Microsoft Himalaya"/>
+        <a:font script="Thaa" typeface="MV Boli"/>
+        <a:font script="Deva" typeface="Mangal"/>
+        <a:font script="Telu" typeface="Gautami"/>
+        <a:font script="Taml" typeface="Latha"/>
+        <a:font script="Syrc" typeface="Estrangelo Edessa"/>
+        <a:font script="Orya" typeface="Kalinga"/>
+        <a:font script="Mlym" typeface="Kartika"/>
+        <a:font script="Laoo" typeface="DokChampa"/>
+        <a:font script="Sinh" typeface="Iskoola Pota"/>
+        <a:font script="Mong" typeface="Mongolian Baiti"/>
+        <a:font script="Viet" typeface="Times New Roman"/>
+        <a:font script="Uigh" typeface="Microsoft Uighur"/>
+        <a:font script="Geor" typeface="Sylfaen"/>
+      </a:majorFont>
+      <a:minorFont>
+        <a:latin typeface="Arial" panose="020B0604020202020204"/>
+        <a:ea typeface=""/>
+        <a:cs typeface=""/>
+        <a:font script="Jpan" typeface="ＭＳ Ｐゴシック"/>
+        <a:font script="Hang" typeface="맑은 고딕"/>
+        <a:font script="Hans" typeface="宋体"/>
+        <a:font script="Hant" typeface="新細明體"/>
+        <a:font script="Arab" typeface="Arial"/>
+        <a:font script="Hebr" typeface="Arial"/>
+        <a:font script="Thai" typeface="Cordia New"/>
+        <a:font script="Ethi" typeface="Nyala"/>
+        <a:font script="Beng" typeface="Vrinda"/>
+        <a:font script="Gujr" typeface="Shruti"/>
+        <a:font script="Khmr" typeface="DaunPenh"/>
+        <a:font script="Knda" typeface="Tunga"/>
+        <a:font script="Guru" typeface="Raavi"/>
+        <a:font script="Cans" typeface="Euphemia"/>
+        <a:font script="Cher" typeface="Plantagenet Cherokee"/>
+        <a:font script="Yiii" typeface="Microsoft Yi Baiti"/>
+        <a:font script="Tibt" typeface="Microsoft Himalaya"/>
+        <a:font script="Thaa" typeface="MV Boli"/>
+        <a:font script="Deva" typeface="Mangal"/>
+        <a:font script="Telu" typeface="Gautami"/>
+        <a:font script="Taml" typeface="Latha"/>
+        <a:font script="Syrc" typeface="Estrangelo Edessa"/>
+        <a:font script="Orya" typeface="Kalinga"/>
+        <a:font script="Mlym" typeface="Kartika"/>
+        <a:font script="Laoo" typeface="DokChampa"/>
+        <a:font script="Sinh" typeface="Iskoola Pota"/>
+        <a:font script="Mong" typeface="Mongolian Baiti"/>
+        <a:font script="Viet" typeface="Arial"/>
+        <a:font script="Uigh" typeface="Microsoft Uighur"/>
+        <a:font script="Geor" typeface="Sylfaen"/>
+      </a:minorFont>
+    </a:fontScheme>
+    <a:fmtScheme name="Madison">
+      <a:fillStyleLst>
+        <a:solidFill>
+          <a:schemeClr val="phClr"/>
+        </a:solidFill>
+        <a:gradFill rotWithShape="1">
+          <a:gsLst>
+            <a:gs pos="0">
+              <a:schemeClr val="phClr">
+                <a:tint val="48000"/>
+                <a:alpha val="88000"/>
+                <a:satMod val="105000"/>
+                <a:lumMod val="110000"/>
+              </a:schemeClr>
+            </a:gs>
+            <a:gs pos="100000">
+              <a:schemeClr val="phClr">
+                <a:tint val="78000"/>
+                <a:alpha val="92000"/>
+                <a:satMod val="109000"/>
+                <a:lumMod val="100000"/>
+              </a:schemeClr>
+            </a:gs>
+          </a:gsLst>
+          <a:lin ang="5400000" scaled="0"/>
+        </a:gradFill>
+        <a:gradFill rotWithShape="1">
+          <a:gsLst>
+            <a:gs pos="0">
+              <a:schemeClr val="phClr">
+                <a:tint val="98000"/>
+                <a:satMod val="110000"/>
+                <a:lumMod val="104000"/>
+              </a:schemeClr>
+            </a:gs>
+            <a:gs pos="69000">
+              <a:schemeClr val="phClr">
+                <a:shade val="84000"/>
+                <a:satMod val="130000"/>
+                <a:lumMod val="92000"/>
+              </a:schemeClr>
+            </a:gs>
+            <a:gs pos="100000">
+              <a:schemeClr val="phClr">
+                <a:shade val="76000"/>
+                <a:satMod val="130000"/>
+                <a:lumMod val="88000"/>
+              </a:schemeClr>
+            </a:gs>
+          </a:gsLst>
+          <a:lin ang="5400000" scaled="0"/>
+        </a:gradFill>
+      </a:fillStyleLst>
+      <a:lnStyleLst>
+        <a:ln w="9525" cap="flat" cmpd="sng" algn="ctr">
+          <a:solidFill>
+            <a:schemeClr val="phClr"/>
+          </a:solidFill>
+          <a:prstDash val="solid"/>
+        </a:ln>
+        <a:ln w="15875" cap="flat" cmpd="sng" algn="ctr">
+          <a:solidFill>
+            <a:schemeClr val="phClr"/>
+          </a:solidFill>
+          <a:prstDash val="solid"/>
+        </a:ln>
+        <a:ln w="22225" cap="flat" cmpd="sng" algn="ctr">
+          <a:solidFill>
+            <a:schemeClr val="phClr"/>
+          </a:solidFill>
+          <a:prstDash val="solid"/>
+        </a:ln>
+      </a:lnStyleLst>
+      <a:effectStyleLst>
+        <a:effectStyle>
+          <a:effectLst/>
+        </a:effectStyle>
+        <a:effectStyle>
+          <a:effectLst/>
+        </a:effectStyle>
+        <a:effectStyle>
+          <a:effectLst/>
+        </a:effectStyle>
+      </a:effectStyleLst>
+      <a:bgFillStyleLst>
+        <a:solidFill>
+          <a:schemeClr val="phClr"/>
+        </a:solidFill>
+        <a:solidFill>
+          <a:schemeClr val="phClr"/>
+        </a:solidFill>
+        <a:blipFill rotWithShape="1">
+          <a:blip xmlns:r="http://schemas.openxmlformats.org/officeDocument/2006/relationships" r:embed="rId1"/>
+          <a:stretch/>
+        </a:blipFill>
+      </a:bgFillStyleLst>
+    </a:fmtScheme>
+  </a:themeElements>
+  <a:objectDefaults/>
+  <a:extraClrSchemeLst/>
+  <a:extLst>
+    <a:ext uri="{05A4C25C-085E-4340-85A3-A5531E510DB2}">
+      <thm15:themeFamily xmlns:thm15="http://schemas.microsoft.com/office/thememl/2012/main" name="Madison" id="{025CB5FB-2DD3-45EE-B6F0-CC461540EB19}" vid="{6AC10936-2DFC-4054-9ADF-B5E2C5F86190}"/>
+    </a:ext>
+  </a:extLst>
+</a:theme>
+</file>
+
+<file path=ppt/theme/theme2.xml><?xml version="1.0" encoding="utf-8"?>
 <a:theme xmlns:a="http://schemas.openxmlformats.org/drawingml/2006/main" name="Office Theme">
   <a:themeElements>
     <a:clrScheme name="Office">
